--- a/__site/CCFS/Mar-SpecialMeeting/Proposed-changes.pptx
+++ b/__site/CCFS/Mar-SpecialMeeting/Proposed-changes.pptx
@@ -1,31 +1,32 @@
 
 <file path=ppt/presentation.xml><?xml version="1.0" encoding="utf-8"?>
-<p:presentation xmlns:a="http://schemas.openxmlformats.org/drawingml/2006/main" xmlns:r="http://schemas.openxmlformats.org/officeDocument/2006/relationships" xmlns:mc="http://schemas.openxmlformats.org/markup-compatibility/2006" xmlns:mv="urn:schemas-microsoft-com:mac:vml" xmlns:p="http://schemas.openxmlformats.org/presentationml/2006/main" xmlns:c="http://schemas.openxmlformats.org/drawingml/2006/chart" xmlns:dgm="http://schemas.openxmlformats.org/drawingml/2006/diagram" xmlns:o="urn:schemas-microsoft-com:office:office" xmlns:v="urn:schemas-microsoft-com:vml" xmlns:pvml="urn:schemas-microsoft-com:office:powerpoint" xmlns:com="http://schemas.openxmlformats.org/drawingml/2006/compatibility" xmlns:p14="http://schemas.microsoft.com/office/powerpoint/2010/main" xmlns:p15="http://schemas.microsoft.com/office/powerpoint/2012/main" xmlns:ahyp="http://schemas.microsoft.com/office/drawing/2018/hyperlinkcolor" autoCompressPictures="0" strictFirstAndLastChars="0" saveSubsetFonts="1">
+<p:presentation xmlns:a="http://schemas.openxmlformats.org/drawingml/2006/main" xmlns:r="http://schemas.openxmlformats.org/officeDocument/2006/relationships" xmlns:p="http://schemas.openxmlformats.org/presentationml/2006/main" strictFirstAndLastChars="0" saveSubsetFonts="1" autoCompressPictures="0">
   <p:sldMasterIdLst>
-    <p:sldMasterId id="2147483648" r:id="rId4"/>
+    <p:sldMasterId id="2147483648" r:id="rId1"/>
   </p:sldMasterIdLst>
   <p:notesMasterIdLst>
-    <p:notesMasterId r:id="rId5"/>
+    <p:notesMasterId r:id="rId16"/>
   </p:notesMasterIdLst>
   <p:sldIdLst>
-    <p:sldId id="256" r:id="rId6"/>
-    <p:sldId id="257" r:id="rId7"/>
-    <p:sldId id="258" r:id="rId8"/>
-    <p:sldId id="259" r:id="rId9"/>
-    <p:sldId id="260" r:id="rId10"/>
-    <p:sldId id="261" r:id="rId11"/>
-    <p:sldId id="262" r:id="rId12"/>
-    <p:sldId id="263" r:id="rId13"/>
-    <p:sldId id="264" r:id="rId14"/>
-    <p:sldId id="265" r:id="rId15"/>
-    <p:sldId id="266" r:id="rId16"/>
-    <p:sldId id="267" r:id="rId17"/>
-    <p:sldId id="268" r:id="rId18"/>
+    <p:sldId id="256" r:id="rId2"/>
+    <p:sldId id="257" r:id="rId3"/>
+    <p:sldId id="258" r:id="rId4"/>
+    <p:sldId id="259" r:id="rId5"/>
+    <p:sldId id="260" r:id="rId6"/>
+    <p:sldId id="261" r:id="rId7"/>
+    <p:sldId id="262" r:id="rId8"/>
+    <p:sldId id="263" r:id="rId9"/>
+    <p:sldId id="264" r:id="rId10"/>
+    <p:sldId id="265" r:id="rId11"/>
+    <p:sldId id="266" r:id="rId12"/>
+    <p:sldId id="267" r:id="rId13"/>
+    <p:sldId id="268" r:id="rId14"/>
+    <p:sldId id="269" r:id="rId15"/>
   </p:sldIdLst>
-  <p:sldSz cy="6858000" cx="9144000"/>
+  <p:sldSz cx="9144000" cy="6858000" type="screen4x3"/>
   <p:notesSz cx="6858000" cy="9144000"/>
   <p:defaultTextStyle>
-    <a:defPPr lvl="0" marR="0" rtl="0" algn="l">
+    <a:defPPr marR="0" lvl="0" algn="l" rtl="0">
       <a:lnSpc>
         <a:spcPct val="100000"/>
       </a:lnSpc>
@@ -36,7 +37,7 @@
         <a:spcPts val="0"/>
       </a:spcAft>
     </a:defPPr>
-    <a:lvl1pPr lvl="0" marR="0" rtl="0" algn="l">
+    <a:lvl1pPr marR="0" lvl="0" algn="l" rtl="0">
       <a:lnSpc>
         <a:spcPct val="100000"/>
       </a:lnSpc>
@@ -50,7 +51,7 @@
         <a:srgbClr val="000000"/>
       </a:buClr>
       <a:buFont typeface="Arial"/>
-      <a:defRPr b="0" i="0" sz="1400" u="none" cap="none" strike="noStrike">
+      <a:defRPr sz="1400" b="0" i="0" u="none" strike="noStrike" cap="none">
         <a:solidFill>
           <a:srgbClr val="000000"/>
         </a:solidFill>
@@ -60,7 +61,7 @@
         <a:sym typeface="Arial"/>
       </a:defRPr>
     </a:lvl1pPr>
-    <a:lvl2pPr lvl="1" marR="0" rtl="0" algn="l">
+    <a:lvl2pPr marR="0" lvl="1" algn="l" rtl="0">
       <a:lnSpc>
         <a:spcPct val="100000"/>
       </a:lnSpc>
@@ -74,7 +75,7 @@
         <a:srgbClr val="000000"/>
       </a:buClr>
       <a:buFont typeface="Arial"/>
-      <a:defRPr b="0" i="0" sz="1400" u="none" cap="none" strike="noStrike">
+      <a:defRPr sz="1400" b="0" i="0" u="none" strike="noStrike" cap="none">
         <a:solidFill>
           <a:srgbClr val="000000"/>
         </a:solidFill>
@@ -84,7 +85,7 @@
         <a:sym typeface="Arial"/>
       </a:defRPr>
     </a:lvl2pPr>
-    <a:lvl3pPr lvl="2" marR="0" rtl="0" algn="l">
+    <a:lvl3pPr marR="0" lvl="2" algn="l" rtl="0">
       <a:lnSpc>
         <a:spcPct val="100000"/>
       </a:lnSpc>
@@ -98,7 +99,7 @@
         <a:srgbClr val="000000"/>
       </a:buClr>
       <a:buFont typeface="Arial"/>
-      <a:defRPr b="0" i="0" sz="1400" u="none" cap="none" strike="noStrike">
+      <a:defRPr sz="1400" b="0" i="0" u="none" strike="noStrike" cap="none">
         <a:solidFill>
           <a:srgbClr val="000000"/>
         </a:solidFill>
@@ -108,7 +109,7 @@
         <a:sym typeface="Arial"/>
       </a:defRPr>
     </a:lvl3pPr>
-    <a:lvl4pPr lvl="3" marR="0" rtl="0" algn="l">
+    <a:lvl4pPr marR="0" lvl="3" algn="l" rtl="0">
       <a:lnSpc>
         <a:spcPct val="100000"/>
       </a:lnSpc>
@@ -122,7 +123,7 @@
         <a:srgbClr val="000000"/>
       </a:buClr>
       <a:buFont typeface="Arial"/>
-      <a:defRPr b="0" i="0" sz="1400" u="none" cap="none" strike="noStrike">
+      <a:defRPr sz="1400" b="0" i="0" u="none" strike="noStrike" cap="none">
         <a:solidFill>
           <a:srgbClr val="000000"/>
         </a:solidFill>
@@ -132,7 +133,7 @@
         <a:sym typeface="Arial"/>
       </a:defRPr>
     </a:lvl4pPr>
-    <a:lvl5pPr lvl="4" marR="0" rtl="0" algn="l">
+    <a:lvl5pPr marR="0" lvl="4" algn="l" rtl="0">
       <a:lnSpc>
         <a:spcPct val="100000"/>
       </a:lnSpc>
@@ -146,7 +147,7 @@
         <a:srgbClr val="000000"/>
       </a:buClr>
       <a:buFont typeface="Arial"/>
-      <a:defRPr b="0" i="0" sz="1400" u="none" cap="none" strike="noStrike">
+      <a:defRPr sz="1400" b="0" i="0" u="none" strike="noStrike" cap="none">
         <a:solidFill>
           <a:srgbClr val="000000"/>
         </a:solidFill>
@@ -156,7 +157,7 @@
         <a:sym typeface="Arial"/>
       </a:defRPr>
     </a:lvl5pPr>
-    <a:lvl6pPr lvl="5" marR="0" rtl="0" algn="l">
+    <a:lvl6pPr marR="0" lvl="5" algn="l" rtl="0">
       <a:lnSpc>
         <a:spcPct val="100000"/>
       </a:lnSpc>
@@ -170,7 +171,7 @@
         <a:srgbClr val="000000"/>
       </a:buClr>
       <a:buFont typeface="Arial"/>
-      <a:defRPr b="0" i="0" sz="1400" u="none" cap="none" strike="noStrike">
+      <a:defRPr sz="1400" b="0" i="0" u="none" strike="noStrike" cap="none">
         <a:solidFill>
           <a:srgbClr val="000000"/>
         </a:solidFill>
@@ -180,7 +181,7 @@
         <a:sym typeface="Arial"/>
       </a:defRPr>
     </a:lvl6pPr>
-    <a:lvl7pPr lvl="6" marR="0" rtl="0" algn="l">
+    <a:lvl7pPr marR="0" lvl="6" algn="l" rtl="0">
       <a:lnSpc>
         <a:spcPct val="100000"/>
       </a:lnSpc>
@@ -194,7 +195,7 @@
         <a:srgbClr val="000000"/>
       </a:buClr>
       <a:buFont typeface="Arial"/>
-      <a:defRPr b="0" i="0" sz="1400" u="none" cap="none" strike="noStrike">
+      <a:defRPr sz="1400" b="0" i="0" u="none" strike="noStrike" cap="none">
         <a:solidFill>
           <a:srgbClr val="000000"/>
         </a:solidFill>
@@ -204,7 +205,7 @@
         <a:sym typeface="Arial"/>
       </a:defRPr>
     </a:lvl7pPr>
-    <a:lvl8pPr lvl="7" marR="0" rtl="0" algn="l">
+    <a:lvl8pPr marR="0" lvl="7" algn="l" rtl="0">
       <a:lnSpc>
         <a:spcPct val="100000"/>
       </a:lnSpc>
@@ -218,7 +219,7 @@
         <a:srgbClr val="000000"/>
       </a:buClr>
       <a:buFont typeface="Arial"/>
-      <a:defRPr b="0" i="0" sz="1400" u="none" cap="none" strike="noStrike">
+      <a:defRPr sz="1400" b="0" i="0" u="none" strike="noStrike" cap="none">
         <a:solidFill>
           <a:srgbClr val="000000"/>
         </a:solidFill>
@@ -228,7 +229,7 @@
         <a:sym typeface="Arial"/>
       </a:defRPr>
     </a:lvl8pPr>
-    <a:lvl9pPr lvl="8" marR="0" rtl="0" algn="l">
+    <a:lvl9pPr marR="0" lvl="8" algn="l" rtl="0">
       <a:lnSpc>
         <a:spcPct val="100000"/>
       </a:lnSpc>
@@ -242,7 +243,7 @@
         <a:srgbClr val="000000"/>
       </a:buClr>
       <a:buFont typeface="Arial"/>
-      <a:defRPr b="0" i="0" sz="1400" u="none" cap="none" strike="noStrike">
+      <a:defRPr sz="1400" b="0" i="0" u="none" strike="noStrike" cap="none">
         <a:solidFill>
           <a:srgbClr val="000000"/>
         </a:solidFill>
@@ -255,7 +256,7 @@
   </p:defaultTextStyle>
   <p:extLst>
     <p:ext uri="{EFAFB233-063F-42B5-8137-9DF3F51BA10A}">
-      <p15:sldGuideLst>
+      <p15:sldGuideLst xmlns:p15="http://schemas.microsoft.com/office/powerpoint/2012/main">
         <p15:guide id="1" orient="horz" pos="2160">
           <p15:clr>
             <a:srgbClr val="A4A3A4"/>
@@ -269,18 +270,57 @@
       </p15:sldGuideLst>
     </p:ext>
     <p:ext uri="http://customooxmlschemas.google.com/">
-      <go:slidesCustomData xmlns:go="http://customooxmlschemas.google.com/" r:id="rId19" roundtripDataSignature="AMtx7miqSDStbwFB+0g6PlC2NSSP7leU0w=="/>
+      <go:slidesCustomData xmlns:go="http://customooxmlschemas.google.com/" xmlns:ahyp="http://schemas.microsoft.com/office/drawing/2018/hyperlinkcolor" xmlns:p15="http://schemas.microsoft.com/office/powerpoint/2012/main" xmlns:p14="http://schemas.microsoft.com/office/powerpoint/2010/main" xmlns:com="http://schemas.openxmlformats.org/drawingml/2006/compatibility" xmlns:pvml="urn:schemas-microsoft-com:office:powerpoint" xmlns:v="urn:schemas-microsoft-com:vml" xmlns:o="urn:schemas-microsoft-com:office:office" xmlns:dgm="http://schemas.openxmlformats.org/drawingml/2006/diagram" xmlns:c="http://schemas.openxmlformats.org/drawingml/2006/chart" xmlns:mv="urn:schemas-microsoft-com:mac:vml" xmlns:mc="http://schemas.openxmlformats.org/markup-compatibility/2006" xmlns="" r:id="rId19" roundtripDataSignature="AMtx7miqSDStbwFB+0g6PlC2NSSP7leU0w=="/>
     </p:ext>
   </p:extLst>
 </p:presentation>
 </file>
 
+<file path=ppt/commentAuthors.xml><?xml version="1.0" encoding="utf-8"?>
+<p:cmAuthorLst xmlns:a="http://schemas.openxmlformats.org/drawingml/2006/main" xmlns:r="http://schemas.openxmlformats.org/officeDocument/2006/relationships" xmlns:p="http://schemas.openxmlformats.org/presentationml/2006/main">
+  <p:cmAuthor id="0" name="Wilma Jones" initials="" lastIdx="5" clrIdx="0"/>
+</p:cmAuthorLst>
+</file>
+
+<file path=ppt/comments/comment1.xml><?xml version="1.0" encoding="utf-8"?>
+<p:cmLst xmlns:a="http://schemas.openxmlformats.org/drawingml/2006/main" xmlns:r="http://schemas.openxmlformats.org/officeDocument/2006/relationships" xmlns:p="http://schemas.openxmlformats.org/presentationml/2006/main">
+  <p:cm authorId="0" dt="2021-03-11T08:00:09.623" idx="5">
+    <p:pos x="5204" y="1258"/>
+    <p:text>Perhaps, this could be said differently...Instead of "let's try...how about something like "Nevertheless, the CC/XC and I have summarized it the best we can."  </p:text>
+  </p:cm>
+</p:cmLst>
+</file>
+
+<file path=ppt/comments/comment2.xml><?xml version="1.0" encoding="utf-8"?>
+<p:cmLst xmlns:a="http://schemas.openxmlformats.org/drawingml/2006/main" xmlns:r="http://schemas.openxmlformats.org/officeDocument/2006/relationships" xmlns:p="http://schemas.openxmlformats.org/presentationml/2006/main">
+  <p:cm authorId="0" dt="2021-03-11T07:36:28.441" idx="1">
+    <p:pos x="5395" y="2455"/>
+    <p:text>This could be your talking points. This text could be shortened to: 
+In [Dec 2020,] President Fritz gave his approval for a governance referendum on 3 modest amendments after deliberating for 12 months with the Bylaws Committee</p:text>
+  </p:cm>
+</p:cmLst>
+</file>
+
+<file path=ppt/comments/comment3.xml><?xml version="1.0" encoding="utf-8"?>
+<p:cmLst xmlns:a="http://schemas.openxmlformats.org/drawingml/2006/main" xmlns:r="http://schemas.openxmlformats.org/officeDocument/2006/relationships" xmlns:p="http://schemas.openxmlformats.org/presentationml/2006/main">
+  <p:cm authorId="0" dt="2021-03-11T07:37:13.283" idx="2">
+    <p:pos x="4923" y="1258"/>
+    <p:text>Should this not be "Senate" structure?</p:text>
+  </p:cm>
+</p:cmLst>
+</file>
+
 <file path=ppt/notesMasters/notesMaster1.xml><?xml version="1.0" encoding="utf-8"?>
-<p:notesMaster xmlns:a="http://schemas.openxmlformats.org/drawingml/2006/main" xmlns:r="http://schemas.openxmlformats.org/officeDocument/2006/relationships" xmlns:mc="http://schemas.openxmlformats.org/markup-compatibility/2006" xmlns:mv="urn:schemas-microsoft-com:mac:vml" xmlns:p="http://schemas.openxmlformats.org/presentationml/2006/main" xmlns:c="http://schemas.openxmlformats.org/drawingml/2006/chart" xmlns:dgm="http://schemas.openxmlformats.org/drawingml/2006/diagram" xmlns:o="urn:schemas-microsoft-com:office:office" xmlns:v="urn:schemas-microsoft-com:vml" xmlns:pvml="urn:schemas-microsoft-com:office:powerpoint" xmlns:com="http://schemas.openxmlformats.org/drawingml/2006/compatibility" xmlns:p14="http://schemas.microsoft.com/office/powerpoint/2010/main" xmlns:p15="http://schemas.microsoft.com/office/powerpoint/2012/main" xmlns:ahyp="http://schemas.microsoft.com/office/drawing/2018/hyperlinkcolor">
+<p:notesMaster xmlns:a="http://schemas.openxmlformats.org/drawingml/2006/main" xmlns:r="http://schemas.openxmlformats.org/officeDocument/2006/relationships" xmlns:p="http://schemas.openxmlformats.org/presentationml/2006/main">
   <p:cSld>
+    <p:bg>
+      <p:bgRef idx="1001">
+        <a:schemeClr val="bg1"/>
+      </p:bgRef>
+    </p:bg>
     <p:spTree>
       <p:nvGrpSpPr>
-        <p:cNvPr id="2" name="Shape 2"/>
+        <p:cNvPr id="1" name="Shape 2"/>
         <p:cNvGrpSpPr/>
         <p:nvPr/>
       </p:nvGrpSpPr>
@@ -295,9 +335,11 @@
       <p:sp>
         <p:nvSpPr>
           <p:cNvPr id="3" name="Google Shape;3;n"/>
-          <p:cNvSpPr/>
+          <p:cNvSpPr>
+            <a:spLocks noGrp="1" noRot="1" noChangeAspect="1"/>
+          </p:cNvSpPr>
           <p:nvPr>
-            <p:ph idx="2" type="sldImg"/>
+            <p:ph type="sldImg" idx="2"/>
           </p:nvPr>
         </p:nvSpPr>
         <p:spPr>
@@ -306,9 +348,13 @@
             <a:ext cx="4572225" cy="3429000"/>
           </a:xfrm>
           <a:custGeom>
-            <a:rect b="b" l="l" r="r" t="t"/>
+            <a:avLst/>
+            <a:gdLst/>
+            <a:ahLst/>
+            <a:cxnLst/>
+            <a:rect l="l" t="t" r="r" b="b"/>
             <a:pathLst>
-              <a:path extrusionOk="0" h="120000" w="120000">
+              <a:path w="120000" h="120000" extrusionOk="0">
                 <a:moveTo>
                   <a:pt x="0" y="0"/>
                 </a:moveTo>
@@ -326,23 +372,25 @@
             </a:pathLst>
           </a:custGeom>
           <a:noFill/>
-          <a:ln cap="flat" cmpd="sng" w="9525">
+          <a:ln w="9525" cap="flat" cmpd="sng">
             <a:solidFill>
               <a:srgbClr val="000000"/>
             </a:solidFill>
             <a:prstDash val="solid"/>
             <a:round/>
-            <a:headEnd len="sm" w="sm" type="none"/>
-            <a:tailEnd len="sm" w="sm" type="none"/>
+            <a:headEnd type="none" w="sm" len="sm"/>
+            <a:tailEnd type="none" w="sm" len="sm"/>
           </a:ln>
         </p:spPr>
       </p:sp>
       <p:sp>
         <p:nvSpPr>
           <p:cNvPr id="4" name="Google Shape;4;n"/>
-          <p:cNvSpPr txBox="1"/>
+          <p:cNvSpPr txBox="1">
+            <a:spLocks noGrp="1"/>
+          </p:cNvSpPr>
           <p:nvPr>
-            <p:ph idx="1" type="body"/>
+            <p:ph type="body" idx="1"/>
           </p:nvPr>
         </p:nvSpPr>
         <p:spPr>
@@ -359,11 +407,11 @@
           </a:ln>
         </p:spPr>
         <p:txBody>
-          <a:bodyPr anchorCtr="0" anchor="t" bIns="91425" lIns="91425" spcFirstLastPara="1" rIns="91425" wrap="square" tIns="91425">
+          <a:bodyPr spcFirstLastPara="1" wrap="square" lIns="91425" tIns="91425" rIns="91425" bIns="91425" anchor="t" anchorCtr="0">
             <a:noAutofit/>
           </a:bodyPr>
           <a:lstStyle>
-            <a:lvl1pPr indent="-298450" lvl="0" marL="457200">
+            <a:lvl1pPr marL="457200" lvl="0" indent="-298450">
               <a:spcBef>
                 <a:spcPts val="0"/>
               </a:spcBef>
@@ -374,7 +422,7 @@
               <a:buChar char="●"/>
               <a:defRPr sz="1100"/>
             </a:lvl1pPr>
-            <a:lvl2pPr indent="-298450" lvl="1" marL="914400">
+            <a:lvl2pPr marL="914400" lvl="1" indent="-298450">
               <a:spcBef>
                 <a:spcPts val="0"/>
               </a:spcBef>
@@ -385,7 +433,7 @@
               <a:buChar char="○"/>
               <a:defRPr sz="1100"/>
             </a:lvl2pPr>
-            <a:lvl3pPr indent="-298450" lvl="2" marL="1371600">
+            <a:lvl3pPr marL="1371600" lvl="2" indent="-298450">
               <a:spcBef>
                 <a:spcPts val="0"/>
               </a:spcBef>
@@ -396,7 +444,7 @@
               <a:buChar char="■"/>
               <a:defRPr sz="1100"/>
             </a:lvl3pPr>
-            <a:lvl4pPr indent="-298450" lvl="3" marL="1828800">
+            <a:lvl4pPr marL="1828800" lvl="3" indent="-298450">
               <a:spcBef>
                 <a:spcPts val="0"/>
               </a:spcBef>
@@ -407,7 +455,7 @@
               <a:buChar char="●"/>
               <a:defRPr sz="1100"/>
             </a:lvl4pPr>
-            <a:lvl5pPr indent="-298450" lvl="4" marL="2286000">
+            <a:lvl5pPr marL="2286000" lvl="4" indent="-298450">
               <a:spcBef>
                 <a:spcPts val="0"/>
               </a:spcBef>
@@ -418,7 +466,7 @@
               <a:buChar char="○"/>
               <a:defRPr sz="1100"/>
             </a:lvl5pPr>
-            <a:lvl6pPr indent="-298450" lvl="5" marL="2743200">
+            <a:lvl6pPr marL="2743200" lvl="5" indent="-298450">
               <a:spcBef>
                 <a:spcPts val="0"/>
               </a:spcBef>
@@ -429,7 +477,7 @@
               <a:buChar char="■"/>
               <a:defRPr sz="1100"/>
             </a:lvl6pPr>
-            <a:lvl7pPr indent="-298450" lvl="6" marL="3200400">
+            <a:lvl7pPr marL="3200400" lvl="6" indent="-298450">
               <a:spcBef>
                 <a:spcPts val="0"/>
               </a:spcBef>
@@ -440,7 +488,7 @@
               <a:buChar char="●"/>
               <a:defRPr sz="1100"/>
             </a:lvl7pPr>
-            <a:lvl8pPr indent="-298450" lvl="7" marL="3657600">
+            <a:lvl8pPr marL="3657600" lvl="7" indent="-298450">
               <a:spcBef>
                 <a:spcPts val="0"/>
               </a:spcBef>
@@ -451,7 +499,7 @@
               <a:buChar char="○"/>
               <a:defRPr sz="1100"/>
             </a:lvl8pPr>
-            <a:lvl9pPr indent="-298450" lvl="8" marL="4114800">
+            <a:lvl9pPr marL="4114800" lvl="8" indent="-298450">
               <a:spcBef>
                 <a:spcPts val="0"/>
               </a:spcBef>
@@ -463,14 +511,21 @@
               <a:defRPr sz="1100"/>
             </a:lvl9pPr>
           </a:lstStyle>
-          <a:p/>
+          <a:p>
+            <a:endParaRPr/>
+          </a:p>
         </p:txBody>
       </p:sp>
     </p:spTree>
+    <p:extLst>
+      <p:ext uri="{BB962C8B-B14F-4D97-AF65-F5344CB8AC3E}">
+        <p14:creationId xmlns:p14="http://schemas.microsoft.com/office/powerpoint/2010/main" val="1649192958"/>
+      </p:ext>
+    </p:extLst>
   </p:cSld>
-  <p:clrMap accent1="accent1" accent2="accent2" accent3="accent3" accent4="accent4" accent5="accent5" accent6="accent6" bg1="lt1" bg2="dk2" tx1="dk1" tx2="lt2" folHlink="folHlink" hlink="hlink"/>
+  <p:clrMap bg1="lt1" tx1="dk1" bg2="dk2" tx2="lt2" accent1="accent1" accent2="accent2" accent3="accent3" accent4="accent4" accent5="accent5" accent6="accent6" hlink="hlink" folHlink="folHlink"/>
   <p:notesStyle>
-    <a:defPPr lvl="0" marR="0" rtl="0" algn="l">
+    <a:defPPr marR="0" lvl="0" algn="l" rtl="0">
       <a:lnSpc>
         <a:spcPct val="100000"/>
       </a:lnSpc>
@@ -481,7 +536,7 @@
         <a:spcPts val="0"/>
       </a:spcAft>
     </a:defPPr>
-    <a:lvl1pPr lvl="0" marR="0" rtl="0" algn="l">
+    <a:lvl1pPr marR="0" lvl="0" algn="l" rtl="0">
       <a:lnSpc>
         <a:spcPct val="100000"/>
       </a:lnSpc>
@@ -495,7 +550,7 @@
         <a:srgbClr val="000000"/>
       </a:buClr>
       <a:buFont typeface="Arial"/>
-      <a:defRPr b="0" i="0" sz="1400" u="none" cap="none" strike="noStrike">
+      <a:defRPr sz="1400" b="0" i="0" u="none" strike="noStrike" cap="none">
         <a:solidFill>
           <a:srgbClr val="000000"/>
         </a:solidFill>
@@ -505,7 +560,7 @@
         <a:sym typeface="Arial"/>
       </a:defRPr>
     </a:lvl1pPr>
-    <a:lvl2pPr lvl="1" marR="0" rtl="0" algn="l">
+    <a:lvl2pPr marR="0" lvl="1" algn="l" rtl="0">
       <a:lnSpc>
         <a:spcPct val="100000"/>
       </a:lnSpc>
@@ -519,7 +574,7 @@
         <a:srgbClr val="000000"/>
       </a:buClr>
       <a:buFont typeface="Arial"/>
-      <a:defRPr b="0" i="0" sz="1400" u="none" cap="none" strike="noStrike">
+      <a:defRPr sz="1400" b="0" i="0" u="none" strike="noStrike" cap="none">
         <a:solidFill>
           <a:srgbClr val="000000"/>
         </a:solidFill>
@@ -529,7 +584,7 @@
         <a:sym typeface="Arial"/>
       </a:defRPr>
     </a:lvl2pPr>
-    <a:lvl3pPr lvl="2" marR="0" rtl="0" algn="l">
+    <a:lvl3pPr marR="0" lvl="2" algn="l" rtl="0">
       <a:lnSpc>
         <a:spcPct val="100000"/>
       </a:lnSpc>
@@ -543,7 +598,7 @@
         <a:srgbClr val="000000"/>
       </a:buClr>
       <a:buFont typeface="Arial"/>
-      <a:defRPr b="0" i="0" sz="1400" u="none" cap="none" strike="noStrike">
+      <a:defRPr sz="1400" b="0" i="0" u="none" strike="noStrike" cap="none">
         <a:solidFill>
           <a:srgbClr val="000000"/>
         </a:solidFill>
@@ -553,7 +608,7 @@
         <a:sym typeface="Arial"/>
       </a:defRPr>
     </a:lvl3pPr>
-    <a:lvl4pPr lvl="3" marR="0" rtl="0" algn="l">
+    <a:lvl4pPr marR="0" lvl="3" algn="l" rtl="0">
       <a:lnSpc>
         <a:spcPct val="100000"/>
       </a:lnSpc>
@@ -567,7 +622,7 @@
         <a:srgbClr val="000000"/>
       </a:buClr>
       <a:buFont typeface="Arial"/>
-      <a:defRPr b="0" i="0" sz="1400" u="none" cap="none" strike="noStrike">
+      <a:defRPr sz="1400" b="0" i="0" u="none" strike="noStrike" cap="none">
         <a:solidFill>
           <a:srgbClr val="000000"/>
         </a:solidFill>
@@ -577,7 +632,7 @@
         <a:sym typeface="Arial"/>
       </a:defRPr>
     </a:lvl4pPr>
-    <a:lvl5pPr lvl="4" marR="0" rtl="0" algn="l">
+    <a:lvl5pPr marR="0" lvl="4" algn="l" rtl="0">
       <a:lnSpc>
         <a:spcPct val="100000"/>
       </a:lnSpc>
@@ -591,7 +646,7 @@
         <a:srgbClr val="000000"/>
       </a:buClr>
       <a:buFont typeface="Arial"/>
-      <a:defRPr b="0" i="0" sz="1400" u="none" cap="none" strike="noStrike">
+      <a:defRPr sz="1400" b="0" i="0" u="none" strike="noStrike" cap="none">
         <a:solidFill>
           <a:srgbClr val="000000"/>
         </a:solidFill>
@@ -601,7 +656,7 @@
         <a:sym typeface="Arial"/>
       </a:defRPr>
     </a:lvl5pPr>
-    <a:lvl6pPr lvl="5" marR="0" rtl="0" algn="l">
+    <a:lvl6pPr marR="0" lvl="5" algn="l" rtl="0">
       <a:lnSpc>
         <a:spcPct val="100000"/>
       </a:lnSpc>
@@ -615,7 +670,7 @@
         <a:srgbClr val="000000"/>
       </a:buClr>
       <a:buFont typeface="Arial"/>
-      <a:defRPr b="0" i="0" sz="1400" u="none" cap="none" strike="noStrike">
+      <a:defRPr sz="1400" b="0" i="0" u="none" strike="noStrike" cap="none">
         <a:solidFill>
           <a:srgbClr val="000000"/>
         </a:solidFill>
@@ -625,7 +680,7 @@
         <a:sym typeface="Arial"/>
       </a:defRPr>
     </a:lvl6pPr>
-    <a:lvl7pPr lvl="6" marR="0" rtl="0" algn="l">
+    <a:lvl7pPr marR="0" lvl="6" algn="l" rtl="0">
       <a:lnSpc>
         <a:spcPct val="100000"/>
       </a:lnSpc>
@@ -639,7 +694,7 @@
         <a:srgbClr val="000000"/>
       </a:buClr>
       <a:buFont typeface="Arial"/>
-      <a:defRPr b="0" i="0" sz="1400" u="none" cap="none" strike="noStrike">
+      <a:defRPr sz="1400" b="0" i="0" u="none" strike="noStrike" cap="none">
         <a:solidFill>
           <a:srgbClr val="000000"/>
         </a:solidFill>
@@ -649,7 +704,7 @@
         <a:sym typeface="Arial"/>
       </a:defRPr>
     </a:lvl7pPr>
-    <a:lvl8pPr lvl="7" marR="0" rtl="0" algn="l">
+    <a:lvl8pPr marR="0" lvl="7" algn="l" rtl="0">
       <a:lnSpc>
         <a:spcPct val="100000"/>
       </a:lnSpc>
@@ -663,7 +718,7 @@
         <a:srgbClr val="000000"/>
       </a:buClr>
       <a:buFont typeface="Arial"/>
-      <a:defRPr b="0" i="0" sz="1400" u="none" cap="none" strike="noStrike">
+      <a:defRPr sz="1400" b="0" i="0" u="none" strike="noStrike" cap="none">
         <a:solidFill>
           <a:srgbClr val="000000"/>
         </a:solidFill>
@@ -673,7 +728,7 @@
         <a:sym typeface="Arial"/>
       </a:defRPr>
     </a:lvl8pPr>
-    <a:lvl9pPr lvl="8" marR="0" rtl="0" algn="l">
+    <a:lvl9pPr marR="0" lvl="8" algn="l" rtl="0">
       <a:lnSpc>
         <a:spcPct val="100000"/>
       </a:lnSpc>
@@ -687,7 +742,7 @@
         <a:srgbClr val="000000"/>
       </a:buClr>
       <a:buFont typeface="Arial"/>
-      <a:defRPr b="0" i="0" sz="1400" u="none" cap="none" strike="noStrike">
+      <a:defRPr sz="1400" b="0" i="0" u="none" strike="noStrike" cap="none">
         <a:solidFill>
           <a:srgbClr val="000000"/>
         </a:solidFill>
@@ -702,11 +757,11 @@
 </file>
 
 <file path=ppt/notesSlides/notesSlide1.xml><?xml version="1.0" encoding="utf-8"?>
-<p:notes xmlns:a="http://schemas.openxmlformats.org/drawingml/2006/main" xmlns:r="http://schemas.openxmlformats.org/officeDocument/2006/relationships" xmlns:mc="http://schemas.openxmlformats.org/markup-compatibility/2006" xmlns:mv="urn:schemas-microsoft-com:mac:vml" xmlns:p="http://schemas.openxmlformats.org/presentationml/2006/main" xmlns:c="http://schemas.openxmlformats.org/drawingml/2006/chart" xmlns:dgm="http://schemas.openxmlformats.org/drawingml/2006/diagram" xmlns:o="urn:schemas-microsoft-com:office:office" xmlns:v="urn:schemas-microsoft-com:vml" xmlns:pvml="urn:schemas-microsoft-com:office:powerpoint" xmlns:com="http://schemas.openxmlformats.org/drawingml/2006/compatibility" xmlns:p14="http://schemas.microsoft.com/office/powerpoint/2010/main" xmlns:p15="http://schemas.microsoft.com/office/powerpoint/2012/main" xmlns:ahyp="http://schemas.microsoft.com/office/drawing/2018/hyperlinkcolor" showMasterPhAnim="0" showMasterSp="0">
+<p:notes xmlns:a="http://schemas.openxmlformats.org/drawingml/2006/main" xmlns:r="http://schemas.openxmlformats.org/officeDocument/2006/relationships" xmlns:p="http://schemas.openxmlformats.org/presentationml/2006/main" showMasterSp="0" showMasterPhAnim="0">
   <p:cSld>
     <p:spTree>
       <p:nvGrpSpPr>
-        <p:cNvPr id="80" name="Shape 80"/>
+        <p:cNvPr id="1" name="Shape 80"/>
         <p:cNvGrpSpPr/>
         <p:nvPr/>
       </p:nvGrpSpPr>
@@ -721,9 +776,11 @@
       <p:sp>
         <p:nvSpPr>
           <p:cNvPr id="81" name="Google Shape;81;p1:notes"/>
-          <p:cNvSpPr txBox="1"/>
+          <p:cNvSpPr txBox="1">
+            <a:spLocks noGrp="1"/>
+          </p:cNvSpPr>
           <p:nvPr>
-            <p:ph idx="1" type="body"/>
+            <p:ph type="body" idx="1"/>
           </p:nvPr>
         </p:nvSpPr>
         <p:spPr>
@@ -736,12 +793,12 @@
           </a:prstGeom>
         </p:spPr>
         <p:txBody>
-          <a:bodyPr anchorCtr="0" anchor="t" bIns="91425" lIns="91425" spcFirstLastPara="1" rIns="91425" wrap="square" tIns="91425">
+          <a:bodyPr spcFirstLastPara="1" wrap="square" lIns="91425" tIns="91425" rIns="91425" bIns="91425" anchor="t" anchorCtr="0">
             <a:noAutofit/>
           </a:bodyPr>
           <a:lstStyle/>
           <a:p>
-            <a:pPr indent="0" lvl="0" marL="0" rtl="0" algn="l">
+            <a:pPr marL="0" lvl="0" indent="0" algn="l" rtl="0">
               <a:spcBef>
                 <a:spcPts val="0"/>
               </a:spcBef>
@@ -750,9 +807,6 @@
               </a:spcAft>
               <a:buNone/>
             </a:pPr>
-            <a:r>
-              <a:t/>
-            </a:r>
             <a:endParaRPr/>
           </a:p>
         </p:txBody>
@@ -760,20 +814,26 @@
       <p:sp>
         <p:nvSpPr>
           <p:cNvPr id="82" name="Google Shape;82;p1:notes"/>
-          <p:cNvSpPr/>
+          <p:cNvSpPr>
+            <a:spLocks noGrp="1" noRot="1" noChangeAspect="1"/>
+          </p:cNvSpPr>
           <p:nvPr>
-            <p:ph idx="2" type="sldImg"/>
+            <p:ph type="sldImg" idx="2"/>
           </p:nvPr>
         </p:nvSpPr>
         <p:spPr>
           <a:xfrm>
-            <a:off x="1143225" y="685800"/>
-            <a:ext cx="4572225" cy="3429000"/>
+            <a:off x="1143000" y="685800"/>
+            <a:ext cx="4572000" cy="3429000"/>
           </a:xfrm>
           <a:custGeom>
-            <a:rect b="b" l="l" r="r" t="t"/>
+            <a:avLst/>
+            <a:gdLst/>
+            <a:ahLst/>
+            <a:cxnLst/>
+            <a:rect l="l" t="t" r="r" b="b"/>
             <a:pathLst>
-              <a:path extrusionOk="0" h="120000" w="120000">
+              <a:path w="120000" h="120000" extrusionOk="0">
                 <a:moveTo>
                   <a:pt x="0" y="0"/>
                 </a:moveTo>
@@ -801,11 +861,11 @@
 </file>
 
 <file path=ppt/notesSlides/notesSlide10.xml><?xml version="1.0" encoding="utf-8"?>
-<p:notes xmlns:a="http://schemas.openxmlformats.org/drawingml/2006/main" xmlns:r="http://schemas.openxmlformats.org/officeDocument/2006/relationships" xmlns:mc="http://schemas.openxmlformats.org/markup-compatibility/2006" xmlns:mv="urn:schemas-microsoft-com:mac:vml" xmlns:p="http://schemas.openxmlformats.org/presentationml/2006/main" xmlns:c="http://schemas.openxmlformats.org/drawingml/2006/chart" xmlns:dgm="http://schemas.openxmlformats.org/drawingml/2006/diagram" xmlns:o="urn:schemas-microsoft-com:office:office" xmlns:v="urn:schemas-microsoft-com:vml" xmlns:pvml="urn:schemas-microsoft-com:office:powerpoint" xmlns:com="http://schemas.openxmlformats.org/drawingml/2006/compatibility" xmlns:p14="http://schemas.microsoft.com/office/powerpoint/2010/main" xmlns:p15="http://schemas.microsoft.com/office/powerpoint/2012/main" xmlns:ahyp="http://schemas.microsoft.com/office/drawing/2018/hyperlinkcolor" showMasterPhAnim="0" showMasterSp="0">
+<p:notes xmlns:a="http://schemas.openxmlformats.org/drawingml/2006/main" xmlns:r="http://schemas.openxmlformats.org/officeDocument/2006/relationships" xmlns:p="http://schemas.openxmlformats.org/presentationml/2006/main" showMasterSp="0" showMasterPhAnim="0">
   <p:cSld>
     <p:spTree>
       <p:nvGrpSpPr>
-        <p:cNvPr id="135" name="Shape 135"/>
+        <p:cNvPr id="1" name="Shape 135"/>
         <p:cNvGrpSpPr/>
         <p:nvPr/>
       </p:nvGrpSpPr>
@@ -820,9 +880,11 @@
       <p:sp>
         <p:nvSpPr>
           <p:cNvPr id="136" name="Google Shape;136;p10:notes"/>
-          <p:cNvSpPr txBox="1"/>
+          <p:cNvSpPr txBox="1">
+            <a:spLocks noGrp="1"/>
+          </p:cNvSpPr>
           <p:nvPr>
-            <p:ph idx="1" type="body"/>
+            <p:ph type="body" idx="1"/>
           </p:nvPr>
         </p:nvSpPr>
         <p:spPr>
@@ -835,12 +897,12 @@
           </a:prstGeom>
         </p:spPr>
         <p:txBody>
-          <a:bodyPr anchorCtr="0" anchor="t" bIns="91425" lIns="91425" spcFirstLastPara="1" rIns="91425" wrap="square" tIns="91425">
+          <a:bodyPr spcFirstLastPara="1" wrap="square" lIns="91425" tIns="91425" rIns="91425" bIns="91425" anchor="t" anchorCtr="0">
             <a:noAutofit/>
           </a:bodyPr>
           <a:lstStyle/>
           <a:p>
-            <a:pPr indent="0" lvl="0" marL="0" rtl="0" algn="l">
+            <a:pPr marL="0" lvl="0" indent="0" algn="l" rtl="0">
               <a:spcBef>
                 <a:spcPts val="0"/>
               </a:spcBef>
@@ -849,9 +911,6 @@
               </a:spcAft>
               <a:buNone/>
             </a:pPr>
-            <a:r>
-              <a:t/>
-            </a:r>
             <a:endParaRPr/>
           </a:p>
         </p:txBody>
@@ -859,20 +918,26 @@
       <p:sp>
         <p:nvSpPr>
           <p:cNvPr id="137" name="Google Shape;137;p10:notes"/>
-          <p:cNvSpPr/>
+          <p:cNvSpPr>
+            <a:spLocks noGrp="1" noRot="1" noChangeAspect="1"/>
+          </p:cNvSpPr>
           <p:nvPr>
-            <p:ph idx="2" type="sldImg"/>
+            <p:ph type="sldImg" idx="2"/>
           </p:nvPr>
         </p:nvSpPr>
         <p:spPr>
           <a:xfrm>
-            <a:off x="1143225" y="685800"/>
-            <a:ext cx="4572225" cy="3429000"/>
+            <a:off x="1143000" y="685800"/>
+            <a:ext cx="4572000" cy="3429000"/>
           </a:xfrm>
           <a:custGeom>
-            <a:rect b="b" l="l" r="r" t="t"/>
+            <a:avLst/>
+            <a:gdLst/>
+            <a:ahLst/>
+            <a:cxnLst/>
+            <a:rect l="l" t="t" r="r" b="b"/>
             <a:pathLst>
-              <a:path extrusionOk="0" h="120000" w="120000">
+              <a:path w="120000" h="120000" extrusionOk="0">
                 <a:moveTo>
                   <a:pt x="0" y="0"/>
                 </a:moveTo>
@@ -900,11 +965,11 @@
 </file>
 
 <file path=ppt/notesSlides/notesSlide11.xml><?xml version="1.0" encoding="utf-8"?>
-<p:notes xmlns:a="http://schemas.openxmlformats.org/drawingml/2006/main" xmlns:r="http://schemas.openxmlformats.org/officeDocument/2006/relationships" xmlns:mc="http://schemas.openxmlformats.org/markup-compatibility/2006" xmlns:mv="urn:schemas-microsoft-com:mac:vml" xmlns:p="http://schemas.openxmlformats.org/presentationml/2006/main" xmlns:c="http://schemas.openxmlformats.org/drawingml/2006/chart" xmlns:dgm="http://schemas.openxmlformats.org/drawingml/2006/diagram" xmlns:o="urn:schemas-microsoft-com:office:office" xmlns:v="urn:schemas-microsoft-com:vml" xmlns:pvml="urn:schemas-microsoft-com:office:powerpoint" xmlns:com="http://schemas.openxmlformats.org/drawingml/2006/compatibility" xmlns:p14="http://schemas.microsoft.com/office/powerpoint/2010/main" xmlns:p15="http://schemas.microsoft.com/office/powerpoint/2012/main" xmlns:ahyp="http://schemas.microsoft.com/office/drawing/2018/hyperlinkcolor" showMasterPhAnim="0" showMasterSp="0">
+<p:notes xmlns:a="http://schemas.openxmlformats.org/drawingml/2006/main" xmlns:r="http://schemas.openxmlformats.org/officeDocument/2006/relationships" xmlns:p="http://schemas.openxmlformats.org/presentationml/2006/main" showMasterSp="0" showMasterPhAnim="0">
   <p:cSld>
     <p:spTree>
       <p:nvGrpSpPr>
-        <p:cNvPr id="141" name="Shape 141"/>
+        <p:cNvPr id="1" name="Shape 141"/>
         <p:cNvGrpSpPr/>
         <p:nvPr/>
       </p:nvGrpSpPr>
@@ -919,9 +984,11 @@
       <p:sp>
         <p:nvSpPr>
           <p:cNvPr id="142" name="Google Shape;142;p11:notes"/>
-          <p:cNvSpPr txBox="1"/>
+          <p:cNvSpPr txBox="1">
+            <a:spLocks noGrp="1"/>
+          </p:cNvSpPr>
           <p:nvPr>
-            <p:ph idx="1" type="body"/>
+            <p:ph type="body" idx="1"/>
           </p:nvPr>
         </p:nvSpPr>
         <p:spPr>
@@ -934,12 +1001,12 @@
           </a:prstGeom>
         </p:spPr>
         <p:txBody>
-          <a:bodyPr anchorCtr="0" anchor="t" bIns="91425" lIns="91425" spcFirstLastPara="1" rIns="91425" wrap="square" tIns="91425">
+          <a:bodyPr spcFirstLastPara="1" wrap="square" lIns="91425" tIns="91425" rIns="91425" bIns="91425" anchor="t" anchorCtr="0">
             <a:noAutofit/>
           </a:bodyPr>
           <a:lstStyle/>
           <a:p>
-            <a:pPr indent="0" lvl="0" marL="0" rtl="0" algn="l">
+            <a:pPr marL="0" lvl="0" indent="0" algn="l" rtl="0">
               <a:spcBef>
                 <a:spcPts val="0"/>
               </a:spcBef>
@@ -948,9 +1015,6 @@
               </a:spcAft>
               <a:buNone/>
             </a:pPr>
-            <a:r>
-              <a:t/>
-            </a:r>
             <a:endParaRPr/>
           </a:p>
         </p:txBody>
@@ -958,20 +1022,26 @@
       <p:sp>
         <p:nvSpPr>
           <p:cNvPr id="143" name="Google Shape;143;p11:notes"/>
-          <p:cNvSpPr/>
+          <p:cNvSpPr>
+            <a:spLocks noGrp="1" noRot="1" noChangeAspect="1"/>
+          </p:cNvSpPr>
           <p:nvPr>
-            <p:ph idx="2" type="sldImg"/>
+            <p:ph type="sldImg" idx="2"/>
           </p:nvPr>
         </p:nvSpPr>
         <p:spPr>
           <a:xfrm>
-            <a:off x="1143225" y="685800"/>
-            <a:ext cx="4572225" cy="3429000"/>
+            <a:off x="1143000" y="685800"/>
+            <a:ext cx="4572000" cy="3429000"/>
           </a:xfrm>
           <a:custGeom>
-            <a:rect b="b" l="l" r="r" t="t"/>
+            <a:avLst/>
+            <a:gdLst/>
+            <a:ahLst/>
+            <a:cxnLst/>
+            <a:rect l="l" t="t" r="r" b="b"/>
             <a:pathLst>
-              <a:path extrusionOk="0" h="120000" w="120000">
+              <a:path w="120000" h="120000" extrusionOk="0">
                 <a:moveTo>
                   <a:pt x="0" y="0"/>
                 </a:moveTo>
@@ -999,11 +1069,11 @@
 </file>
 
 <file path=ppt/notesSlides/notesSlide12.xml><?xml version="1.0" encoding="utf-8"?>
-<p:notes xmlns:a="http://schemas.openxmlformats.org/drawingml/2006/main" xmlns:r="http://schemas.openxmlformats.org/officeDocument/2006/relationships" xmlns:mc="http://schemas.openxmlformats.org/markup-compatibility/2006" xmlns:mv="urn:schemas-microsoft-com:mac:vml" xmlns:p="http://schemas.openxmlformats.org/presentationml/2006/main" xmlns:c="http://schemas.openxmlformats.org/drawingml/2006/chart" xmlns:dgm="http://schemas.openxmlformats.org/drawingml/2006/diagram" xmlns:o="urn:schemas-microsoft-com:office:office" xmlns:v="urn:schemas-microsoft-com:vml" xmlns:pvml="urn:schemas-microsoft-com:office:powerpoint" xmlns:com="http://schemas.openxmlformats.org/drawingml/2006/compatibility" xmlns:p14="http://schemas.microsoft.com/office/powerpoint/2010/main" xmlns:p15="http://schemas.microsoft.com/office/powerpoint/2012/main" xmlns:ahyp="http://schemas.microsoft.com/office/drawing/2018/hyperlinkcolor" showMasterPhAnim="0" showMasterSp="0">
+<p:notes xmlns:a="http://schemas.openxmlformats.org/drawingml/2006/main" xmlns:r="http://schemas.openxmlformats.org/officeDocument/2006/relationships" xmlns:p="http://schemas.openxmlformats.org/presentationml/2006/main" showMasterSp="0" showMasterPhAnim="0">
   <p:cSld>
     <p:spTree>
       <p:nvGrpSpPr>
-        <p:cNvPr id="147" name="Shape 147"/>
+        <p:cNvPr id="1" name="Shape 147"/>
         <p:cNvGrpSpPr/>
         <p:nvPr/>
       </p:nvGrpSpPr>
@@ -1018,9 +1088,11 @@
       <p:sp>
         <p:nvSpPr>
           <p:cNvPr id="148" name="Google Shape;148;p12:notes"/>
-          <p:cNvSpPr txBox="1"/>
+          <p:cNvSpPr txBox="1">
+            <a:spLocks noGrp="1"/>
+          </p:cNvSpPr>
           <p:nvPr>
-            <p:ph idx="1" type="body"/>
+            <p:ph type="body" idx="1"/>
           </p:nvPr>
         </p:nvSpPr>
         <p:spPr>
@@ -1033,12 +1105,12 @@
           </a:prstGeom>
         </p:spPr>
         <p:txBody>
-          <a:bodyPr anchorCtr="0" anchor="t" bIns="91425" lIns="91425" spcFirstLastPara="1" rIns="91425" wrap="square" tIns="91425">
+          <a:bodyPr spcFirstLastPara="1" wrap="square" lIns="91425" tIns="91425" rIns="91425" bIns="91425" anchor="t" anchorCtr="0">
             <a:noAutofit/>
           </a:bodyPr>
           <a:lstStyle/>
           <a:p>
-            <a:pPr indent="0" lvl="0" marL="0" rtl="0" algn="l">
+            <a:pPr marL="0" lvl="0" indent="0" algn="l" rtl="0">
               <a:spcBef>
                 <a:spcPts val="0"/>
               </a:spcBef>
@@ -1047,9 +1119,6 @@
               </a:spcAft>
               <a:buNone/>
             </a:pPr>
-            <a:r>
-              <a:t/>
-            </a:r>
             <a:endParaRPr/>
           </a:p>
         </p:txBody>
@@ -1057,20 +1126,26 @@
       <p:sp>
         <p:nvSpPr>
           <p:cNvPr id="149" name="Google Shape;149;p12:notes"/>
-          <p:cNvSpPr/>
+          <p:cNvSpPr>
+            <a:spLocks noGrp="1" noRot="1" noChangeAspect="1"/>
+          </p:cNvSpPr>
           <p:nvPr>
-            <p:ph idx="2" type="sldImg"/>
+            <p:ph type="sldImg" idx="2"/>
           </p:nvPr>
         </p:nvSpPr>
         <p:spPr>
           <a:xfrm>
-            <a:off x="1143225" y="685800"/>
-            <a:ext cx="4572225" cy="3429000"/>
+            <a:off x="1143000" y="685800"/>
+            <a:ext cx="4572000" cy="3429000"/>
           </a:xfrm>
           <a:custGeom>
-            <a:rect b="b" l="l" r="r" t="t"/>
+            <a:avLst/>
+            <a:gdLst/>
+            <a:ahLst/>
+            <a:cxnLst/>
+            <a:rect l="l" t="t" r="r" b="b"/>
             <a:pathLst>
-              <a:path extrusionOk="0" h="120000" w="120000">
+              <a:path w="120000" h="120000" extrusionOk="0">
                 <a:moveTo>
                   <a:pt x="0" y="0"/>
                 </a:moveTo>
@@ -1098,11 +1173,11 @@
 </file>
 
 <file path=ppt/notesSlides/notesSlide13.xml><?xml version="1.0" encoding="utf-8"?>
-<p:notes xmlns:a="http://schemas.openxmlformats.org/drawingml/2006/main" xmlns:r="http://schemas.openxmlformats.org/officeDocument/2006/relationships" xmlns:mc="http://schemas.openxmlformats.org/markup-compatibility/2006" xmlns:mv="urn:schemas-microsoft-com:mac:vml" xmlns:p="http://schemas.openxmlformats.org/presentationml/2006/main" xmlns:c="http://schemas.openxmlformats.org/drawingml/2006/chart" xmlns:dgm="http://schemas.openxmlformats.org/drawingml/2006/diagram" xmlns:o="urn:schemas-microsoft-com:office:office" xmlns:v="urn:schemas-microsoft-com:vml" xmlns:pvml="urn:schemas-microsoft-com:office:powerpoint" xmlns:com="http://schemas.openxmlformats.org/drawingml/2006/compatibility" xmlns:p14="http://schemas.microsoft.com/office/powerpoint/2010/main" xmlns:p15="http://schemas.microsoft.com/office/powerpoint/2012/main" xmlns:ahyp="http://schemas.microsoft.com/office/drawing/2018/hyperlinkcolor" showMasterPhAnim="0" showMasterSp="0">
+<p:notes xmlns:a="http://schemas.openxmlformats.org/drawingml/2006/main" xmlns:r="http://schemas.openxmlformats.org/officeDocument/2006/relationships" xmlns:p="http://schemas.openxmlformats.org/presentationml/2006/main" showMasterSp="0" showMasterPhAnim="0">
   <p:cSld>
     <p:spTree>
       <p:nvGrpSpPr>
-        <p:cNvPr id="153" name="Shape 153"/>
+        <p:cNvPr id="1" name="Shape 153"/>
         <p:cNvGrpSpPr/>
         <p:nvPr/>
       </p:nvGrpSpPr>
@@ -1117,9 +1192,11 @@
       <p:sp>
         <p:nvSpPr>
           <p:cNvPr id="154" name="Google Shape;154;p13:notes"/>
-          <p:cNvSpPr txBox="1"/>
+          <p:cNvSpPr txBox="1">
+            <a:spLocks noGrp="1"/>
+          </p:cNvSpPr>
           <p:nvPr>
-            <p:ph idx="1" type="body"/>
+            <p:ph type="body" idx="1"/>
           </p:nvPr>
         </p:nvSpPr>
         <p:spPr>
@@ -1132,12 +1209,12 @@
           </a:prstGeom>
         </p:spPr>
         <p:txBody>
-          <a:bodyPr anchorCtr="0" anchor="t" bIns="91425" lIns="91425" spcFirstLastPara="1" rIns="91425" wrap="square" tIns="91425">
+          <a:bodyPr spcFirstLastPara="1" wrap="square" lIns="91425" tIns="91425" rIns="91425" bIns="91425" anchor="t" anchorCtr="0">
             <a:noAutofit/>
           </a:bodyPr>
           <a:lstStyle/>
           <a:p>
-            <a:pPr indent="0" lvl="0" marL="0" rtl="0" algn="l">
+            <a:pPr marL="0" lvl="0" indent="0" algn="l" rtl="0">
               <a:spcBef>
                 <a:spcPts val="0"/>
               </a:spcBef>
@@ -1146,9 +1223,6 @@
               </a:spcAft>
               <a:buNone/>
             </a:pPr>
-            <a:r>
-              <a:t/>
-            </a:r>
             <a:endParaRPr/>
           </a:p>
         </p:txBody>
@@ -1156,20 +1230,26 @@
       <p:sp>
         <p:nvSpPr>
           <p:cNvPr id="155" name="Google Shape;155;p13:notes"/>
-          <p:cNvSpPr/>
+          <p:cNvSpPr>
+            <a:spLocks noGrp="1" noRot="1" noChangeAspect="1"/>
+          </p:cNvSpPr>
           <p:nvPr>
-            <p:ph idx="2" type="sldImg"/>
+            <p:ph type="sldImg" idx="2"/>
           </p:nvPr>
         </p:nvSpPr>
         <p:spPr>
           <a:xfrm>
-            <a:off x="1143225" y="685800"/>
-            <a:ext cx="4572225" cy="3429000"/>
+            <a:off x="1143000" y="685800"/>
+            <a:ext cx="4572000" cy="3429000"/>
           </a:xfrm>
           <a:custGeom>
-            <a:rect b="b" l="l" r="r" t="t"/>
+            <a:avLst/>
+            <a:gdLst/>
+            <a:ahLst/>
+            <a:cxnLst/>
+            <a:rect l="l" t="t" r="r" b="b"/>
             <a:pathLst>
-              <a:path extrusionOk="0" h="120000" w="120000">
+              <a:path w="120000" h="120000" extrusionOk="0">
                 <a:moveTo>
                   <a:pt x="0" y="0"/>
                 </a:moveTo>
@@ -1197,11 +1277,11 @@
 </file>
 
 <file path=ppt/notesSlides/notesSlide2.xml><?xml version="1.0" encoding="utf-8"?>
-<p:notes xmlns:a="http://schemas.openxmlformats.org/drawingml/2006/main" xmlns:r="http://schemas.openxmlformats.org/officeDocument/2006/relationships" xmlns:mc="http://schemas.openxmlformats.org/markup-compatibility/2006" xmlns:mv="urn:schemas-microsoft-com:mac:vml" xmlns:p="http://schemas.openxmlformats.org/presentationml/2006/main" xmlns:c="http://schemas.openxmlformats.org/drawingml/2006/chart" xmlns:dgm="http://schemas.openxmlformats.org/drawingml/2006/diagram" xmlns:o="urn:schemas-microsoft-com:office:office" xmlns:v="urn:schemas-microsoft-com:vml" xmlns:pvml="urn:schemas-microsoft-com:office:powerpoint" xmlns:com="http://schemas.openxmlformats.org/drawingml/2006/compatibility" xmlns:p14="http://schemas.microsoft.com/office/powerpoint/2010/main" xmlns:p15="http://schemas.microsoft.com/office/powerpoint/2012/main" xmlns:ahyp="http://schemas.microsoft.com/office/drawing/2018/hyperlinkcolor" showMasterPhAnim="0" showMasterSp="0">
+<p:notes xmlns:a="http://schemas.openxmlformats.org/drawingml/2006/main" xmlns:r="http://schemas.openxmlformats.org/officeDocument/2006/relationships" xmlns:p="http://schemas.openxmlformats.org/presentationml/2006/main" showMasterSp="0" showMasterPhAnim="0">
   <p:cSld>
     <p:spTree>
       <p:nvGrpSpPr>
-        <p:cNvPr id="87" name="Shape 87"/>
+        <p:cNvPr id="1" name="Shape 87"/>
         <p:cNvGrpSpPr/>
         <p:nvPr/>
       </p:nvGrpSpPr>
@@ -1216,9 +1296,11 @@
       <p:sp>
         <p:nvSpPr>
           <p:cNvPr id="88" name="Google Shape;88;p2:notes"/>
-          <p:cNvSpPr txBox="1"/>
+          <p:cNvSpPr txBox="1">
+            <a:spLocks noGrp="1"/>
+          </p:cNvSpPr>
           <p:nvPr>
-            <p:ph idx="1" type="body"/>
+            <p:ph type="body" idx="1"/>
           </p:nvPr>
         </p:nvSpPr>
         <p:spPr>
@@ -1231,12 +1313,12 @@
           </a:prstGeom>
         </p:spPr>
         <p:txBody>
-          <a:bodyPr anchorCtr="0" anchor="t" bIns="91425" lIns="91425" spcFirstLastPara="1" rIns="91425" wrap="square" tIns="91425">
+          <a:bodyPr spcFirstLastPara="1" wrap="square" lIns="91425" tIns="91425" rIns="91425" bIns="91425" anchor="t" anchorCtr="0">
             <a:noAutofit/>
           </a:bodyPr>
           <a:lstStyle/>
           <a:p>
-            <a:pPr indent="0" lvl="0" marL="0" rtl="0" algn="l">
+            <a:pPr marL="0" lvl="0" indent="0" algn="l" rtl="0">
               <a:spcBef>
                 <a:spcPts val="0"/>
               </a:spcBef>
@@ -1245,9 +1327,6 @@
               </a:spcAft>
               <a:buNone/>
             </a:pPr>
-            <a:r>
-              <a:t/>
-            </a:r>
             <a:endParaRPr/>
           </a:p>
         </p:txBody>
@@ -1255,20 +1334,26 @@
       <p:sp>
         <p:nvSpPr>
           <p:cNvPr id="89" name="Google Shape;89;p2:notes"/>
-          <p:cNvSpPr/>
+          <p:cNvSpPr>
+            <a:spLocks noGrp="1" noRot="1" noChangeAspect="1"/>
+          </p:cNvSpPr>
           <p:nvPr>
-            <p:ph idx="2" type="sldImg"/>
+            <p:ph type="sldImg" idx="2"/>
           </p:nvPr>
         </p:nvSpPr>
         <p:spPr>
           <a:xfrm>
-            <a:off x="1143225" y="685800"/>
-            <a:ext cx="4572225" cy="3429000"/>
+            <a:off x="1143000" y="685800"/>
+            <a:ext cx="4572000" cy="3429000"/>
           </a:xfrm>
           <a:custGeom>
-            <a:rect b="b" l="l" r="r" t="t"/>
+            <a:avLst/>
+            <a:gdLst/>
+            <a:ahLst/>
+            <a:cxnLst/>
+            <a:rect l="l" t="t" r="r" b="b"/>
             <a:pathLst>
-              <a:path extrusionOk="0" h="120000" w="120000">
+              <a:path w="120000" h="120000" extrusionOk="0">
                 <a:moveTo>
                   <a:pt x="0" y="0"/>
                 </a:moveTo>
@@ -1296,11 +1381,11 @@
 </file>
 
 <file path=ppt/notesSlides/notesSlide3.xml><?xml version="1.0" encoding="utf-8"?>
-<p:notes xmlns:a="http://schemas.openxmlformats.org/drawingml/2006/main" xmlns:r="http://schemas.openxmlformats.org/officeDocument/2006/relationships" xmlns:mc="http://schemas.openxmlformats.org/markup-compatibility/2006" xmlns:mv="urn:schemas-microsoft-com:mac:vml" xmlns:p="http://schemas.openxmlformats.org/presentationml/2006/main" xmlns:c="http://schemas.openxmlformats.org/drawingml/2006/chart" xmlns:dgm="http://schemas.openxmlformats.org/drawingml/2006/diagram" xmlns:o="urn:schemas-microsoft-com:office:office" xmlns:v="urn:schemas-microsoft-com:vml" xmlns:pvml="urn:schemas-microsoft-com:office:powerpoint" xmlns:com="http://schemas.openxmlformats.org/drawingml/2006/compatibility" xmlns:p14="http://schemas.microsoft.com/office/powerpoint/2010/main" xmlns:p15="http://schemas.microsoft.com/office/powerpoint/2012/main" xmlns:ahyp="http://schemas.microsoft.com/office/drawing/2018/hyperlinkcolor" showMasterPhAnim="0" showMasterSp="0">
+<p:notes xmlns:a="http://schemas.openxmlformats.org/drawingml/2006/main" xmlns:r="http://schemas.openxmlformats.org/officeDocument/2006/relationships" xmlns:p="http://schemas.openxmlformats.org/presentationml/2006/main" showMasterSp="0" showMasterPhAnim="0">
   <p:cSld>
     <p:spTree>
       <p:nvGrpSpPr>
-        <p:cNvPr id="93" name="Shape 93"/>
+        <p:cNvPr id="1" name="Shape 93"/>
         <p:cNvGrpSpPr/>
         <p:nvPr/>
       </p:nvGrpSpPr>
@@ -1315,9 +1400,11 @@
       <p:sp>
         <p:nvSpPr>
           <p:cNvPr id="94" name="Google Shape;94;p3:notes"/>
-          <p:cNvSpPr txBox="1"/>
+          <p:cNvSpPr txBox="1">
+            <a:spLocks noGrp="1"/>
+          </p:cNvSpPr>
           <p:nvPr>
-            <p:ph idx="1" type="body"/>
+            <p:ph type="body" idx="1"/>
           </p:nvPr>
         </p:nvSpPr>
         <p:spPr>
@@ -1330,12 +1417,12 @@
           </a:prstGeom>
         </p:spPr>
         <p:txBody>
-          <a:bodyPr anchorCtr="0" anchor="t" bIns="91425" lIns="91425" spcFirstLastPara="1" rIns="91425" wrap="square" tIns="91425">
+          <a:bodyPr spcFirstLastPara="1" wrap="square" lIns="91425" tIns="91425" rIns="91425" bIns="91425" anchor="t" anchorCtr="0">
             <a:noAutofit/>
           </a:bodyPr>
           <a:lstStyle/>
           <a:p>
-            <a:pPr indent="0" lvl="0" marL="0" rtl="0" algn="l">
+            <a:pPr marL="0" lvl="0" indent="0" algn="l" rtl="0">
               <a:spcBef>
                 <a:spcPts val="0"/>
               </a:spcBef>
@@ -1344,9 +1431,6 @@
               </a:spcAft>
               <a:buNone/>
             </a:pPr>
-            <a:r>
-              <a:t/>
-            </a:r>
             <a:endParaRPr/>
           </a:p>
         </p:txBody>
@@ -1354,20 +1438,26 @@
       <p:sp>
         <p:nvSpPr>
           <p:cNvPr id="95" name="Google Shape;95;p3:notes"/>
-          <p:cNvSpPr/>
+          <p:cNvSpPr>
+            <a:spLocks noGrp="1" noRot="1" noChangeAspect="1"/>
+          </p:cNvSpPr>
           <p:nvPr>
-            <p:ph idx="2" type="sldImg"/>
+            <p:ph type="sldImg" idx="2"/>
           </p:nvPr>
         </p:nvSpPr>
         <p:spPr>
           <a:xfrm>
-            <a:off x="1143225" y="685800"/>
-            <a:ext cx="4572225" cy="3429000"/>
+            <a:off x="1143000" y="685800"/>
+            <a:ext cx="4572000" cy="3429000"/>
           </a:xfrm>
           <a:custGeom>
-            <a:rect b="b" l="l" r="r" t="t"/>
+            <a:avLst/>
+            <a:gdLst/>
+            <a:ahLst/>
+            <a:cxnLst/>
+            <a:rect l="l" t="t" r="r" b="b"/>
             <a:pathLst>
-              <a:path extrusionOk="0" h="120000" w="120000">
+              <a:path w="120000" h="120000" extrusionOk="0">
                 <a:moveTo>
                   <a:pt x="0" y="0"/>
                 </a:moveTo>
@@ -1395,11 +1485,11 @@
 </file>
 
 <file path=ppt/notesSlides/notesSlide4.xml><?xml version="1.0" encoding="utf-8"?>
-<p:notes xmlns:a="http://schemas.openxmlformats.org/drawingml/2006/main" xmlns:r="http://schemas.openxmlformats.org/officeDocument/2006/relationships" xmlns:mc="http://schemas.openxmlformats.org/markup-compatibility/2006" xmlns:mv="urn:schemas-microsoft-com:mac:vml" xmlns:p="http://schemas.openxmlformats.org/presentationml/2006/main" xmlns:c="http://schemas.openxmlformats.org/drawingml/2006/chart" xmlns:dgm="http://schemas.openxmlformats.org/drawingml/2006/diagram" xmlns:o="urn:schemas-microsoft-com:office:office" xmlns:v="urn:schemas-microsoft-com:vml" xmlns:pvml="urn:schemas-microsoft-com:office:powerpoint" xmlns:com="http://schemas.openxmlformats.org/drawingml/2006/compatibility" xmlns:p14="http://schemas.microsoft.com/office/powerpoint/2010/main" xmlns:p15="http://schemas.microsoft.com/office/powerpoint/2012/main" xmlns:ahyp="http://schemas.microsoft.com/office/drawing/2018/hyperlinkcolor" showMasterPhAnim="0" showMasterSp="0">
+<p:notes xmlns:a="http://schemas.openxmlformats.org/drawingml/2006/main" xmlns:r="http://schemas.openxmlformats.org/officeDocument/2006/relationships" xmlns:p="http://schemas.openxmlformats.org/presentationml/2006/main" showMasterSp="0" showMasterPhAnim="0">
   <p:cSld>
     <p:spTree>
       <p:nvGrpSpPr>
-        <p:cNvPr id="99" name="Shape 99"/>
+        <p:cNvPr id="1" name="Shape 99"/>
         <p:cNvGrpSpPr/>
         <p:nvPr/>
       </p:nvGrpSpPr>
@@ -1414,9 +1504,11 @@
       <p:sp>
         <p:nvSpPr>
           <p:cNvPr id="100" name="Google Shape;100;p4:notes"/>
-          <p:cNvSpPr txBox="1"/>
+          <p:cNvSpPr txBox="1">
+            <a:spLocks noGrp="1"/>
+          </p:cNvSpPr>
           <p:nvPr>
-            <p:ph idx="1" type="body"/>
+            <p:ph type="body" idx="1"/>
           </p:nvPr>
         </p:nvSpPr>
         <p:spPr>
@@ -1429,12 +1521,12 @@
           </a:prstGeom>
         </p:spPr>
         <p:txBody>
-          <a:bodyPr anchorCtr="0" anchor="t" bIns="91425" lIns="91425" spcFirstLastPara="1" rIns="91425" wrap="square" tIns="91425">
+          <a:bodyPr spcFirstLastPara="1" wrap="square" lIns="91425" tIns="91425" rIns="91425" bIns="91425" anchor="t" anchorCtr="0">
             <a:noAutofit/>
           </a:bodyPr>
           <a:lstStyle/>
           <a:p>
-            <a:pPr indent="0" lvl="0" marL="0" rtl="0" algn="l">
+            <a:pPr marL="0" lvl="0" indent="0" algn="l" rtl="0">
               <a:spcBef>
                 <a:spcPts val="0"/>
               </a:spcBef>
@@ -1443,9 +1535,6 @@
               </a:spcAft>
               <a:buNone/>
             </a:pPr>
-            <a:r>
-              <a:t/>
-            </a:r>
             <a:endParaRPr/>
           </a:p>
         </p:txBody>
@@ -1453,20 +1542,26 @@
       <p:sp>
         <p:nvSpPr>
           <p:cNvPr id="101" name="Google Shape;101;p4:notes"/>
-          <p:cNvSpPr/>
+          <p:cNvSpPr>
+            <a:spLocks noGrp="1" noRot="1" noChangeAspect="1"/>
+          </p:cNvSpPr>
           <p:nvPr>
-            <p:ph idx="2" type="sldImg"/>
+            <p:ph type="sldImg" idx="2"/>
           </p:nvPr>
         </p:nvSpPr>
         <p:spPr>
           <a:xfrm>
-            <a:off x="1143225" y="685800"/>
-            <a:ext cx="4572225" cy="3429000"/>
+            <a:off x="1143000" y="685800"/>
+            <a:ext cx="4572000" cy="3429000"/>
           </a:xfrm>
           <a:custGeom>
-            <a:rect b="b" l="l" r="r" t="t"/>
+            <a:avLst/>
+            <a:gdLst/>
+            <a:ahLst/>
+            <a:cxnLst/>
+            <a:rect l="l" t="t" r="r" b="b"/>
             <a:pathLst>
-              <a:path extrusionOk="0" h="120000" w="120000">
+              <a:path w="120000" h="120000" extrusionOk="0">
                 <a:moveTo>
                   <a:pt x="0" y="0"/>
                 </a:moveTo>
@@ -1494,11 +1589,11 @@
 </file>
 
 <file path=ppt/notesSlides/notesSlide5.xml><?xml version="1.0" encoding="utf-8"?>
-<p:notes xmlns:a="http://schemas.openxmlformats.org/drawingml/2006/main" xmlns:r="http://schemas.openxmlformats.org/officeDocument/2006/relationships" xmlns:mc="http://schemas.openxmlformats.org/markup-compatibility/2006" xmlns:mv="urn:schemas-microsoft-com:mac:vml" xmlns:p="http://schemas.openxmlformats.org/presentationml/2006/main" xmlns:c="http://schemas.openxmlformats.org/drawingml/2006/chart" xmlns:dgm="http://schemas.openxmlformats.org/drawingml/2006/diagram" xmlns:o="urn:schemas-microsoft-com:office:office" xmlns:v="urn:schemas-microsoft-com:vml" xmlns:pvml="urn:schemas-microsoft-com:office:powerpoint" xmlns:com="http://schemas.openxmlformats.org/drawingml/2006/compatibility" xmlns:p14="http://schemas.microsoft.com/office/powerpoint/2010/main" xmlns:p15="http://schemas.microsoft.com/office/powerpoint/2012/main" xmlns:ahyp="http://schemas.microsoft.com/office/drawing/2018/hyperlinkcolor" showMasterPhAnim="0" showMasterSp="0">
+<p:notes xmlns:a="http://schemas.openxmlformats.org/drawingml/2006/main" xmlns:r="http://schemas.openxmlformats.org/officeDocument/2006/relationships" xmlns:p="http://schemas.openxmlformats.org/presentationml/2006/main" showMasterSp="0" showMasterPhAnim="0">
   <p:cSld>
     <p:spTree>
       <p:nvGrpSpPr>
-        <p:cNvPr id="105" name="Shape 105"/>
+        <p:cNvPr id="1" name="Shape 105"/>
         <p:cNvGrpSpPr/>
         <p:nvPr/>
       </p:nvGrpSpPr>
@@ -1513,9 +1608,11 @@
       <p:sp>
         <p:nvSpPr>
           <p:cNvPr id="106" name="Google Shape;106;p5:notes"/>
-          <p:cNvSpPr txBox="1"/>
+          <p:cNvSpPr txBox="1">
+            <a:spLocks noGrp="1"/>
+          </p:cNvSpPr>
           <p:nvPr>
-            <p:ph idx="1" type="body"/>
+            <p:ph type="body" idx="1"/>
           </p:nvPr>
         </p:nvSpPr>
         <p:spPr>
@@ -1528,12 +1625,12 @@
           </a:prstGeom>
         </p:spPr>
         <p:txBody>
-          <a:bodyPr anchorCtr="0" anchor="t" bIns="91425" lIns="91425" spcFirstLastPara="1" rIns="91425" wrap="square" tIns="91425">
+          <a:bodyPr spcFirstLastPara="1" wrap="square" lIns="91425" tIns="91425" rIns="91425" bIns="91425" anchor="t" anchorCtr="0">
             <a:noAutofit/>
           </a:bodyPr>
           <a:lstStyle/>
           <a:p>
-            <a:pPr indent="0" lvl="0" marL="0" rtl="0" algn="l">
+            <a:pPr marL="0" lvl="0" indent="0" algn="l" rtl="0">
               <a:spcBef>
                 <a:spcPts val="0"/>
               </a:spcBef>
@@ -1542,9 +1639,6 @@
               </a:spcAft>
               <a:buNone/>
             </a:pPr>
-            <a:r>
-              <a:t/>
-            </a:r>
             <a:endParaRPr/>
           </a:p>
         </p:txBody>
@@ -1552,20 +1646,26 @@
       <p:sp>
         <p:nvSpPr>
           <p:cNvPr id="107" name="Google Shape;107;p5:notes"/>
-          <p:cNvSpPr/>
+          <p:cNvSpPr>
+            <a:spLocks noGrp="1" noRot="1" noChangeAspect="1"/>
+          </p:cNvSpPr>
           <p:nvPr>
-            <p:ph idx="2" type="sldImg"/>
+            <p:ph type="sldImg" idx="2"/>
           </p:nvPr>
         </p:nvSpPr>
         <p:spPr>
           <a:xfrm>
-            <a:off x="1143225" y="685800"/>
-            <a:ext cx="4572225" cy="3429000"/>
+            <a:off x="1143000" y="685800"/>
+            <a:ext cx="4572000" cy="3429000"/>
           </a:xfrm>
           <a:custGeom>
-            <a:rect b="b" l="l" r="r" t="t"/>
+            <a:avLst/>
+            <a:gdLst/>
+            <a:ahLst/>
+            <a:cxnLst/>
+            <a:rect l="l" t="t" r="r" b="b"/>
             <a:pathLst>
-              <a:path extrusionOk="0" h="120000" w="120000">
+              <a:path w="120000" h="120000" extrusionOk="0">
                 <a:moveTo>
                   <a:pt x="0" y="0"/>
                 </a:moveTo>
@@ -1593,11 +1693,11 @@
 </file>
 
 <file path=ppt/notesSlides/notesSlide6.xml><?xml version="1.0" encoding="utf-8"?>
-<p:notes xmlns:a="http://schemas.openxmlformats.org/drawingml/2006/main" xmlns:r="http://schemas.openxmlformats.org/officeDocument/2006/relationships" xmlns:mc="http://schemas.openxmlformats.org/markup-compatibility/2006" xmlns:mv="urn:schemas-microsoft-com:mac:vml" xmlns:p="http://schemas.openxmlformats.org/presentationml/2006/main" xmlns:c="http://schemas.openxmlformats.org/drawingml/2006/chart" xmlns:dgm="http://schemas.openxmlformats.org/drawingml/2006/diagram" xmlns:o="urn:schemas-microsoft-com:office:office" xmlns:v="urn:schemas-microsoft-com:vml" xmlns:pvml="urn:schemas-microsoft-com:office:powerpoint" xmlns:com="http://schemas.openxmlformats.org/drawingml/2006/compatibility" xmlns:p14="http://schemas.microsoft.com/office/powerpoint/2010/main" xmlns:p15="http://schemas.microsoft.com/office/powerpoint/2012/main" xmlns:ahyp="http://schemas.microsoft.com/office/drawing/2018/hyperlinkcolor" showMasterPhAnim="0" showMasterSp="0">
+<p:notes xmlns:a="http://schemas.openxmlformats.org/drawingml/2006/main" xmlns:r="http://schemas.openxmlformats.org/officeDocument/2006/relationships" xmlns:p="http://schemas.openxmlformats.org/presentationml/2006/main" showMasterSp="0" showMasterPhAnim="0">
   <p:cSld>
     <p:spTree>
       <p:nvGrpSpPr>
-        <p:cNvPr id="111" name="Shape 111"/>
+        <p:cNvPr id="1" name="Shape 111"/>
         <p:cNvGrpSpPr/>
         <p:nvPr/>
       </p:nvGrpSpPr>
@@ -1612,9 +1712,11 @@
       <p:sp>
         <p:nvSpPr>
           <p:cNvPr id="112" name="Google Shape;112;p6:notes"/>
-          <p:cNvSpPr txBox="1"/>
+          <p:cNvSpPr txBox="1">
+            <a:spLocks noGrp="1"/>
+          </p:cNvSpPr>
           <p:nvPr>
-            <p:ph idx="1" type="body"/>
+            <p:ph type="body" idx="1"/>
           </p:nvPr>
         </p:nvSpPr>
         <p:spPr>
@@ -1627,12 +1729,12 @@
           </a:prstGeom>
         </p:spPr>
         <p:txBody>
-          <a:bodyPr anchorCtr="0" anchor="t" bIns="91425" lIns="91425" spcFirstLastPara="1" rIns="91425" wrap="square" tIns="91425">
+          <a:bodyPr spcFirstLastPara="1" wrap="square" lIns="91425" tIns="91425" rIns="91425" bIns="91425" anchor="t" anchorCtr="0">
             <a:noAutofit/>
           </a:bodyPr>
           <a:lstStyle/>
           <a:p>
-            <a:pPr indent="0" lvl="0" marL="0" rtl="0" algn="l">
+            <a:pPr marL="0" lvl="0" indent="0" algn="l" rtl="0">
               <a:spcBef>
                 <a:spcPts val="0"/>
               </a:spcBef>
@@ -1641,9 +1743,6 @@
               </a:spcAft>
               <a:buNone/>
             </a:pPr>
-            <a:r>
-              <a:t/>
-            </a:r>
             <a:endParaRPr/>
           </a:p>
         </p:txBody>
@@ -1651,20 +1750,26 @@
       <p:sp>
         <p:nvSpPr>
           <p:cNvPr id="113" name="Google Shape;113;p6:notes"/>
-          <p:cNvSpPr/>
+          <p:cNvSpPr>
+            <a:spLocks noGrp="1" noRot="1" noChangeAspect="1"/>
+          </p:cNvSpPr>
           <p:nvPr>
-            <p:ph idx="2" type="sldImg"/>
+            <p:ph type="sldImg" idx="2"/>
           </p:nvPr>
         </p:nvSpPr>
         <p:spPr>
           <a:xfrm>
-            <a:off x="1143225" y="685800"/>
-            <a:ext cx="4572225" cy="3429000"/>
+            <a:off x="1143000" y="685800"/>
+            <a:ext cx="4572000" cy="3429000"/>
           </a:xfrm>
           <a:custGeom>
-            <a:rect b="b" l="l" r="r" t="t"/>
+            <a:avLst/>
+            <a:gdLst/>
+            <a:ahLst/>
+            <a:cxnLst/>
+            <a:rect l="l" t="t" r="r" b="b"/>
             <a:pathLst>
-              <a:path extrusionOk="0" h="120000" w="120000">
+              <a:path w="120000" h="120000" extrusionOk="0">
                 <a:moveTo>
                   <a:pt x="0" y="0"/>
                 </a:moveTo>
@@ -1692,11 +1797,11 @@
 </file>
 
 <file path=ppt/notesSlides/notesSlide7.xml><?xml version="1.0" encoding="utf-8"?>
-<p:notes xmlns:a="http://schemas.openxmlformats.org/drawingml/2006/main" xmlns:r="http://schemas.openxmlformats.org/officeDocument/2006/relationships" xmlns:mc="http://schemas.openxmlformats.org/markup-compatibility/2006" xmlns:mv="urn:schemas-microsoft-com:mac:vml" xmlns:p="http://schemas.openxmlformats.org/presentationml/2006/main" xmlns:c="http://schemas.openxmlformats.org/drawingml/2006/chart" xmlns:dgm="http://schemas.openxmlformats.org/drawingml/2006/diagram" xmlns:o="urn:schemas-microsoft-com:office:office" xmlns:v="urn:schemas-microsoft-com:vml" xmlns:pvml="urn:schemas-microsoft-com:office:powerpoint" xmlns:com="http://schemas.openxmlformats.org/drawingml/2006/compatibility" xmlns:p14="http://schemas.microsoft.com/office/powerpoint/2010/main" xmlns:p15="http://schemas.microsoft.com/office/powerpoint/2012/main" xmlns:ahyp="http://schemas.microsoft.com/office/drawing/2018/hyperlinkcolor" showMasterPhAnim="0" showMasterSp="0">
+<p:notes xmlns:a="http://schemas.openxmlformats.org/drawingml/2006/main" xmlns:r="http://schemas.openxmlformats.org/officeDocument/2006/relationships" xmlns:p="http://schemas.openxmlformats.org/presentationml/2006/main" showMasterSp="0" showMasterPhAnim="0">
   <p:cSld>
     <p:spTree>
       <p:nvGrpSpPr>
-        <p:cNvPr id="117" name="Shape 117"/>
+        <p:cNvPr id="1" name="Shape 117"/>
         <p:cNvGrpSpPr/>
         <p:nvPr/>
       </p:nvGrpSpPr>
@@ -1711,9 +1816,11 @@
       <p:sp>
         <p:nvSpPr>
           <p:cNvPr id="118" name="Google Shape;118;p7:notes"/>
-          <p:cNvSpPr txBox="1"/>
+          <p:cNvSpPr txBox="1">
+            <a:spLocks noGrp="1"/>
+          </p:cNvSpPr>
           <p:nvPr>
-            <p:ph idx="1" type="body"/>
+            <p:ph type="body" idx="1"/>
           </p:nvPr>
         </p:nvSpPr>
         <p:spPr>
@@ -1726,12 +1833,12 @@
           </a:prstGeom>
         </p:spPr>
         <p:txBody>
-          <a:bodyPr anchorCtr="0" anchor="t" bIns="91425" lIns="91425" spcFirstLastPara="1" rIns="91425" wrap="square" tIns="91425">
+          <a:bodyPr spcFirstLastPara="1" wrap="square" lIns="91425" tIns="91425" rIns="91425" bIns="91425" anchor="t" anchorCtr="0">
             <a:noAutofit/>
           </a:bodyPr>
           <a:lstStyle/>
           <a:p>
-            <a:pPr indent="0" lvl="0" marL="0" rtl="0" algn="l">
+            <a:pPr marL="0" lvl="0" indent="0" algn="l" rtl="0">
               <a:spcBef>
                 <a:spcPts val="0"/>
               </a:spcBef>
@@ -1740,9 +1847,6 @@
               </a:spcAft>
               <a:buNone/>
             </a:pPr>
-            <a:r>
-              <a:t/>
-            </a:r>
             <a:endParaRPr/>
           </a:p>
         </p:txBody>
@@ -1750,20 +1854,26 @@
       <p:sp>
         <p:nvSpPr>
           <p:cNvPr id="119" name="Google Shape;119;p7:notes"/>
-          <p:cNvSpPr/>
+          <p:cNvSpPr>
+            <a:spLocks noGrp="1" noRot="1" noChangeAspect="1"/>
+          </p:cNvSpPr>
           <p:nvPr>
-            <p:ph idx="2" type="sldImg"/>
+            <p:ph type="sldImg" idx="2"/>
           </p:nvPr>
         </p:nvSpPr>
         <p:spPr>
           <a:xfrm>
-            <a:off x="1143225" y="685800"/>
-            <a:ext cx="4572225" cy="3429000"/>
+            <a:off x="1143000" y="685800"/>
+            <a:ext cx="4572000" cy="3429000"/>
           </a:xfrm>
           <a:custGeom>
-            <a:rect b="b" l="l" r="r" t="t"/>
+            <a:avLst/>
+            <a:gdLst/>
+            <a:ahLst/>
+            <a:cxnLst/>
+            <a:rect l="l" t="t" r="r" b="b"/>
             <a:pathLst>
-              <a:path extrusionOk="0" h="120000" w="120000">
+              <a:path w="120000" h="120000" extrusionOk="0">
                 <a:moveTo>
                   <a:pt x="0" y="0"/>
                 </a:moveTo>
@@ -1791,11 +1901,11 @@
 </file>
 
 <file path=ppt/notesSlides/notesSlide8.xml><?xml version="1.0" encoding="utf-8"?>
-<p:notes xmlns:a="http://schemas.openxmlformats.org/drawingml/2006/main" xmlns:r="http://schemas.openxmlformats.org/officeDocument/2006/relationships" xmlns:mc="http://schemas.openxmlformats.org/markup-compatibility/2006" xmlns:mv="urn:schemas-microsoft-com:mac:vml" xmlns:p="http://schemas.openxmlformats.org/presentationml/2006/main" xmlns:c="http://schemas.openxmlformats.org/drawingml/2006/chart" xmlns:dgm="http://schemas.openxmlformats.org/drawingml/2006/diagram" xmlns:o="urn:schemas-microsoft-com:office:office" xmlns:v="urn:schemas-microsoft-com:vml" xmlns:pvml="urn:schemas-microsoft-com:office:powerpoint" xmlns:com="http://schemas.openxmlformats.org/drawingml/2006/compatibility" xmlns:p14="http://schemas.microsoft.com/office/powerpoint/2010/main" xmlns:p15="http://schemas.microsoft.com/office/powerpoint/2012/main" xmlns:ahyp="http://schemas.microsoft.com/office/drawing/2018/hyperlinkcolor" showMasterPhAnim="0" showMasterSp="0">
+<p:notes xmlns:a="http://schemas.openxmlformats.org/drawingml/2006/main" xmlns:r="http://schemas.openxmlformats.org/officeDocument/2006/relationships" xmlns:p="http://schemas.openxmlformats.org/presentationml/2006/main" showMasterSp="0" showMasterPhAnim="0">
   <p:cSld>
     <p:spTree>
       <p:nvGrpSpPr>
-        <p:cNvPr id="123" name="Shape 123"/>
+        <p:cNvPr id="1" name="Shape 123"/>
         <p:cNvGrpSpPr/>
         <p:nvPr/>
       </p:nvGrpSpPr>
@@ -1810,9 +1920,11 @@
       <p:sp>
         <p:nvSpPr>
           <p:cNvPr id="124" name="Google Shape;124;p8:notes"/>
-          <p:cNvSpPr txBox="1"/>
+          <p:cNvSpPr txBox="1">
+            <a:spLocks noGrp="1"/>
+          </p:cNvSpPr>
           <p:nvPr>
-            <p:ph idx="1" type="body"/>
+            <p:ph type="body" idx="1"/>
           </p:nvPr>
         </p:nvSpPr>
         <p:spPr>
@@ -1825,12 +1937,12 @@
           </a:prstGeom>
         </p:spPr>
         <p:txBody>
-          <a:bodyPr anchorCtr="0" anchor="t" bIns="91425" lIns="91425" spcFirstLastPara="1" rIns="91425" wrap="square" tIns="91425">
+          <a:bodyPr spcFirstLastPara="1" wrap="square" lIns="91425" tIns="91425" rIns="91425" bIns="91425" anchor="t" anchorCtr="0">
             <a:noAutofit/>
           </a:bodyPr>
           <a:lstStyle/>
           <a:p>
-            <a:pPr indent="0" lvl="0" marL="0" rtl="0" algn="l">
+            <a:pPr marL="0" lvl="0" indent="0" algn="l" rtl="0">
               <a:spcBef>
                 <a:spcPts val="0"/>
               </a:spcBef>
@@ -1839,9 +1951,6 @@
               </a:spcAft>
               <a:buNone/>
             </a:pPr>
-            <a:r>
-              <a:t/>
-            </a:r>
             <a:endParaRPr/>
           </a:p>
         </p:txBody>
@@ -1849,20 +1958,26 @@
       <p:sp>
         <p:nvSpPr>
           <p:cNvPr id="125" name="Google Shape;125;p8:notes"/>
-          <p:cNvSpPr/>
+          <p:cNvSpPr>
+            <a:spLocks noGrp="1" noRot="1" noChangeAspect="1"/>
+          </p:cNvSpPr>
           <p:nvPr>
-            <p:ph idx="2" type="sldImg"/>
+            <p:ph type="sldImg" idx="2"/>
           </p:nvPr>
         </p:nvSpPr>
         <p:spPr>
           <a:xfrm>
-            <a:off x="1143225" y="685800"/>
-            <a:ext cx="4572225" cy="3429000"/>
+            <a:off x="1143000" y="685800"/>
+            <a:ext cx="4572000" cy="3429000"/>
           </a:xfrm>
           <a:custGeom>
-            <a:rect b="b" l="l" r="r" t="t"/>
+            <a:avLst/>
+            <a:gdLst/>
+            <a:ahLst/>
+            <a:cxnLst/>
+            <a:rect l="l" t="t" r="r" b="b"/>
             <a:pathLst>
-              <a:path extrusionOk="0" h="120000" w="120000">
+              <a:path w="120000" h="120000" extrusionOk="0">
                 <a:moveTo>
                   <a:pt x="0" y="0"/>
                 </a:moveTo>
@@ -1890,11 +2005,11 @@
 </file>
 
 <file path=ppt/notesSlides/notesSlide9.xml><?xml version="1.0" encoding="utf-8"?>
-<p:notes xmlns:a="http://schemas.openxmlformats.org/drawingml/2006/main" xmlns:r="http://schemas.openxmlformats.org/officeDocument/2006/relationships" xmlns:mc="http://schemas.openxmlformats.org/markup-compatibility/2006" xmlns:mv="urn:schemas-microsoft-com:mac:vml" xmlns:p="http://schemas.openxmlformats.org/presentationml/2006/main" xmlns:c="http://schemas.openxmlformats.org/drawingml/2006/chart" xmlns:dgm="http://schemas.openxmlformats.org/drawingml/2006/diagram" xmlns:o="urn:schemas-microsoft-com:office:office" xmlns:v="urn:schemas-microsoft-com:vml" xmlns:pvml="urn:schemas-microsoft-com:office:powerpoint" xmlns:com="http://schemas.openxmlformats.org/drawingml/2006/compatibility" xmlns:p14="http://schemas.microsoft.com/office/powerpoint/2010/main" xmlns:p15="http://schemas.microsoft.com/office/powerpoint/2012/main" xmlns:ahyp="http://schemas.microsoft.com/office/drawing/2018/hyperlinkcolor" showMasterPhAnim="0" showMasterSp="0">
+<p:notes xmlns:a="http://schemas.openxmlformats.org/drawingml/2006/main" xmlns:r="http://schemas.openxmlformats.org/officeDocument/2006/relationships" xmlns:p="http://schemas.openxmlformats.org/presentationml/2006/main" showMasterSp="0" showMasterPhAnim="0">
   <p:cSld>
     <p:spTree>
       <p:nvGrpSpPr>
-        <p:cNvPr id="129" name="Shape 129"/>
+        <p:cNvPr id="1" name="Shape 129"/>
         <p:cNvGrpSpPr/>
         <p:nvPr/>
       </p:nvGrpSpPr>
@@ -1909,9 +2024,11 @@
       <p:sp>
         <p:nvSpPr>
           <p:cNvPr id="130" name="Google Shape;130;p9:notes"/>
-          <p:cNvSpPr txBox="1"/>
+          <p:cNvSpPr txBox="1">
+            <a:spLocks noGrp="1"/>
+          </p:cNvSpPr>
           <p:nvPr>
-            <p:ph idx="1" type="body"/>
+            <p:ph type="body" idx="1"/>
           </p:nvPr>
         </p:nvSpPr>
         <p:spPr>
@@ -1924,12 +2041,12 @@
           </a:prstGeom>
         </p:spPr>
         <p:txBody>
-          <a:bodyPr anchorCtr="0" anchor="t" bIns="91425" lIns="91425" spcFirstLastPara="1" rIns="91425" wrap="square" tIns="91425">
+          <a:bodyPr spcFirstLastPara="1" wrap="square" lIns="91425" tIns="91425" rIns="91425" bIns="91425" anchor="t" anchorCtr="0">
             <a:noAutofit/>
           </a:bodyPr>
           <a:lstStyle/>
           <a:p>
-            <a:pPr indent="0" lvl="0" marL="0" rtl="0" algn="l">
+            <a:pPr marL="0" lvl="0" indent="0" algn="l" rtl="0">
               <a:spcBef>
                 <a:spcPts val="0"/>
               </a:spcBef>
@@ -1938,9 +2055,6 @@
               </a:spcAft>
               <a:buNone/>
             </a:pPr>
-            <a:r>
-              <a:t/>
-            </a:r>
             <a:endParaRPr/>
           </a:p>
         </p:txBody>
@@ -1948,20 +2062,26 @@
       <p:sp>
         <p:nvSpPr>
           <p:cNvPr id="131" name="Google Shape;131;p9:notes"/>
-          <p:cNvSpPr/>
+          <p:cNvSpPr>
+            <a:spLocks noGrp="1" noRot="1" noChangeAspect="1"/>
+          </p:cNvSpPr>
           <p:nvPr>
-            <p:ph idx="2" type="sldImg"/>
+            <p:ph type="sldImg" idx="2"/>
           </p:nvPr>
         </p:nvSpPr>
         <p:spPr>
           <a:xfrm>
-            <a:off x="1143225" y="685800"/>
-            <a:ext cx="4572225" cy="3429000"/>
+            <a:off x="1143000" y="685800"/>
+            <a:ext cx="4572000" cy="3429000"/>
           </a:xfrm>
           <a:custGeom>
-            <a:rect b="b" l="l" r="r" t="t"/>
+            <a:avLst/>
+            <a:gdLst/>
+            <a:ahLst/>
+            <a:cxnLst/>
+            <a:rect l="l" t="t" r="r" b="b"/>
             <a:pathLst>
-              <a:path extrusionOk="0" h="120000" w="120000">
+              <a:path w="120000" h="120000" extrusionOk="0">
                 <a:moveTo>
                   <a:pt x="0" y="0"/>
                 </a:moveTo>
@@ -1989,11 +2109,11 @@
 </file>
 
 <file path=ppt/slideLayouts/slideLayout1.xml><?xml version="1.0" encoding="utf-8"?>
-<p:sldLayout xmlns:a="http://schemas.openxmlformats.org/drawingml/2006/main" xmlns:r="http://schemas.openxmlformats.org/officeDocument/2006/relationships" xmlns:mc="http://schemas.openxmlformats.org/markup-compatibility/2006" xmlns:mv="urn:schemas-microsoft-com:mac:vml" xmlns:p="http://schemas.openxmlformats.org/presentationml/2006/main" xmlns:c="http://schemas.openxmlformats.org/drawingml/2006/chart" xmlns:dgm="http://schemas.openxmlformats.org/drawingml/2006/diagram" xmlns:o="urn:schemas-microsoft-com:office:office" xmlns:v="urn:schemas-microsoft-com:vml" xmlns:pvml="urn:schemas-microsoft-com:office:powerpoint" xmlns:com="http://schemas.openxmlformats.org/drawingml/2006/compatibility" xmlns:p14="http://schemas.microsoft.com/office/powerpoint/2010/main" xmlns:p15="http://schemas.microsoft.com/office/powerpoint/2012/main" xmlns:ahyp="http://schemas.microsoft.com/office/drawing/2018/hyperlinkcolor" matchingName="Title Slide" type="title">
+<p:sldLayout xmlns:a="http://schemas.openxmlformats.org/drawingml/2006/main" xmlns:r="http://schemas.openxmlformats.org/officeDocument/2006/relationships" xmlns:p="http://schemas.openxmlformats.org/presentationml/2006/main" matchingName="Title Slide" type="title">
   <p:cSld name="TITLE">
     <p:spTree>
       <p:nvGrpSpPr>
-        <p:cNvPr id="11" name="Shape 11"/>
+        <p:cNvPr id="1" name="Shape 11"/>
         <p:cNvGrpSpPr/>
         <p:nvPr/>
       </p:nvGrpSpPr>
@@ -2008,7 +2128,9 @@
       <p:sp>
         <p:nvSpPr>
           <p:cNvPr id="12" name="Google Shape;12;p15"/>
-          <p:cNvSpPr txBox="1"/>
+          <p:cNvSpPr txBox="1">
+            <a:spLocks noGrp="1"/>
+          </p:cNvSpPr>
           <p:nvPr>
             <p:ph type="ctrTitle"/>
           </p:nvPr>
@@ -2027,7 +2149,7 @@
           </a:ln>
         </p:spPr>
         <p:txBody>
-          <a:bodyPr anchorCtr="0" anchor="ctr" bIns="45700" lIns="91425" spcFirstLastPara="1" rIns="91425" wrap="square" tIns="45700">
+          <a:bodyPr spcFirstLastPara="1" wrap="square" lIns="91425" tIns="45700" rIns="91425" bIns="45700" anchor="ctr" anchorCtr="0">
             <a:normAutofit/>
           </a:bodyPr>
           <a:lstStyle>
@@ -2134,15 +2256,19 @@
               <a:defRPr/>
             </a:lvl9pPr>
           </a:lstStyle>
-          <a:p/>
+          <a:p>
+            <a:endParaRPr/>
+          </a:p>
         </p:txBody>
       </p:sp>
       <p:sp>
         <p:nvSpPr>
           <p:cNvPr id="13" name="Google Shape;13;p15"/>
-          <p:cNvSpPr txBox="1"/>
+          <p:cNvSpPr txBox="1">
+            <a:spLocks noGrp="1"/>
+          </p:cNvSpPr>
           <p:nvPr>
-            <p:ph idx="1" type="subTitle"/>
+            <p:ph type="subTitle" idx="1"/>
           </p:nvPr>
         </p:nvSpPr>
         <p:spPr>
@@ -2159,7 +2285,7 @@
           </a:ln>
         </p:spPr>
         <p:txBody>
-          <a:bodyPr anchorCtr="0" anchor="t" bIns="45700" lIns="91425" spcFirstLastPara="1" rIns="91425" wrap="square" tIns="45700">
+          <a:bodyPr spcFirstLastPara="1" wrap="square" lIns="91425" tIns="45700" rIns="91425" bIns="45700" anchor="t" anchorCtr="0">
             <a:normAutofit/>
           </a:bodyPr>
           <a:lstStyle>
@@ -2326,15 +2452,19 @@
               </a:defRPr>
             </a:lvl9pPr>
           </a:lstStyle>
-          <a:p/>
+          <a:p>
+            <a:endParaRPr/>
+          </a:p>
         </p:txBody>
       </p:sp>
       <p:sp>
         <p:nvSpPr>
           <p:cNvPr id="14" name="Google Shape;14;p15"/>
-          <p:cNvSpPr txBox="1"/>
+          <p:cNvSpPr txBox="1">
+            <a:spLocks noGrp="1"/>
+          </p:cNvSpPr>
           <p:nvPr>
-            <p:ph idx="10" type="dt"/>
+            <p:ph type="dt" idx="10"/>
           </p:nvPr>
         </p:nvSpPr>
         <p:spPr>
@@ -2351,7 +2481,7 @@
           </a:ln>
         </p:spPr>
         <p:txBody>
-          <a:bodyPr anchorCtr="0" anchor="ctr" bIns="45700" lIns="91425" spcFirstLastPara="1" rIns="91425" wrap="square" tIns="45700">
+          <a:bodyPr spcFirstLastPara="1" wrap="square" lIns="91425" tIns="45700" rIns="91425" bIns="45700" anchor="ctr" anchorCtr="0">
             <a:noAutofit/>
           </a:bodyPr>
           <a:lstStyle>
@@ -2455,15 +2585,19 @@
               <a:defRPr/>
             </a:lvl9pPr>
           </a:lstStyle>
-          <a:p/>
+          <a:p>
+            <a:endParaRPr/>
+          </a:p>
         </p:txBody>
       </p:sp>
       <p:sp>
         <p:nvSpPr>
           <p:cNvPr id="15" name="Google Shape;15;p15"/>
-          <p:cNvSpPr txBox="1"/>
+          <p:cNvSpPr txBox="1">
+            <a:spLocks noGrp="1"/>
+          </p:cNvSpPr>
           <p:nvPr>
-            <p:ph idx="11" type="ftr"/>
+            <p:ph type="ftr" idx="11"/>
           </p:nvPr>
         </p:nvSpPr>
         <p:spPr>
@@ -2480,7 +2614,7 @@
           </a:ln>
         </p:spPr>
         <p:txBody>
-          <a:bodyPr anchorCtr="0" anchor="ctr" bIns="45700" lIns="91425" spcFirstLastPara="1" rIns="91425" wrap="square" tIns="45700">
+          <a:bodyPr spcFirstLastPara="1" wrap="square" lIns="91425" tIns="45700" rIns="91425" bIns="45700" anchor="ctr" anchorCtr="0">
             <a:noAutofit/>
           </a:bodyPr>
           <a:lstStyle>
@@ -2584,15 +2718,19 @@
               <a:defRPr/>
             </a:lvl9pPr>
           </a:lstStyle>
-          <a:p/>
+          <a:p>
+            <a:endParaRPr/>
+          </a:p>
         </p:txBody>
       </p:sp>
       <p:sp>
         <p:nvSpPr>
           <p:cNvPr id="16" name="Google Shape;16;p15"/>
-          <p:cNvSpPr txBox="1"/>
+          <p:cNvSpPr txBox="1">
+            <a:spLocks noGrp="1"/>
+          </p:cNvSpPr>
           <p:nvPr>
-            <p:ph idx="12" type="sldNum"/>
+            <p:ph type="sldNum" idx="12"/>
           </p:nvPr>
         </p:nvSpPr>
         <p:spPr>
@@ -2609,67 +2747,67 @@
           </a:ln>
         </p:spPr>
         <p:txBody>
-          <a:bodyPr anchorCtr="0" anchor="ctr" bIns="45700" lIns="91425" spcFirstLastPara="1" rIns="91425" wrap="square" tIns="45700">
+          <a:bodyPr spcFirstLastPara="1" wrap="square" lIns="91425" tIns="45700" rIns="91425" bIns="45700" anchor="ctr" anchorCtr="0">
             <a:noAutofit/>
           </a:bodyPr>
           <a:lstStyle>
-            <a:lvl1pPr indent="0" lvl="0" marL="0" algn="r">
+            <a:lvl1pPr marL="0" lvl="0" indent="0" algn="r">
               <a:spcBef>
                 <a:spcPts val="0"/>
               </a:spcBef>
               <a:buNone/>
               <a:defRPr/>
             </a:lvl1pPr>
-            <a:lvl2pPr indent="0" lvl="1" marL="0" algn="r">
+            <a:lvl2pPr marL="0" lvl="1" indent="0" algn="r">
               <a:spcBef>
                 <a:spcPts val="0"/>
               </a:spcBef>
               <a:buNone/>
               <a:defRPr/>
             </a:lvl2pPr>
-            <a:lvl3pPr indent="0" lvl="2" marL="0" algn="r">
+            <a:lvl3pPr marL="0" lvl="2" indent="0" algn="r">
               <a:spcBef>
                 <a:spcPts val="0"/>
               </a:spcBef>
               <a:buNone/>
               <a:defRPr/>
             </a:lvl3pPr>
-            <a:lvl4pPr indent="0" lvl="3" marL="0" algn="r">
+            <a:lvl4pPr marL="0" lvl="3" indent="0" algn="r">
               <a:spcBef>
                 <a:spcPts val="0"/>
               </a:spcBef>
               <a:buNone/>
               <a:defRPr/>
             </a:lvl4pPr>
-            <a:lvl5pPr indent="0" lvl="4" marL="0" algn="r">
+            <a:lvl5pPr marL="0" lvl="4" indent="0" algn="r">
               <a:spcBef>
                 <a:spcPts val="0"/>
               </a:spcBef>
               <a:buNone/>
               <a:defRPr/>
             </a:lvl5pPr>
-            <a:lvl6pPr indent="0" lvl="5" marL="0" algn="r">
+            <a:lvl6pPr marL="0" lvl="5" indent="0" algn="r">
               <a:spcBef>
                 <a:spcPts val="0"/>
               </a:spcBef>
               <a:buNone/>
               <a:defRPr/>
             </a:lvl6pPr>
-            <a:lvl7pPr indent="0" lvl="6" marL="0" algn="r">
+            <a:lvl7pPr marL="0" lvl="6" indent="0" algn="r">
               <a:spcBef>
                 <a:spcPts val="0"/>
               </a:spcBef>
               <a:buNone/>
               <a:defRPr/>
             </a:lvl7pPr>
-            <a:lvl8pPr indent="0" lvl="7" marL="0" algn="r">
+            <a:lvl8pPr marL="0" lvl="7" indent="0" algn="r">
               <a:spcBef>
                 <a:spcPts val="0"/>
               </a:spcBef>
               <a:buNone/>
               <a:defRPr/>
             </a:lvl8pPr>
-            <a:lvl9pPr indent="0" lvl="8" marL="0" algn="r">
+            <a:lvl9pPr marL="0" lvl="8" indent="0" algn="r">
               <a:spcBef>
                 <a:spcPts val="0"/>
               </a:spcBef>
@@ -2678,7 +2816,7 @@
             </a:lvl9pPr>
           </a:lstStyle>
           <a:p>
-            <a:pPr indent="0" lvl="0" marL="0" rtl="0" algn="r">
+            <a:pPr marL="0" lvl="0" indent="0" algn="r" rtl="0">
               <a:spcBef>
                 <a:spcPts val="0"/>
               </a:spcBef>
@@ -2704,11 +2842,11 @@
 </file>
 
 <file path=ppt/slideLayouts/slideLayout10.xml><?xml version="1.0" encoding="utf-8"?>
-<p:sldLayout xmlns:a="http://schemas.openxmlformats.org/drawingml/2006/main" xmlns:r="http://schemas.openxmlformats.org/officeDocument/2006/relationships" xmlns:mc="http://schemas.openxmlformats.org/markup-compatibility/2006" xmlns:mv="urn:schemas-microsoft-com:mac:vml" xmlns:p="http://schemas.openxmlformats.org/presentationml/2006/main" xmlns:c="http://schemas.openxmlformats.org/drawingml/2006/chart" xmlns:dgm="http://schemas.openxmlformats.org/drawingml/2006/diagram" xmlns:o="urn:schemas-microsoft-com:office:office" xmlns:v="urn:schemas-microsoft-com:vml" xmlns:pvml="urn:schemas-microsoft-com:office:powerpoint" xmlns:com="http://schemas.openxmlformats.org/drawingml/2006/compatibility" xmlns:p14="http://schemas.microsoft.com/office/powerpoint/2010/main" xmlns:p15="http://schemas.microsoft.com/office/powerpoint/2012/main" xmlns:ahyp="http://schemas.microsoft.com/office/drawing/2018/hyperlinkcolor" matchingName="Title and Vertical Text" type="vertTx">
+<p:sldLayout xmlns:a="http://schemas.openxmlformats.org/drawingml/2006/main" xmlns:r="http://schemas.openxmlformats.org/officeDocument/2006/relationships" xmlns:p="http://schemas.openxmlformats.org/presentationml/2006/main" matchingName="Title and Vertical Text" type="vertTx">
   <p:cSld name="VERTICAL_TEXT">
     <p:spTree>
       <p:nvGrpSpPr>
-        <p:cNvPr id="68" name="Shape 68"/>
+        <p:cNvPr id="1" name="Shape 68"/>
         <p:cNvGrpSpPr/>
         <p:nvPr/>
       </p:nvGrpSpPr>
@@ -2723,7 +2861,9 @@
       <p:sp>
         <p:nvSpPr>
           <p:cNvPr id="69" name="Google Shape;69;p24"/>
-          <p:cNvSpPr txBox="1"/>
+          <p:cNvSpPr txBox="1">
+            <a:spLocks noGrp="1"/>
+          </p:cNvSpPr>
           <p:nvPr>
             <p:ph type="title"/>
           </p:nvPr>
@@ -2742,7 +2882,7 @@
           </a:ln>
         </p:spPr>
         <p:txBody>
-          <a:bodyPr anchorCtr="0" anchor="ctr" bIns="45700" lIns="91425" spcFirstLastPara="1" rIns="91425" wrap="square" tIns="45700">
+          <a:bodyPr spcFirstLastPara="1" wrap="square" lIns="91425" tIns="45700" rIns="91425" bIns="45700" anchor="ctr" anchorCtr="0">
             <a:normAutofit/>
           </a:bodyPr>
           <a:lstStyle>
@@ -2849,15 +2989,19 @@
               <a:defRPr/>
             </a:lvl9pPr>
           </a:lstStyle>
-          <a:p/>
+          <a:p>
+            <a:endParaRPr/>
+          </a:p>
         </p:txBody>
       </p:sp>
       <p:sp>
         <p:nvSpPr>
           <p:cNvPr id="70" name="Google Shape;70;p24"/>
-          <p:cNvSpPr txBox="1"/>
+          <p:cNvSpPr txBox="1">
+            <a:spLocks noGrp="1"/>
+          </p:cNvSpPr>
           <p:nvPr>
-            <p:ph idx="1" type="body"/>
+            <p:ph type="body" idx="1"/>
           </p:nvPr>
         </p:nvSpPr>
         <p:spPr>
@@ -2874,11 +3018,11 @@
           </a:ln>
         </p:spPr>
         <p:txBody>
-          <a:bodyPr anchorCtr="0" anchor="t" bIns="45700" lIns="91425" spcFirstLastPara="1" rIns="91425" wrap="square" tIns="45700">
+          <a:bodyPr spcFirstLastPara="1" wrap="square" lIns="91425" tIns="45700" rIns="91425" bIns="45700" anchor="t" anchorCtr="0">
             <a:normAutofit/>
           </a:bodyPr>
           <a:lstStyle>
-            <a:lvl1pPr indent="-342900" lvl="0" marL="457200" algn="l">
+            <a:lvl1pPr marL="457200" lvl="0" indent="-342900" algn="l">
               <a:spcBef>
                 <a:spcPts val="360"/>
               </a:spcBef>
@@ -2892,7 +3036,7 @@
               <a:buChar char="•"/>
               <a:defRPr/>
             </a:lvl1pPr>
-            <a:lvl2pPr indent="-342900" lvl="1" marL="914400" algn="l">
+            <a:lvl2pPr marL="914400" lvl="1" indent="-342900" algn="l">
               <a:spcBef>
                 <a:spcPts val="360"/>
               </a:spcBef>
@@ -2906,7 +3050,7 @@
               <a:buChar char="–"/>
               <a:defRPr/>
             </a:lvl2pPr>
-            <a:lvl3pPr indent="-342900" lvl="2" marL="1371600" algn="l">
+            <a:lvl3pPr marL="1371600" lvl="2" indent="-342900" algn="l">
               <a:spcBef>
                 <a:spcPts val="360"/>
               </a:spcBef>
@@ -2920,7 +3064,7 @@
               <a:buChar char="•"/>
               <a:defRPr/>
             </a:lvl3pPr>
-            <a:lvl4pPr indent="-342900" lvl="3" marL="1828800" algn="l">
+            <a:lvl4pPr marL="1828800" lvl="3" indent="-342900" algn="l">
               <a:spcBef>
                 <a:spcPts val="360"/>
               </a:spcBef>
@@ -2934,7 +3078,7 @@
               <a:buChar char="–"/>
               <a:defRPr/>
             </a:lvl4pPr>
-            <a:lvl5pPr indent="-342900" lvl="4" marL="2286000" algn="l">
+            <a:lvl5pPr marL="2286000" lvl="4" indent="-342900" algn="l">
               <a:spcBef>
                 <a:spcPts val="360"/>
               </a:spcBef>
@@ -2948,7 +3092,7 @@
               <a:buChar char="»"/>
               <a:defRPr/>
             </a:lvl5pPr>
-            <a:lvl6pPr indent="-342900" lvl="5" marL="2743200" algn="l">
+            <a:lvl6pPr marL="2743200" lvl="5" indent="-342900" algn="l">
               <a:spcBef>
                 <a:spcPts val="360"/>
               </a:spcBef>
@@ -2962,7 +3106,7 @@
               <a:buChar char="•"/>
               <a:defRPr/>
             </a:lvl6pPr>
-            <a:lvl7pPr indent="-342900" lvl="6" marL="3200400" algn="l">
+            <a:lvl7pPr marL="3200400" lvl="6" indent="-342900" algn="l">
               <a:spcBef>
                 <a:spcPts val="360"/>
               </a:spcBef>
@@ -2976,7 +3120,7 @@
               <a:buChar char="•"/>
               <a:defRPr/>
             </a:lvl7pPr>
-            <a:lvl8pPr indent="-342900" lvl="7" marL="3657600" algn="l">
+            <a:lvl8pPr marL="3657600" lvl="7" indent="-342900" algn="l">
               <a:spcBef>
                 <a:spcPts val="360"/>
               </a:spcBef>
@@ -2990,7 +3134,7 @@
               <a:buChar char="•"/>
               <a:defRPr/>
             </a:lvl8pPr>
-            <a:lvl9pPr indent="-342900" lvl="8" marL="4114800" algn="l">
+            <a:lvl9pPr marL="4114800" lvl="8" indent="-342900" algn="l">
               <a:spcBef>
                 <a:spcPts val="360"/>
               </a:spcBef>
@@ -3005,15 +3149,19 @@
               <a:defRPr/>
             </a:lvl9pPr>
           </a:lstStyle>
-          <a:p/>
+          <a:p>
+            <a:endParaRPr/>
+          </a:p>
         </p:txBody>
       </p:sp>
       <p:sp>
         <p:nvSpPr>
           <p:cNvPr id="71" name="Google Shape;71;p24"/>
-          <p:cNvSpPr txBox="1"/>
+          <p:cNvSpPr txBox="1">
+            <a:spLocks noGrp="1"/>
+          </p:cNvSpPr>
           <p:nvPr>
-            <p:ph idx="10" type="dt"/>
+            <p:ph type="dt" idx="10"/>
           </p:nvPr>
         </p:nvSpPr>
         <p:spPr>
@@ -3030,7 +3178,7 @@
           </a:ln>
         </p:spPr>
         <p:txBody>
-          <a:bodyPr anchorCtr="0" anchor="ctr" bIns="45700" lIns="91425" spcFirstLastPara="1" rIns="91425" wrap="square" tIns="45700">
+          <a:bodyPr spcFirstLastPara="1" wrap="square" lIns="91425" tIns="45700" rIns="91425" bIns="45700" anchor="ctr" anchorCtr="0">
             <a:noAutofit/>
           </a:bodyPr>
           <a:lstStyle>
@@ -3134,15 +3282,19 @@
               <a:defRPr/>
             </a:lvl9pPr>
           </a:lstStyle>
-          <a:p/>
+          <a:p>
+            <a:endParaRPr/>
+          </a:p>
         </p:txBody>
       </p:sp>
       <p:sp>
         <p:nvSpPr>
           <p:cNvPr id="72" name="Google Shape;72;p24"/>
-          <p:cNvSpPr txBox="1"/>
+          <p:cNvSpPr txBox="1">
+            <a:spLocks noGrp="1"/>
+          </p:cNvSpPr>
           <p:nvPr>
-            <p:ph idx="11" type="ftr"/>
+            <p:ph type="ftr" idx="11"/>
           </p:nvPr>
         </p:nvSpPr>
         <p:spPr>
@@ -3159,7 +3311,7 @@
           </a:ln>
         </p:spPr>
         <p:txBody>
-          <a:bodyPr anchorCtr="0" anchor="ctr" bIns="45700" lIns="91425" spcFirstLastPara="1" rIns="91425" wrap="square" tIns="45700">
+          <a:bodyPr spcFirstLastPara="1" wrap="square" lIns="91425" tIns="45700" rIns="91425" bIns="45700" anchor="ctr" anchorCtr="0">
             <a:noAutofit/>
           </a:bodyPr>
           <a:lstStyle>
@@ -3263,15 +3415,19 @@
               <a:defRPr/>
             </a:lvl9pPr>
           </a:lstStyle>
-          <a:p/>
+          <a:p>
+            <a:endParaRPr/>
+          </a:p>
         </p:txBody>
       </p:sp>
       <p:sp>
         <p:nvSpPr>
           <p:cNvPr id="73" name="Google Shape;73;p24"/>
-          <p:cNvSpPr txBox="1"/>
+          <p:cNvSpPr txBox="1">
+            <a:spLocks noGrp="1"/>
+          </p:cNvSpPr>
           <p:nvPr>
-            <p:ph idx="12" type="sldNum"/>
+            <p:ph type="sldNum" idx="12"/>
           </p:nvPr>
         </p:nvSpPr>
         <p:spPr>
@@ -3288,67 +3444,67 @@
           </a:ln>
         </p:spPr>
         <p:txBody>
-          <a:bodyPr anchorCtr="0" anchor="ctr" bIns="45700" lIns="91425" spcFirstLastPara="1" rIns="91425" wrap="square" tIns="45700">
+          <a:bodyPr spcFirstLastPara="1" wrap="square" lIns="91425" tIns="45700" rIns="91425" bIns="45700" anchor="ctr" anchorCtr="0">
             <a:noAutofit/>
           </a:bodyPr>
           <a:lstStyle>
-            <a:lvl1pPr indent="0" lvl="0" marL="0" algn="r">
+            <a:lvl1pPr marL="0" lvl="0" indent="0" algn="r">
               <a:spcBef>
                 <a:spcPts val="0"/>
               </a:spcBef>
               <a:buNone/>
               <a:defRPr/>
             </a:lvl1pPr>
-            <a:lvl2pPr indent="0" lvl="1" marL="0" algn="r">
+            <a:lvl2pPr marL="0" lvl="1" indent="0" algn="r">
               <a:spcBef>
                 <a:spcPts val="0"/>
               </a:spcBef>
               <a:buNone/>
               <a:defRPr/>
             </a:lvl2pPr>
-            <a:lvl3pPr indent="0" lvl="2" marL="0" algn="r">
+            <a:lvl3pPr marL="0" lvl="2" indent="0" algn="r">
               <a:spcBef>
                 <a:spcPts val="0"/>
               </a:spcBef>
               <a:buNone/>
               <a:defRPr/>
             </a:lvl3pPr>
-            <a:lvl4pPr indent="0" lvl="3" marL="0" algn="r">
+            <a:lvl4pPr marL="0" lvl="3" indent="0" algn="r">
               <a:spcBef>
                 <a:spcPts val="0"/>
               </a:spcBef>
               <a:buNone/>
               <a:defRPr/>
             </a:lvl4pPr>
-            <a:lvl5pPr indent="0" lvl="4" marL="0" algn="r">
+            <a:lvl5pPr marL="0" lvl="4" indent="0" algn="r">
               <a:spcBef>
                 <a:spcPts val="0"/>
               </a:spcBef>
               <a:buNone/>
               <a:defRPr/>
             </a:lvl5pPr>
-            <a:lvl6pPr indent="0" lvl="5" marL="0" algn="r">
+            <a:lvl6pPr marL="0" lvl="5" indent="0" algn="r">
               <a:spcBef>
                 <a:spcPts val="0"/>
               </a:spcBef>
               <a:buNone/>
               <a:defRPr/>
             </a:lvl6pPr>
-            <a:lvl7pPr indent="0" lvl="6" marL="0" algn="r">
+            <a:lvl7pPr marL="0" lvl="6" indent="0" algn="r">
               <a:spcBef>
                 <a:spcPts val="0"/>
               </a:spcBef>
               <a:buNone/>
               <a:defRPr/>
             </a:lvl7pPr>
-            <a:lvl8pPr indent="0" lvl="7" marL="0" algn="r">
+            <a:lvl8pPr marL="0" lvl="7" indent="0" algn="r">
               <a:spcBef>
                 <a:spcPts val="0"/>
               </a:spcBef>
               <a:buNone/>
               <a:defRPr/>
             </a:lvl8pPr>
-            <a:lvl9pPr indent="0" lvl="8" marL="0" algn="r">
+            <a:lvl9pPr marL="0" lvl="8" indent="0" algn="r">
               <a:spcBef>
                 <a:spcPts val="0"/>
               </a:spcBef>
@@ -3357,7 +3513,7 @@
             </a:lvl9pPr>
           </a:lstStyle>
           <a:p>
-            <a:pPr indent="0" lvl="0" marL="0" rtl="0" algn="r">
+            <a:pPr marL="0" lvl="0" indent="0" algn="r" rtl="0">
               <a:spcBef>
                 <a:spcPts val="0"/>
               </a:spcBef>
@@ -3383,11 +3539,11 @@
 </file>
 
 <file path=ppt/slideLayouts/slideLayout11.xml><?xml version="1.0" encoding="utf-8"?>
-<p:sldLayout xmlns:a="http://schemas.openxmlformats.org/drawingml/2006/main" xmlns:r="http://schemas.openxmlformats.org/officeDocument/2006/relationships" xmlns:mc="http://schemas.openxmlformats.org/markup-compatibility/2006" xmlns:mv="urn:schemas-microsoft-com:mac:vml" xmlns:p="http://schemas.openxmlformats.org/presentationml/2006/main" xmlns:c="http://schemas.openxmlformats.org/drawingml/2006/chart" xmlns:dgm="http://schemas.openxmlformats.org/drawingml/2006/diagram" xmlns:o="urn:schemas-microsoft-com:office:office" xmlns:v="urn:schemas-microsoft-com:vml" xmlns:pvml="urn:schemas-microsoft-com:office:powerpoint" xmlns:com="http://schemas.openxmlformats.org/drawingml/2006/compatibility" xmlns:p14="http://schemas.microsoft.com/office/powerpoint/2010/main" xmlns:p15="http://schemas.microsoft.com/office/powerpoint/2012/main" xmlns:ahyp="http://schemas.microsoft.com/office/drawing/2018/hyperlinkcolor" matchingName="Vertical Title and Text" type="vertTitleAndTx">
+<p:sldLayout xmlns:a="http://schemas.openxmlformats.org/drawingml/2006/main" xmlns:r="http://schemas.openxmlformats.org/officeDocument/2006/relationships" xmlns:p="http://schemas.openxmlformats.org/presentationml/2006/main" matchingName="Vertical Title and Text" type="vertTitleAndTx">
   <p:cSld name="VERTICAL_TITLE_AND_VERTICAL_TEXT">
     <p:spTree>
       <p:nvGrpSpPr>
-        <p:cNvPr id="74" name="Shape 74"/>
+        <p:cNvPr id="1" name="Shape 74"/>
         <p:cNvGrpSpPr/>
         <p:nvPr/>
       </p:nvGrpSpPr>
@@ -3402,7 +3558,9 @@
       <p:sp>
         <p:nvSpPr>
           <p:cNvPr id="75" name="Google Shape;75;p25"/>
-          <p:cNvSpPr txBox="1"/>
+          <p:cNvSpPr txBox="1">
+            <a:spLocks noGrp="1"/>
+          </p:cNvSpPr>
           <p:nvPr>
             <p:ph type="title"/>
           </p:nvPr>
@@ -3421,7 +3579,7 @@
           </a:ln>
         </p:spPr>
         <p:txBody>
-          <a:bodyPr anchorCtr="0" anchor="ctr" bIns="45700" lIns="91425" spcFirstLastPara="1" rIns="91425" wrap="square" tIns="45700">
+          <a:bodyPr spcFirstLastPara="1" wrap="square" lIns="91425" tIns="45700" rIns="91425" bIns="45700" anchor="ctr" anchorCtr="0">
             <a:normAutofit/>
           </a:bodyPr>
           <a:lstStyle>
@@ -3528,15 +3686,19 @@
               <a:defRPr/>
             </a:lvl9pPr>
           </a:lstStyle>
-          <a:p/>
+          <a:p>
+            <a:endParaRPr/>
+          </a:p>
         </p:txBody>
       </p:sp>
       <p:sp>
         <p:nvSpPr>
           <p:cNvPr id="76" name="Google Shape;76;p25"/>
-          <p:cNvSpPr txBox="1"/>
+          <p:cNvSpPr txBox="1">
+            <a:spLocks noGrp="1"/>
+          </p:cNvSpPr>
           <p:nvPr>
-            <p:ph idx="1" type="body"/>
+            <p:ph type="body" idx="1"/>
           </p:nvPr>
         </p:nvSpPr>
         <p:spPr>
@@ -3553,11 +3715,11 @@
           </a:ln>
         </p:spPr>
         <p:txBody>
-          <a:bodyPr anchorCtr="0" anchor="t" bIns="45700" lIns="91425" spcFirstLastPara="1" rIns="91425" wrap="square" tIns="45700">
+          <a:bodyPr spcFirstLastPara="1" wrap="square" lIns="91425" tIns="45700" rIns="91425" bIns="45700" anchor="t" anchorCtr="0">
             <a:normAutofit/>
           </a:bodyPr>
           <a:lstStyle>
-            <a:lvl1pPr indent="-342900" lvl="0" marL="457200" algn="l">
+            <a:lvl1pPr marL="457200" lvl="0" indent="-342900" algn="l">
               <a:spcBef>
                 <a:spcPts val="360"/>
               </a:spcBef>
@@ -3571,7 +3733,7 @@
               <a:buChar char="•"/>
               <a:defRPr/>
             </a:lvl1pPr>
-            <a:lvl2pPr indent="-342900" lvl="1" marL="914400" algn="l">
+            <a:lvl2pPr marL="914400" lvl="1" indent="-342900" algn="l">
               <a:spcBef>
                 <a:spcPts val="360"/>
               </a:spcBef>
@@ -3585,7 +3747,7 @@
               <a:buChar char="–"/>
               <a:defRPr/>
             </a:lvl2pPr>
-            <a:lvl3pPr indent="-342900" lvl="2" marL="1371600" algn="l">
+            <a:lvl3pPr marL="1371600" lvl="2" indent="-342900" algn="l">
               <a:spcBef>
                 <a:spcPts val="360"/>
               </a:spcBef>
@@ -3599,7 +3761,7 @@
               <a:buChar char="•"/>
               <a:defRPr/>
             </a:lvl3pPr>
-            <a:lvl4pPr indent="-342900" lvl="3" marL="1828800" algn="l">
+            <a:lvl4pPr marL="1828800" lvl="3" indent="-342900" algn="l">
               <a:spcBef>
                 <a:spcPts val="360"/>
               </a:spcBef>
@@ -3613,7 +3775,7 @@
               <a:buChar char="–"/>
               <a:defRPr/>
             </a:lvl4pPr>
-            <a:lvl5pPr indent="-342900" lvl="4" marL="2286000" algn="l">
+            <a:lvl5pPr marL="2286000" lvl="4" indent="-342900" algn="l">
               <a:spcBef>
                 <a:spcPts val="360"/>
               </a:spcBef>
@@ -3627,7 +3789,7 @@
               <a:buChar char="»"/>
               <a:defRPr/>
             </a:lvl5pPr>
-            <a:lvl6pPr indent="-342900" lvl="5" marL="2743200" algn="l">
+            <a:lvl6pPr marL="2743200" lvl="5" indent="-342900" algn="l">
               <a:spcBef>
                 <a:spcPts val="360"/>
               </a:spcBef>
@@ -3641,7 +3803,7 @@
               <a:buChar char="•"/>
               <a:defRPr/>
             </a:lvl6pPr>
-            <a:lvl7pPr indent="-342900" lvl="6" marL="3200400" algn="l">
+            <a:lvl7pPr marL="3200400" lvl="6" indent="-342900" algn="l">
               <a:spcBef>
                 <a:spcPts val="360"/>
               </a:spcBef>
@@ -3655,7 +3817,7 @@
               <a:buChar char="•"/>
               <a:defRPr/>
             </a:lvl7pPr>
-            <a:lvl8pPr indent="-342900" lvl="7" marL="3657600" algn="l">
+            <a:lvl8pPr marL="3657600" lvl="7" indent="-342900" algn="l">
               <a:spcBef>
                 <a:spcPts val="360"/>
               </a:spcBef>
@@ -3669,7 +3831,7 @@
               <a:buChar char="•"/>
               <a:defRPr/>
             </a:lvl8pPr>
-            <a:lvl9pPr indent="-342900" lvl="8" marL="4114800" algn="l">
+            <a:lvl9pPr marL="4114800" lvl="8" indent="-342900" algn="l">
               <a:spcBef>
                 <a:spcPts val="360"/>
               </a:spcBef>
@@ -3684,15 +3846,19 @@
               <a:defRPr/>
             </a:lvl9pPr>
           </a:lstStyle>
-          <a:p/>
+          <a:p>
+            <a:endParaRPr/>
+          </a:p>
         </p:txBody>
       </p:sp>
       <p:sp>
         <p:nvSpPr>
           <p:cNvPr id="77" name="Google Shape;77;p25"/>
-          <p:cNvSpPr txBox="1"/>
+          <p:cNvSpPr txBox="1">
+            <a:spLocks noGrp="1"/>
+          </p:cNvSpPr>
           <p:nvPr>
-            <p:ph idx="10" type="dt"/>
+            <p:ph type="dt" idx="10"/>
           </p:nvPr>
         </p:nvSpPr>
         <p:spPr>
@@ -3709,7 +3875,7 @@
           </a:ln>
         </p:spPr>
         <p:txBody>
-          <a:bodyPr anchorCtr="0" anchor="ctr" bIns="45700" lIns="91425" spcFirstLastPara="1" rIns="91425" wrap="square" tIns="45700">
+          <a:bodyPr spcFirstLastPara="1" wrap="square" lIns="91425" tIns="45700" rIns="91425" bIns="45700" anchor="ctr" anchorCtr="0">
             <a:noAutofit/>
           </a:bodyPr>
           <a:lstStyle>
@@ -3813,15 +3979,19 @@
               <a:defRPr/>
             </a:lvl9pPr>
           </a:lstStyle>
-          <a:p/>
+          <a:p>
+            <a:endParaRPr/>
+          </a:p>
         </p:txBody>
       </p:sp>
       <p:sp>
         <p:nvSpPr>
           <p:cNvPr id="78" name="Google Shape;78;p25"/>
-          <p:cNvSpPr txBox="1"/>
+          <p:cNvSpPr txBox="1">
+            <a:spLocks noGrp="1"/>
+          </p:cNvSpPr>
           <p:nvPr>
-            <p:ph idx="11" type="ftr"/>
+            <p:ph type="ftr" idx="11"/>
           </p:nvPr>
         </p:nvSpPr>
         <p:spPr>
@@ -3838,7 +4008,7 @@
           </a:ln>
         </p:spPr>
         <p:txBody>
-          <a:bodyPr anchorCtr="0" anchor="ctr" bIns="45700" lIns="91425" spcFirstLastPara="1" rIns="91425" wrap="square" tIns="45700">
+          <a:bodyPr spcFirstLastPara="1" wrap="square" lIns="91425" tIns="45700" rIns="91425" bIns="45700" anchor="ctr" anchorCtr="0">
             <a:noAutofit/>
           </a:bodyPr>
           <a:lstStyle>
@@ -3942,15 +4112,19 @@
               <a:defRPr/>
             </a:lvl9pPr>
           </a:lstStyle>
-          <a:p/>
+          <a:p>
+            <a:endParaRPr/>
+          </a:p>
         </p:txBody>
       </p:sp>
       <p:sp>
         <p:nvSpPr>
           <p:cNvPr id="79" name="Google Shape;79;p25"/>
-          <p:cNvSpPr txBox="1"/>
+          <p:cNvSpPr txBox="1">
+            <a:spLocks noGrp="1"/>
+          </p:cNvSpPr>
           <p:nvPr>
-            <p:ph idx="12" type="sldNum"/>
+            <p:ph type="sldNum" idx="12"/>
           </p:nvPr>
         </p:nvSpPr>
         <p:spPr>
@@ -3967,67 +4141,67 @@
           </a:ln>
         </p:spPr>
         <p:txBody>
-          <a:bodyPr anchorCtr="0" anchor="ctr" bIns="45700" lIns="91425" spcFirstLastPara="1" rIns="91425" wrap="square" tIns="45700">
+          <a:bodyPr spcFirstLastPara="1" wrap="square" lIns="91425" tIns="45700" rIns="91425" bIns="45700" anchor="ctr" anchorCtr="0">
             <a:noAutofit/>
           </a:bodyPr>
           <a:lstStyle>
-            <a:lvl1pPr indent="0" lvl="0" marL="0" algn="r">
+            <a:lvl1pPr marL="0" lvl="0" indent="0" algn="r">
               <a:spcBef>
                 <a:spcPts val="0"/>
               </a:spcBef>
               <a:buNone/>
               <a:defRPr/>
             </a:lvl1pPr>
-            <a:lvl2pPr indent="0" lvl="1" marL="0" algn="r">
+            <a:lvl2pPr marL="0" lvl="1" indent="0" algn="r">
               <a:spcBef>
                 <a:spcPts val="0"/>
               </a:spcBef>
               <a:buNone/>
               <a:defRPr/>
             </a:lvl2pPr>
-            <a:lvl3pPr indent="0" lvl="2" marL="0" algn="r">
+            <a:lvl3pPr marL="0" lvl="2" indent="0" algn="r">
               <a:spcBef>
                 <a:spcPts val="0"/>
               </a:spcBef>
               <a:buNone/>
               <a:defRPr/>
             </a:lvl3pPr>
-            <a:lvl4pPr indent="0" lvl="3" marL="0" algn="r">
+            <a:lvl4pPr marL="0" lvl="3" indent="0" algn="r">
               <a:spcBef>
                 <a:spcPts val="0"/>
               </a:spcBef>
               <a:buNone/>
               <a:defRPr/>
             </a:lvl4pPr>
-            <a:lvl5pPr indent="0" lvl="4" marL="0" algn="r">
+            <a:lvl5pPr marL="0" lvl="4" indent="0" algn="r">
               <a:spcBef>
                 <a:spcPts val="0"/>
               </a:spcBef>
               <a:buNone/>
               <a:defRPr/>
             </a:lvl5pPr>
-            <a:lvl6pPr indent="0" lvl="5" marL="0" algn="r">
+            <a:lvl6pPr marL="0" lvl="5" indent="0" algn="r">
               <a:spcBef>
                 <a:spcPts val="0"/>
               </a:spcBef>
               <a:buNone/>
               <a:defRPr/>
             </a:lvl6pPr>
-            <a:lvl7pPr indent="0" lvl="6" marL="0" algn="r">
+            <a:lvl7pPr marL="0" lvl="6" indent="0" algn="r">
               <a:spcBef>
                 <a:spcPts val="0"/>
               </a:spcBef>
               <a:buNone/>
               <a:defRPr/>
             </a:lvl7pPr>
-            <a:lvl8pPr indent="0" lvl="7" marL="0" algn="r">
+            <a:lvl8pPr marL="0" lvl="7" indent="0" algn="r">
               <a:spcBef>
                 <a:spcPts val="0"/>
               </a:spcBef>
               <a:buNone/>
               <a:defRPr/>
             </a:lvl8pPr>
-            <a:lvl9pPr indent="0" lvl="8" marL="0" algn="r">
+            <a:lvl9pPr marL="0" lvl="8" indent="0" algn="r">
               <a:spcBef>
                 <a:spcPts val="0"/>
               </a:spcBef>
@@ -4036,7 +4210,7 @@
             </a:lvl9pPr>
           </a:lstStyle>
           <a:p>
-            <a:pPr indent="0" lvl="0" marL="0" rtl="0" algn="r">
+            <a:pPr marL="0" lvl="0" indent="0" algn="r" rtl="0">
               <a:spcBef>
                 <a:spcPts val="0"/>
               </a:spcBef>
@@ -4062,11 +4236,11 @@
 </file>
 
 <file path=ppt/slideLayouts/slideLayout2.xml><?xml version="1.0" encoding="utf-8"?>
-<p:sldLayout xmlns:a="http://schemas.openxmlformats.org/drawingml/2006/main" xmlns:r="http://schemas.openxmlformats.org/officeDocument/2006/relationships" xmlns:mc="http://schemas.openxmlformats.org/markup-compatibility/2006" xmlns:mv="urn:schemas-microsoft-com:mac:vml" xmlns:p="http://schemas.openxmlformats.org/presentationml/2006/main" xmlns:c="http://schemas.openxmlformats.org/drawingml/2006/chart" xmlns:dgm="http://schemas.openxmlformats.org/drawingml/2006/diagram" xmlns:o="urn:schemas-microsoft-com:office:office" xmlns:v="urn:schemas-microsoft-com:vml" xmlns:pvml="urn:schemas-microsoft-com:office:powerpoint" xmlns:com="http://schemas.openxmlformats.org/drawingml/2006/compatibility" xmlns:p14="http://schemas.microsoft.com/office/powerpoint/2010/main" xmlns:p15="http://schemas.microsoft.com/office/powerpoint/2012/main" xmlns:ahyp="http://schemas.microsoft.com/office/drawing/2018/hyperlinkcolor" matchingName="Title and Content" type="obj">
+<p:sldLayout xmlns:a="http://schemas.openxmlformats.org/drawingml/2006/main" xmlns:r="http://schemas.openxmlformats.org/officeDocument/2006/relationships" xmlns:p="http://schemas.openxmlformats.org/presentationml/2006/main" matchingName="Title and Content" type="obj">
   <p:cSld name="OBJECT">
     <p:spTree>
       <p:nvGrpSpPr>
-        <p:cNvPr id="17" name="Shape 17"/>
+        <p:cNvPr id="1" name="Shape 17"/>
         <p:cNvGrpSpPr/>
         <p:nvPr/>
       </p:nvGrpSpPr>
@@ -4081,7 +4255,9 @@
       <p:sp>
         <p:nvSpPr>
           <p:cNvPr id="18" name="Google Shape;18;p16"/>
-          <p:cNvSpPr txBox="1"/>
+          <p:cNvSpPr txBox="1">
+            <a:spLocks noGrp="1"/>
+          </p:cNvSpPr>
           <p:nvPr>
             <p:ph type="title"/>
           </p:nvPr>
@@ -4100,7 +4276,7 @@
           </a:ln>
         </p:spPr>
         <p:txBody>
-          <a:bodyPr anchorCtr="0" anchor="ctr" bIns="45700" lIns="91425" spcFirstLastPara="1" rIns="91425" wrap="square" tIns="45700">
+          <a:bodyPr spcFirstLastPara="1" wrap="square" lIns="91425" tIns="45700" rIns="91425" bIns="45700" anchor="ctr" anchorCtr="0">
             <a:normAutofit/>
           </a:bodyPr>
           <a:lstStyle>
@@ -4208,15 +4384,19 @@
               <a:defRPr/>
             </a:lvl9pPr>
           </a:lstStyle>
-          <a:p/>
+          <a:p>
+            <a:endParaRPr/>
+          </a:p>
         </p:txBody>
       </p:sp>
       <p:sp>
         <p:nvSpPr>
           <p:cNvPr id="19" name="Google Shape;19;p16"/>
-          <p:cNvSpPr txBox="1"/>
+          <p:cNvSpPr txBox="1">
+            <a:spLocks noGrp="1"/>
+          </p:cNvSpPr>
           <p:nvPr>
-            <p:ph idx="1" type="body"/>
+            <p:ph type="body" idx="1"/>
           </p:nvPr>
         </p:nvSpPr>
         <p:spPr>
@@ -4233,11 +4413,11 @@
           </a:ln>
         </p:spPr>
         <p:txBody>
-          <a:bodyPr anchorCtr="0" anchor="t" bIns="45700" lIns="91425" spcFirstLastPara="1" rIns="91425" wrap="square" tIns="45700">
+          <a:bodyPr spcFirstLastPara="1" wrap="square" lIns="91425" tIns="45700" rIns="91425" bIns="45700" anchor="t" anchorCtr="0">
             <a:normAutofit/>
           </a:bodyPr>
           <a:lstStyle>
-            <a:lvl1pPr indent="-381000" lvl="0" marL="457200" algn="l">
+            <a:lvl1pPr marL="457200" lvl="0" indent="-381000" algn="l">
               <a:spcBef>
                 <a:spcPts val="480"/>
               </a:spcBef>
@@ -4251,7 +4431,7 @@
               <a:buChar char="•"/>
               <a:defRPr sz="2400"/>
             </a:lvl1pPr>
-            <a:lvl2pPr indent="-342900" lvl="1" marL="914400" algn="l">
+            <a:lvl2pPr marL="914400" lvl="1" indent="-342900" algn="l">
               <a:spcBef>
                 <a:spcPts val="360"/>
               </a:spcBef>
@@ -4265,7 +4445,7 @@
               <a:buChar char="–"/>
               <a:defRPr sz="1800"/>
             </a:lvl2pPr>
-            <a:lvl3pPr indent="-342900" lvl="2" marL="1371600" algn="l">
+            <a:lvl3pPr marL="1371600" lvl="2" indent="-342900" algn="l">
               <a:spcBef>
                 <a:spcPts val="360"/>
               </a:spcBef>
@@ -4279,7 +4459,7 @@
               <a:buChar char="•"/>
               <a:defRPr sz="1800"/>
             </a:lvl3pPr>
-            <a:lvl4pPr indent="-342900" lvl="3" marL="1828800" algn="l">
+            <a:lvl4pPr marL="1828800" lvl="3" indent="-342900" algn="l">
               <a:spcBef>
                 <a:spcPts val="360"/>
               </a:spcBef>
@@ -4293,7 +4473,7 @@
               <a:buChar char="–"/>
               <a:defRPr/>
             </a:lvl4pPr>
-            <a:lvl5pPr indent="-342900" lvl="4" marL="2286000" algn="l">
+            <a:lvl5pPr marL="2286000" lvl="4" indent="-342900" algn="l">
               <a:spcBef>
                 <a:spcPts val="360"/>
               </a:spcBef>
@@ -4307,7 +4487,7 @@
               <a:buChar char="»"/>
               <a:defRPr sz="1800"/>
             </a:lvl5pPr>
-            <a:lvl6pPr indent="-342900" lvl="5" marL="2743200" algn="l">
+            <a:lvl6pPr marL="2743200" lvl="5" indent="-342900" algn="l">
               <a:spcBef>
                 <a:spcPts val="360"/>
               </a:spcBef>
@@ -4321,7 +4501,7 @@
               <a:buChar char="•"/>
               <a:defRPr/>
             </a:lvl6pPr>
-            <a:lvl7pPr indent="-342900" lvl="6" marL="3200400" algn="l">
+            <a:lvl7pPr marL="3200400" lvl="6" indent="-342900" algn="l">
               <a:spcBef>
                 <a:spcPts val="360"/>
               </a:spcBef>
@@ -4335,7 +4515,7 @@
               <a:buChar char="•"/>
               <a:defRPr/>
             </a:lvl7pPr>
-            <a:lvl8pPr indent="-342900" lvl="7" marL="3657600" algn="l">
+            <a:lvl8pPr marL="3657600" lvl="7" indent="-342900" algn="l">
               <a:spcBef>
                 <a:spcPts val="360"/>
               </a:spcBef>
@@ -4349,7 +4529,7 @@
               <a:buChar char="•"/>
               <a:defRPr/>
             </a:lvl8pPr>
-            <a:lvl9pPr indent="-342900" lvl="8" marL="4114800" algn="l">
+            <a:lvl9pPr marL="4114800" lvl="8" indent="-342900" algn="l">
               <a:spcBef>
                 <a:spcPts val="360"/>
               </a:spcBef>
@@ -4364,15 +4544,19 @@
               <a:defRPr/>
             </a:lvl9pPr>
           </a:lstStyle>
-          <a:p/>
+          <a:p>
+            <a:endParaRPr/>
+          </a:p>
         </p:txBody>
       </p:sp>
       <p:sp>
         <p:nvSpPr>
           <p:cNvPr id="20" name="Google Shape;20;p16"/>
-          <p:cNvSpPr txBox="1"/>
+          <p:cNvSpPr txBox="1">
+            <a:spLocks noGrp="1"/>
+          </p:cNvSpPr>
           <p:nvPr>
-            <p:ph idx="10" type="dt"/>
+            <p:ph type="dt" idx="10"/>
           </p:nvPr>
         </p:nvSpPr>
         <p:spPr>
@@ -4389,7 +4573,7 @@
           </a:ln>
         </p:spPr>
         <p:txBody>
-          <a:bodyPr anchorCtr="0" anchor="ctr" bIns="45700" lIns="91425" spcFirstLastPara="1" rIns="91425" wrap="square" tIns="45700">
+          <a:bodyPr spcFirstLastPara="1" wrap="square" lIns="91425" tIns="45700" rIns="91425" bIns="45700" anchor="ctr" anchorCtr="0">
             <a:noAutofit/>
           </a:bodyPr>
           <a:lstStyle>
@@ -4493,15 +4677,19 @@
               <a:defRPr/>
             </a:lvl9pPr>
           </a:lstStyle>
-          <a:p/>
+          <a:p>
+            <a:endParaRPr/>
+          </a:p>
         </p:txBody>
       </p:sp>
       <p:sp>
         <p:nvSpPr>
           <p:cNvPr id="21" name="Google Shape;21;p16"/>
-          <p:cNvSpPr txBox="1"/>
+          <p:cNvSpPr txBox="1">
+            <a:spLocks noGrp="1"/>
+          </p:cNvSpPr>
           <p:nvPr>
-            <p:ph idx="11" type="ftr"/>
+            <p:ph type="ftr" idx="11"/>
           </p:nvPr>
         </p:nvSpPr>
         <p:spPr>
@@ -4518,7 +4706,7 @@
           </a:ln>
         </p:spPr>
         <p:txBody>
-          <a:bodyPr anchorCtr="0" anchor="ctr" bIns="45700" lIns="91425" spcFirstLastPara="1" rIns="91425" wrap="square" tIns="45700">
+          <a:bodyPr spcFirstLastPara="1" wrap="square" lIns="91425" tIns="45700" rIns="91425" bIns="45700" anchor="ctr" anchorCtr="0">
             <a:noAutofit/>
           </a:bodyPr>
           <a:lstStyle>
@@ -4622,15 +4810,19 @@
               <a:defRPr/>
             </a:lvl9pPr>
           </a:lstStyle>
-          <a:p/>
+          <a:p>
+            <a:endParaRPr/>
+          </a:p>
         </p:txBody>
       </p:sp>
       <p:sp>
         <p:nvSpPr>
           <p:cNvPr id="22" name="Google Shape;22;p16"/>
-          <p:cNvSpPr txBox="1"/>
+          <p:cNvSpPr txBox="1">
+            <a:spLocks noGrp="1"/>
+          </p:cNvSpPr>
           <p:nvPr>
-            <p:ph idx="12" type="sldNum"/>
+            <p:ph type="sldNum" idx="12"/>
           </p:nvPr>
         </p:nvSpPr>
         <p:spPr>
@@ -4647,67 +4839,67 @@
           </a:ln>
         </p:spPr>
         <p:txBody>
-          <a:bodyPr anchorCtr="0" anchor="ctr" bIns="45700" lIns="91425" spcFirstLastPara="1" rIns="91425" wrap="square" tIns="45700">
+          <a:bodyPr spcFirstLastPara="1" wrap="square" lIns="91425" tIns="45700" rIns="91425" bIns="45700" anchor="ctr" anchorCtr="0">
             <a:noAutofit/>
           </a:bodyPr>
           <a:lstStyle>
-            <a:lvl1pPr indent="0" lvl="0" marL="0" algn="r">
+            <a:lvl1pPr marL="0" lvl="0" indent="0" algn="r">
               <a:spcBef>
                 <a:spcPts val="0"/>
               </a:spcBef>
               <a:buNone/>
               <a:defRPr/>
             </a:lvl1pPr>
-            <a:lvl2pPr indent="0" lvl="1" marL="0" algn="r">
+            <a:lvl2pPr marL="0" lvl="1" indent="0" algn="r">
               <a:spcBef>
                 <a:spcPts val="0"/>
               </a:spcBef>
               <a:buNone/>
               <a:defRPr/>
             </a:lvl2pPr>
-            <a:lvl3pPr indent="0" lvl="2" marL="0" algn="r">
+            <a:lvl3pPr marL="0" lvl="2" indent="0" algn="r">
               <a:spcBef>
                 <a:spcPts val="0"/>
               </a:spcBef>
               <a:buNone/>
               <a:defRPr/>
             </a:lvl3pPr>
-            <a:lvl4pPr indent="0" lvl="3" marL="0" algn="r">
+            <a:lvl4pPr marL="0" lvl="3" indent="0" algn="r">
               <a:spcBef>
                 <a:spcPts val="0"/>
               </a:spcBef>
               <a:buNone/>
               <a:defRPr/>
             </a:lvl4pPr>
-            <a:lvl5pPr indent="0" lvl="4" marL="0" algn="r">
+            <a:lvl5pPr marL="0" lvl="4" indent="0" algn="r">
               <a:spcBef>
                 <a:spcPts val="0"/>
               </a:spcBef>
               <a:buNone/>
               <a:defRPr/>
             </a:lvl5pPr>
-            <a:lvl6pPr indent="0" lvl="5" marL="0" algn="r">
+            <a:lvl6pPr marL="0" lvl="5" indent="0" algn="r">
               <a:spcBef>
                 <a:spcPts val="0"/>
               </a:spcBef>
               <a:buNone/>
               <a:defRPr/>
             </a:lvl6pPr>
-            <a:lvl7pPr indent="0" lvl="6" marL="0" algn="r">
+            <a:lvl7pPr marL="0" lvl="6" indent="0" algn="r">
               <a:spcBef>
                 <a:spcPts val="0"/>
               </a:spcBef>
               <a:buNone/>
               <a:defRPr/>
             </a:lvl7pPr>
-            <a:lvl8pPr indent="0" lvl="7" marL="0" algn="r">
+            <a:lvl8pPr marL="0" lvl="7" indent="0" algn="r">
               <a:spcBef>
                 <a:spcPts val="0"/>
               </a:spcBef>
               <a:buNone/>
               <a:defRPr/>
             </a:lvl8pPr>
-            <a:lvl9pPr indent="0" lvl="8" marL="0" algn="r">
+            <a:lvl9pPr marL="0" lvl="8" indent="0" algn="r">
               <a:spcBef>
                 <a:spcPts val="0"/>
               </a:spcBef>
@@ -4716,7 +4908,7 @@
             </a:lvl9pPr>
           </a:lstStyle>
           <a:p>
-            <a:pPr indent="0" lvl="0" marL="0" rtl="0" algn="r">
+            <a:pPr marL="0" lvl="0" indent="0" algn="r" rtl="0">
               <a:spcBef>
                 <a:spcPts val="0"/>
               </a:spcBef>
@@ -4742,11 +4934,11 @@
 </file>
 
 <file path=ppt/slideLayouts/slideLayout3.xml><?xml version="1.0" encoding="utf-8"?>
-<p:sldLayout xmlns:a="http://schemas.openxmlformats.org/drawingml/2006/main" xmlns:r="http://schemas.openxmlformats.org/officeDocument/2006/relationships" xmlns:mc="http://schemas.openxmlformats.org/markup-compatibility/2006" xmlns:mv="urn:schemas-microsoft-com:mac:vml" xmlns:p="http://schemas.openxmlformats.org/presentationml/2006/main" xmlns:c="http://schemas.openxmlformats.org/drawingml/2006/chart" xmlns:dgm="http://schemas.openxmlformats.org/drawingml/2006/diagram" xmlns:o="urn:schemas-microsoft-com:office:office" xmlns:v="urn:schemas-microsoft-com:vml" xmlns:pvml="urn:schemas-microsoft-com:office:powerpoint" xmlns:com="http://schemas.openxmlformats.org/drawingml/2006/compatibility" xmlns:p14="http://schemas.microsoft.com/office/powerpoint/2010/main" xmlns:p15="http://schemas.microsoft.com/office/powerpoint/2012/main" xmlns:ahyp="http://schemas.microsoft.com/office/drawing/2018/hyperlinkcolor" matchingName="Section Header" type="secHead">
+<p:sldLayout xmlns:a="http://schemas.openxmlformats.org/drawingml/2006/main" xmlns:r="http://schemas.openxmlformats.org/officeDocument/2006/relationships" xmlns:p="http://schemas.openxmlformats.org/presentationml/2006/main" matchingName="Section Header" type="secHead">
   <p:cSld name="SECTION_HEADER">
     <p:spTree>
       <p:nvGrpSpPr>
-        <p:cNvPr id="23" name="Shape 23"/>
+        <p:cNvPr id="1" name="Shape 23"/>
         <p:cNvGrpSpPr/>
         <p:nvPr/>
       </p:nvGrpSpPr>
@@ -4761,7 +4953,9 @@
       <p:sp>
         <p:nvSpPr>
           <p:cNvPr id="24" name="Google Shape;24;p17"/>
-          <p:cNvSpPr txBox="1"/>
+          <p:cNvSpPr txBox="1">
+            <a:spLocks noGrp="1"/>
+          </p:cNvSpPr>
           <p:nvPr>
             <p:ph type="title"/>
           </p:nvPr>
@@ -4780,7 +4974,7 @@
           </a:ln>
         </p:spPr>
         <p:txBody>
-          <a:bodyPr anchorCtr="0" anchor="t" bIns="45700" lIns="91425" spcFirstLastPara="1" rIns="91425" wrap="square" tIns="45700">
+          <a:bodyPr spcFirstLastPara="1" wrap="square" lIns="91425" tIns="45700" rIns="91425" bIns="45700" anchor="t" anchorCtr="0">
             <a:normAutofit/>
           </a:bodyPr>
           <a:lstStyle>
@@ -4797,7 +4991,7 @@
               <a:buSzPts val="4000"/>
               <a:buFont typeface="Calibri"/>
               <a:buNone/>
-              <a:defRPr b="1" sz="4000" cap="none"/>
+              <a:defRPr sz="4000" b="1" cap="none"/>
             </a:lvl1pPr>
             <a:lvl2pPr lvl="1">
               <a:spcBef>
@@ -4888,15 +5082,19 @@
               <a:defRPr/>
             </a:lvl9pPr>
           </a:lstStyle>
-          <a:p/>
+          <a:p>
+            <a:endParaRPr/>
+          </a:p>
         </p:txBody>
       </p:sp>
       <p:sp>
         <p:nvSpPr>
           <p:cNvPr id="25" name="Google Shape;25;p17"/>
-          <p:cNvSpPr txBox="1"/>
+          <p:cNvSpPr txBox="1">
+            <a:spLocks noGrp="1"/>
+          </p:cNvSpPr>
           <p:nvPr>
-            <p:ph idx="1" type="body"/>
+            <p:ph type="body" idx="1"/>
           </p:nvPr>
         </p:nvSpPr>
         <p:spPr>
@@ -4913,11 +5111,11 @@
           </a:ln>
         </p:spPr>
         <p:txBody>
-          <a:bodyPr anchorCtr="0" anchor="b" bIns="45700" lIns="91425" spcFirstLastPara="1" rIns="91425" wrap="square" tIns="45700">
+          <a:bodyPr spcFirstLastPara="1" wrap="square" lIns="91425" tIns="45700" rIns="91425" bIns="45700" anchor="b" anchorCtr="0">
             <a:normAutofit/>
           </a:bodyPr>
           <a:lstStyle>
-            <a:lvl1pPr indent="-228600" lvl="0" marL="457200" algn="l">
+            <a:lvl1pPr marL="457200" lvl="0" indent="-228600" algn="l">
               <a:spcBef>
                 <a:spcPts val="400"/>
               </a:spcBef>
@@ -4935,7 +5133,7 @@
                 </a:solidFill>
               </a:defRPr>
             </a:lvl1pPr>
-            <a:lvl2pPr indent="-228600" lvl="1" marL="914400" algn="l">
+            <a:lvl2pPr marL="914400" lvl="1" indent="-228600" algn="l">
               <a:spcBef>
                 <a:spcPts val="360"/>
               </a:spcBef>
@@ -4953,7 +5151,7 @@
                 </a:solidFill>
               </a:defRPr>
             </a:lvl2pPr>
-            <a:lvl3pPr indent="-228600" lvl="2" marL="1371600" algn="l">
+            <a:lvl3pPr marL="1371600" lvl="2" indent="-228600" algn="l">
               <a:spcBef>
                 <a:spcPts val="320"/>
               </a:spcBef>
@@ -4971,7 +5169,7 @@
                 </a:solidFill>
               </a:defRPr>
             </a:lvl3pPr>
-            <a:lvl4pPr indent="-228600" lvl="3" marL="1828800" algn="l">
+            <a:lvl4pPr marL="1828800" lvl="3" indent="-228600" algn="l">
               <a:spcBef>
                 <a:spcPts val="280"/>
               </a:spcBef>
@@ -4989,7 +5187,7 @@
                 </a:solidFill>
               </a:defRPr>
             </a:lvl4pPr>
-            <a:lvl5pPr indent="-228600" lvl="4" marL="2286000" algn="l">
+            <a:lvl5pPr marL="2286000" lvl="4" indent="-228600" algn="l">
               <a:spcBef>
                 <a:spcPts val="280"/>
               </a:spcBef>
@@ -5007,7 +5205,7 @@
                 </a:solidFill>
               </a:defRPr>
             </a:lvl5pPr>
-            <a:lvl6pPr indent="-228600" lvl="5" marL="2743200" algn="l">
+            <a:lvl6pPr marL="2743200" lvl="5" indent="-228600" algn="l">
               <a:spcBef>
                 <a:spcPts val="280"/>
               </a:spcBef>
@@ -5025,7 +5223,7 @@
                 </a:solidFill>
               </a:defRPr>
             </a:lvl6pPr>
-            <a:lvl7pPr indent="-228600" lvl="6" marL="3200400" algn="l">
+            <a:lvl7pPr marL="3200400" lvl="6" indent="-228600" algn="l">
               <a:spcBef>
                 <a:spcPts val="280"/>
               </a:spcBef>
@@ -5043,7 +5241,7 @@
                 </a:solidFill>
               </a:defRPr>
             </a:lvl7pPr>
-            <a:lvl8pPr indent="-228600" lvl="7" marL="3657600" algn="l">
+            <a:lvl8pPr marL="3657600" lvl="7" indent="-228600" algn="l">
               <a:spcBef>
                 <a:spcPts val="280"/>
               </a:spcBef>
@@ -5061,7 +5259,7 @@
                 </a:solidFill>
               </a:defRPr>
             </a:lvl8pPr>
-            <a:lvl9pPr indent="-228600" lvl="8" marL="4114800" algn="l">
+            <a:lvl9pPr marL="4114800" lvl="8" indent="-228600" algn="l">
               <a:spcBef>
                 <a:spcPts val="280"/>
               </a:spcBef>
@@ -5080,15 +5278,19 @@
               </a:defRPr>
             </a:lvl9pPr>
           </a:lstStyle>
-          <a:p/>
+          <a:p>
+            <a:endParaRPr/>
+          </a:p>
         </p:txBody>
       </p:sp>
       <p:sp>
         <p:nvSpPr>
           <p:cNvPr id="26" name="Google Shape;26;p17"/>
-          <p:cNvSpPr txBox="1"/>
+          <p:cNvSpPr txBox="1">
+            <a:spLocks noGrp="1"/>
+          </p:cNvSpPr>
           <p:nvPr>
-            <p:ph idx="10" type="dt"/>
+            <p:ph type="dt" idx="10"/>
           </p:nvPr>
         </p:nvSpPr>
         <p:spPr>
@@ -5105,7 +5307,7 @@
           </a:ln>
         </p:spPr>
         <p:txBody>
-          <a:bodyPr anchorCtr="0" anchor="ctr" bIns="45700" lIns="91425" spcFirstLastPara="1" rIns="91425" wrap="square" tIns="45700">
+          <a:bodyPr spcFirstLastPara="1" wrap="square" lIns="91425" tIns="45700" rIns="91425" bIns="45700" anchor="ctr" anchorCtr="0">
             <a:noAutofit/>
           </a:bodyPr>
           <a:lstStyle>
@@ -5209,15 +5411,19 @@
               <a:defRPr/>
             </a:lvl9pPr>
           </a:lstStyle>
-          <a:p/>
+          <a:p>
+            <a:endParaRPr/>
+          </a:p>
         </p:txBody>
       </p:sp>
       <p:sp>
         <p:nvSpPr>
           <p:cNvPr id="27" name="Google Shape;27;p17"/>
-          <p:cNvSpPr txBox="1"/>
+          <p:cNvSpPr txBox="1">
+            <a:spLocks noGrp="1"/>
+          </p:cNvSpPr>
           <p:nvPr>
-            <p:ph idx="11" type="ftr"/>
+            <p:ph type="ftr" idx="11"/>
           </p:nvPr>
         </p:nvSpPr>
         <p:spPr>
@@ -5234,7 +5440,7 @@
           </a:ln>
         </p:spPr>
         <p:txBody>
-          <a:bodyPr anchorCtr="0" anchor="ctr" bIns="45700" lIns="91425" spcFirstLastPara="1" rIns="91425" wrap="square" tIns="45700">
+          <a:bodyPr spcFirstLastPara="1" wrap="square" lIns="91425" tIns="45700" rIns="91425" bIns="45700" anchor="ctr" anchorCtr="0">
             <a:noAutofit/>
           </a:bodyPr>
           <a:lstStyle>
@@ -5338,15 +5544,19 @@
               <a:defRPr/>
             </a:lvl9pPr>
           </a:lstStyle>
-          <a:p/>
+          <a:p>
+            <a:endParaRPr/>
+          </a:p>
         </p:txBody>
       </p:sp>
       <p:sp>
         <p:nvSpPr>
           <p:cNvPr id="28" name="Google Shape;28;p17"/>
-          <p:cNvSpPr txBox="1"/>
+          <p:cNvSpPr txBox="1">
+            <a:spLocks noGrp="1"/>
+          </p:cNvSpPr>
           <p:nvPr>
-            <p:ph idx="12" type="sldNum"/>
+            <p:ph type="sldNum" idx="12"/>
           </p:nvPr>
         </p:nvSpPr>
         <p:spPr>
@@ -5363,67 +5573,67 @@
           </a:ln>
         </p:spPr>
         <p:txBody>
-          <a:bodyPr anchorCtr="0" anchor="ctr" bIns="45700" lIns="91425" spcFirstLastPara="1" rIns="91425" wrap="square" tIns="45700">
+          <a:bodyPr spcFirstLastPara="1" wrap="square" lIns="91425" tIns="45700" rIns="91425" bIns="45700" anchor="ctr" anchorCtr="0">
             <a:noAutofit/>
           </a:bodyPr>
           <a:lstStyle>
-            <a:lvl1pPr indent="0" lvl="0" marL="0" algn="r">
+            <a:lvl1pPr marL="0" lvl="0" indent="0" algn="r">
               <a:spcBef>
                 <a:spcPts val="0"/>
               </a:spcBef>
               <a:buNone/>
               <a:defRPr/>
             </a:lvl1pPr>
-            <a:lvl2pPr indent="0" lvl="1" marL="0" algn="r">
+            <a:lvl2pPr marL="0" lvl="1" indent="0" algn="r">
               <a:spcBef>
                 <a:spcPts val="0"/>
               </a:spcBef>
               <a:buNone/>
               <a:defRPr/>
             </a:lvl2pPr>
-            <a:lvl3pPr indent="0" lvl="2" marL="0" algn="r">
+            <a:lvl3pPr marL="0" lvl="2" indent="0" algn="r">
               <a:spcBef>
                 <a:spcPts val="0"/>
               </a:spcBef>
               <a:buNone/>
               <a:defRPr/>
             </a:lvl3pPr>
-            <a:lvl4pPr indent="0" lvl="3" marL="0" algn="r">
+            <a:lvl4pPr marL="0" lvl="3" indent="0" algn="r">
               <a:spcBef>
                 <a:spcPts val="0"/>
               </a:spcBef>
               <a:buNone/>
               <a:defRPr/>
             </a:lvl4pPr>
-            <a:lvl5pPr indent="0" lvl="4" marL="0" algn="r">
+            <a:lvl5pPr marL="0" lvl="4" indent="0" algn="r">
               <a:spcBef>
                 <a:spcPts val="0"/>
               </a:spcBef>
               <a:buNone/>
               <a:defRPr/>
             </a:lvl5pPr>
-            <a:lvl6pPr indent="0" lvl="5" marL="0" algn="r">
+            <a:lvl6pPr marL="0" lvl="5" indent="0" algn="r">
               <a:spcBef>
                 <a:spcPts val="0"/>
               </a:spcBef>
               <a:buNone/>
               <a:defRPr/>
             </a:lvl6pPr>
-            <a:lvl7pPr indent="0" lvl="6" marL="0" algn="r">
+            <a:lvl7pPr marL="0" lvl="6" indent="0" algn="r">
               <a:spcBef>
                 <a:spcPts val="0"/>
               </a:spcBef>
               <a:buNone/>
               <a:defRPr/>
             </a:lvl7pPr>
-            <a:lvl8pPr indent="0" lvl="7" marL="0" algn="r">
+            <a:lvl8pPr marL="0" lvl="7" indent="0" algn="r">
               <a:spcBef>
                 <a:spcPts val="0"/>
               </a:spcBef>
               <a:buNone/>
               <a:defRPr/>
             </a:lvl8pPr>
-            <a:lvl9pPr indent="0" lvl="8" marL="0" algn="r">
+            <a:lvl9pPr marL="0" lvl="8" indent="0" algn="r">
               <a:spcBef>
                 <a:spcPts val="0"/>
               </a:spcBef>
@@ -5432,7 +5642,7 @@
             </a:lvl9pPr>
           </a:lstStyle>
           <a:p>
-            <a:pPr indent="0" lvl="0" marL="0" rtl="0" algn="r">
+            <a:pPr marL="0" lvl="0" indent="0" algn="r" rtl="0">
               <a:spcBef>
                 <a:spcPts val="0"/>
               </a:spcBef>
@@ -5458,11 +5668,11 @@
 </file>
 
 <file path=ppt/slideLayouts/slideLayout4.xml><?xml version="1.0" encoding="utf-8"?>
-<p:sldLayout xmlns:a="http://schemas.openxmlformats.org/drawingml/2006/main" xmlns:r="http://schemas.openxmlformats.org/officeDocument/2006/relationships" xmlns:mc="http://schemas.openxmlformats.org/markup-compatibility/2006" xmlns:mv="urn:schemas-microsoft-com:mac:vml" xmlns:p="http://schemas.openxmlformats.org/presentationml/2006/main" xmlns:c="http://schemas.openxmlformats.org/drawingml/2006/chart" xmlns:dgm="http://schemas.openxmlformats.org/drawingml/2006/diagram" xmlns:o="urn:schemas-microsoft-com:office:office" xmlns:v="urn:schemas-microsoft-com:vml" xmlns:pvml="urn:schemas-microsoft-com:office:powerpoint" xmlns:com="http://schemas.openxmlformats.org/drawingml/2006/compatibility" xmlns:p14="http://schemas.microsoft.com/office/powerpoint/2010/main" xmlns:p15="http://schemas.microsoft.com/office/powerpoint/2012/main" xmlns:ahyp="http://schemas.microsoft.com/office/drawing/2018/hyperlinkcolor" matchingName="Two Content" type="twoObj">
+<p:sldLayout xmlns:a="http://schemas.openxmlformats.org/drawingml/2006/main" xmlns:r="http://schemas.openxmlformats.org/officeDocument/2006/relationships" xmlns:p="http://schemas.openxmlformats.org/presentationml/2006/main" matchingName="Two Content" type="twoObj">
   <p:cSld name="TWO_OBJECTS">
     <p:spTree>
       <p:nvGrpSpPr>
-        <p:cNvPr id="29" name="Shape 29"/>
+        <p:cNvPr id="1" name="Shape 29"/>
         <p:cNvGrpSpPr/>
         <p:nvPr/>
       </p:nvGrpSpPr>
@@ -5477,7 +5687,9 @@
       <p:sp>
         <p:nvSpPr>
           <p:cNvPr id="30" name="Google Shape;30;p18"/>
-          <p:cNvSpPr txBox="1"/>
+          <p:cNvSpPr txBox="1">
+            <a:spLocks noGrp="1"/>
+          </p:cNvSpPr>
           <p:nvPr>
             <p:ph type="title"/>
           </p:nvPr>
@@ -5496,7 +5708,7 @@
           </a:ln>
         </p:spPr>
         <p:txBody>
-          <a:bodyPr anchorCtr="0" anchor="ctr" bIns="45700" lIns="91425" spcFirstLastPara="1" rIns="91425" wrap="square" tIns="45700">
+          <a:bodyPr spcFirstLastPara="1" wrap="square" lIns="91425" tIns="45700" rIns="91425" bIns="45700" anchor="ctr" anchorCtr="0">
             <a:normAutofit/>
           </a:bodyPr>
           <a:lstStyle>
@@ -5603,15 +5815,19 @@
               <a:defRPr/>
             </a:lvl9pPr>
           </a:lstStyle>
-          <a:p/>
+          <a:p>
+            <a:endParaRPr/>
+          </a:p>
         </p:txBody>
       </p:sp>
       <p:sp>
         <p:nvSpPr>
           <p:cNvPr id="31" name="Google Shape;31;p18"/>
-          <p:cNvSpPr txBox="1"/>
+          <p:cNvSpPr txBox="1">
+            <a:spLocks noGrp="1"/>
+          </p:cNvSpPr>
           <p:nvPr>
-            <p:ph idx="1" type="body"/>
+            <p:ph type="body" idx="1"/>
           </p:nvPr>
         </p:nvSpPr>
         <p:spPr>
@@ -5628,11 +5844,11 @@
           </a:ln>
         </p:spPr>
         <p:txBody>
-          <a:bodyPr anchorCtr="0" anchor="t" bIns="45700" lIns="91425" spcFirstLastPara="1" rIns="91425" wrap="square" tIns="45700">
+          <a:bodyPr spcFirstLastPara="1" wrap="square" lIns="91425" tIns="45700" rIns="91425" bIns="45700" anchor="t" anchorCtr="0">
             <a:normAutofit/>
           </a:bodyPr>
           <a:lstStyle>
-            <a:lvl1pPr indent="-406400" lvl="0" marL="457200" algn="l">
+            <a:lvl1pPr marL="457200" lvl="0" indent="-406400" algn="l">
               <a:spcBef>
                 <a:spcPts val="560"/>
               </a:spcBef>
@@ -5646,7 +5862,7 @@
               <a:buChar char="•"/>
               <a:defRPr sz="2800"/>
             </a:lvl1pPr>
-            <a:lvl2pPr indent="-381000" lvl="1" marL="914400" algn="l">
+            <a:lvl2pPr marL="914400" lvl="1" indent="-381000" algn="l">
               <a:spcBef>
                 <a:spcPts val="480"/>
               </a:spcBef>
@@ -5660,7 +5876,7 @@
               <a:buChar char="–"/>
               <a:defRPr sz="2400"/>
             </a:lvl2pPr>
-            <a:lvl3pPr indent="-355600" lvl="2" marL="1371600" algn="l">
+            <a:lvl3pPr marL="1371600" lvl="2" indent="-355600" algn="l">
               <a:spcBef>
                 <a:spcPts val="400"/>
               </a:spcBef>
@@ -5674,7 +5890,7 @@
               <a:buChar char="•"/>
               <a:defRPr sz="2000"/>
             </a:lvl3pPr>
-            <a:lvl4pPr indent="-342900" lvl="3" marL="1828800" algn="l">
+            <a:lvl4pPr marL="1828800" lvl="3" indent="-342900" algn="l">
               <a:spcBef>
                 <a:spcPts val="360"/>
               </a:spcBef>
@@ -5688,7 +5904,7 @@
               <a:buChar char="–"/>
               <a:defRPr sz="1800"/>
             </a:lvl4pPr>
-            <a:lvl5pPr indent="-342900" lvl="4" marL="2286000" algn="l">
+            <a:lvl5pPr marL="2286000" lvl="4" indent="-342900" algn="l">
               <a:spcBef>
                 <a:spcPts val="360"/>
               </a:spcBef>
@@ -5702,7 +5918,7 @@
               <a:buChar char="»"/>
               <a:defRPr sz="1800"/>
             </a:lvl5pPr>
-            <a:lvl6pPr indent="-342900" lvl="5" marL="2743200" algn="l">
+            <a:lvl6pPr marL="2743200" lvl="5" indent="-342900" algn="l">
               <a:spcBef>
                 <a:spcPts val="360"/>
               </a:spcBef>
@@ -5716,7 +5932,7 @@
               <a:buChar char="•"/>
               <a:defRPr sz="1800"/>
             </a:lvl6pPr>
-            <a:lvl7pPr indent="-342900" lvl="6" marL="3200400" algn="l">
+            <a:lvl7pPr marL="3200400" lvl="6" indent="-342900" algn="l">
               <a:spcBef>
                 <a:spcPts val="360"/>
               </a:spcBef>
@@ -5730,7 +5946,7 @@
               <a:buChar char="•"/>
               <a:defRPr sz="1800"/>
             </a:lvl7pPr>
-            <a:lvl8pPr indent="-342900" lvl="7" marL="3657600" algn="l">
+            <a:lvl8pPr marL="3657600" lvl="7" indent="-342900" algn="l">
               <a:spcBef>
                 <a:spcPts val="360"/>
               </a:spcBef>
@@ -5744,7 +5960,7 @@
               <a:buChar char="•"/>
               <a:defRPr sz="1800"/>
             </a:lvl8pPr>
-            <a:lvl9pPr indent="-342900" lvl="8" marL="4114800" algn="l">
+            <a:lvl9pPr marL="4114800" lvl="8" indent="-342900" algn="l">
               <a:spcBef>
                 <a:spcPts val="360"/>
               </a:spcBef>
@@ -5759,15 +5975,19 @@
               <a:defRPr sz="1800"/>
             </a:lvl9pPr>
           </a:lstStyle>
-          <a:p/>
+          <a:p>
+            <a:endParaRPr/>
+          </a:p>
         </p:txBody>
       </p:sp>
       <p:sp>
         <p:nvSpPr>
           <p:cNvPr id="32" name="Google Shape;32;p18"/>
-          <p:cNvSpPr txBox="1"/>
+          <p:cNvSpPr txBox="1">
+            <a:spLocks noGrp="1"/>
+          </p:cNvSpPr>
           <p:nvPr>
-            <p:ph idx="2" type="body"/>
+            <p:ph type="body" idx="2"/>
           </p:nvPr>
         </p:nvSpPr>
         <p:spPr>
@@ -5784,11 +6004,11 @@
           </a:ln>
         </p:spPr>
         <p:txBody>
-          <a:bodyPr anchorCtr="0" anchor="t" bIns="45700" lIns="91425" spcFirstLastPara="1" rIns="91425" wrap="square" tIns="45700">
+          <a:bodyPr spcFirstLastPara="1" wrap="square" lIns="91425" tIns="45700" rIns="91425" bIns="45700" anchor="t" anchorCtr="0">
             <a:normAutofit/>
           </a:bodyPr>
           <a:lstStyle>
-            <a:lvl1pPr indent="-406400" lvl="0" marL="457200" algn="l">
+            <a:lvl1pPr marL="457200" lvl="0" indent="-406400" algn="l">
               <a:spcBef>
                 <a:spcPts val="560"/>
               </a:spcBef>
@@ -5802,7 +6022,7 @@
               <a:buChar char="•"/>
               <a:defRPr sz="2800"/>
             </a:lvl1pPr>
-            <a:lvl2pPr indent="-381000" lvl="1" marL="914400" algn="l">
+            <a:lvl2pPr marL="914400" lvl="1" indent="-381000" algn="l">
               <a:spcBef>
                 <a:spcPts val="480"/>
               </a:spcBef>
@@ -5816,7 +6036,7 @@
               <a:buChar char="–"/>
               <a:defRPr sz="2400"/>
             </a:lvl2pPr>
-            <a:lvl3pPr indent="-355600" lvl="2" marL="1371600" algn="l">
+            <a:lvl3pPr marL="1371600" lvl="2" indent="-355600" algn="l">
               <a:spcBef>
                 <a:spcPts val="400"/>
               </a:spcBef>
@@ -5830,7 +6050,7 @@
               <a:buChar char="•"/>
               <a:defRPr sz="2000"/>
             </a:lvl3pPr>
-            <a:lvl4pPr indent="-342900" lvl="3" marL="1828800" algn="l">
+            <a:lvl4pPr marL="1828800" lvl="3" indent="-342900" algn="l">
               <a:spcBef>
                 <a:spcPts val="360"/>
               </a:spcBef>
@@ -5844,7 +6064,7 @@
               <a:buChar char="–"/>
               <a:defRPr sz="1800"/>
             </a:lvl4pPr>
-            <a:lvl5pPr indent="-342900" lvl="4" marL="2286000" algn="l">
+            <a:lvl5pPr marL="2286000" lvl="4" indent="-342900" algn="l">
               <a:spcBef>
                 <a:spcPts val="360"/>
               </a:spcBef>
@@ -5858,7 +6078,7 @@
               <a:buChar char="»"/>
               <a:defRPr sz="1800"/>
             </a:lvl5pPr>
-            <a:lvl6pPr indent="-342900" lvl="5" marL="2743200" algn="l">
+            <a:lvl6pPr marL="2743200" lvl="5" indent="-342900" algn="l">
               <a:spcBef>
                 <a:spcPts val="360"/>
               </a:spcBef>
@@ -5872,7 +6092,7 @@
               <a:buChar char="•"/>
               <a:defRPr sz="1800"/>
             </a:lvl6pPr>
-            <a:lvl7pPr indent="-342900" lvl="6" marL="3200400" algn="l">
+            <a:lvl7pPr marL="3200400" lvl="6" indent="-342900" algn="l">
               <a:spcBef>
                 <a:spcPts val="360"/>
               </a:spcBef>
@@ -5886,7 +6106,7 @@
               <a:buChar char="•"/>
               <a:defRPr sz="1800"/>
             </a:lvl7pPr>
-            <a:lvl8pPr indent="-342900" lvl="7" marL="3657600" algn="l">
+            <a:lvl8pPr marL="3657600" lvl="7" indent="-342900" algn="l">
               <a:spcBef>
                 <a:spcPts val="360"/>
               </a:spcBef>
@@ -5900,7 +6120,7 @@
               <a:buChar char="•"/>
               <a:defRPr sz="1800"/>
             </a:lvl8pPr>
-            <a:lvl9pPr indent="-342900" lvl="8" marL="4114800" algn="l">
+            <a:lvl9pPr marL="4114800" lvl="8" indent="-342900" algn="l">
               <a:spcBef>
                 <a:spcPts val="360"/>
               </a:spcBef>
@@ -5915,15 +6135,19 @@
               <a:defRPr sz="1800"/>
             </a:lvl9pPr>
           </a:lstStyle>
-          <a:p/>
+          <a:p>
+            <a:endParaRPr/>
+          </a:p>
         </p:txBody>
       </p:sp>
       <p:sp>
         <p:nvSpPr>
           <p:cNvPr id="33" name="Google Shape;33;p18"/>
-          <p:cNvSpPr txBox="1"/>
+          <p:cNvSpPr txBox="1">
+            <a:spLocks noGrp="1"/>
+          </p:cNvSpPr>
           <p:nvPr>
-            <p:ph idx="10" type="dt"/>
+            <p:ph type="dt" idx="10"/>
           </p:nvPr>
         </p:nvSpPr>
         <p:spPr>
@@ -5940,7 +6164,7 @@
           </a:ln>
         </p:spPr>
         <p:txBody>
-          <a:bodyPr anchorCtr="0" anchor="ctr" bIns="45700" lIns="91425" spcFirstLastPara="1" rIns="91425" wrap="square" tIns="45700">
+          <a:bodyPr spcFirstLastPara="1" wrap="square" lIns="91425" tIns="45700" rIns="91425" bIns="45700" anchor="ctr" anchorCtr="0">
             <a:noAutofit/>
           </a:bodyPr>
           <a:lstStyle>
@@ -6044,15 +6268,19 @@
               <a:defRPr/>
             </a:lvl9pPr>
           </a:lstStyle>
-          <a:p/>
+          <a:p>
+            <a:endParaRPr/>
+          </a:p>
         </p:txBody>
       </p:sp>
       <p:sp>
         <p:nvSpPr>
           <p:cNvPr id="34" name="Google Shape;34;p18"/>
-          <p:cNvSpPr txBox="1"/>
+          <p:cNvSpPr txBox="1">
+            <a:spLocks noGrp="1"/>
+          </p:cNvSpPr>
           <p:nvPr>
-            <p:ph idx="11" type="ftr"/>
+            <p:ph type="ftr" idx="11"/>
           </p:nvPr>
         </p:nvSpPr>
         <p:spPr>
@@ -6069,7 +6297,7 @@
           </a:ln>
         </p:spPr>
         <p:txBody>
-          <a:bodyPr anchorCtr="0" anchor="ctr" bIns="45700" lIns="91425" spcFirstLastPara="1" rIns="91425" wrap="square" tIns="45700">
+          <a:bodyPr spcFirstLastPara="1" wrap="square" lIns="91425" tIns="45700" rIns="91425" bIns="45700" anchor="ctr" anchorCtr="0">
             <a:noAutofit/>
           </a:bodyPr>
           <a:lstStyle>
@@ -6173,15 +6401,19 @@
               <a:defRPr/>
             </a:lvl9pPr>
           </a:lstStyle>
-          <a:p/>
+          <a:p>
+            <a:endParaRPr/>
+          </a:p>
         </p:txBody>
       </p:sp>
       <p:sp>
         <p:nvSpPr>
           <p:cNvPr id="35" name="Google Shape;35;p18"/>
-          <p:cNvSpPr txBox="1"/>
+          <p:cNvSpPr txBox="1">
+            <a:spLocks noGrp="1"/>
+          </p:cNvSpPr>
           <p:nvPr>
-            <p:ph idx="12" type="sldNum"/>
+            <p:ph type="sldNum" idx="12"/>
           </p:nvPr>
         </p:nvSpPr>
         <p:spPr>
@@ -6198,67 +6430,67 @@
           </a:ln>
         </p:spPr>
         <p:txBody>
-          <a:bodyPr anchorCtr="0" anchor="ctr" bIns="45700" lIns="91425" spcFirstLastPara="1" rIns="91425" wrap="square" tIns="45700">
+          <a:bodyPr spcFirstLastPara="1" wrap="square" lIns="91425" tIns="45700" rIns="91425" bIns="45700" anchor="ctr" anchorCtr="0">
             <a:noAutofit/>
           </a:bodyPr>
           <a:lstStyle>
-            <a:lvl1pPr indent="0" lvl="0" marL="0" algn="r">
+            <a:lvl1pPr marL="0" lvl="0" indent="0" algn="r">
               <a:spcBef>
                 <a:spcPts val="0"/>
               </a:spcBef>
               <a:buNone/>
               <a:defRPr/>
             </a:lvl1pPr>
-            <a:lvl2pPr indent="0" lvl="1" marL="0" algn="r">
+            <a:lvl2pPr marL="0" lvl="1" indent="0" algn="r">
               <a:spcBef>
                 <a:spcPts val="0"/>
               </a:spcBef>
               <a:buNone/>
               <a:defRPr/>
             </a:lvl2pPr>
-            <a:lvl3pPr indent="0" lvl="2" marL="0" algn="r">
+            <a:lvl3pPr marL="0" lvl="2" indent="0" algn="r">
               <a:spcBef>
                 <a:spcPts val="0"/>
               </a:spcBef>
               <a:buNone/>
               <a:defRPr/>
             </a:lvl3pPr>
-            <a:lvl4pPr indent="0" lvl="3" marL="0" algn="r">
+            <a:lvl4pPr marL="0" lvl="3" indent="0" algn="r">
               <a:spcBef>
                 <a:spcPts val="0"/>
               </a:spcBef>
               <a:buNone/>
               <a:defRPr/>
             </a:lvl4pPr>
-            <a:lvl5pPr indent="0" lvl="4" marL="0" algn="r">
+            <a:lvl5pPr marL="0" lvl="4" indent="0" algn="r">
               <a:spcBef>
                 <a:spcPts val="0"/>
               </a:spcBef>
               <a:buNone/>
               <a:defRPr/>
             </a:lvl5pPr>
-            <a:lvl6pPr indent="0" lvl="5" marL="0" algn="r">
+            <a:lvl6pPr marL="0" lvl="5" indent="0" algn="r">
               <a:spcBef>
                 <a:spcPts val="0"/>
               </a:spcBef>
               <a:buNone/>
               <a:defRPr/>
             </a:lvl6pPr>
-            <a:lvl7pPr indent="0" lvl="6" marL="0" algn="r">
+            <a:lvl7pPr marL="0" lvl="6" indent="0" algn="r">
               <a:spcBef>
                 <a:spcPts val="0"/>
               </a:spcBef>
               <a:buNone/>
               <a:defRPr/>
             </a:lvl7pPr>
-            <a:lvl8pPr indent="0" lvl="7" marL="0" algn="r">
+            <a:lvl8pPr marL="0" lvl="7" indent="0" algn="r">
               <a:spcBef>
                 <a:spcPts val="0"/>
               </a:spcBef>
               <a:buNone/>
               <a:defRPr/>
             </a:lvl8pPr>
-            <a:lvl9pPr indent="0" lvl="8" marL="0" algn="r">
+            <a:lvl9pPr marL="0" lvl="8" indent="0" algn="r">
               <a:spcBef>
                 <a:spcPts val="0"/>
               </a:spcBef>
@@ -6267,7 +6499,7 @@
             </a:lvl9pPr>
           </a:lstStyle>
           <a:p>
-            <a:pPr indent="0" lvl="0" marL="0" rtl="0" algn="r">
+            <a:pPr marL="0" lvl="0" indent="0" algn="r" rtl="0">
               <a:spcBef>
                 <a:spcPts val="0"/>
               </a:spcBef>
@@ -6293,11 +6525,11 @@
 </file>
 
 <file path=ppt/slideLayouts/slideLayout5.xml><?xml version="1.0" encoding="utf-8"?>
-<p:sldLayout xmlns:a="http://schemas.openxmlformats.org/drawingml/2006/main" xmlns:r="http://schemas.openxmlformats.org/officeDocument/2006/relationships" xmlns:mc="http://schemas.openxmlformats.org/markup-compatibility/2006" xmlns:mv="urn:schemas-microsoft-com:mac:vml" xmlns:p="http://schemas.openxmlformats.org/presentationml/2006/main" xmlns:c="http://schemas.openxmlformats.org/drawingml/2006/chart" xmlns:dgm="http://schemas.openxmlformats.org/drawingml/2006/diagram" xmlns:o="urn:schemas-microsoft-com:office:office" xmlns:v="urn:schemas-microsoft-com:vml" xmlns:pvml="urn:schemas-microsoft-com:office:powerpoint" xmlns:com="http://schemas.openxmlformats.org/drawingml/2006/compatibility" xmlns:p14="http://schemas.microsoft.com/office/powerpoint/2010/main" xmlns:p15="http://schemas.microsoft.com/office/powerpoint/2012/main" xmlns:ahyp="http://schemas.microsoft.com/office/drawing/2018/hyperlinkcolor" matchingName="Comparison" type="twoTxTwoObj">
+<p:sldLayout xmlns:a="http://schemas.openxmlformats.org/drawingml/2006/main" xmlns:r="http://schemas.openxmlformats.org/officeDocument/2006/relationships" xmlns:p="http://schemas.openxmlformats.org/presentationml/2006/main" matchingName="Comparison" type="twoTxTwoObj">
   <p:cSld name="TWO_OBJECTS_WITH_TEXT">
     <p:spTree>
       <p:nvGrpSpPr>
-        <p:cNvPr id="36" name="Shape 36"/>
+        <p:cNvPr id="1" name="Shape 36"/>
         <p:cNvGrpSpPr/>
         <p:nvPr/>
       </p:nvGrpSpPr>
@@ -6312,7 +6544,9 @@
       <p:sp>
         <p:nvSpPr>
           <p:cNvPr id="37" name="Google Shape;37;p19"/>
-          <p:cNvSpPr txBox="1"/>
+          <p:cNvSpPr txBox="1">
+            <a:spLocks noGrp="1"/>
+          </p:cNvSpPr>
           <p:nvPr>
             <p:ph type="title"/>
           </p:nvPr>
@@ -6331,7 +6565,7 @@
           </a:ln>
         </p:spPr>
         <p:txBody>
-          <a:bodyPr anchorCtr="0" anchor="ctr" bIns="45700" lIns="91425" spcFirstLastPara="1" rIns="91425" wrap="square" tIns="45700">
+          <a:bodyPr spcFirstLastPara="1" wrap="square" lIns="91425" tIns="45700" rIns="91425" bIns="45700" anchor="ctr" anchorCtr="0">
             <a:normAutofit/>
           </a:bodyPr>
           <a:lstStyle>
@@ -6439,15 +6673,19 @@
               <a:defRPr/>
             </a:lvl9pPr>
           </a:lstStyle>
-          <a:p/>
+          <a:p>
+            <a:endParaRPr/>
+          </a:p>
         </p:txBody>
       </p:sp>
       <p:sp>
         <p:nvSpPr>
           <p:cNvPr id="38" name="Google Shape;38;p19"/>
-          <p:cNvSpPr txBox="1"/>
+          <p:cNvSpPr txBox="1">
+            <a:spLocks noGrp="1"/>
+          </p:cNvSpPr>
           <p:nvPr>
-            <p:ph idx="1" type="body"/>
+            <p:ph type="body" idx="1"/>
           </p:nvPr>
         </p:nvSpPr>
         <p:spPr>
@@ -6464,11 +6702,11 @@
           </a:ln>
         </p:spPr>
         <p:txBody>
-          <a:bodyPr anchorCtr="0" anchor="b" bIns="45700" lIns="91425" spcFirstLastPara="1" rIns="91425" wrap="square" tIns="45700">
+          <a:bodyPr spcFirstLastPara="1" wrap="square" lIns="91425" tIns="45700" rIns="91425" bIns="45700" anchor="b" anchorCtr="0">
             <a:normAutofit/>
           </a:bodyPr>
           <a:lstStyle>
-            <a:lvl1pPr indent="-228600" lvl="0" marL="457200" algn="l">
+            <a:lvl1pPr marL="457200" lvl="0" indent="-228600" algn="l">
               <a:spcBef>
                 <a:spcPts val="480"/>
               </a:spcBef>
@@ -6480,9 +6718,9 @@
               </a:buClr>
               <a:buSzPts val="2400"/>
               <a:buNone/>
-              <a:defRPr b="1" sz="2400"/>
+              <a:defRPr sz="2400" b="1"/>
             </a:lvl1pPr>
-            <a:lvl2pPr indent="-228600" lvl="1" marL="914400" algn="l">
+            <a:lvl2pPr marL="914400" lvl="1" indent="-228600" algn="l">
               <a:spcBef>
                 <a:spcPts val="400"/>
               </a:spcBef>
@@ -6494,9 +6732,9 @@
               </a:buClr>
               <a:buSzPts val="2000"/>
               <a:buNone/>
-              <a:defRPr b="1" sz="2000"/>
+              <a:defRPr sz="2000" b="1"/>
             </a:lvl2pPr>
-            <a:lvl3pPr indent="-228600" lvl="2" marL="1371600" algn="l">
+            <a:lvl3pPr marL="1371600" lvl="2" indent="-228600" algn="l">
               <a:spcBef>
                 <a:spcPts val="360"/>
               </a:spcBef>
@@ -6508,9 +6746,9 @@
               </a:buClr>
               <a:buSzPts val="1800"/>
               <a:buNone/>
-              <a:defRPr b="1" sz="1800"/>
+              <a:defRPr sz="1800" b="1"/>
             </a:lvl3pPr>
-            <a:lvl4pPr indent="-228600" lvl="3" marL="1828800" algn="l">
+            <a:lvl4pPr marL="1828800" lvl="3" indent="-228600" algn="l">
               <a:spcBef>
                 <a:spcPts val="320"/>
               </a:spcBef>
@@ -6522,9 +6760,9 @@
               </a:buClr>
               <a:buSzPts val="1600"/>
               <a:buNone/>
-              <a:defRPr b="1" sz="1600"/>
+              <a:defRPr sz="1600" b="1"/>
             </a:lvl4pPr>
-            <a:lvl5pPr indent="-228600" lvl="4" marL="2286000" algn="l">
+            <a:lvl5pPr marL="2286000" lvl="4" indent="-228600" algn="l">
               <a:spcBef>
                 <a:spcPts val="320"/>
               </a:spcBef>
@@ -6536,9 +6774,9 @@
               </a:buClr>
               <a:buSzPts val="1600"/>
               <a:buNone/>
-              <a:defRPr b="1" sz="1600"/>
+              <a:defRPr sz="1600" b="1"/>
             </a:lvl5pPr>
-            <a:lvl6pPr indent="-228600" lvl="5" marL="2743200" algn="l">
+            <a:lvl6pPr marL="2743200" lvl="5" indent="-228600" algn="l">
               <a:spcBef>
                 <a:spcPts val="320"/>
               </a:spcBef>
@@ -6550,9 +6788,9 @@
               </a:buClr>
               <a:buSzPts val="1600"/>
               <a:buNone/>
-              <a:defRPr b="1" sz="1600"/>
+              <a:defRPr sz="1600" b="1"/>
             </a:lvl6pPr>
-            <a:lvl7pPr indent="-228600" lvl="6" marL="3200400" algn="l">
+            <a:lvl7pPr marL="3200400" lvl="6" indent="-228600" algn="l">
               <a:spcBef>
                 <a:spcPts val="320"/>
               </a:spcBef>
@@ -6564,9 +6802,9 @@
               </a:buClr>
               <a:buSzPts val="1600"/>
               <a:buNone/>
-              <a:defRPr b="1" sz="1600"/>
+              <a:defRPr sz="1600" b="1"/>
             </a:lvl7pPr>
-            <a:lvl8pPr indent="-228600" lvl="7" marL="3657600" algn="l">
+            <a:lvl8pPr marL="3657600" lvl="7" indent="-228600" algn="l">
               <a:spcBef>
                 <a:spcPts val="320"/>
               </a:spcBef>
@@ -6578,9 +6816,9 @@
               </a:buClr>
               <a:buSzPts val="1600"/>
               <a:buNone/>
-              <a:defRPr b="1" sz="1600"/>
+              <a:defRPr sz="1600" b="1"/>
             </a:lvl8pPr>
-            <a:lvl9pPr indent="-228600" lvl="8" marL="4114800" algn="l">
+            <a:lvl9pPr marL="4114800" lvl="8" indent="-228600" algn="l">
               <a:spcBef>
                 <a:spcPts val="320"/>
               </a:spcBef>
@@ -6592,18 +6830,22 @@
               </a:buClr>
               <a:buSzPts val="1600"/>
               <a:buNone/>
-              <a:defRPr b="1" sz="1600"/>
+              <a:defRPr sz="1600" b="1"/>
             </a:lvl9pPr>
           </a:lstStyle>
-          <a:p/>
+          <a:p>
+            <a:endParaRPr/>
+          </a:p>
         </p:txBody>
       </p:sp>
       <p:sp>
         <p:nvSpPr>
           <p:cNvPr id="39" name="Google Shape;39;p19"/>
-          <p:cNvSpPr txBox="1"/>
+          <p:cNvSpPr txBox="1">
+            <a:spLocks noGrp="1"/>
+          </p:cNvSpPr>
           <p:nvPr>
-            <p:ph idx="2" type="body"/>
+            <p:ph type="body" idx="2"/>
           </p:nvPr>
         </p:nvSpPr>
         <p:spPr>
@@ -6620,11 +6862,11 @@
           </a:ln>
         </p:spPr>
         <p:txBody>
-          <a:bodyPr anchorCtr="0" anchor="t" bIns="45700" lIns="91425" spcFirstLastPara="1" rIns="91425" wrap="square" tIns="45700">
+          <a:bodyPr spcFirstLastPara="1" wrap="square" lIns="91425" tIns="45700" rIns="91425" bIns="45700" anchor="t" anchorCtr="0">
             <a:normAutofit/>
           </a:bodyPr>
           <a:lstStyle>
-            <a:lvl1pPr indent="-381000" lvl="0" marL="457200" algn="l">
+            <a:lvl1pPr marL="457200" lvl="0" indent="-381000" algn="l">
               <a:spcBef>
                 <a:spcPts val="480"/>
               </a:spcBef>
@@ -6638,7 +6880,7 @@
               <a:buChar char="•"/>
               <a:defRPr sz="2400"/>
             </a:lvl1pPr>
-            <a:lvl2pPr indent="-355600" lvl="1" marL="914400" algn="l">
+            <a:lvl2pPr marL="914400" lvl="1" indent="-355600" algn="l">
               <a:spcBef>
                 <a:spcPts val="400"/>
               </a:spcBef>
@@ -6652,7 +6894,7 @@
               <a:buChar char="–"/>
               <a:defRPr sz="2000"/>
             </a:lvl2pPr>
-            <a:lvl3pPr indent="-342900" lvl="2" marL="1371600" algn="l">
+            <a:lvl3pPr marL="1371600" lvl="2" indent="-342900" algn="l">
               <a:spcBef>
                 <a:spcPts val="360"/>
               </a:spcBef>
@@ -6666,7 +6908,7 @@
               <a:buChar char="•"/>
               <a:defRPr sz="1800"/>
             </a:lvl3pPr>
-            <a:lvl4pPr indent="-330200" lvl="3" marL="1828800" algn="l">
+            <a:lvl4pPr marL="1828800" lvl="3" indent="-330200" algn="l">
               <a:spcBef>
                 <a:spcPts val="320"/>
               </a:spcBef>
@@ -6680,7 +6922,7 @@
               <a:buChar char="–"/>
               <a:defRPr sz="1600"/>
             </a:lvl4pPr>
-            <a:lvl5pPr indent="-330200" lvl="4" marL="2286000" algn="l">
+            <a:lvl5pPr marL="2286000" lvl="4" indent="-330200" algn="l">
               <a:spcBef>
                 <a:spcPts val="320"/>
               </a:spcBef>
@@ -6694,7 +6936,7 @@
               <a:buChar char="»"/>
               <a:defRPr sz="1600"/>
             </a:lvl5pPr>
-            <a:lvl6pPr indent="-330200" lvl="5" marL="2743200" algn="l">
+            <a:lvl6pPr marL="2743200" lvl="5" indent="-330200" algn="l">
               <a:spcBef>
                 <a:spcPts val="320"/>
               </a:spcBef>
@@ -6708,7 +6950,7 @@
               <a:buChar char="•"/>
               <a:defRPr sz="1600"/>
             </a:lvl6pPr>
-            <a:lvl7pPr indent="-330200" lvl="6" marL="3200400" algn="l">
+            <a:lvl7pPr marL="3200400" lvl="6" indent="-330200" algn="l">
               <a:spcBef>
                 <a:spcPts val="320"/>
               </a:spcBef>
@@ -6722,7 +6964,7 @@
               <a:buChar char="•"/>
               <a:defRPr sz="1600"/>
             </a:lvl7pPr>
-            <a:lvl8pPr indent="-330200" lvl="7" marL="3657600" algn="l">
+            <a:lvl8pPr marL="3657600" lvl="7" indent="-330200" algn="l">
               <a:spcBef>
                 <a:spcPts val="320"/>
               </a:spcBef>
@@ -6736,7 +6978,7 @@
               <a:buChar char="•"/>
               <a:defRPr sz="1600"/>
             </a:lvl8pPr>
-            <a:lvl9pPr indent="-330200" lvl="8" marL="4114800" algn="l">
+            <a:lvl9pPr marL="4114800" lvl="8" indent="-330200" algn="l">
               <a:spcBef>
                 <a:spcPts val="320"/>
               </a:spcBef>
@@ -6751,15 +6993,19 @@
               <a:defRPr sz="1600"/>
             </a:lvl9pPr>
           </a:lstStyle>
-          <a:p/>
+          <a:p>
+            <a:endParaRPr/>
+          </a:p>
         </p:txBody>
       </p:sp>
       <p:sp>
         <p:nvSpPr>
           <p:cNvPr id="40" name="Google Shape;40;p19"/>
-          <p:cNvSpPr txBox="1"/>
+          <p:cNvSpPr txBox="1">
+            <a:spLocks noGrp="1"/>
+          </p:cNvSpPr>
           <p:nvPr>
-            <p:ph idx="3" type="body"/>
+            <p:ph type="body" idx="3"/>
           </p:nvPr>
         </p:nvSpPr>
         <p:spPr>
@@ -6776,11 +7022,11 @@
           </a:ln>
         </p:spPr>
         <p:txBody>
-          <a:bodyPr anchorCtr="0" anchor="b" bIns="45700" lIns="91425" spcFirstLastPara="1" rIns="91425" wrap="square" tIns="45700">
+          <a:bodyPr spcFirstLastPara="1" wrap="square" lIns="91425" tIns="45700" rIns="91425" bIns="45700" anchor="b" anchorCtr="0">
             <a:normAutofit/>
           </a:bodyPr>
           <a:lstStyle>
-            <a:lvl1pPr indent="-228600" lvl="0" marL="457200" algn="l">
+            <a:lvl1pPr marL="457200" lvl="0" indent="-228600" algn="l">
               <a:spcBef>
                 <a:spcPts val="480"/>
               </a:spcBef>
@@ -6792,9 +7038,9 @@
               </a:buClr>
               <a:buSzPts val="2400"/>
               <a:buNone/>
-              <a:defRPr b="1" sz="2400"/>
+              <a:defRPr sz="2400" b="1"/>
             </a:lvl1pPr>
-            <a:lvl2pPr indent="-228600" lvl="1" marL="914400" algn="l">
+            <a:lvl2pPr marL="914400" lvl="1" indent="-228600" algn="l">
               <a:spcBef>
                 <a:spcPts val="400"/>
               </a:spcBef>
@@ -6806,9 +7052,9 @@
               </a:buClr>
               <a:buSzPts val="2000"/>
               <a:buNone/>
-              <a:defRPr b="1" sz="2000"/>
+              <a:defRPr sz="2000" b="1"/>
             </a:lvl2pPr>
-            <a:lvl3pPr indent="-228600" lvl="2" marL="1371600" algn="l">
+            <a:lvl3pPr marL="1371600" lvl="2" indent="-228600" algn="l">
               <a:spcBef>
                 <a:spcPts val="360"/>
               </a:spcBef>
@@ -6820,9 +7066,9 @@
               </a:buClr>
               <a:buSzPts val="1800"/>
               <a:buNone/>
-              <a:defRPr b="1" sz="1800"/>
+              <a:defRPr sz="1800" b="1"/>
             </a:lvl3pPr>
-            <a:lvl4pPr indent="-228600" lvl="3" marL="1828800" algn="l">
+            <a:lvl4pPr marL="1828800" lvl="3" indent="-228600" algn="l">
               <a:spcBef>
                 <a:spcPts val="320"/>
               </a:spcBef>
@@ -6834,9 +7080,9 @@
               </a:buClr>
               <a:buSzPts val="1600"/>
               <a:buNone/>
-              <a:defRPr b="1" sz="1600"/>
+              <a:defRPr sz="1600" b="1"/>
             </a:lvl4pPr>
-            <a:lvl5pPr indent="-228600" lvl="4" marL="2286000" algn="l">
+            <a:lvl5pPr marL="2286000" lvl="4" indent="-228600" algn="l">
               <a:spcBef>
                 <a:spcPts val="320"/>
               </a:spcBef>
@@ -6848,9 +7094,9 @@
               </a:buClr>
               <a:buSzPts val="1600"/>
               <a:buNone/>
-              <a:defRPr b="1" sz="1600"/>
+              <a:defRPr sz="1600" b="1"/>
             </a:lvl5pPr>
-            <a:lvl6pPr indent="-228600" lvl="5" marL="2743200" algn="l">
+            <a:lvl6pPr marL="2743200" lvl="5" indent="-228600" algn="l">
               <a:spcBef>
                 <a:spcPts val="320"/>
               </a:spcBef>
@@ -6862,9 +7108,9 @@
               </a:buClr>
               <a:buSzPts val="1600"/>
               <a:buNone/>
-              <a:defRPr b="1" sz="1600"/>
+              <a:defRPr sz="1600" b="1"/>
             </a:lvl6pPr>
-            <a:lvl7pPr indent="-228600" lvl="6" marL="3200400" algn="l">
+            <a:lvl7pPr marL="3200400" lvl="6" indent="-228600" algn="l">
               <a:spcBef>
                 <a:spcPts val="320"/>
               </a:spcBef>
@@ -6876,9 +7122,9 @@
               </a:buClr>
               <a:buSzPts val="1600"/>
               <a:buNone/>
-              <a:defRPr b="1" sz="1600"/>
+              <a:defRPr sz="1600" b="1"/>
             </a:lvl7pPr>
-            <a:lvl8pPr indent="-228600" lvl="7" marL="3657600" algn="l">
+            <a:lvl8pPr marL="3657600" lvl="7" indent="-228600" algn="l">
               <a:spcBef>
                 <a:spcPts val="320"/>
               </a:spcBef>
@@ -6890,9 +7136,9 @@
               </a:buClr>
               <a:buSzPts val="1600"/>
               <a:buNone/>
-              <a:defRPr b="1" sz="1600"/>
+              <a:defRPr sz="1600" b="1"/>
             </a:lvl8pPr>
-            <a:lvl9pPr indent="-228600" lvl="8" marL="4114800" algn="l">
+            <a:lvl9pPr marL="4114800" lvl="8" indent="-228600" algn="l">
               <a:spcBef>
                 <a:spcPts val="320"/>
               </a:spcBef>
@@ -6904,18 +7150,22 @@
               </a:buClr>
               <a:buSzPts val="1600"/>
               <a:buNone/>
-              <a:defRPr b="1" sz="1600"/>
+              <a:defRPr sz="1600" b="1"/>
             </a:lvl9pPr>
           </a:lstStyle>
-          <a:p/>
+          <a:p>
+            <a:endParaRPr/>
+          </a:p>
         </p:txBody>
       </p:sp>
       <p:sp>
         <p:nvSpPr>
           <p:cNvPr id="41" name="Google Shape;41;p19"/>
-          <p:cNvSpPr txBox="1"/>
+          <p:cNvSpPr txBox="1">
+            <a:spLocks noGrp="1"/>
+          </p:cNvSpPr>
           <p:nvPr>
-            <p:ph idx="4" type="body"/>
+            <p:ph type="body" idx="4"/>
           </p:nvPr>
         </p:nvSpPr>
         <p:spPr>
@@ -6932,11 +7182,11 @@
           </a:ln>
         </p:spPr>
         <p:txBody>
-          <a:bodyPr anchorCtr="0" anchor="t" bIns="45700" lIns="91425" spcFirstLastPara="1" rIns="91425" wrap="square" tIns="45700">
+          <a:bodyPr spcFirstLastPara="1" wrap="square" lIns="91425" tIns="45700" rIns="91425" bIns="45700" anchor="t" anchorCtr="0">
             <a:normAutofit/>
           </a:bodyPr>
           <a:lstStyle>
-            <a:lvl1pPr indent="-381000" lvl="0" marL="457200" algn="l">
+            <a:lvl1pPr marL="457200" lvl="0" indent="-381000" algn="l">
               <a:spcBef>
                 <a:spcPts val="480"/>
               </a:spcBef>
@@ -6950,7 +7200,7 @@
               <a:buChar char="•"/>
               <a:defRPr sz="2400"/>
             </a:lvl1pPr>
-            <a:lvl2pPr indent="-355600" lvl="1" marL="914400" algn="l">
+            <a:lvl2pPr marL="914400" lvl="1" indent="-355600" algn="l">
               <a:spcBef>
                 <a:spcPts val="400"/>
               </a:spcBef>
@@ -6964,7 +7214,7 @@
               <a:buChar char="–"/>
               <a:defRPr sz="2000"/>
             </a:lvl2pPr>
-            <a:lvl3pPr indent="-342900" lvl="2" marL="1371600" algn="l">
+            <a:lvl3pPr marL="1371600" lvl="2" indent="-342900" algn="l">
               <a:spcBef>
                 <a:spcPts val="360"/>
               </a:spcBef>
@@ -6978,7 +7228,7 @@
               <a:buChar char="•"/>
               <a:defRPr sz="1800"/>
             </a:lvl3pPr>
-            <a:lvl4pPr indent="-330200" lvl="3" marL="1828800" algn="l">
+            <a:lvl4pPr marL="1828800" lvl="3" indent="-330200" algn="l">
               <a:spcBef>
                 <a:spcPts val="320"/>
               </a:spcBef>
@@ -6992,7 +7242,7 @@
               <a:buChar char="–"/>
               <a:defRPr sz="1600"/>
             </a:lvl4pPr>
-            <a:lvl5pPr indent="-330200" lvl="4" marL="2286000" algn="l">
+            <a:lvl5pPr marL="2286000" lvl="4" indent="-330200" algn="l">
               <a:spcBef>
                 <a:spcPts val="320"/>
               </a:spcBef>
@@ -7006,7 +7256,7 @@
               <a:buChar char="»"/>
               <a:defRPr sz="1600"/>
             </a:lvl5pPr>
-            <a:lvl6pPr indent="-330200" lvl="5" marL="2743200" algn="l">
+            <a:lvl6pPr marL="2743200" lvl="5" indent="-330200" algn="l">
               <a:spcBef>
                 <a:spcPts val="320"/>
               </a:spcBef>
@@ -7020,7 +7270,7 @@
               <a:buChar char="•"/>
               <a:defRPr sz="1600"/>
             </a:lvl6pPr>
-            <a:lvl7pPr indent="-330200" lvl="6" marL="3200400" algn="l">
+            <a:lvl7pPr marL="3200400" lvl="6" indent="-330200" algn="l">
               <a:spcBef>
                 <a:spcPts val="320"/>
               </a:spcBef>
@@ -7034,7 +7284,7 @@
               <a:buChar char="•"/>
               <a:defRPr sz="1600"/>
             </a:lvl7pPr>
-            <a:lvl8pPr indent="-330200" lvl="7" marL="3657600" algn="l">
+            <a:lvl8pPr marL="3657600" lvl="7" indent="-330200" algn="l">
               <a:spcBef>
                 <a:spcPts val="320"/>
               </a:spcBef>
@@ -7048,7 +7298,7 @@
               <a:buChar char="•"/>
               <a:defRPr sz="1600"/>
             </a:lvl8pPr>
-            <a:lvl9pPr indent="-330200" lvl="8" marL="4114800" algn="l">
+            <a:lvl9pPr marL="4114800" lvl="8" indent="-330200" algn="l">
               <a:spcBef>
                 <a:spcPts val="320"/>
               </a:spcBef>
@@ -7063,15 +7313,19 @@
               <a:defRPr sz="1600"/>
             </a:lvl9pPr>
           </a:lstStyle>
-          <a:p/>
+          <a:p>
+            <a:endParaRPr/>
+          </a:p>
         </p:txBody>
       </p:sp>
       <p:sp>
         <p:nvSpPr>
           <p:cNvPr id="42" name="Google Shape;42;p19"/>
-          <p:cNvSpPr txBox="1"/>
+          <p:cNvSpPr txBox="1">
+            <a:spLocks noGrp="1"/>
+          </p:cNvSpPr>
           <p:nvPr>
-            <p:ph idx="10" type="dt"/>
+            <p:ph type="dt" idx="10"/>
           </p:nvPr>
         </p:nvSpPr>
         <p:spPr>
@@ -7088,7 +7342,7 @@
           </a:ln>
         </p:spPr>
         <p:txBody>
-          <a:bodyPr anchorCtr="0" anchor="ctr" bIns="45700" lIns="91425" spcFirstLastPara="1" rIns="91425" wrap="square" tIns="45700">
+          <a:bodyPr spcFirstLastPara="1" wrap="square" lIns="91425" tIns="45700" rIns="91425" bIns="45700" anchor="ctr" anchorCtr="0">
             <a:noAutofit/>
           </a:bodyPr>
           <a:lstStyle>
@@ -7192,15 +7446,19 @@
               <a:defRPr/>
             </a:lvl9pPr>
           </a:lstStyle>
-          <a:p/>
+          <a:p>
+            <a:endParaRPr/>
+          </a:p>
         </p:txBody>
       </p:sp>
       <p:sp>
         <p:nvSpPr>
           <p:cNvPr id="43" name="Google Shape;43;p19"/>
-          <p:cNvSpPr txBox="1"/>
+          <p:cNvSpPr txBox="1">
+            <a:spLocks noGrp="1"/>
+          </p:cNvSpPr>
           <p:nvPr>
-            <p:ph idx="11" type="ftr"/>
+            <p:ph type="ftr" idx="11"/>
           </p:nvPr>
         </p:nvSpPr>
         <p:spPr>
@@ -7217,7 +7475,7 @@
           </a:ln>
         </p:spPr>
         <p:txBody>
-          <a:bodyPr anchorCtr="0" anchor="ctr" bIns="45700" lIns="91425" spcFirstLastPara="1" rIns="91425" wrap="square" tIns="45700">
+          <a:bodyPr spcFirstLastPara="1" wrap="square" lIns="91425" tIns="45700" rIns="91425" bIns="45700" anchor="ctr" anchorCtr="0">
             <a:noAutofit/>
           </a:bodyPr>
           <a:lstStyle>
@@ -7321,15 +7579,19 @@
               <a:defRPr/>
             </a:lvl9pPr>
           </a:lstStyle>
-          <a:p/>
+          <a:p>
+            <a:endParaRPr/>
+          </a:p>
         </p:txBody>
       </p:sp>
       <p:sp>
         <p:nvSpPr>
           <p:cNvPr id="44" name="Google Shape;44;p19"/>
-          <p:cNvSpPr txBox="1"/>
+          <p:cNvSpPr txBox="1">
+            <a:spLocks noGrp="1"/>
+          </p:cNvSpPr>
           <p:nvPr>
-            <p:ph idx="12" type="sldNum"/>
+            <p:ph type="sldNum" idx="12"/>
           </p:nvPr>
         </p:nvSpPr>
         <p:spPr>
@@ -7346,67 +7608,67 @@
           </a:ln>
         </p:spPr>
         <p:txBody>
-          <a:bodyPr anchorCtr="0" anchor="ctr" bIns="45700" lIns="91425" spcFirstLastPara="1" rIns="91425" wrap="square" tIns="45700">
+          <a:bodyPr spcFirstLastPara="1" wrap="square" lIns="91425" tIns="45700" rIns="91425" bIns="45700" anchor="ctr" anchorCtr="0">
             <a:noAutofit/>
           </a:bodyPr>
           <a:lstStyle>
-            <a:lvl1pPr indent="0" lvl="0" marL="0" algn="r">
+            <a:lvl1pPr marL="0" lvl="0" indent="0" algn="r">
               <a:spcBef>
                 <a:spcPts val="0"/>
               </a:spcBef>
               <a:buNone/>
               <a:defRPr/>
             </a:lvl1pPr>
-            <a:lvl2pPr indent="0" lvl="1" marL="0" algn="r">
+            <a:lvl2pPr marL="0" lvl="1" indent="0" algn="r">
               <a:spcBef>
                 <a:spcPts val="0"/>
               </a:spcBef>
               <a:buNone/>
               <a:defRPr/>
             </a:lvl2pPr>
-            <a:lvl3pPr indent="0" lvl="2" marL="0" algn="r">
+            <a:lvl3pPr marL="0" lvl="2" indent="0" algn="r">
               <a:spcBef>
                 <a:spcPts val="0"/>
               </a:spcBef>
               <a:buNone/>
               <a:defRPr/>
             </a:lvl3pPr>
-            <a:lvl4pPr indent="0" lvl="3" marL="0" algn="r">
+            <a:lvl4pPr marL="0" lvl="3" indent="0" algn="r">
               <a:spcBef>
                 <a:spcPts val="0"/>
               </a:spcBef>
               <a:buNone/>
               <a:defRPr/>
             </a:lvl4pPr>
-            <a:lvl5pPr indent="0" lvl="4" marL="0" algn="r">
+            <a:lvl5pPr marL="0" lvl="4" indent="0" algn="r">
               <a:spcBef>
                 <a:spcPts val="0"/>
               </a:spcBef>
               <a:buNone/>
               <a:defRPr/>
             </a:lvl5pPr>
-            <a:lvl6pPr indent="0" lvl="5" marL="0" algn="r">
+            <a:lvl6pPr marL="0" lvl="5" indent="0" algn="r">
               <a:spcBef>
                 <a:spcPts val="0"/>
               </a:spcBef>
               <a:buNone/>
               <a:defRPr/>
             </a:lvl6pPr>
-            <a:lvl7pPr indent="0" lvl="6" marL="0" algn="r">
+            <a:lvl7pPr marL="0" lvl="6" indent="0" algn="r">
               <a:spcBef>
                 <a:spcPts val="0"/>
               </a:spcBef>
               <a:buNone/>
               <a:defRPr/>
             </a:lvl7pPr>
-            <a:lvl8pPr indent="0" lvl="7" marL="0" algn="r">
+            <a:lvl8pPr marL="0" lvl="7" indent="0" algn="r">
               <a:spcBef>
                 <a:spcPts val="0"/>
               </a:spcBef>
               <a:buNone/>
               <a:defRPr/>
             </a:lvl8pPr>
-            <a:lvl9pPr indent="0" lvl="8" marL="0" algn="r">
+            <a:lvl9pPr marL="0" lvl="8" indent="0" algn="r">
               <a:spcBef>
                 <a:spcPts val="0"/>
               </a:spcBef>
@@ -7415,7 +7677,7 @@
             </a:lvl9pPr>
           </a:lstStyle>
           <a:p>
-            <a:pPr indent="0" lvl="0" marL="0" rtl="0" algn="r">
+            <a:pPr marL="0" lvl="0" indent="0" algn="r" rtl="0">
               <a:spcBef>
                 <a:spcPts val="0"/>
               </a:spcBef>
@@ -7441,11 +7703,11 @@
 </file>
 
 <file path=ppt/slideLayouts/slideLayout6.xml><?xml version="1.0" encoding="utf-8"?>
-<p:sldLayout xmlns:a="http://schemas.openxmlformats.org/drawingml/2006/main" xmlns:r="http://schemas.openxmlformats.org/officeDocument/2006/relationships" xmlns:mc="http://schemas.openxmlformats.org/markup-compatibility/2006" xmlns:mv="urn:schemas-microsoft-com:mac:vml" xmlns:p="http://schemas.openxmlformats.org/presentationml/2006/main" xmlns:c="http://schemas.openxmlformats.org/drawingml/2006/chart" xmlns:dgm="http://schemas.openxmlformats.org/drawingml/2006/diagram" xmlns:o="urn:schemas-microsoft-com:office:office" xmlns:v="urn:schemas-microsoft-com:vml" xmlns:pvml="urn:schemas-microsoft-com:office:powerpoint" xmlns:com="http://schemas.openxmlformats.org/drawingml/2006/compatibility" xmlns:p14="http://schemas.microsoft.com/office/powerpoint/2010/main" xmlns:p15="http://schemas.microsoft.com/office/powerpoint/2012/main" xmlns:ahyp="http://schemas.microsoft.com/office/drawing/2018/hyperlinkcolor" matchingName="Title Only" type="titleOnly">
+<p:sldLayout xmlns:a="http://schemas.openxmlformats.org/drawingml/2006/main" xmlns:r="http://schemas.openxmlformats.org/officeDocument/2006/relationships" xmlns:p="http://schemas.openxmlformats.org/presentationml/2006/main" matchingName="Title Only" type="titleOnly">
   <p:cSld name="TITLE_ONLY">
     <p:spTree>
       <p:nvGrpSpPr>
-        <p:cNvPr id="45" name="Shape 45"/>
+        <p:cNvPr id="1" name="Shape 45"/>
         <p:cNvGrpSpPr/>
         <p:nvPr/>
       </p:nvGrpSpPr>
@@ -7460,7 +7722,9 @@
       <p:sp>
         <p:nvSpPr>
           <p:cNvPr id="46" name="Google Shape;46;p20"/>
-          <p:cNvSpPr txBox="1"/>
+          <p:cNvSpPr txBox="1">
+            <a:spLocks noGrp="1"/>
+          </p:cNvSpPr>
           <p:nvPr>
             <p:ph type="title"/>
           </p:nvPr>
@@ -7479,7 +7743,7 @@
           </a:ln>
         </p:spPr>
         <p:txBody>
-          <a:bodyPr anchorCtr="0" anchor="ctr" bIns="45700" lIns="91425" spcFirstLastPara="1" rIns="91425" wrap="square" tIns="45700">
+          <a:bodyPr spcFirstLastPara="1" wrap="square" lIns="91425" tIns="45700" rIns="91425" bIns="45700" anchor="ctr" anchorCtr="0">
             <a:normAutofit/>
           </a:bodyPr>
           <a:lstStyle>
@@ -7586,15 +7850,19 @@
               <a:defRPr/>
             </a:lvl9pPr>
           </a:lstStyle>
-          <a:p/>
+          <a:p>
+            <a:endParaRPr/>
+          </a:p>
         </p:txBody>
       </p:sp>
       <p:sp>
         <p:nvSpPr>
           <p:cNvPr id="47" name="Google Shape;47;p20"/>
-          <p:cNvSpPr txBox="1"/>
+          <p:cNvSpPr txBox="1">
+            <a:spLocks noGrp="1"/>
+          </p:cNvSpPr>
           <p:nvPr>
-            <p:ph idx="10" type="dt"/>
+            <p:ph type="dt" idx="10"/>
           </p:nvPr>
         </p:nvSpPr>
         <p:spPr>
@@ -7611,7 +7879,7 @@
           </a:ln>
         </p:spPr>
         <p:txBody>
-          <a:bodyPr anchorCtr="0" anchor="ctr" bIns="45700" lIns="91425" spcFirstLastPara="1" rIns="91425" wrap="square" tIns="45700">
+          <a:bodyPr spcFirstLastPara="1" wrap="square" lIns="91425" tIns="45700" rIns="91425" bIns="45700" anchor="ctr" anchorCtr="0">
             <a:noAutofit/>
           </a:bodyPr>
           <a:lstStyle>
@@ -7715,15 +7983,19 @@
               <a:defRPr/>
             </a:lvl9pPr>
           </a:lstStyle>
-          <a:p/>
+          <a:p>
+            <a:endParaRPr/>
+          </a:p>
         </p:txBody>
       </p:sp>
       <p:sp>
         <p:nvSpPr>
           <p:cNvPr id="48" name="Google Shape;48;p20"/>
-          <p:cNvSpPr txBox="1"/>
+          <p:cNvSpPr txBox="1">
+            <a:spLocks noGrp="1"/>
+          </p:cNvSpPr>
           <p:nvPr>
-            <p:ph idx="11" type="ftr"/>
+            <p:ph type="ftr" idx="11"/>
           </p:nvPr>
         </p:nvSpPr>
         <p:spPr>
@@ -7740,7 +8012,7 @@
           </a:ln>
         </p:spPr>
         <p:txBody>
-          <a:bodyPr anchorCtr="0" anchor="ctr" bIns="45700" lIns="91425" spcFirstLastPara="1" rIns="91425" wrap="square" tIns="45700">
+          <a:bodyPr spcFirstLastPara="1" wrap="square" lIns="91425" tIns="45700" rIns="91425" bIns="45700" anchor="ctr" anchorCtr="0">
             <a:noAutofit/>
           </a:bodyPr>
           <a:lstStyle>
@@ -7844,15 +8116,19 @@
               <a:defRPr/>
             </a:lvl9pPr>
           </a:lstStyle>
-          <a:p/>
+          <a:p>
+            <a:endParaRPr/>
+          </a:p>
         </p:txBody>
       </p:sp>
       <p:sp>
         <p:nvSpPr>
           <p:cNvPr id="49" name="Google Shape;49;p20"/>
-          <p:cNvSpPr txBox="1"/>
+          <p:cNvSpPr txBox="1">
+            <a:spLocks noGrp="1"/>
+          </p:cNvSpPr>
           <p:nvPr>
-            <p:ph idx="12" type="sldNum"/>
+            <p:ph type="sldNum" idx="12"/>
           </p:nvPr>
         </p:nvSpPr>
         <p:spPr>
@@ -7869,67 +8145,67 @@
           </a:ln>
         </p:spPr>
         <p:txBody>
-          <a:bodyPr anchorCtr="0" anchor="ctr" bIns="45700" lIns="91425" spcFirstLastPara="1" rIns="91425" wrap="square" tIns="45700">
+          <a:bodyPr spcFirstLastPara="1" wrap="square" lIns="91425" tIns="45700" rIns="91425" bIns="45700" anchor="ctr" anchorCtr="0">
             <a:noAutofit/>
           </a:bodyPr>
           <a:lstStyle>
-            <a:lvl1pPr indent="0" lvl="0" marL="0" algn="r">
+            <a:lvl1pPr marL="0" lvl="0" indent="0" algn="r">
               <a:spcBef>
                 <a:spcPts val="0"/>
               </a:spcBef>
               <a:buNone/>
               <a:defRPr/>
             </a:lvl1pPr>
-            <a:lvl2pPr indent="0" lvl="1" marL="0" algn="r">
+            <a:lvl2pPr marL="0" lvl="1" indent="0" algn="r">
               <a:spcBef>
                 <a:spcPts val="0"/>
               </a:spcBef>
               <a:buNone/>
               <a:defRPr/>
             </a:lvl2pPr>
-            <a:lvl3pPr indent="0" lvl="2" marL="0" algn="r">
+            <a:lvl3pPr marL="0" lvl="2" indent="0" algn="r">
               <a:spcBef>
                 <a:spcPts val="0"/>
               </a:spcBef>
               <a:buNone/>
               <a:defRPr/>
             </a:lvl3pPr>
-            <a:lvl4pPr indent="0" lvl="3" marL="0" algn="r">
+            <a:lvl4pPr marL="0" lvl="3" indent="0" algn="r">
               <a:spcBef>
                 <a:spcPts val="0"/>
               </a:spcBef>
               <a:buNone/>
               <a:defRPr/>
             </a:lvl4pPr>
-            <a:lvl5pPr indent="0" lvl="4" marL="0" algn="r">
+            <a:lvl5pPr marL="0" lvl="4" indent="0" algn="r">
               <a:spcBef>
                 <a:spcPts val="0"/>
               </a:spcBef>
               <a:buNone/>
               <a:defRPr/>
             </a:lvl5pPr>
-            <a:lvl6pPr indent="0" lvl="5" marL="0" algn="r">
+            <a:lvl6pPr marL="0" lvl="5" indent="0" algn="r">
               <a:spcBef>
                 <a:spcPts val="0"/>
               </a:spcBef>
               <a:buNone/>
               <a:defRPr/>
             </a:lvl6pPr>
-            <a:lvl7pPr indent="0" lvl="6" marL="0" algn="r">
+            <a:lvl7pPr marL="0" lvl="6" indent="0" algn="r">
               <a:spcBef>
                 <a:spcPts val="0"/>
               </a:spcBef>
               <a:buNone/>
               <a:defRPr/>
             </a:lvl7pPr>
-            <a:lvl8pPr indent="0" lvl="7" marL="0" algn="r">
+            <a:lvl8pPr marL="0" lvl="7" indent="0" algn="r">
               <a:spcBef>
                 <a:spcPts val="0"/>
               </a:spcBef>
               <a:buNone/>
               <a:defRPr/>
             </a:lvl8pPr>
-            <a:lvl9pPr indent="0" lvl="8" marL="0" algn="r">
+            <a:lvl9pPr marL="0" lvl="8" indent="0" algn="r">
               <a:spcBef>
                 <a:spcPts val="0"/>
               </a:spcBef>
@@ -7938,7 +8214,7 @@
             </a:lvl9pPr>
           </a:lstStyle>
           <a:p>
-            <a:pPr indent="0" lvl="0" marL="0" rtl="0" algn="r">
+            <a:pPr marL="0" lvl="0" indent="0" algn="r" rtl="0">
               <a:spcBef>
                 <a:spcPts val="0"/>
               </a:spcBef>
@@ -7964,11 +8240,11 @@
 </file>
 
 <file path=ppt/slideLayouts/slideLayout7.xml><?xml version="1.0" encoding="utf-8"?>
-<p:sldLayout xmlns:a="http://schemas.openxmlformats.org/drawingml/2006/main" xmlns:r="http://schemas.openxmlformats.org/officeDocument/2006/relationships" xmlns:mc="http://schemas.openxmlformats.org/markup-compatibility/2006" xmlns:mv="urn:schemas-microsoft-com:mac:vml" xmlns:p="http://schemas.openxmlformats.org/presentationml/2006/main" xmlns:c="http://schemas.openxmlformats.org/drawingml/2006/chart" xmlns:dgm="http://schemas.openxmlformats.org/drawingml/2006/diagram" xmlns:o="urn:schemas-microsoft-com:office:office" xmlns:v="urn:schemas-microsoft-com:vml" xmlns:pvml="urn:schemas-microsoft-com:office:powerpoint" xmlns:com="http://schemas.openxmlformats.org/drawingml/2006/compatibility" xmlns:p14="http://schemas.microsoft.com/office/powerpoint/2010/main" xmlns:p15="http://schemas.microsoft.com/office/powerpoint/2012/main" xmlns:ahyp="http://schemas.microsoft.com/office/drawing/2018/hyperlinkcolor" matchingName="Blank" type="blank">
+<p:sldLayout xmlns:a="http://schemas.openxmlformats.org/drawingml/2006/main" xmlns:r="http://schemas.openxmlformats.org/officeDocument/2006/relationships" xmlns:p="http://schemas.openxmlformats.org/presentationml/2006/main" matchingName="Blank" type="blank">
   <p:cSld name="BLANK">
     <p:spTree>
       <p:nvGrpSpPr>
-        <p:cNvPr id="50" name="Shape 50"/>
+        <p:cNvPr id="1" name="Shape 50"/>
         <p:cNvGrpSpPr/>
         <p:nvPr/>
       </p:nvGrpSpPr>
@@ -7983,9 +8259,11 @@
       <p:sp>
         <p:nvSpPr>
           <p:cNvPr id="51" name="Google Shape;51;p21"/>
-          <p:cNvSpPr txBox="1"/>
+          <p:cNvSpPr txBox="1">
+            <a:spLocks noGrp="1"/>
+          </p:cNvSpPr>
           <p:nvPr>
-            <p:ph idx="10" type="dt"/>
+            <p:ph type="dt" idx="10"/>
           </p:nvPr>
         </p:nvSpPr>
         <p:spPr>
@@ -8002,7 +8280,7 @@
           </a:ln>
         </p:spPr>
         <p:txBody>
-          <a:bodyPr anchorCtr="0" anchor="ctr" bIns="45700" lIns="91425" spcFirstLastPara="1" rIns="91425" wrap="square" tIns="45700">
+          <a:bodyPr spcFirstLastPara="1" wrap="square" lIns="91425" tIns="45700" rIns="91425" bIns="45700" anchor="ctr" anchorCtr="0">
             <a:noAutofit/>
           </a:bodyPr>
           <a:lstStyle>
@@ -8106,15 +8384,19 @@
               <a:defRPr/>
             </a:lvl9pPr>
           </a:lstStyle>
-          <a:p/>
+          <a:p>
+            <a:endParaRPr/>
+          </a:p>
         </p:txBody>
       </p:sp>
       <p:sp>
         <p:nvSpPr>
           <p:cNvPr id="52" name="Google Shape;52;p21"/>
-          <p:cNvSpPr txBox="1"/>
+          <p:cNvSpPr txBox="1">
+            <a:spLocks noGrp="1"/>
+          </p:cNvSpPr>
           <p:nvPr>
-            <p:ph idx="11" type="ftr"/>
+            <p:ph type="ftr" idx="11"/>
           </p:nvPr>
         </p:nvSpPr>
         <p:spPr>
@@ -8131,7 +8413,7 @@
           </a:ln>
         </p:spPr>
         <p:txBody>
-          <a:bodyPr anchorCtr="0" anchor="ctr" bIns="45700" lIns="91425" spcFirstLastPara="1" rIns="91425" wrap="square" tIns="45700">
+          <a:bodyPr spcFirstLastPara="1" wrap="square" lIns="91425" tIns="45700" rIns="91425" bIns="45700" anchor="ctr" anchorCtr="0">
             <a:noAutofit/>
           </a:bodyPr>
           <a:lstStyle>
@@ -8235,15 +8517,19 @@
               <a:defRPr/>
             </a:lvl9pPr>
           </a:lstStyle>
-          <a:p/>
+          <a:p>
+            <a:endParaRPr/>
+          </a:p>
         </p:txBody>
       </p:sp>
       <p:sp>
         <p:nvSpPr>
           <p:cNvPr id="53" name="Google Shape;53;p21"/>
-          <p:cNvSpPr txBox="1"/>
+          <p:cNvSpPr txBox="1">
+            <a:spLocks noGrp="1"/>
+          </p:cNvSpPr>
           <p:nvPr>
-            <p:ph idx="12" type="sldNum"/>
+            <p:ph type="sldNum" idx="12"/>
           </p:nvPr>
         </p:nvSpPr>
         <p:spPr>
@@ -8260,67 +8546,67 @@
           </a:ln>
         </p:spPr>
         <p:txBody>
-          <a:bodyPr anchorCtr="0" anchor="ctr" bIns="45700" lIns="91425" spcFirstLastPara="1" rIns="91425" wrap="square" tIns="45700">
+          <a:bodyPr spcFirstLastPara="1" wrap="square" lIns="91425" tIns="45700" rIns="91425" bIns="45700" anchor="ctr" anchorCtr="0">
             <a:noAutofit/>
           </a:bodyPr>
           <a:lstStyle>
-            <a:lvl1pPr indent="0" lvl="0" marL="0" algn="r">
+            <a:lvl1pPr marL="0" lvl="0" indent="0" algn="r">
               <a:spcBef>
                 <a:spcPts val="0"/>
               </a:spcBef>
               <a:buNone/>
               <a:defRPr/>
             </a:lvl1pPr>
-            <a:lvl2pPr indent="0" lvl="1" marL="0" algn="r">
+            <a:lvl2pPr marL="0" lvl="1" indent="0" algn="r">
               <a:spcBef>
                 <a:spcPts val="0"/>
               </a:spcBef>
               <a:buNone/>
               <a:defRPr/>
             </a:lvl2pPr>
-            <a:lvl3pPr indent="0" lvl="2" marL="0" algn="r">
+            <a:lvl3pPr marL="0" lvl="2" indent="0" algn="r">
               <a:spcBef>
                 <a:spcPts val="0"/>
               </a:spcBef>
               <a:buNone/>
               <a:defRPr/>
             </a:lvl3pPr>
-            <a:lvl4pPr indent="0" lvl="3" marL="0" algn="r">
+            <a:lvl4pPr marL="0" lvl="3" indent="0" algn="r">
               <a:spcBef>
                 <a:spcPts val="0"/>
               </a:spcBef>
               <a:buNone/>
               <a:defRPr/>
             </a:lvl4pPr>
-            <a:lvl5pPr indent="0" lvl="4" marL="0" algn="r">
+            <a:lvl5pPr marL="0" lvl="4" indent="0" algn="r">
               <a:spcBef>
                 <a:spcPts val="0"/>
               </a:spcBef>
               <a:buNone/>
               <a:defRPr/>
             </a:lvl5pPr>
-            <a:lvl6pPr indent="0" lvl="5" marL="0" algn="r">
+            <a:lvl6pPr marL="0" lvl="5" indent="0" algn="r">
               <a:spcBef>
                 <a:spcPts val="0"/>
               </a:spcBef>
               <a:buNone/>
               <a:defRPr/>
             </a:lvl6pPr>
-            <a:lvl7pPr indent="0" lvl="6" marL="0" algn="r">
+            <a:lvl7pPr marL="0" lvl="6" indent="0" algn="r">
               <a:spcBef>
                 <a:spcPts val="0"/>
               </a:spcBef>
               <a:buNone/>
               <a:defRPr/>
             </a:lvl7pPr>
-            <a:lvl8pPr indent="0" lvl="7" marL="0" algn="r">
+            <a:lvl8pPr marL="0" lvl="7" indent="0" algn="r">
               <a:spcBef>
                 <a:spcPts val="0"/>
               </a:spcBef>
               <a:buNone/>
               <a:defRPr/>
             </a:lvl8pPr>
-            <a:lvl9pPr indent="0" lvl="8" marL="0" algn="r">
+            <a:lvl9pPr marL="0" lvl="8" indent="0" algn="r">
               <a:spcBef>
                 <a:spcPts val="0"/>
               </a:spcBef>
@@ -8329,7 +8615,7 @@
             </a:lvl9pPr>
           </a:lstStyle>
           <a:p>
-            <a:pPr indent="0" lvl="0" marL="0" rtl="0" algn="r">
+            <a:pPr marL="0" lvl="0" indent="0" algn="r" rtl="0">
               <a:spcBef>
                 <a:spcPts val="0"/>
               </a:spcBef>
@@ -8355,11 +8641,11 @@
 </file>
 
 <file path=ppt/slideLayouts/slideLayout8.xml><?xml version="1.0" encoding="utf-8"?>
-<p:sldLayout xmlns:a="http://schemas.openxmlformats.org/drawingml/2006/main" xmlns:r="http://schemas.openxmlformats.org/officeDocument/2006/relationships" xmlns:mc="http://schemas.openxmlformats.org/markup-compatibility/2006" xmlns:mv="urn:schemas-microsoft-com:mac:vml" xmlns:p="http://schemas.openxmlformats.org/presentationml/2006/main" xmlns:c="http://schemas.openxmlformats.org/drawingml/2006/chart" xmlns:dgm="http://schemas.openxmlformats.org/drawingml/2006/diagram" xmlns:o="urn:schemas-microsoft-com:office:office" xmlns:v="urn:schemas-microsoft-com:vml" xmlns:pvml="urn:schemas-microsoft-com:office:powerpoint" xmlns:com="http://schemas.openxmlformats.org/drawingml/2006/compatibility" xmlns:p14="http://schemas.microsoft.com/office/powerpoint/2010/main" xmlns:p15="http://schemas.microsoft.com/office/powerpoint/2012/main" xmlns:ahyp="http://schemas.microsoft.com/office/drawing/2018/hyperlinkcolor" matchingName="Content with Caption" type="objTx">
+<p:sldLayout xmlns:a="http://schemas.openxmlformats.org/drawingml/2006/main" xmlns:r="http://schemas.openxmlformats.org/officeDocument/2006/relationships" xmlns:p="http://schemas.openxmlformats.org/presentationml/2006/main" matchingName="Content with Caption" type="objTx">
   <p:cSld name="OBJECT_WITH_CAPTION_TEXT">
     <p:spTree>
       <p:nvGrpSpPr>
-        <p:cNvPr id="54" name="Shape 54"/>
+        <p:cNvPr id="1" name="Shape 54"/>
         <p:cNvGrpSpPr/>
         <p:nvPr/>
       </p:nvGrpSpPr>
@@ -8374,7 +8660,9 @@
       <p:sp>
         <p:nvSpPr>
           <p:cNvPr id="55" name="Google Shape;55;p22"/>
-          <p:cNvSpPr txBox="1"/>
+          <p:cNvSpPr txBox="1">
+            <a:spLocks noGrp="1"/>
+          </p:cNvSpPr>
           <p:nvPr>
             <p:ph type="title"/>
           </p:nvPr>
@@ -8393,7 +8681,7 @@
           </a:ln>
         </p:spPr>
         <p:txBody>
-          <a:bodyPr anchorCtr="0" anchor="b" bIns="45700" lIns="91425" spcFirstLastPara="1" rIns="91425" wrap="square" tIns="45700">
+          <a:bodyPr spcFirstLastPara="1" wrap="square" lIns="91425" tIns="45700" rIns="91425" bIns="45700" anchor="b" anchorCtr="0">
             <a:normAutofit/>
           </a:bodyPr>
           <a:lstStyle>
@@ -8410,7 +8698,7 @@
               <a:buSzPts val="2000"/>
               <a:buFont typeface="Calibri"/>
               <a:buNone/>
-              <a:defRPr b="1" sz="2000"/>
+              <a:defRPr sz="2000" b="1"/>
             </a:lvl1pPr>
             <a:lvl2pPr lvl="1">
               <a:spcBef>
@@ -8501,15 +8789,19 @@
               <a:defRPr/>
             </a:lvl9pPr>
           </a:lstStyle>
-          <a:p/>
+          <a:p>
+            <a:endParaRPr/>
+          </a:p>
         </p:txBody>
       </p:sp>
       <p:sp>
         <p:nvSpPr>
           <p:cNvPr id="56" name="Google Shape;56;p22"/>
-          <p:cNvSpPr txBox="1"/>
+          <p:cNvSpPr txBox="1">
+            <a:spLocks noGrp="1"/>
+          </p:cNvSpPr>
           <p:nvPr>
-            <p:ph idx="1" type="body"/>
+            <p:ph type="body" idx="1"/>
           </p:nvPr>
         </p:nvSpPr>
         <p:spPr>
@@ -8526,11 +8818,11 @@
           </a:ln>
         </p:spPr>
         <p:txBody>
-          <a:bodyPr anchorCtr="0" anchor="t" bIns="45700" lIns="91425" spcFirstLastPara="1" rIns="91425" wrap="square" tIns="45700">
+          <a:bodyPr spcFirstLastPara="1" wrap="square" lIns="91425" tIns="45700" rIns="91425" bIns="45700" anchor="t" anchorCtr="0">
             <a:normAutofit/>
           </a:bodyPr>
           <a:lstStyle>
-            <a:lvl1pPr indent="-431800" lvl="0" marL="457200" algn="l">
+            <a:lvl1pPr marL="457200" lvl="0" indent="-431800" algn="l">
               <a:spcBef>
                 <a:spcPts val="640"/>
               </a:spcBef>
@@ -8544,7 +8836,7 @@
               <a:buChar char="•"/>
               <a:defRPr sz="3200"/>
             </a:lvl1pPr>
-            <a:lvl2pPr indent="-406400" lvl="1" marL="914400" algn="l">
+            <a:lvl2pPr marL="914400" lvl="1" indent="-406400" algn="l">
               <a:spcBef>
                 <a:spcPts val="560"/>
               </a:spcBef>
@@ -8558,7 +8850,7 @@
               <a:buChar char="–"/>
               <a:defRPr sz="2800"/>
             </a:lvl2pPr>
-            <a:lvl3pPr indent="-381000" lvl="2" marL="1371600" algn="l">
+            <a:lvl3pPr marL="1371600" lvl="2" indent="-381000" algn="l">
               <a:spcBef>
                 <a:spcPts val="480"/>
               </a:spcBef>
@@ -8572,7 +8864,7 @@
               <a:buChar char="•"/>
               <a:defRPr sz="2400"/>
             </a:lvl3pPr>
-            <a:lvl4pPr indent="-355600" lvl="3" marL="1828800" algn="l">
+            <a:lvl4pPr marL="1828800" lvl="3" indent="-355600" algn="l">
               <a:spcBef>
                 <a:spcPts val="400"/>
               </a:spcBef>
@@ -8586,7 +8878,7 @@
               <a:buChar char="–"/>
               <a:defRPr sz="2000"/>
             </a:lvl4pPr>
-            <a:lvl5pPr indent="-355600" lvl="4" marL="2286000" algn="l">
+            <a:lvl5pPr marL="2286000" lvl="4" indent="-355600" algn="l">
               <a:spcBef>
                 <a:spcPts val="400"/>
               </a:spcBef>
@@ -8600,7 +8892,7 @@
               <a:buChar char="»"/>
               <a:defRPr sz="2000"/>
             </a:lvl5pPr>
-            <a:lvl6pPr indent="-355600" lvl="5" marL="2743200" algn="l">
+            <a:lvl6pPr marL="2743200" lvl="5" indent="-355600" algn="l">
               <a:spcBef>
                 <a:spcPts val="400"/>
               </a:spcBef>
@@ -8614,7 +8906,7 @@
               <a:buChar char="•"/>
               <a:defRPr sz="2000"/>
             </a:lvl6pPr>
-            <a:lvl7pPr indent="-355600" lvl="6" marL="3200400" algn="l">
+            <a:lvl7pPr marL="3200400" lvl="6" indent="-355600" algn="l">
               <a:spcBef>
                 <a:spcPts val="400"/>
               </a:spcBef>
@@ -8628,7 +8920,7 @@
               <a:buChar char="•"/>
               <a:defRPr sz="2000"/>
             </a:lvl7pPr>
-            <a:lvl8pPr indent="-355600" lvl="7" marL="3657600" algn="l">
+            <a:lvl8pPr marL="3657600" lvl="7" indent="-355600" algn="l">
               <a:spcBef>
                 <a:spcPts val="400"/>
               </a:spcBef>
@@ -8642,7 +8934,7 @@
               <a:buChar char="•"/>
               <a:defRPr sz="2000"/>
             </a:lvl8pPr>
-            <a:lvl9pPr indent="-355600" lvl="8" marL="4114800" algn="l">
+            <a:lvl9pPr marL="4114800" lvl="8" indent="-355600" algn="l">
               <a:spcBef>
                 <a:spcPts val="400"/>
               </a:spcBef>
@@ -8657,15 +8949,19 @@
               <a:defRPr sz="2000"/>
             </a:lvl9pPr>
           </a:lstStyle>
-          <a:p/>
+          <a:p>
+            <a:endParaRPr/>
+          </a:p>
         </p:txBody>
       </p:sp>
       <p:sp>
         <p:nvSpPr>
           <p:cNvPr id="57" name="Google Shape;57;p22"/>
-          <p:cNvSpPr txBox="1"/>
+          <p:cNvSpPr txBox="1">
+            <a:spLocks noGrp="1"/>
+          </p:cNvSpPr>
           <p:nvPr>
-            <p:ph idx="2" type="body"/>
+            <p:ph type="body" idx="2"/>
           </p:nvPr>
         </p:nvSpPr>
         <p:spPr>
@@ -8682,11 +8978,11 @@
           </a:ln>
         </p:spPr>
         <p:txBody>
-          <a:bodyPr anchorCtr="0" anchor="t" bIns="45700" lIns="91425" spcFirstLastPara="1" rIns="91425" wrap="square" tIns="45700">
+          <a:bodyPr spcFirstLastPara="1" wrap="square" lIns="91425" tIns="45700" rIns="91425" bIns="45700" anchor="t" anchorCtr="0">
             <a:normAutofit/>
           </a:bodyPr>
           <a:lstStyle>
-            <a:lvl1pPr indent="-228600" lvl="0" marL="457200" algn="l">
+            <a:lvl1pPr marL="457200" lvl="0" indent="-228600" algn="l">
               <a:spcBef>
                 <a:spcPts val="280"/>
               </a:spcBef>
@@ -8700,7 +8996,7 @@
               <a:buNone/>
               <a:defRPr sz="1400"/>
             </a:lvl1pPr>
-            <a:lvl2pPr indent="-228600" lvl="1" marL="914400" algn="l">
+            <a:lvl2pPr marL="914400" lvl="1" indent="-228600" algn="l">
               <a:spcBef>
                 <a:spcPts val="240"/>
               </a:spcBef>
@@ -8714,7 +9010,7 @@
               <a:buNone/>
               <a:defRPr sz="1200"/>
             </a:lvl2pPr>
-            <a:lvl3pPr indent="-228600" lvl="2" marL="1371600" algn="l">
+            <a:lvl3pPr marL="1371600" lvl="2" indent="-228600" algn="l">
               <a:spcBef>
                 <a:spcPts val="200"/>
               </a:spcBef>
@@ -8728,7 +9024,7 @@
               <a:buNone/>
               <a:defRPr sz="1000"/>
             </a:lvl3pPr>
-            <a:lvl4pPr indent="-228600" lvl="3" marL="1828800" algn="l">
+            <a:lvl4pPr marL="1828800" lvl="3" indent="-228600" algn="l">
               <a:spcBef>
                 <a:spcPts val="180"/>
               </a:spcBef>
@@ -8742,7 +9038,7 @@
               <a:buNone/>
               <a:defRPr sz="900"/>
             </a:lvl4pPr>
-            <a:lvl5pPr indent="-228600" lvl="4" marL="2286000" algn="l">
+            <a:lvl5pPr marL="2286000" lvl="4" indent="-228600" algn="l">
               <a:spcBef>
                 <a:spcPts val="180"/>
               </a:spcBef>
@@ -8756,7 +9052,7 @@
               <a:buNone/>
               <a:defRPr sz="900"/>
             </a:lvl5pPr>
-            <a:lvl6pPr indent="-228600" lvl="5" marL="2743200" algn="l">
+            <a:lvl6pPr marL="2743200" lvl="5" indent="-228600" algn="l">
               <a:spcBef>
                 <a:spcPts val="180"/>
               </a:spcBef>
@@ -8770,7 +9066,7 @@
               <a:buNone/>
               <a:defRPr sz="900"/>
             </a:lvl6pPr>
-            <a:lvl7pPr indent="-228600" lvl="6" marL="3200400" algn="l">
+            <a:lvl7pPr marL="3200400" lvl="6" indent="-228600" algn="l">
               <a:spcBef>
                 <a:spcPts val="180"/>
               </a:spcBef>
@@ -8784,7 +9080,7 @@
               <a:buNone/>
               <a:defRPr sz="900"/>
             </a:lvl7pPr>
-            <a:lvl8pPr indent="-228600" lvl="7" marL="3657600" algn="l">
+            <a:lvl8pPr marL="3657600" lvl="7" indent="-228600" algn="l">
               <a:spcBef>
                 <a:spcPts val="180"/>
               </a:spcBef>
@@ -8798,7 +9094,7 @@
               <a:buNone/>
               <a:defRPr sz="900"/>
             </a:lvl8pPr>
-            <a:lvl9pPr indent="-228600" lvl="8" marL="4114800" algn="l">
+            <a:lvl9pPr marL="4114800" lvl="8" indent="-228600" algn="l">
               <a:spcBef>
                 <a:spcPts val="180"/>
               </a:spcBef>
@@ -8813,15 +9109,19 @@
               <a:defRPr sz="900"/>
             </a:lvl9pPr>
           </a:lstStyle>
-          <a:p/>
+          <a:p>
+            <a:endParaRPr/>
+          </a:p>
         </p:txBody>
       </p:sp>
       <p:sp>
         <p:nvSpPr>
           <p:cNvPr id="58" name="Google Shape;58;p22"/>
-          <p:cNvSpPr txBox="1"/>
+          <p:cNvSpPr txBox="1">
+            <a:spLocks noGrp="1"/>
+          </p:cNvSpPr>
           <p:nvPr>
-            <p:ph idx="10" type="dt"/>
+            <p:ph type="dt" idx="10"/>
           </p:nvPr>
         </p:nvSpPr>
         <p:spPr>
@@ -8838,7 +9138,7 @@
           </a:ln>
         </p:spPr>
         <p:txBody>
-          <a:bodyPr anchorCtr="0" anchor="ctr" bIns="45700" lIns="91425" spcFirstLastPara="1" rIns="91425" wrap="square" tIns="45700">
+          <a:bodyPr spcFirstLastPara="1" wrap="square" lIns="91425" tIns="45700" rIns="91425" bIns="45700" anchor="ctr" anchorCtr="0">
             <a:noAutofit/>
           </a:bodyPr>
           <a:lstStyle>
@@ -8942,15 +9242,19 @@
               <a:defRPr/>
             </a:lvl9pPr>
           </a:lstStyle>
-          <a:p/>
+          <a:p>
+            <a:endParaRPr/>
+          </a:p>
         </p:txBody>
       </p:sp>
       <p:sp>
         <p:nvSpPr>
           <p:cNvPr id="59" name="Google Shape;59;p22"/>
-          <p:cNvSpPr txBox="1"/>
+          <p:cNvSpPr txBox="1">
+            <a:spLocks noGrp="1"/>
+          </p:cNvSpPr>
           <p:nvPr>
-            <p:ph idx="11" type="ftr"/>
+            <p:ph type="ftr" idx="11"/>
           </p:nvPr>
         </p:nvSpPr>
         <p:spPr>
@@ -8967,7 +9271,7 @@
           </a:ln>
         </p:spPr>
         <p:txBody>
-          <a:bodyPr anchorCtr="0" anchor="ctr" bIns="45700" lIns="91425" spcFirstLastPara="1" rIns="91425" wrap="square" tIns="45700">
+          <a:bodyPr spcFirstLastPara="1" wrap="square" lIns="91425" tIns="45700" rIns="91425" bIns="45700" anchor="ctr" anchorCtr="0">
             <a:noAutofit/>
           </a:bodyPr>
           <a:lstStyle>
@@ -9071,15 +9375,19 @@
               <a:defRPr/>
             </a:lvl9pPr>
           </a:lstStyle>
-          <a:p/>
+          <a:p>
+            <a:endParaRPr/>
+          </a:p>
         </p:txBody>
       </p:sp>
       <p:sp>
         <p:nvSpPr>
           <p:cNvPr id="60" name="Google Shape;60;p22"/>
-          <p:cNvSpPr txBox="1"/>
+          <p:cNvSpPr txBox="1">
+            <a:spLocks noGrp="1"/>
+          </p:cNvSpPr>
           <p:nvPr>
-            <p:ph idx="12" type="sldNum"/>
+            <p:ph type="sldNum" idx="12"/>
           </p:nvPr>
         </p:nvSpPr>
         <p:spPr>
@@ -9096,67 +9404,67 @@
           </a:ln>
         </p:spPr>
         <p:txBody>
-          <a:bodyPr anchorCtr="0" anchor="ctr" bIns="45700" lIns="91425" spcFirstLastPara="1" rIns="91425" wrap="square" tIns="45700">
+          <a:bodyPr spcFirstLastPara="1" wrap="square" lIns="91425" tIns="45700" rIns="91425" bIns="45700" anchor="ctr" anchorCtr="0">
             <a:noAutofit/>
           </a:bodyPr>
           <a:lstStyle>
-            <a:lvl1pPr indent="0" lvl="0" marL="0" algn="r">
+            <a:lvl1pPr marL="0" lvl="0" indent="0" algn="r">
               <a:spcBef>
                 <a:spcPts val="0"/>
               </a:spcBef>
               <a:buNone/>
               <a:defRPr/>
             </a:lvl1pPr>
-            <a:lvl2pPr indent="0" lvl="1" marL="0" algn="r">
+            <a:lvl2pPr marL="0" lvl="1" indent="0" algn="r">
               <a:spcBef>
                 <a:spcPts val="0"/>
               </a:spcBef>
               <a:buNone/>
               <a:defRPr/>
             </a:lvl2pPr>
-            <a:lvl3pPr indent="0" lvl="2" marL="0" algn="r">
+            <a:lvl3pPr marL="0" lvl="2" indent="0" algn="r">
               <a:spcBef>
                 <a:spcPts val="0"/>
               </a:spcBef>
               <a:buNone/>
               <a:defRPr/>
             </a:lvl3pPr>
-            <a:lvl4pPr indent="0" lvl="3" marL="0" algn="r">
+            <a:lvl4pPr marL="0" lvl="3" indent="0" algn="r">
               <a:spcBef>
                 <a:spcPts val="0"/>
               </a:spcBef>
               <a:buNone/>
               <a:defRPr/>
             </a:lvl4pPr>
-            <a:lvl5pPr indent="0" lvl="4" marL="0" algn="r">
+            <a:lvl5pPr marL="0" lvl="4" indent="0" algn="r">
               <a:spcBef>
                 <a:spcPts val="0"/>
               </a:spcBef>
               <a:buNone/>
               <a:defRPr/>
             </a:lvl5pPr>
-            <a:lvl6pPr indent="0" lvl="5" marL="0" algn="r">
+            <a:lvl6pPr marL="0" lvl="5" indent="0" algn="r">
               <a:spcBef>
                 <a:spcPts val="0"/>
               </a:spcBef>
               <a:buNone/>
               <a:defRPr/>
             </a:lvl6pPr>
-            <a:lvl7pPr indent="0" lvl="6" marL="0" algn="r">
+            <a:lvl7pPr marL="0" lvl="6" indent="0" algn="r">
               <a:spcBef>
                 <a:spcPts val="0"/>
               </a:spcBef>
               <a:buNone/>
               <a:defRPr/>
             </a:lvl7pPr>
-            <a:lvl8pPr indent="0" lvl="7" marL="0" algn="r">
+            <a:lvl8pPr marL="0" lvl="7" indent="0" algn="r">
               <a:spcBef>
                 <a:spcPts val="0"/>
               </a:spcBef>
               <a:buNone/>
               <a:defRPr/>
             </a:lvl8pPr>
-            <a:lvl9pPr indent="0" lvl="8" marL="0" algn="r">
+            <a:lvl9pPr marL="0" lvl="8" indent="0" algn="r">
               <a:spcBef>
                 <a:spcPts val="0"/>
               </a:spcBef>
@@ -9165,7 +9473,7 @@
             </a:lvl9pPr>
           </a:lstStyle>
           <a:p>
-            <a:pPr indent="0" lvl="0" marL="0" rtl="0" algn="r">
+            <a:pPr marL="0" lvl="0" indent="0" algn="r" rtl="0">
               <a:spcBef>
                 <a:spcPts val="0"/>
               </a:spcBef>
@@ -9191,11 +9499,11 @@
 </file>
 
 <file path=ppt/slideLayouts/slideLayout9.xml><?xml version="1.0" encoding="utf-8"?>
-<p:sldLayout xmlns:a="http://schemas.openxmlformats.org/drawingml/2006/main" xmlns:r="http://schemas.openxmlformats.org/officeDocument/2006/relationships" xmlns:mc="http://schemas.openxmlformats.org/markup-compatibility/2006" xmlns:mv="urn:schemas-microsoft-com:mac:vml" xmlns:p="http://schemas.openxmlformats.org/presentationml/2006/main" xmlns:c="http://schemas.openxmlformats.org/drawingml/2006/chart" xmlns:dgm="http://schemas.openxmlformats.org/drawingml/2006/diagram" xmlns:o="urn:schemas-microsoft-com:office:office" xmlns:v="urn:schemas-microsoft-com:vml" xmlns:pvml="urn:schemas-microsoft-com:office:powerpoint" xmlns:com="http://schemas.openxmlformats.org/drawingml/2006/compatibility" xmlns:p14="http://schemas.microsoft.com/office/powerpoint/2010/main" xmlns:p15="http://schemas.microsoft.com/office/powerpoint/2012/main" xmlns:ahyp="http://schemas.microsoft.com/office/drawing/2018/hyperlinkcolor" matchingName="Picture with Caption" type="picTx">
+<p:sldLayout xmlns:a="http://schemas.openxmlformats.org/drawingml/2006/main" xmlns:r="http://schemas.openxmlformats.org/officeDocument/2006/relationships" xmlns:p="http://schemas.openxmlformats.org/presentationml/2006/main" matchingName="Picture with Caption" type="picTx">
   <p:cSld name="PICTURE_WITH_CAPTION_TEXT">
     <p:spTree>
       <p:nvGrpSpPr>
-        <p:cNvPr id="61" name="Shape 61"/>
+        <p:cNvPr id="1" name="Shape 61"/>
         <p:cNvGrpSpPr/>
         <p:nvPr/>
       </p:nvGrpSpPr>
@@ -9210,7 +9518,9 @@
       <p:sp>
         <p:nvSpPr>
           <p:cNvPr id="62" name="Google Shape;62;p23"/>
-          <p:cNvSpPr txBox="1"/>
+          <p:cNvSpPr txBox="1">
+            <a:spLocks noGrp="1"/>
+          </p:cNvSpPr>
           <p:nvPr>
             <p:ph type="title"/>
           </p:nvPr>
@@ -9229,7 +9539,7 @@
           </a:ln>
         </p:spPr>
         <p:txBody>
-          <a:bodyPr anchorCtr="0" anchor="b" bIns="45700" lIns="91425" spcFirstLastPara="1" rIns="91425" wrap="square" tIns="45700">
+          <a:bodyPr spcFirstLastPara="1" wrap="square" lIns="91425" tIns="45700" rIns="91425" bIns="45700" anchor="b" anchorCtr="0">
             <a:normAutofit/>
           </a:bodyPr>
           <a:lstStyle>
@@ -9246,7 +9556,7 @@
               <a:buSzPts val="2000"/>
               <a:buFont typeface="Calibri"/>
               <a:buNone/>
-              <a:defRPr b="1" sz="2000"/>
+              <a:defRPr sz="2000" b="1"/>
             </a:lvl1pPr>
             <a:lvl2pPr lvl="1">
               <a:spcBef>
@@ -9337,15 +9647,19 @@
               <a:defRPr/>
             </a:lvl9pPr>
           </a:lstStyle>
-          <a:p/>
+          <a:p>
+            <a:endParaRPr/>
+          </a:p>
         </p:txBody>
       </p:sp>
       <p:sp>
         <p:nvSpPr>
           <p:cNvPr id="63" name="Google Shape;63;p23"/>
-          <p:cNvSpPr/>
+          <p:cNvSpPr>
+            <a:spLocks noGrp="1"/>
+          </p:cNvSpPr>
           <p:nvPr>
-            <p:ph idx="2" type="pic"/>
+            <p:ph type="pic" idx="2"/>
           </p:nvPr>
         </p:nvSpPr>
         <p:spPr>
@@ -9362,11 +9676,11 @@
           </a:ln>
         </p:spPr>
         <p:txBody>
-          <a:bodyPr anchorCtr="0" anchor="t" bIns="45700" lIns="91425" spcFirstLastPara="1" rIns="91425" wrap="square" tIns="45700">
+          <a:bodyPr spcFirstLastPara="1" wrap="square" lIns="91425" tIns="45700" rIns="91425" bIns="45700" anchor="t" anchorCtr="0">
             <a:normAutofit/>
           </a:bodyPr>
           <a:lstStyle>
-            <a:lvl1pPr lvl="0" marR="0" rtl="0" algn="l">
+            <a:lvl1pPr marR="0" lvl="0" algn="l" rtl="0">
               <a:spcBef>
                 <a:spcPts val="640"/>
               </a:spcBef>
@@ -9379,7 +9693,7 @@
               <a:buSzPts val="3200"/>
               <a:buFont typeface="Arial"/>
               <a:buNone/>
-              <a:defRPr b="0" i="0" sz="3200" u="none" cap="none" strike="noStrike">
+              <a:defRPr sz="3200" b="0" i="0" u="none" strike="noStrike" cap="none">
                 <a:solidFill>
                   <a:schemeClr val="dk1"/>
                 </a:solidFill>
@@ -9389,7 +9703,7 @@
                 <a:sym typeface="Calibri"/>
               </a:defRPr>
             </a:lvl1pPr>
-            <a:lvl2pPr lvl="1" marR="0" rtl="0" algn="l">
+            <a:lvl2pPr marR="0" lvl="1" algn="l" rtl="0">
               <a:spcBef>
                 <a:spcPts val="560"/>
               </a:spcBef>
@@ -9402,7 +9716,7 @@
               <a:buSzPts val="2800"/>
               <a:buFont typeface="Arial"/>
               <a:buNone/>
-              <a:defRPr b="0" i="0" sz="2800" u="none" cap="none" strike="noStrike">
+              <a:defRPr sz="2800" b="0" i="0" u="none" strike="noStrike" cap="none">
                 <a:solidFill>
                   <a:schemeClr val="dk1"/>
                 </a:solidFill>
@@ -9412,7 +9726,7 @@
                 <a:sym typeface="Calibri"/>
               </a:defRPr>
             </a:lvl2pPr>
-            <a:lvl3pPr lvl="2" marR="0" rtl="0" algn="l">
+            <a:lvl3pPr marR="0" lvl="2" algn="l" rtl="0">
               <a:spcBef>
                 <a:spcPts val="480"/>
               </a:spcBef>
@@ -9425,7 +9739,7 @@
               <a:buSzPts val="2400"/>
               <a:buFont typeface="Arial"/>
               <a:buNone/>
-              <a:defRPr b="0" i="0" sz="2400" u="none" cap="none" strike="noStrike">
+              <a:defRPr sz="2400" b="0" i="0" u="none" strike="noStrike" cap="none">
                 <a:solidFill>
                   <a:schemeClr val="dk1"/>
                 </a:solidFill>
@@ -9435,7 +9749,7 @@
                 <a:sym typeface="Calibri"/>
               </a:defRPr>
             </a:lvl3pPr>
-            <a:lvl4pPr lvl="3" marR="0" rtl="0" algn="l">
+            <a:lvl4pPr marR="0" lvl="3" algn="l" rtl="0">
               <a:spcBef>
                 <a:spcPts val="400"/>
               </a:spcBef>
@@ -9448,7 +9762,7 @@
               <a:buSzPts val="2000"/>
               <a:buFont typeface="Arial"/>
               <a:buNone/>
-              <a:defRPr b="0" i="0" sz="2000" u="none" cap="none" strike="noStrike">
+              <a:defRPr sz="2000" b="0" i="0" u="none" strike="noStrike" cap="none">
                 <a:solidFill>
                   <a:schemeClr val="dk1"/>
                 </a:solidFill>
@@ -9458,7 +9772,7 @@
                 <a:sym typeface="Calibri"/>
               </a:defRPr>
             </a:lvl4pPr>
-            <a:lvl5pPr lvl="4" marR="0" rtl="0" algn="l">
+            <a:lvl5pPr marR="0" lvl="4" algn="l" rtl="0">
               <a:spcBef>
                 <a:spcPts val="400"/>
               </a:spcBef>
@@ -9471,7 +9785,7 @@
               <a:buSzPts val="2000"/>
               <a:buFont typeface="Arial"/>
               <a:buNone/>
-              <a:defRPr b="0" i="0" sz="2000" u="none" cap="none" strike="noStrike">
+              <a:defRPr sz="2000" b="0" i="0" u="none" strike="noStrike" cap="none">
                 <a:solidFill>
                   <a:schemeClr val="dk1"/>
                 </a:solidFill>
@@ -9481,7 +9795,7 @@
                 <a:sym typeface="Calibri"/>
               </a:defRPr>
             </a:lvl5pPr>
-            <a:lvl6pPr lvl="5" marR="0" rtl="0" algn="l">
+            <a:lvl6pPr marR="0" lvl="5" algn="l" rtl="0">
               <a:spcBef>
                 <a:spcPts val="400"/>
               </a:spcBef>
@@ -9494,7 +9808,7 @@
               <a:buSzPts val="2000"/>
               <a:buFont typeface="Arial"/>
               <a:buNone/>
-              <a:defRPr b="0" i="0" sz="2000" u="none" cap="none" strike="noStrike">
+              <a:defRPr sz="2000" b="0" i="0" u="none" strike="noStrike" cap="none">
                 <a:solidFill>
                   <a:schemeClr val="dk1"/>
                 </a:solidFill>
@@ -9504,7 +9818,7 @@
                 <a:sym typeface="Calibri"/>
               </a:defRPr>
             </a:lvl6pPr>
-            <a:lvl7pPr lvl="6" marR="0" rtl="0" algn="l">
+            <a:lvl7pPr marR="0" lvl="6" algn="l" rtl="0">
               <a:spcBef>
                 <a:spcPts val="400"/>
               </a:spcBef>
@@ -9517,7 +9831,7 @@
               <a:buSzPts val="2000"/>
               <a:buFont typeface="Arial"/>
               <a:buNone/>
-              <a:defRPr b="0" i="0" sz="2000" u="none" cap="none" strike="noStrike">
+              <a:defRPr sz="2000" b="0" i="0" u="none" strike="noStrike" cap="none">
                 <a:solidFill>
                   <a:schemeClr val="dk1"/>
                 </a:solidFill>
@@ -9527,7 +9841,7 @@
                 <a:sym typeface="Calibri"/>
               </a:defRPr>
             </a:lvl7pPr>
-            <a:lvl8pPr lvl="7" marR="0" rtl="0" algn="l">
+            <a:lvl8pPr marR="0" lvl="7" algn="l" rtl="0">
               <a:spcBef>
                 <a:spcPts val="400"/>
               </a:spcBef>
@@ -9540,7 +9854,7 @@
               <a:buSzPts val="2000"/>
               <a:buFont typeface="Arial"/>
               <a:buNone/>
-              <a:defRPr b="0" i="0" sz="2000" u="none" cap="none" strike="noStrike">
+              <a:defRPr sz="2000" b="0" i="0" u="none" strike="noStrike" cap="none">
                 <a:solidFill>
                   <a:schemeClr val="dk1"/>
                 </a:solidFill>
@@ -9550,7 +9864,7 @@
                 <a:sym typeface="Calibri"/>
               </a:defRPr>
             </a:lvl8pPr>
-            <a:lvl9pPr lvl="8" marR="0" rtl="0" algn="l">
+            <a:lvl9pPr marR="0" lvl="8" algn="l" rtl="0">
               <a:spcBef>
                 <a:spcPts val="400"/>
               </a:spcBef>
@@ -9563,7 +9877,7 @@
               <a:buSzPts val="2000"/>
               <a:buFont typeface="Arial"/>
               <a:buNone/>
-              <a:defRPr b="0" i="0" sz="2000" u="none" cap="none" strike="noStrike">
+              <a:defRPr sz="2000" b="0" i="0" u="none" strike="noStrike" cap="none">
                 <a:solidFill>
                   <a:schemeClr val="dk1"/>
                 </a:solidFill>
@@ -9574,15 +9888,19 @@
               </a:defRPr>
             </a:lvl9pPr>
           </a:lstStyle>
-          <a:p/>
+          <a:p>
+            <a:endParaRPr/>
+          </a:p>
         </p:txBody>
       </p:sp>
       <p:sp>
         <p:nvSpPr>
           <p:cNvPr id="64" name="Google Shape;64;p23"/>
-          <p:cNvSpPr txBox="1"/>
+          <p:cNvSpPr txBox="1">
+            <a:spLocks noGrp="1"/>
+          </p:cNvSpPr>
           <p:nvPr>
-            <p:ph idx="1" type="body"/>
+            <p:ph type="body" idx="1"/>
           </p:nvPr>
         </p:nvSpPr>
         <p:spPr>
@@ -9599,11 +9917,11 @@
           </a:ln>
         </p:spPr>
         <p:txBody>
-          <a:bodyPr anchorCtr="0" anchor="t" bIns="45700" lIns="91425" spcFirstLastPara="1" rIns="91425" wrap="square" tIns="45700">
+          <a:bodyPr spcFirstLastPara="1" wrap="square" lIns="91425" tIns="45700" rIns="91425" bIns="45700" anchor="t" anchorCtr="0">
             <a:normAutofit/>
           </a:bodyPr>
           <a:lstStyle>
-            <a:lvl1pPr indent="-228600" lvl="0" marL="457200" algn="l">
+            <a:lvl1pPr marL="457200" lvl="0" indent="-228600" algn="l">
               <a:spcBef>
                 <a:spcPts val="280"/>
               </a:spcBef>
@@ -9617,7 +9935,7 @@
               <a:buNone/>
               <a:defRPr sz="1400"/>
             </a:lvl1pPr>
-            <a:lvl2pPr indent="-228600" lvl="1" marL="914400" algn="l">
+            <a:lvl2pPr marL="914400" lvl="1" indent="-228600" algn="l">
               <a:spcBef>
                 <a:spcPts val="240"/>
               </a:spcBef>
@@ -9631,7 +9949,7 @@
               <a:buNone/>
               <a:defRPr sz="1200"/>
             </a:lvl2pPr>
-            <a:lvl3pPr indent="-228600" lvl="2" marL="1371600" algn="l">
+            <a:lvl3pPr marL="1371600" lvl="2" indent="-228600" algn="l">
               <a:spcBef>
                 <a:spcPts val="200"/>
               </a:spcBef>
@@ -9645,7 +9963,7 @@
               <a:buNone/>
               <a:defRPr sz="1000"/>
             </a:lvl3pPr>
-            <a:lvl4pPr indent="-228600" lvl="3" marL="1828800" algn="l">
+            <a:lvl4pPr marL="1828800" lvl="3" indent="-228600" algn="l">
               <a:spcBef>
                 <a:spcPts val="180"/>
               </a:spcBef>
@@ -9659,7 +9977,7 @@
               <a:buNone/>
               <a:defRPr sz="900"/>
             </a:lvl4pPr>
-            <a:lvl5pPr indent="-228600" lvl="4" marL="2286000" algn="l">
+            <a:lvl5pPr marL="2286000" lvl="4" indent="-228600" algn="l">
               <a:spcBef>
                 <a:spcPts val="180"/>
               </a:spcBef>
@@ -9673,7 +9991,7 @@
               <a:buNone/>
               <a:defRPr sz="900"/>
             </a:lvl5pPr>
-            <a:lvl6pPr indent="-228600" lvl="5" marL="2743200" algn="l">
+            <a:lvl6pPr marL="2743200" lvl="5" indent="-228600" algn="l">
               <a:spcBef>
                 <a:spcPts val="180"/>
               </a:spcBef>
@@ -9687,7 +10005,7 @@
               <a:buNone/>
               <a:defRPr sz="900"/>
             </a:lvl6pPr>
-            <a:lvl7pPr indent="-228600" lvl="6" marL="3200400" algn="l">
+            <a:lvl7pPr marL="3200400" lvl="6" indent="-228600" algn="l">
               <a:spcBef>
                 <a:spcPts val="180"/>
               </a:spcBef>
@@ -9701,7 +10019,7 @@
               <a:buNone/>
               <a:defRPr sz="900"/>
             </a:lvl7pPr>
-            <a:lvl8pPr indent="-228600" lvl="7" marL="3657600" algn="l">
+            <a:lvl8pPr marL="3657600" lvl="7" indent="-228600" algn="l">
               <a:spcBef>
                 <a:spcPts val="180"/>
               </a:spcBef>
@@ -9715,7 +10033,7 @@
               <a:buNone/>
               <a:defRPr sz="900"/>
             </a:lvl8pPr>
-            <a:lvl9pPr indent="-228600" lvl="8" marL="4114800" algn="l">
+            <a:lvl9pPr marL="4114800" lvl="8" indent="-228600" algn="l">
               <a:spcBef>
                 <a:spcPts val="180"/>
               </a:spcBef>
@@ -9730,15 +10048,19 @@
               <a:defRPr sz="900"/>
             </a:lvl9pPr>
           </a:lstStyle>
-          <a:p/>
+          <a:p>
+            <a:endParaRPr/>
+          </a:p>
         </p:txBody>
       </p:sp>
       <p:sp>
         <p:nvSpPr>
           <p:cNvPr id="65" name="Google Shape;65;p23"/>
-          <p:cNvSpPr txBox="1"/>
+          <p:cNvSpPr txBox="1">
+            <a:spLocks noGrp="1"/>
+          </p:cNvSpPr>
           <p:nvPr>
-            <p:ph idx="10" type="dt"/>
+            <p:ph type="dt" idx="10"/>
           </p:nvPr>
         </p:nvSpPr>
         <p:spPr>
@@ -9755,7 +10077,7 @@
           </a:ln>
         </p:spPr>
         <p:txBody>
-          <a:bodyPr anchorCtr="0" anchor="ctr" bIns="45700" lIns="91425" spcFirstLastPara="1" rIns="91425" wrap="square" tIns="45700">
+          <a:bodyPr spcFirstLastPara="1" wrap="square" lIns="91425" tIns="45700" rIns="91425" bIns="45700" anchor="ctr" anchorCtr="0">
             <a:noAutofit/>
           </a:bodyPr>
           <a:lstStyle>
@@ -9859,15 +10181,19 @@
               <a:defRPr/>
             </a:lvl9pPr>
           </a:lstStyle>
-          <a:p/>
+          <a:p>
+            <a:endParaRPr/>
+          </a:p>
         </p:txBody>
       </p:sp>
       <p:sp>
         <p:nvSpPr>
           <p:cNvPr id="66" name="Google Shape;66;p23"/>
-          <p:cNvSpPr txBox="1"/>
+          <p:cNvSpPr txBox="1">
+            <a:spLocks noGrp="1"/>
+          </p:cNvSpPr>
           <p:nvPr>
-            <p:ph idx="11" type="ftr"/>
+            <p:ph type="ftr" idx="11"/>
           </p:nvPr>
         </p:nvSpPr>
         <p:spPr>
@@ -9884,7 +10210,7 @@
           </a:ln>
         </p:spPr>
         <p:txBody>
-          <a:bodyPr anchorCtr="0" anchor="ctr" bIns="45700" lIns="91425" spcFirstLastPara="1" rIns="91425" wrap="square" tIns="45700">
+          <a:bodyPr spcFirstLastPara="1" wrap="square" lIns="91425" tIns="45700" rIns="91425" bIns="45700" anchor="ctr" anchorCtr="0">
             <a:noAutofit/>
           </a:bodyPr>
           <a:lstStyle>
@@ -9988,15 +10314,19 @@
               <a:defRPr/>
             </a:lvl9pPr>
           </a:lstStyle>
-          <a:p/>
+          <a:p>
+            <a:endParaRPr/>
+          </a:p>
         </p:txBody>
       </p:sp>
       <p:sp>
         <p:nvSpPr>
           <p:cNvPr id="67" name="Google Shape;67;p23"/>
-          <p:cNvSpPr txBox="1"/>
+          <p:cNvSpPr txBox="1">
+            <a:spLocks noGrp="1"/>
+          </p:cNvSpPr>
           <p:nvPr>
-            <p:ph idx="12" type="sldNum"/>
+            <p:ph type="sldNum" idx="12"/>
           </p:nvPr>
         </p:nvSpPr>
         <p:spPr>
@@ -10013,67 +10343,67 @@
           </a:ln>
         </p:spPr>
         <p:txBody>
-          <a:bodyPr anchorCtr="0" anchor="ctr" bIns="45700" lIns="91425" spcFirstLastPara="1" rIns="91425" wrap="square" tIns="45700">
+          <a:bodyPr spcFirstLastPara="1" wrap="square" lIns="91425" tIns="45700" rIns="91425" bIns="45700" anchor="ctr" anchorCtr="0">
             <a:noAutofit/>
           </a:bodyPr>
           <a:lstStyle>
-            <a:lvl1pPr indent="0" lvl="0" marL="0" algn="r">
+            <a:lvl1pPr marL="0" lvl="0" indent="0" algn="r">
               <a:spcBef>
                 <a:spcPts val="0"/>
               </a:spcBef>
               <a:buNone/>
               <a:defRPr/>
             </a:lvl1pPr>
-            <a:lvl2pPr indent="0" lvl="1" marL="0" algn="r">
+            <a:lvl2pPr marL="0" lvl="1" indent="0" algn="r">
               <a:spcBef>
                 <a:spcPts val="0"/>
               </a:spcBef>
               <a:buNone/>
               <a:defRPr/>
             </a:lvl2pPr>
-            <a:lvl3pPr indent="0" lvl="2" marL="0" algn="r">
+            <a:lvl3pPr marL="0" lvl="2" indent="0" algn="r">
               <a:spcBef>
                 <a:spcPts val="0"/>
               </a:spcBef>
               <a:buNone/>
               <a:defRPr/>
             </a:lvl3pPr>
-            <a:lvl4pPr indent="0" lvl="3" marL="0" algn="r">
+            <a:lvl4pPr marL="0" lvl="3" indent="0" algn="r">
               <a:spcBef>
                 <a:spcPts val="0"/>
               </a:spcBef>
               <a:buNone/>
               <a:defRPr/>
             </a:lvl4pPr>
-            <a:lvl5pPr indent="0" lvl="4" marL="0" algn="r">
+            <a:lvl5pPr marL="0" lvl="4" indent="0" algn="r">
               <a:spcBef>
                 <a:spcPts val="0"/>
               </a:spcBef>
               <a:buNone/>
               <a:defRPr/>
             </a:lvl5pPr>
-            <a:lvl6pPr indent="0" lvl="5" marL="0" algn="r">
+            <a:lvl6pPr marL="0" lvl="5" indent="0" algn="r">
               <a:spcBef>
                 <a:spcPts val="0"/>
               </a:spcBef>
               <a:buNone/>
               <a:defRPr/>
             </a:lvl6pPr>
-            <a:lvl7pPr indent="0" lvl="6" marL="0" algn="r">
+            <a:lvl7pPr marL="0" lvl="6" indent="0" algn="r">
               <a:spcBef>
                 <a:spcPts val="0"/>
               </a:spcBef>
               <a:buNone/>
               <a:defRPr/>
             </a:lvl7pPr>
-            <a:lvl8pPr indent="0" lvl="7" marL="0" algn="r">
+            <a:lvl8pPr marL="0" lvl="7" indent="0" algn="r">
               <a:spcBef>
                 <a:spcPts val="0"/>
               </a:spcBef>
               <a:buNone/>
               <a:defRPr/>
             </a:lvl8pPr>
-            <a:lvl9pPr indent="0" lvl="8" marL="0" algn="r">
+            <a:lvl9pPr marL="0" lvl="8" indent="0" algn="r">
               <a:spcBef>
                 <a:spcPts val="0"/>
               </a:spcBef>
@@ -10082,7 +10412,7 @@
             </a:lvl9pPr>
           </a:lstStyle>
           <a:p>
-            <a:pPr indent="0" lvl="0" marL="0" rtl="0" algn="r">
+            <a:pPr marL="0" lvl="0" indent="0" algn="r" rtl="0">
               <a:spcBef>
                 <a:spcPts val="0"/>
               </a:spcBef>
@@ -10108,18 +10438,19 @@
 </file>
 
 <file path=ppt/slideMasters/slideMaster1.xml><?xml version="1.0" encoding="utf-8"?>
-<p:sldMaster xmlns:a="http://schemas.openxmlformats.org/drawingml/2006/main" xmlns:r="http://schemas.openxmlformats.org/officeDocument/2006/relationships" xmlns:mc="http://schemas.openxmlformats.org/markup-compatibility/2006" xmlns:mv="urn:schemas-microsoft-com:mac:vml" xmlns:p="http://schemas.openxmlformats.org/presentationml/2006/main" xmlns:c="http://schemas.openxmlformats.org/drawingml/2006/chart" xmlns:dgm="http://schemas.openxmlformats.org/drawingml/2006/diagram" xmlns:o="urn:schemas-microsoft-com:office:office" xmlns:v="urn:schemas-microsoft-com:vml" xmlns:pvml="urn:schemas-microsoft-com:office:powerpoint" xmlns:com="http://schemas.openxmlformats.org/drawingml/2006/compatibility" xmlns:p14="http://schemas.microsoft.com/office/powerpoint/2010/main" xmlns:p15="http://schemas.microsoft.com/office/powerpoint/2012/main" xmlns:ahyp="http://schemas.microsoft.com/office/drawing/2018/hyperlinkcolor">
+<p:sldMaster xmlns:a="http://schemas.openxmlformats.org/drawingml/2006/main" xmlns:r="http://schemas.openxmlformats.org/officeDocument/2006/relationships" xmlns:p="http://schemas.openxmlformats.org/presentationml/2006/main">
   <p:cSld>
     <p:bg>
       <p:bgPr>
         <a:solidFill>
           <a:schemeClr val="lt1"/>
         </a:solidFill>
+        <a:effectLst/>
       </p:bgPr>
     </p:bg>
     <p:spTree>
       <p:nvGrpSpPr>
-        <p:cNvPr id="5" name="Shape 5"/>
+        <p:cNvPr id="1" name="Shape 5"/>
         <p:cNvGrpSpPr/>
         <p:nvPr/>
       </p:nvGrpSpPr>
@@ -10134,7 +10465,9 @@
       <p:sp>
         <p:nvSpPr>
           <p:cNvPr id="6" name="Google Shape;6;p14"/>
-          <p:cNvSpPr txBox="1"/>
+          <p:cNvSpPr txBox="1">
+            <a:spLocks noGrp="1"/>
+          </p:cNvSpPr>
           <p:nvPr>
             <p:ph type="title"/>
           </p:nvPr>
@@ -10153,11 +10486,11 @@
           </a:ln>
         </p:spPr>
         <p:txBody>
-          <a:bodyPr anchorCtr="0" anchor="ctr" bIns="45700" lIns="91425" spcFirstLastPara="1" rIns="91425" wrap="square" tIns="45700">
+          <a:bodyPr spcFirstLastPara="1" wrap="square" lIns="91425" tIns="45700" rIns="91425" bIns="45700" anchor="ctr" anchorCtr="0">
             <a:normAutofit/>
           </a:bodyPr>
           <a:lstStyle>
-            <a:lvl1pPr lvl="0" marR="0" rtl="0" algn="ctr">
+            <a:lvl1pPr marR="0" lvl="0" algn="ctr" rtl="0">
               <a:spcBef>
                 <a:spcPts val="0"/>
               </a:spcBef>
@@ -10170,7 +10503,7 @@
               <a:buSzPts val="4400"/>
               <a:buFont typeface="Calibri"/>
               <a:buNone/>
-              <a:defRPr b="0" i="0" sz="4400" u="none" cap="none" strike="noStrike">
+              <a:defRPr sz="4400" b="0" i="0" u="none" strike="noStrike" cap="none">
                 <a:solidFill>
                   <a:schemeClr val="dk1"/>
                 </a:solidFill>
@@ -10269,15 +10602,19 @@
               <a:defRPr sz="1800"/>
             </a:lvl9pPr>
           </a:lstStyle>
-          <a:p/>
+          <a:p>
+            <a:endParaRPr/>
+          </a:p>
         </p:txBody>
       </p:sp>
       <p:sp>
         <p:nvSpPr>
           <p:cNvPr id="7" name="Google Shape;7;p14"/>
-          <p:cNvSpPr txBox="1"/>
+          <p:cNvSpPr txBox="1">
+            <a:spLocks noGrp="1"/>
+          </p:cNvSpPr>
           <p:nvPr>
-            <p:ph idx="1" type="body"/>
+            <p:ph type="body" idx="1"/>
           </p:nvPr>
         </p:nvSpPr>
         <p:spPr>
@@ -10294,11 +10631,11 @@
           </a:ln>
         </p:spPr>
         <p:txBody>
-          <a:bodyPr anchorCtr="0" anchor="t" bIns="45700" lIns="91425" spcFirstLastPara="1" rIns="91425" wrap="square" tIns="45700">
+          <a:bodyPr spcFirstLastPara="1" wrap="square" lIns="91425" tIns="45700" rIns="91425" bIns="45700" anchor="t" anchorCtr="0">
             <a:normAutofit/>
           </a:bodyPr>
           <a:lstStyle>
-            <a:lvl1pPr indent="-431800" lvl="0" marL="457200" marR="0" rtl="0" algn="l">
+            <a:lvl1pPr marL="457200" marR="0" lvl="0" indent="-431800" algn="l" rtl="0">
               <a:spcBef>
                 <a:spcPts val="640"/>
               </a:spcBef>
@@ -10311,7 +10648,7 @@
               <a:buSzPts val="3200"/>
               <a:buFont typeface="Arial"/>
               <a:buChar char="•"/>
-              <a:defRPr b="0" i="0" sz="3200" u="none" cap="none" strike="noStrike">
+              <a:defRPr sz="3200" b="0" i="0" u="none" strike="noStrike" cap="none">
                 <a:solidFill>
                   <a:schemeClr val="dk1"/>
                 </a:solidFill>
@@ -10321,7 +10658,7 @@
                 <a:sym typeface="Calibri"/>
               </a:defRPr>
             </a:lvl1pPr>
-            <a:lvl2pPr indent="-406400" lvl="1" marL="914400" marR="0" rtl="0" algn="l">
+            <a:lvl2pPr marL="914400" marR="0" lvl="1" indent="-406400" algn="l" rtl="0">
               <a:spcBef>
                 <a:spcPts val="560"/>
               </a:spcBef>
@@ -10334,7 +10671,7 @@
               <a:buSzPts val="2800"/>
               <a:buFont typeface="Arial"/>
               <a:buChar char="–"/>
-              <a:defRPr b="0" i="0" sz="2800" u="none" cap="none" strike="noStrike">
+              <a:defRPr sz="2800" b="0" i="0" u="none" strike="noStrike" cap="none">
                 <a:solidFill>
                   <a:schemeClr val="dk1"/>
                 </a:solidFill>
@@ -10344,7 +10681,7 @@
                 <a:sym typeface="Calibri"/>
               </a:defRPr>
             </a:lvl2pPr>
-            <a:lvl3pPr indent="-381000" lvl="2" marL="1371600" marR="0" rtl="0" algn="l">
+            <a:lvl3pPr marL="1371600" marR="0" lvl="2" indent="-381000" algn="l" rtl="0">
               <a:spcBef>
                 <a:spcPts val="480"/>
               </a:spcBef>
@@ -10357,7 +10694,7 @@
               <a:buSzPts val="2400"/>
               <a:buFont typeface="Arial"/>
               <a:buChar char="•"/>
-              <a:defRPr b="0" i="0" sz="2400" u="none" cap="none" strike="noStrike">
+              <a:defRPr sz="2400" b="0" i="0" u="none" strike="noStrike" cap="none">
                 <a:solidFill>
                   <a:schemeClr val="dk1"/>
                 </a:solidFill>
@@ -10367,7 +10704,7 @@
                 <a:sym typeface="Calibri"/>
               </a:defRPr>
             </a:lvl3pPr>
-            <a:lvl4pPr indent="-355600" lvl="3" marL="1828800" marR="0" rtl="0" algn="l">
+            <a:lvl4pPr marL="1828800" marR="0" lvl="3" indent="-355600" algn="l" rtl="0">
               <a:spcBef>
                 <a:spcPts val="400"/>
               </a:spcBef>
@@ -10380,7 +10717,7 @@
               <a:buSzPts val="2000"/>
               <a:buFont typeface="Arial"/>
               <a:buChar char="–"/>
-              <a:defRPr b="0" i="0" sz="2000" u="none" cap="none" strike="noStrike">
+              <a:defRPr sz="2000" b="0" i="0" u="none" strike="noStrike" cap="none">
                 <a:solidFill>
                   <a:schemeClr val="dk1"/>
                 </a:solidFill>
@@ -10390,7 +10727,7 @@
                 <a:sym typeface="Calibri"/>
               </a:defRPr>
             </a:lvl4pPr>
-            <a:lvl5pPr indent="-355600" lvl="4" marL="2286000" marR="0" rtl="0" algn="l">
+            <a:lvl5pPr marL="2286000" marR="0" lvl="4" indent="-355600" algn="l" rtl="0">
               <a:spcBef>
                 <a:spcPts val="400"/>
               </a:spcBef>
@@ -10403,7 +10740,7 @@
               <a:buSzPts val="2000"/>
               <a:buFont typeface="Arial"/>
               <a:buChar char="»"/>
-              <a:defRPr b="0" i="0" sz="2000" u="none" cap="none" strike="noStrike">
+              <a:defRPr sz="2000" b="0" i="0" u="none" strike="noStrike" cap="none">
                 <a:solidFill>
                   <a:schemeClr val="dk1"/>
                 </a:solidFill>
@@ -10413,7 +10750,7 @@
                 <a:sym typeface="Calibri"/>
               </a:defRPr>
             </a:lvl5pPr>
-            <a:lvl6pPr indent="-355600" lvl="5" marL="2743200" marR="0" rtl="0" algn="l">
+            <a:lvl6pPr marL="2743200" marR="0" lvl="5" indent="-355600" algn="l" rtl="0">
               <a:spcBef>
                 <a:spcPts val="400"/>
               </a:spcBef>
@@ -10426,7 +10763,7 @@
               <a:buSzPts val="2000"/>
               <a:buFont typeface="Arial"/>
               <a:buChar char="•"/>
-              <a:defRPr b="0" i="0" sz="2000" u="none" cap="none" strike="noStrike">
+              <a:defRPr sz="2000" b="0" i="0" u="none" strike="noStrike" cap="none">
                 <a:solidFill>
                   <a:schemeClr val="dk1"/>
                 </a:solidFill>
@@ -10436,7 +10773,7 @@
                 <a:sym typeface="Calibri"/>
               </a:defRPr>
             </a:lvl6pPr>
-            <a:lvl7pPr indent="-355600" lvl="6" marL="3200400" marR="0" rtl="0" algn="l">
+            <a:lvl7pPr marL="3200400" marR="0" lvl="6" indent="-355600" algn="l" rtl="0">
               <a:spcBef>
                 <a:spcPts val="400"/>
               </a:spcBef>
@@ -10449,7 +10786,7 @@
               <a:buSzPts val="2000"/>
               <a:buFont typeface="Arial"/>
               <a:buChar char="•"/>
-              <a:defRPr b="0" i="0" sz="2000" u="none" cap="none" strike="noStrike">
+              <a:defRPr sz="2000" b="0" i="0" u="none" strike="noStrike" cap="none">
                 <a:solidFill>
                   <a:schemeClr val="dk1"/>
                 </a:solidFill>
@@ -10459,7 +10796,7 @@
                 <a:sym typeface="Calibri"/>
               </a:defRPr>
             </a:lvl7pPr>
-            <a:lvl8pPr indent="-355600" lvl="7" marL="3657600" marR="0" rtl="0" algn="l">
+            <a:lvl8pPr marL="3657600" marR="0" lvl="7" indent="-355600" algn="l" rtl="0">
               <a:spcBef>
                 <a:spcPts val="400"/>
               </a:spcBef>
@@ -10472,7 +10809,7 @@
               <a:buSzPts val="2000"/>
               <a:buFont typeface="Arial"/>
               <a:buChar char="•"/>
-              <a:defRPr b="0" i="0" sz="2000" u="none" cap="none" strike="noStrike">
+              <a:defRPr sz="2000" b="0" i="0" u="none" strike="noStrike" cap="none">
                 <a:solidFill>
                   <a:schemeClr val="dk1"/>
                 </a:solidFill>
@@ -10482,7 +10819,7 @@
                 <a:sym typeface="Calibri"/>
               </a:defRPr>
             </a:lvl8pPr>
-            <a:lvl9pPr indent="-355600" lvl="8" marL="4114800" marR="0" rtl="0" algn="l">
+            <a:lvl9pPr marL="4114800" marR="0" lvl="8" indent="-355600" algn="l" rtl="0">
               <a:spcBef>
                 <a:spcPts val="400"/>
               </a:spcBef>
@@ -10495,7 +10832,7 @@
               <a:buSzPts val="2000"/>
               <a:buFont typeface="Arial"/>
               <a:buChar char="•"/>
-              <a:defRPr b="0" i="0" sz="2000" u="none" cap="none" strike="noStrike">
+              <a:defRPr sz="2000" b="0" i="0" u="none" strike="noStrike" cap="none">
                 <a:solidFill>
                   <a:schemeClr val="dk1"/>
                 </a:solidFill>
@@ -10506,15 +10843,19 @@
               </a:defRPr>
             </a:lvl9pPr>
           </a:lstStyle>
-          <a:p/>
+          <a:p>
+            <a:endParaRPr/>
+          </a:p>
         </p:txBody>
       </p:sp>
       <p:sp>
         <p:nvSpPr>
           <p:cNvPr id="8" name="Google Shape;8;p14"/>
-          <p:cNvSpPr txBox="1"/>
+          <p:cNvSpPr txBox="1">
+            <a:spLocks noGrp="1"/>
+          </p:cNvSpPr>
           <p:nvPr>
-            <p:ph idx="10" type="dt"/>
+            <p:ph type="dt" idx="10"/>
           </p:nvPr>
         </p:nvSpPr>
         <p:spPr>
@@ -10531,20 +10872,20 @@
           </a:ln>
         </p:spPr>
         <p:txBody>
-          <a:bodyPr anchorCtr="0" anchor="ctr" bIns="45700" lIns="91425" spcFirstLastPara="1" rIns="91425" wrap="square" tIns="45700">
+          <a:bodyPr spcFirstLastPara="1" wrap="square" lIns="91425" tIns="45700" rIns="91425" bIns="45700" anchor="ctr" anchorCtr="0">
             <a:noAutofit/>
           </a:bodyPr>
           <a:lstStyle>
-            <a:lvl1pPr lvl="0" marR="0" rtl="0" algn="l">
-              <a:spcBef>
-                <a:spcPts val="0"/>
-              </a:spcBef>
-              <a:spcAft>
-                <a:spcPts val="0"/>
-              </a:spcAft>
-              <a:buSzPts val="1400"/>
-              <a:buNone/>
-              <a:defRPr b="0" i="0" sz="1200" u="none" cap="none" strike="noStrike">
+            <a:lvl1pPr marR="0" lvl="0" algn="l" rtl="0">
+              <a:spcBef>
+                <a:spcPts val="0"/>
+              </a:spcBef>
+              <a:spcAft>
+                <a:spcPts val="0"/>
+              </a:spcAft>
+              <a:buSzPts val="1400"/>
+              <a:buNone/>
+              <a:defRPr sz="1200" b="0" i="0" u="none" strike="noStrike" cap="none">
                 <a:solidFill>
                   <a:srgbClr val="888888"/>
                 </a:solidFill>
@@ -10554,16 +10895,16 @@
                 <a:sym typeface="Calibri"/>
               </a:defRPr>
             </a:lvl1pPr>
-            <a:lvl2pPr lvl="1" marR="0" rtl="0" algn="l">
-              <a:spcBef>
-                <a:spcPts val="0"/>
-              </a:spcBef>
-              <a:spcAft>
-                <a:spcPts val="0"/>
-              </a:spcAft>
-              <a:buSzPts val="1400"/>
-              <a:buNone/>
-              <a:defRPr b="0" i="0" sz="1800" u="none" cap="none" strike="noStrike">
+            <a:lvl2pPr marR="0" lvl="1" algn="l" rtl="0">
+              <a:spcBef>
+                <a:spcPts val="0"/>
+              </a:spcBef>
+              <a:spcAft>
+                <a:spcPts val="0"/>
+              </a:spcAft>
+              <a:buSzPts val="1400"/>
+              <a:buNone/>
+              <a:defRPr sz="1800" b="0" i="0" u="none" strike="noStrike" cap="none">
                 <a:solidFill>
                   <a:schemeClr val="dk1"/>
                 </a:solidFill>
@@ -10573,16 +10914,16 @@
                 <a:sym typeface="Calibri"/>
               </a:defRPr>
             </a:lvl2pPr>
-            <a:lvl3pPr lvl="2" marR="0" rtl="0" algn="l">
-              <a:spcBef>
-                <a:spcPts val="0"/>
-              </a:spcBef>
-              <a:spcAft>
-                <a:spcPts val="0"/>
-              </a:spcAft>
-              <a:buSzPts val="1400"/>
-              <a:buNone/>
-              <a:defRPr b="0" i="0" sz="1800" u="none" cap="none" strike="noStrike">
+            <a:lvl3pPr marR="0" lvl="2" algn="l" rtl="0">
+              <a:spcBef>
+                <a:spcPts val="0"/>
+              </a:spcBef>
+              <a:spcAft>
+                <a:spcPts val="0"/>
+              </a:spcAft>
+              <a:buSzPts val="1400"/>
+              <a:buNone/>
+              <a:defRPr sz="1800" b="0" i="0" u="none" strike="noStrike" cap="none">
                 <a:solidFill>
                   <a:schemeClr val="dk1"/>
                 </a:solidFill>
@@ -10592,16 +10933,16 @@
                 <a:sym typeface="Calibri"/>
               </a:defRPr>
             </a:lvl3pPr>
-            <a:lvl4pPr lvl="3" marR="0" rtl="0" algn="l">
-              <a:spcBef>
-                <a:spcPts val="0"/>
-              </a:spcBef>
-              <a:spcAft>
-                <a:spcPts val="0"/>
-              </a:spcAft>
-              <a:buSzPts val="1400"/>
-              <a:buNone/>
-              <a:defRPr b="0" i="0" sz="1800" u="none" cap="none" strike="noStrike">
+            <a:lvl4pPr marR="0" lvl="3" algn="l" rtl="0">
+              <a:spcBef>
+                <a:spcPts val="0"/>
+              </a:spcBef>
+              <a:spcAft>
+                <a:spcPts val="0"/>
+              </a:spcAft>
+              <a:buSzPts val="1400"/>
+              <a:buNone/>
+              <a:defRPr sz="1800" b="0" i="0" u="none" strike="noStrike" cap="none">
                 <a:solidFill>
                   <a:schemeClr val="dk1"/>
                 </a:solidFill>
@@ -10611,16 +10952,16 @@
                 <a:sym typeface="Calibri"/>
               </a:defRPr>
             </a:lvl4pPr>
-            <a:lvl5pPr lvl="4" marR="0" rtl="0" algn="l">
-              <a:spcBef>
-                <a:spcPts val="0"/>
-              </a:spcBef>
-              <a:spcAft>
-                <a:spcPts val="0"/>
-              </a:spcAft>
-              <a:buSzPts val="1400"/>
-              <a:buNone/>
-              <a:defRPr b="0" i="0" sz="1800" u="none" cap="none" strike="noStrike">
+            <a:lvl5pPr marR="0" lvl="4" algn="l" rtl="0">
+              <a:spcBef>
+                <a:spcPts val="0"/>
+              </a:spcBef>
+              <a:spcAft>
+                <a:spcPts val="0"/>
+              </a:spcAft>
+              <a:buSzPts val="1400"/>
+              <a:buNone/>
+              <a:defRPr sz="1800" b="0" i="0" u="none" strike="noStrike" cap="none">
                 <a:solidFill>
                   <a:schemeClr val="dk1"/>
                 </a:solidFill>
@@ -10630,16 +10971,16 @@
                 <a:sym typeface="Calibri"/>
               </a:defRPr>
             </a:lvl5pPr>
-            <a:lvl6pPr lvl="5" marR="0" rtl="0" algn="l">
-              <a:spcBef>
-                <a:spcPts val="0"/>
-              </a:spcBef>
-              <a:spcAft>
-                <a:spcPts val="0"/>
-              </a:spcAft>
-              <a:buSzPts val="1400"/>
-              <a:buNone/>
-              <a:defRPr b="0" i="0" sz="1800" u="none" cap="none" strike="noStrike">
+            <a:lvl6pPr marR="0" lvl="5" algn="l" rtl="0">
+              <a:spcBef>
+                <a:spcPts val="0"/>
+              </a:spcBef>
+              <a:spcAft>
+                <a:spcPts val="0"/>
+              </a:spcAft>
+              <a:buSzPts val="1400"/>
+              <a:buNone/>
+              <a:defRPr sz="1800" b="0" i="0" u="none" strike="noStrike" cap="none">
                 <a:solidFill>
                   <a:schemeClr val="dk1"/>
                 </a:solidFill>
@@ -10649,16 +10990,16 @@
                 <a:sym typeface="Calibri"/>
               </a:defRPr>
             </a:lvl6pPr>
-            <a:lvl7pPr lvl="6" marR="0" rtl="0" algn="l">
-              <a:spcBef>
-                <a:spcPts val="0"/>
-              </a:spcBef>
-              <a:spcAft>
-                <a:spcPts val="0"/>
-              </a:spcAft>
-              <a:buSzPts val="1400"/>
-              <a:buNone/>
-              <a:defRPr b="0" i="0" sz="1800" u="none" cap="none" strike="noStrike">
+            <a:lvl7pPr marR="0" lvl="6" algn="l" rtl="0">
+              <a:spcBef>
+                <a:spcPts val="0"/>
+              </a:spcBef>
+              <a:spcAft>
+                <a:spcPts val="0"/>
+              </a:spcAft>
+              <a:buSzPts val="1400"/>
+              <a:buNone/>
+              <a:defRPr sz="1800" b="0" i="0" u="none" strike="noStrike" cap="none">
                 <a:solidFill>
                   <a:schemeClr val="dk1"/>
                 </a:solidFill>
@@ -10668,16 +11009,16 @@
                 <a:sym typeface="Calibri"/>
               </a:defRPr>
             </a:lvl7pPr>
-            <a:lvl8pPr lvl="7" marR="0" rtl="0" algn="l">
-              <a:spcBef>
-                <a:spcPts val="0"/>
-              </a:spcBef>
-              <a:spcAft>
-                <a:spcPts val="0"/>
-              </a:spcAft>
-              <a:buSzPts val="1400"/>
-              <a:buNone/>
-              <a:defRPr b="0" i="0" sz="1800" u="none" cap="none" strike="noStrike">
+            <a:lvl8pPr marR="0" lvl="7" algn="l" rtl="0">
+              <a:spcBef>
+                <a:spcPts val="0"/>
+              </a:spcBef>
+              <a:spcAft>
+                <a:spcPts val="0"/>
+              </a:spcAft>
+              <a:buSzPts val="1400"/>
+              <a:buNone/>
+              <a:defRPr sz="1800" b="0" i="0" u="none" strike="noStrike" cap="none">
                 <a:solidFill>
                   <a:schemeClr val="dk1"/>
                 </a:solidFill>
@@ -10687,16 +11028,16 @@
                 <a:sym typeface="Calibri"/>
               </a:defRPr>
             </a:lvl8pPr>
-            <a:lvl9pPr lvl="8" marR="0" rtl="0" algn="l">
-              <a:spcBef>
-                <a:spcPts val="0"/>
-              </a:spcBef>
-              <a:spcAft>
-                <a:spcPts val="0"/>
-              </a:spcAft>
-              <a:buSzPts val="1400"/>
-              <a:buNone/>
-              <a:defRPr b="0" i="0" sz="1800" u="none" cap="none" strike="noStrike">
+            <a:lvl9pPr marR="0" lvl="8" algn="l" rtl="0">
+              <a:spcBef>
+                <a:spcPts val="0"/>
+              </a:spcBef>
+              <a:spcAft>
+                <a:spcPts val="0"/>
+              </a:spcAft>
+              <a:buSzPts val="1400"/>
+              <a:buNone/>
+              <a:defRPr sz="1800" b="0" i="0" u="none" strike="noStrike" cap="none">
                 <a:solidFill>
                   <a:schemeClr val="dk1"/>
                 </a:solidFill>
@@ -10707,15 +11048,19 @@
               </a:defRPr>
             </a:lvl9pPr>
           </a:lstStyle>
-          <a:p/>
+          <a:p>
+            <a:endParaRPr/>
+          </a:p>
         </p:txBody>
       </p:sp>
       <p:sp>
         <p:nvSpPr>
           <p:cNvPr id="9" name="Google Shape;9;p14"/>
-          <p:cNvSpPr txBox="1"/>
+          <p:cNvSpPr txBox="1">
+            <a:spLocks noGrp="1"/>
+          </p:cNvSpPr>
           <p:nvPr>
-            <p:ph idx="11" type="ftr"/>
+            <p:ph type="ftr" idx="11"/>
           </p:nvPr>
         </p:nvSpPr>
         <p:spPr>
@@ -10732,20 +11077,20 @@
           </a:ln>
         </p:spPr>
         <p:txBody>
-          <a:bodyPr anchorCtr="0" anchor="ctr" bIns="45700" lIns="91425" spcFirstLastPara="1" rIns="91425" wrap="square" tIns="45700">
+          <a:bodyPr spcFirstLastPara="1" wrap="square" lIns="91425" tIns="45700" rIns="91425" bIns="45700" anchor="ctr" anchorCtr="0">
             <a:noAutofit/>
           </a:bodyPr>
           <a:lstStyle>
-            <a:lvl1pPr lvl="0" marR="0" rtl="0" algn="ctr">
-              <a:spcBef>
-                <a:spcPts val="0"/>
-              </a:spcBef>
-              <a:spcAft>
-                <a:spcPts val="0"/>
-              </a:spcAft>
-              <a:buSzPts val="1400"/>
-              <a:buNone/>
-              <a:defRPr b="0" i="0" sz="1200" u="none" cap="none" strike="noStrike">
+            <a:lvl1pPr marR="0" lvl="0" algn="ctr" rtl="0">
+              <a:spcBef>
+                <a:spcPts val="0"/>
+              </a:spcBef>
+              <a:spcAft>
+                <a:spcPts val="0"/>
+              </a:spcAft>
+              <a:buSzPts val="1400"/>
+              <a:buNone/>
+              <a:defRPr sz="1200" b="0" i="0" u="none" strike="noStrike" cap="none">
                 <a:solidFill>
                   <a:srgbClr val="888888"/>
                 </a:solidFill>
@@ -10755,16 +11100,16 @@
                 <a:sym typeface="Calibri"/>
               </a:defRPr>
             </a:lvl1pPr>
-            <a:lvl2pPr lvl="1" marR="0" rtl="0" algn="l">
-              <a:spcBef>
-                <a:spcPts val="0"/>
-              </a:spcBef>
-              <a:spcAft>
-                <a:spcPts val="0"/>
-              </a:spcAft>
-              <a:buSzPts val="1400"/>
-              <a:buNone/>
-              <a:defRPr b="0" i="0" sz="1800" u="none" cap="none" strike="noStrike">
+            <a:lvl2pPr marR="0" lvl="1" algn="l" rtl="0">
+              <a:spcBef>
+                <a:spcPts val="0"/>
+              </a:spcBef>
+              <a:spcAft>
+                <a:spcPts val="0"/>
+              </a:spcAft>
+              <a:buSzPts val="1400"/>
+              <a:buNone/>
+              <a:defRPr sz="1800" b="0" i="0" u="none" strike="noStrike" cap="none">
                 <a:solidFill>
                   <a:schemeClr val="dk1"/>
                 </a:solidFill>
@@ -10774,16 +11119,16 @@
                 <a:sym typeface="Calibri"/>
               </a:defRPr>
             </a:lvl2pPr>
-            <a:lvl3pPr lvl="2" marR="0" rtl="0" algn="l">
-              <a:spcBef>
-                <a:spcPts val="0"/>
-              </a:spcBef>
-              <a:spcAft>
-                <a:spcPts val="0"/>
-              </a:spcAft>
-              <a:buSzPts val="1400"/>
-              <a:buNone/>
-              <a:defRPr b="0" i="0" sz="1800" u="none" cap="none" strike="noStrike">
+            <a:lvl3pPr marR="0" lvl="2" algn="l" rtl="0">
+              <a:spcBef>
+                <a:spcPts val="0"/>
+              </a:spcBef>
+              <a:spcAft>
+                <a:spcPts val="0"/>
+              </a:spcAft>
+              <a:buSzPts val="1400"/>
+              <a:buNone/>
+              <a:defRPr sz="1800" b="0" i="0" u="none" strike="noStrike" cap="none">
                 <a:solidFill>
                   <a:schemeClr val="dk1"/>
                 </a:solidFill>
@@ -10793,16 +11138,16 @@
                 <a:sym typeface="Calibri"/>
               </a:defRPr>
             </a:lvl3pPr>
-            <a:lvl4pPr lvl="3" marR="0" rtl="0" algn="l">
-              <a:spcBef>
-                <a:spcPts val="0"/>
-              </a:spcBef>
-              <a:spcAft>
-                <a:spcPts val="0"/>
-              </a:spcAft>
-              <a:buSzPts val="1400"/>
-              <a:buNone/>
-              <a:defRPr b="0" i="0" sz="1800" u="none" cap="none" strike="noStrike">
+            <a:lvl4pPr marR="0" lvl="3" algn="l" rtl="0">
+              <a:spcBef>
+                <a:spcPts val="0"/>
+              </a:spcBef>
+              <a:spcAft>
+                <a:spcPts val="0"/>
+              </a:spcAft>
+              <a:buSzPts val="1400"/>
+              <a:buNone/>
+              <a:defRPr sz="1800" b="0" i="0" u="none" strike="noStrike" cap="none">
                 <a:solidFill>
                   <a:schemeClr val="dk1"/>
                 </a:solidFill>
@@ -10812,16 +11157,16 @@
                 <a:sym typeface="Calibri"/>
               </a:defRPr>
             </a:lvl4pPr>
-            <a:lvl5pPr lvl="4" marR="0" rtl="0" algn="l">
-              <a:spcBef>
-                <a:spcPts val="0"/>
-              </a:spcBef>
-              <a:spcAft>
-                <a:spcPts val="0"/>
-              </a:spcAft>
-              <a:buSzPts val="1400"/>
-              <a:buNone/>
-              <a:defRPr b="0" i="0" sz="1800" u="none" cap="none" strike="noStrike">
+            <a:lvl5pPr marR="0" lvl="4" algn="l" rtl="0">
+              <a:spcBef>
+                <a:spcPts val="0"/>
+              </a:spcBef>
+              <a:spcAft>
+                <a:spcPts val="0"/>
+              </a:spcAft>
+              <a:buSzPts val="1400"/>
+              <a:buNone/>
+              <a:defRPr sz="1800" b="0" i="0" u="none" strike="noStrike" cap="none">
                 <a:solidFill>
                   <a:schemeClr val="dk1"/>
                 </a:solidFill>
@@ -10831,16 +11176,16 @@
                 <a:sym typeface="Calibri"/>
               </a:defRPr>
             </a:lvl5pPr>
-            <a:lvl6pPr lvl="5" marR="0" rtl="0" algn="l">
-              <a:spcBef>
-                <a:spcPts val="0"/>
-              </a:spcBef>
-              <a:spcAft>
-                <a:spcPts val="0"/>
-              </a:spcAft>
-              <a:buSzPts val="1400"/>
-              <a:buNone/>
-              <a:defRPr b="0" i="0" sz="1800" u="none" cap="none" strike="noStrike">
+            <a:lvl6pPr marR="0" lvl="5" algn="l" rtl="0">
+              <a:spcBef>
+                <a:spcPts val="0"/>
+              </a:spcBef>
+              <a:spcAft>
+                <a:spcPts val="0"/>
+              </a:spcAft>
+              <a:buSzPts val="1400"/>
+              <a:buNone/>
+              <a:defRPr sz="1800" b="0" i="0" u="none" strike="noStrike" cap="none">
                 <a:solidFill>
                   <a:schemeClr val="dk1"/>
                 </a:solidFill>
@@ -10850,16 +11195,16 @@
                 <a:sym typeface="Calibri"/>
               </a:defRPr>
             </a:lvl6pPr>
-            <a:lvl7pPr lvl="6" marR="0" rtl="0" algn="l">
-              <a:spcBef>
-                <a:spcPts val="0"/>
-              </a:spcBef>
-              <a:spcAft>
-                <a:spcPts val="0"/>
-              </a:spcAft>
-              <a:buSzPts val="1400"/>
-              <a:buNone/>
-              <a:defRPr b="0" i="0" sz="1800" u="none" cap="none" strike="noStrike">
+            <a:lvl7pPr marR="0" lvl="6" algn="l" rtl="0">
+              <a:spcBef>
+                <a:spcPts val="0"/>
+              </a:spcBef>
+              <a:spcAft>
+                <a:spcPts val="0"/>
+              </a:spcAft>
+              <a:buSzPts val="1400"/>
+              <a:buNone/>
+              <a:defRPr sz="1800" b="0" i="0" u="none" strike="noStrike" cap="none">
                 <a:solidFill>
                   <a:schemeClr val="dk1"/>
                 </a:solidFill>
@@ -10869,16 +11214,16 @@
                 <a:sym typeface="Calibri"/>
               </a:defRPr>
             </a:lvl7pPr>
-            <a:lvl8pPr lvl="7" marR="0" rtl="0" algn="l">
-              <a:spcBef>
-                <a:spcPts val="0"/>
-              </a:spcBef>
-              <a:spcAft>
-                <a:spcPts val="0"/>
-              </a:spcAft>
-              <a:buSzPts val="1400"/>
-              <a:buNone/>
-              <a:defRPr b="0" i="0" sz="1800" u="none" cap="none" strike="noStrike">
+            <a:lvl8pPr marR="0" lvl="7" algn="l" rtl="0">
+              <a:spcBef>
+                <a:spcPts val="0"/>
+              </a:spcBef>
+              <a:spcAft>
+                <a:spcPts val="0"/>
+              </a:spcAft>
+              <a:buSzPts val="1400"/>
+              <a:buNone/>
+              <a:defRPr sz="1800" b="0" i="0" u="none" strike="noStrike" cap="none">
                 <a:solidFill>
                   <a:schemeClr val="dk1"/>
                 </a:solidFill>
@@ -10888,16 +11233,16 @@
                 <a:sym typeface="Calibri"/>
               </a:defRPr>
             </a:lvl8pPr>
-            <a:lvl9pPr lvl="8" marR="0" rtl="0" algn="l">
-              <a:spcBef>
-                <a:spcPts val="0"/>
-              </a:spcBef>
-              <a:spcAft>
-                <a:spcPts val="0"/>
-              </a:spcAft>
-              <a:buSzPts val="1400"/>
-              <a:buNone/>
-              <a:defRPr b="0" i="0" sz="1800" u="none" cap="none" strike="noStrike">
+            <a:lvl9pPr marR="0" lvl="8" algn="l" rtl="0">
+              <a:spcBef>
+                <a:spcPts val="0"/>
+              </a:spcBef>
+              <a:spcAft>
+                <a:spcPts val="0"/>
+              </a:spcAft>
+              <a:buSzPts val="1400"/>
+              <a:buNone/>
+              <a:defRPr sz="1800" b="0" i="0" u="none" strike="noStrike" cap="none">
                 <a:solidFill>
                   <a:schemeClr val="dk1"/>
                 </a:solidFill>
@@ -10908,15 +11253,19 @@
               </a:defRPr>
             </a:lvl9pPr>
           </a:lstStyle>
-          <a:p/>
+          <a:p>
+            <a:endParaRPr/>
+          </a:p>
         </p:txBody>
       </p:sp>
       <p:sp>
         <p:nvSpPr>
           <p:cNvPr id="10" name="Google Shape;10;p14"/>
-          <p:cNvSpPr txBox="1"/>
+          <p:cNvSpPr txBox="1">
+            <a:spLocks noGrp="1"/>
+          </p:cNvSpPr>
           <p:nvPr>
-            <p:ph idx="12" type="sldNum"/>
+            <p:ph type="sldNum" idx="12"/>
           </p:nvPr>
         </p:nvSpPr>
         <p:spPr>
@@ -10933,16 +11282,16 @@
           </a:ln>
         </p:spPr>
         <p:txBody>
-          <a:bodyPr anchorCtr="0" anchor="ctr" bIns="45700" lIns="91425" spcFirstLastPara="1" rIns="91425" wrap="square" tIns="45700">
+          <a:bodyPr spcFirstLastPara="1" wrap="square" lIns="91425" tIns="45700" rIns="91425" bIns="45700" anchor="ctr" anchorCtr="0">
             <a:noAutofit/>
           </a:bodyPr>
           <a:lstStyle>
-            <a:lvl1pPr indent="0" lvl="0" marL="0" marR="0" rtl="0" algn="r">
-              <a:spcBef>
-                <a:spcPts val="0"/>
-              </a:spcBef>
-              <a:buNone/>
-              <a:defRPr b="0" i="0" sz="1200" u="none" cap="none" strike="noStrike">
+            <a:lvl1pPr marL="0" marR="0" lvl="0" indent="0" algn="r" rtl="0">
+              <a:spcBef>
+                <a:spcPts val="0"/>
+              </a:spcBef>
+              <a:buNone/>
+              <a:defRPr sz="1200" b="0" i="0" u="none" strike="noStrike" cap="none">
                 <a:solidFill>
                   <a:srgbClr val="888888"/>
                 </a:solidFill>
@@ -10952,12 +11301,12 @@
                 <a:sym typeface="Calibri"/>
               </a:defRPr>
             </a:lvl1pPr>
-            <a:lvl2pPr indent="0" lvl="1" marL="0" marR="0" rtl="0" algn="r">
-              <a:spcBef>
-                <a:spcPts val="0"/>
-              </a:spcBef>
-              <a:buNone/>
-              <a:defRPr b="0" i="0" sz="1200" u="none" cap="none" strike="noStrike">
+            <a:lvl2pPr marL="0" marR="0" lvl="1" indent="0" algn="r" rtl="0">
+              <a:spcBef>
+                <a:spcPts val="0"/>
+              </a:spcBef>
+              <a:buNone/>
+              <a:defRPr sz="1200" b="0" i="0" u="none" strike="noStrike" cap="none">
                 <a:solidFill>
                   <a:srgbClr val="888888"/>
                 </a:solidFill>
@@ -10967,12 +11316,12 @@
                 <a:sym typeface="Calibri"/>
               </a:defRPr>
             </a:lvl2pPr>
-            <a:lvl3pPr indent="0" lvl="2" marL="0" marR="0" rtl="0" algn="r">
-              <a:spcBef>
-                <a:spcPts val="0"/>
-              </a:spcBef>
-              <a:buNone/>
-              <a:defRPr b="0" i="0" sz="1200" u="none" cap="none" strike="noStrike">
+            <a:lvl3pPr marL="0" marR="0" lvl="2" indent="0" algn="r" rtl="0">
+              <a:spcBef>
+                <a:spcPts val="0"/>
+              </a:spcBef>
+              <a:buNone/>
+              <a:defRPr sz="1200" b="0" i="0" u="none" strike="noStrike" cap="none">
                 <a:solidFill>
                   <a:srgbClr val="888888"/>
                 </a:solidFill>
@@ -10982,12 +11331,12 @@
                 <a:sym typeface="Calibri"/>
               </a:defRPr>
             </a:lvl3pPr>
-            <a:lvl4pPr indent="0" lvl="3" marL="0" marR="0" rtl="0" algn="r">
-              <a:spcBef>
-                <a:spcPts val="0"/>
-              </a:spcBef>
-              <a:buNone/>
-              <a:defRPr b="0" i="0" sz="1200" u="none" cap="none" strike="noStrike">
+            <a:lvl4pPr marL="0" marR="0" lvl="3" indent="0" algn="r" rtl="0">
+              <a:spcBef>
+                <a:spcPts val="0"/>
+              </a:spcBef>
+              <a:buNone/>
+              <a:defRPr sz="1200" b="0" i="0" u="none" strike="noStrike" cap="none">
                 <a:solidFill>
                   <a:srgbClr val="888888"/>
                 </a:solidFill>
@@ -10997,12 +11346,12 @@
                 <a:sym typeface="Calibri"/>
               </a:defRPr>
             </a:lvl4pPr>
-            <a:lvl5pPr indent="0" lvl="4" marL="0" marR="0" rtl="0" algn="r">
-              <a:spcBef>
-                <a:spcPts val="0"/>
-              </a:spcBef>
-              <a:buNone/>
-              <a:defRPr b="0" i="0" sz="1200" u="none" cap="none" strike="noStrike">
+            <a:lvl5pPr marL="0" marR="0" lvl="4" indent="0" algn="r" rtl="0">
+              <a:spcBef>
+                <a:spcPts val="0"/>
+              </a:spcBef>
+              <a:buNone/>
+              <a:defRPr sz="1200" b="0" i="0" u="none" strike="noStrike" cap="none">
                 <a:solidFill>
                   <a:srgbClr val="888888"/>
                 </a:solidFill>
@@ -11012,12 +11361,12 @@
                 <a:sym typeface="Calibri"/>
               </a:defRPr>
             </a:lvl5pPr>
-            <a:lvl6pPr indent="0" lvl="5" marL="0" marR="0" rtl="0" algn="r">
-              <a:spcBef>
-                <a:spcPts val="0"/>
-              </a:spcBef>
-              <a:buNone/>
-              <a:defRPr b="0" i="0" sz="1200" u="none" cap="none" strike="noStrike">
+            <a:lvl6pPr marL="0" marR="0" lvl="5" indent="0" algn="r" rtl="0">
+              <a:spcBef>
+                <a:spcPts val="0"/>
+              </a:spcBef>
+              <a:buNone/>
+              <a:defRPr sz="1200" b="0" i="0" u="none" strike="noStrike" cap="none">
                 <a:solidFill>
                   <a:srgbClr val="888888"/>
                 </a:solidFill>
@@ -11027,12 +11376,12 @@
                 <a:sym typeface="Calibri"/>
               </a:defRPr>
             </a:lvl6pPr>
-            <a:lvl7pPr indent="0" lvl="6" marL="0" marR="0" rtl="0" algn="r">
-              <a:spcBef>
-                <a:spcPts val="0"/>
-              </a:spcBef>
-              <a:buNone/>
-              <a:defRPr b="0" i="0" sz="1200" u="none" cap="none" strike="noStrike">
+            <a:lvl7pPr marL="0" marR="0" lvl="6" indent="0" algn="r" rtl="0">
+              <a:spcBef>
+                <a:spcPts val="0"/>
+              </a:spcBef>
+              <a:buNone/>
+              <a:defRPr sz="1200" b="0" i="0" u="none" strike="noStrike" cap="none">
                 <a:solidFill>
                   <a:srgbClr val="888888"/>
                 </a:solidFill>
@@ -11042,12 +11391,12 @@
                 <a:sym typeface="Calibri"/>
               </a:defRPr>
             </a:lvl7pPr>
-            <a:lvl8pPr indent="0" lvl="7" marL="0" marR="0" rtl="0" algn="r">
-              <a:spcBef>
-                <a:spcPts val="0"/>
-              </a:spcBef>
-              <a:buNone/>
-              <a:defRPr b="0" i="0" sz="1200" u="none" cap="none" strike="noStrike">
+            <a:lvl8pPr marL="0" marR="0" lvl="7" indent="0" algn="r" rtl="0">
+              <a:spcBef>
+                <a:spcPts val="0"/>
+              </a:spcBef>
+              <a:buNone/>
+              <a:defRPr sz="1200" b="0" i="0" u="none" strike="noStrike" cap="none">
                 <a:solidFill>
                   <a:srgbClr val="888888"/>
                 </a:solidFill>
@@ -11057,12 +11406,12 @@
                 <a:sym typeface="Calibri"/>
               </a:defRPr>
             </a:lvl8pPr>
-            <a:lvl9pPr indent="0" lvl="8" marL="0" marR="0" rtl="0" algn="r">
-              <a:spcBef>
-                <a:spcPts val="0"/>
-              </a:spcBef>
-              <a:buNone/>
-              <a:defRPr b="0" i="0" sz="1200" u="none" cap="none" strike="noStrike">
+            <a:lvl9pPr marL="0" marR="0" lvl="8" indent="0" algn="r" rtl="0">
+              <a:spcBef>
+                <a:spcPts val="0"/>
+              </a:spcBef>
+              <a:buNone/>
+              <a:defRPr sz="1200" b="0" i="0" u="none" strike="noStrike" cap="none">
                 <a:solidFill>
                   <a:srgbClr val="888888"/>
                 </a:solidFill>
@@ -11074,7 +11423,7 @@
             </a:lvl9pPr>
           </a:lstStyle>
           <a:p>
-            <a:pPr indent="0" lvl="0" marL="0" rtl="0" algn="r">
+            <a:pPr marL="0" lvl="0" indent="0" algn="r" rtl="0">
               <a:spcBef>
                 <a:spcPts val="0"/>
               </a:spcBef>
@@ -11093,7 +11442,7 @@
       </p:sp>
     </p:spTree>
   </p:cSld>
-  <p:clrMap accent1="accent1" accent2="accent2" accent3="accent3" accent4="accent4" accent5="accent5" accent6="accent6" bg1="lt1" bg2="dk2" tx1="dk1" tx2="lt2" folHlink="folHlink" hlink="hlink"/>
+  <p:clrMap bg1="lt1" tx1="dk1" bg2="dk2" tx2="lt2" accent1="accent1" accent2="accent2" accent3="accent3" accent4="accent4" accent5="accent5" accent6="accent6" hlink="hlink" folHlink="folHlink"/>
   <p:sldLayoutIdLst>
     <p:sldLayoutId id="2147483649" r:id="rId1"/>
     <p:sldLayoutId id="2147483650" r:id="rId2"/>
@@ -11107,10 +11456,10 @@
     <p:sldLayoutId id="2147483658" r:id="rId10"/>
     <p:sldLayoutId id="2147483659" r:id="rId11"/>
   </p:sldLayoutIdLst>
-  <p:hf dt="0" ftr="0" hdr="0" sldNum="0"/>
+  <p:hf sldNum="0" hdr="0" ftr="0" dt="0"/>
   <p:txStyles>
     <p:titleStyle>
-      <a:defPPr lvl="0" marR="0" rtl="0" algn="l">
+      <a:defPPr marR="0" lvl="0" algn="l" rtl="0">
         <a:lnSpc>
           <a:spcPct val="100000"/>
         </a:lnSpc>
@@ -11121,7 +11470,7 @@
           <a:spcPts val="0"/>
         </a:spcAft>
       </a:defPPr>
-      <a:lvl1pPr lvl="0" marR="0" rtl="0" algn="l">
+      <a:lvl1pPr marR="0" lvl="0" algn="l" rtl="0">
         <a:lnSpc>
           <a:spcPct val="100000"/>
         </a:lnSpc>
@@ -11135,7 +11484,7 @@
           <a:srgbClr val="000000"/>
         </a:buClr>
         <a:buFont typeface="Arial"/>
-        <a:defRPr b="0" i="0" sz="1400" u="none" cap="none" strike="noStrike">
+        <a:defRPr sz="1400" b="0" i="0" u="none" strike="noStrike" cap="none">
           <a:solidFill>
             <a:srgbClr val="000000"/>
           </a:solidFill>
@@ -11145,7 +11494,7 @@
           <a:sym typeface="Arial"/>
         </a:defRPr>
       </a:lvl1pPr>
-      <a:lvl2pPr lvl="1" marR="0" rtl="0" algn="l">
+      <a:lvl2pPr marR="0" lvl="1" algn="l" rtl="0">
         <a:lnSpc>
           <a:spcPct val="100000"/>
         </a:lnSpc>
@@ -11159,7 +11508,7 @@
           <a:srgbClr val="000000"/>
         </a:buClr>
         <a:buFont typeface="Arial"/>
-        <a:defRPr b="0" i="0" sz="1400" u="none" cap="none" strike="noStrike">
+        <a:defRPr sz="1400" b="0" i="0" u="none" strike="noStrike" cap="none">
           <a:solidFill>
             <a:srgbClr val="000000"/>
           </a:solidFill>
@@ -11169,7 +11518,7 @@
           <a:sym typeface="Arial"/>
         </a:defRPr>
       </a:lvl2pPr>
-      <a:lvl3pPr lvl="2" marR="0" rtl="0" algn="l">
+      <a:lvl3pPr marR="0" lvl="2" algn="l" rtl="0">
         <a:lnSpc>
           <a:spcPct val="100000"/>
         </a:lnSpc>
@@ -11183,7 +11532,7 @@
           <a:srgbClr val="000000"/>
         </a:buClr>
         <a:buFont typeface="Arial"/>
-        <a:defRPr b="0" i="0" sz="1400" u="none" cap="none" strike="noStrike">
+        <a:defRPr sz="1400" b="0" i="0" u="none" strike="noStrike" cap="none">
           <a:solidFill>
             <a:srgbClr val="000000"/>
           </a:solidFill>
@@ -11193,7 +11542,7 @@
           <a:sym typeface="Arial"/>
         </a:defRPr>
       </a:lvl3pPr>
-      <a:lvl4pPr lvl="3" marR="0" rtl="0" algn="l">
+      <a:lvl4pPr marR="0" lvl="3" algn="l" rtl="0">
         <a:lnSpc>
           <a:spcPct val="100000"/>
         </a:lnSpc>
@@ -11207,7 +11556,7 @@
           <a:srgbClr val="000000"/>
         </a:buClr>
         <a:buFont typeface="Arial"/>
-        <a:defRPr b="0" i="0" sz="1400" u="none" cap="none" strike="noStrike">
+        <a:defRPr sz="1400" b="0" i="0" u="none" strike="noStrike" cap="none">
           <a:solidFill>
             <a:srgbClr val="000000"/>
           </a:solidFill>
@@ -11217,7 +11566,7 @@
           <a:sym typeface="Arial"/>
         </a:defRPr>
       </a:lvl4pPr>
-      <a:lvl5pPr lvl="4" marR="0" rtl="0" algn="l">
+      <a:lvl5pPr marR="0" lvl="4" algn="l" rtl="0">
         <a:lnSpc>
           <a:spcPct val="100000"/>
         </a:lnSpc>
@@ -11231,7 +11580,7 @@
           <a:srgbClr val="000000"/>
         </a:buClr>
         <a:buFont typeface="Arial"/>
-        <a:defRPr b="0" i="0" sz="1400" u="none" cap="none" strike="noStrike">
+        <a:defRPr sz="1400" b="0" i="0" u="none" strike="noStrike" cap="none">
           <a:solidFill>
             <a:srgbClr val="000000"/>
           </a:solidFill>
@@ -11241,7 +11590,7 @@
           <a:sym typeface="Arial"/>
         </a:defRPr>
       </a:lvl5pPr>
-      <a:lvl6pPr lvl="5" marR="0" rtl="0" algn="l">
+      <a:lvl6pPr marR="0" lvl="5" algn="l" rtl="0">
         <a:lnSpc>
           <a:spcPct val="100000"/>
         </a:lnSpc>
@@ -11255,7 +11604,7 @@
           <a:srgbClr val="000000"/>
         </a:buClr>
         <a:buFont typeface="Arial"/>
-        <a:defRPr b="0" i="0" sz="1400" u="none" cap="none" strike="noStrike">
+        <a:defRPr sz="1400" b="0" i="0" u="none" strike="noStrike" cap="none">
           <a:solidFill>
             <a:srgbClr val="000000"/>
           </a:solidFill>
@@ -11265,7 +11614,7 @@
           <a:sym typeface="Arial"/>
         </a:defRPr>
       </a:lvl6pPr>
-      <a:lvl7pPr lvl="6" marR="0" rtl="0" algn="l">
+      <a:lvl7pPr marR="0" lvl="6" algn="l" rtl="0">
         <a:lnSpc>
           <a:spcPct val="100000"/>
         </a:lnSpc>
@@ -11279,7 +11628,7 @@
           <a:srgbClr val="000000"/>
         </a:buClr>
         <a:buFont typeface="Arial"/>
-        <a:defRPr b="0" i="0" sz="1400" u="none" cap="none" strike="noStrike">
+        <a:defRPr sz="1400" b="0" i="0" u="none" strike="noStrike" cap="none">
           <a:solidFill>
             <a:srgbClr val="000000"/>
           </a:solidFill>
@@ -11289,7 +11638,7 @@
           <a:sym typeface="Arial"/>
         </a:defRPr>
       </a:lvl7pPr>
-      <a:lvl8pPr lvl="7" marR="0" rtl="0" algn="l">
+      <a:lvl8pPr marR="0" lvl="7" algn="l" rtl="0">
         <a:lnSpc>
           <a:spcPct val="100000"/>
         </a:lnSpc>
@@ -11303,7 +11652,7 @@
           <a:srgbClr val="000000"/>
         </a:buClr>
         <a:buFont typeface="Arial"/>
-        <a:defRPr b="0" i="0" sz="1400" u="none" cap="none" strike="noStrike">
+        <a:defRPr sz="1400" b="0" i="0" u="none" strike="noStrike" cap="none">
           <a:solidFill>
             <a:srgbClr val="000000"/>
           </a:solidFill>
@@ -11313,7 +11662,7 @@
           <a:sym typeface="Arial"/>
         </a:defRPr>
       </a:lvl8pPr>
-      <a:lvl9pPr lvl="8" marR="0" rtl="0" algn="l">
+      <a:lvl9pPr marR="0" lvl="8" algn="l" rtl="0">
         <a:lnSpc>
           <a:spcPct val="100000"/>
         </a:lnSpc>
@@ -11327,7 +11676,7 @@
           <a:srgbClr val="000000"/>
         </a:buClr>
         <a:buFont typeface="Arial"/>
-        <a:defRPr b="0" i="0" sz="1400" u="none" cap="none" strike="noStrike">
+        <a:defRPr sz="1400" b="0" i="0" u="none" strike="noStrike" cap="none">
           <a:solidFill>
             <a:srgbClr val="000000"/>
           </a:solidFill>
@@ -11339,7 +11688,7 @@
       </a:lvl9pPr>
     </p:titleStyle>
     <p:bodyStyle>
-      <a:defPPr lvl="0" marR="0" rtl="0" algn="l">
+      <a:defPPr marR="0" lvl="0" algn="l" rtl="0">
         <a:lnSpc>
           <a:spcPct val="100000"/>
         </a:lnSpc>
@@ -11350,7 +11699,7 @@
           <a:spcPts val="0"/>
         </a:spcAft>
       </a:defPPr>
-      <a:lvl1pPr lvl="0" marR="0" rtl="0" algn="l">
+      <a:lvl1pPr marR="0" lvl="0" algn="l" rtl="0">
         <a:lnSpc>
           <a:spcPct val="100000"/>
         </a:lnSpc>
@@ -11364,7 +11713,7 @@
           <a:srgbClr val="000000"/>
         </a:buClr>
         <a:buFont typeface="Arial"/>
-        <a:defRPr b="0" i="0" sz="1400" u="none" cap="none" strike="noStrike">
+        <a:defRPr sz="1400" b="0" i="0" u="none" strike="noStrike" cap="none">
           <a:solidFill>
             <a:srgbClr val="000000"/>
           </a:solidFill>
@@ -11374,7 +11723,7 @@
           <a:sym typeface="Arial"/>
         </a:defRPr>
       </a:lvl1pPr>
-      <a:lvl2pPr lvl="1" marR="0" rtl="0" algn="l">
+      <a:lvl2pPr marR="0" lvl="1" algn="l" rtl="0">
         <a:lnSpc>
           <a:spcPct val="100000"/>
         </a:lnSpc>
@@ -11388,7 +11737,7 @@
           <a:srgbClr val="000000"/>
         </a:buClr>
         <a:buFont typeface="Arial"/>
-        <a:defRPr b="0" i="0" sz="1400" u="none" cap="none" strike="noStrike">
+        <a:defRPr sz="1400" b="0" i="0" u="none" strike="noStrike" cap="none">
           <a:solidFill>
             <a:srgbClr val="000000"/>
           </a:solidFill>
@@ -11398,7 +11747,7 @@
           <a:sym typeface="Arial"/>
         </a:defRPr>
       </a:lvl2pPr>
-      <a:lvl3pPr lvl="2" marR="0" rtl="0" algn="l">
+      <a:lvl3pPr marR="0" lvl="2" algn="l" rtl="0">
         <a:lnSpc>
           <a:spcPct val="100000"/>
         </a:lnSpc>
@@ -11412,7 +11761,7 @@
           <a:srgbClr val="000000"/>
         </a:buClr>
         <a:buFont typeface="Arial"/>
-        <a:defRPr b="0" i="0" sz="1400" u="none" cap="none" strike="noStrike">
+        <a:defRPr sz="1400" b="0" i="0" u="none" strike="noStrike" cap="none">
           <a:solidFill>
             <a:srgbClr val="000000"/>
           </a:solidFill>
@@ -11422,7 +11771,7 @@
           <a:sym typeface="Arial"/>
         </a:defRPr>
       </a:lvl3pPr>
-      <a:lvl4pPr lvl="3" marR="0" rtl="0" algn="l">
+      <a:lvl4pPr marR="0" lvl="3" algn="l" rtl="0">
         <a:lnSpc>
           <a:spcPct val="100000"/>
         </a:lnSpc>
@@ -11436,7 +11785,7 @@
           <a:srgbClr val="000000"/>
         </a:buClr>
         <a:buFont typeface="Arial"/>
-        <a:defRPr b="0" i="0" sz="1400" u="none" cap="none" strike="noStrike">
+        <a:defRPr sz="1400" b="0" i="0" u="none" strike="noStrike" cap="none">
           <a:solidFill>
             <a:srgbClr val="000000"/>
           </a:solidFill>
@@ -11446,7 +11795,7 @@
           <a:sym typeface="Arial"/>
         </a:defRPr>
       </a:lvl4pPr>
-      <a:lvl5pPr lvl="4" marR="0" rtl="0" algn="l">
+      <a:lvl5pPr marR="0" lvl="4" algn="l" rtl="0">
         <a:lnSpc>
           <a:spcPct val="100000"/>
         </a:lnSpc>
@@ -11460,7 +11809,7 @@
           <a:srgbClr val="000000"/>
         </a:buClr>
         <a:buFont typeface="Arial"/>
-        <a:defRPr b="0" i="0" sz="1400" u="none" cap="none" strike="noStrike">
+        <a:defRPr sz="1400" b="0" i="0" u="none" strike="noStrike" cap="none">
           <a:solidFill>
             <a:srgbClr val="000000"/>
           </a:solidFill>
@@ -11470,7 +11819,7 @@
           <a:sym typeface="Arial"/>
         </a:defRPr>
       </a:lvl5pPr>
-      <a:lvl6pPr lvl="5" marR="0" rtl="0" algn="l">
+      <a:lvl6pPr marR="0" lvl="5" algn="l" rtl="0">
         <a:lnSpc>
           <a:spcPct val="100000"/>
         </a:lnSpc>
@@ -11484,7 +11833,7 @@
           <a:srgbClr val="000000"/>
         </a:buClr>
         <a:buFont typeface="Arial"/>
-        <a:defRPr b="0" i="0" sz="1400" u="none" cap="none" strike="noStrike">
+        <a:defRPr sz="1400" b="0" i="0" u="none" strike="noStrike" cap="none">
           <a:solidFill>
             <a:srgbClr val="000000"/>
           </a:solidFill>
@@ -11494,7 +11843,7 @@
           <a:sym typeface="Arial"/>
         </a:defRPr>
       </a:lvl6pPr>
-      <a:lvl7pPr lvl="6" marR="0" rtl="0" algn="l">
+      <a:lvl7pPr marR="0" lvl="6" algn="l" rtl="0">
         <a:lnSpc>
           <a:spcPct val="100000"/>
         </a:lnSpc>
@@ -11508,7 +11857,7 @@
           <a:srgbClr val="000000"/>
         </a:buClr>
         <a:buFont typeface="Arial"/>
-        <a:defRPr b="0" i="0" sz="1400" u="none" cap="none" strike="noStrike">
+        <a:defRPr sz="1400" b="0" i="0" u="none" strike="noStrike" cap="none">
           <a:solidFill>
             <a:srgbClr val="000000"/>
           </a:solidFill>
@@ -11518,7 +11867,7 @@
           <a:sym typeface="Arial"/>
         </a:defRPr>
       </a:lvl7pPr>
-      <a:lvl8pPr lvl="7" marR="0" rtl="0" algn="l">
+      <a:lvl8pPr marR="0" lvl="7" algn="l" rtl="0">
         <a:lnSpc>
           <a:spcPct val="100000"/>
         </a:lnSpc>
@@ -11532,7 +11881,7 @@
           <a:srgbClr val="000000"/>
         </a:buClr>
         <a:buFont typeface="Arial"/>
-        <a:defRPr b="0" i="0" sz="1400" u="none" cap="none" strike="noStrike">
+        <a:defRPr sz="1400" b="0" i="0" u="none" strike="noStrike" cap="none">
           <a:solidFill>
             <a:srgbClr val="000000"/>
           </a:solidFill>
@@ -11542,7 +11891,7 @@
           <a:sym typeface="Arial"/>
         </a:defRPr>
       </a:lvl8pPr>
-      <a:lvl9pPr lvl="8" marR="0" rtl="0" algn="l">
+      <a:lvl9pPr marR="0" lvl="8" algn="l" rtl="0">
         <a:lnSpc>
           <a:spcPct val="100000"/>
         </a:lnSpc>
@@ -11556,7 +11905,7 @@
           <a:srgbClr val="000000"/>
         </a:buClr>
         <a:buFont typeface="Arial"/>
-        <a:defRPr b="0" i="0" sz="1400" u="none" cap="none" strike="noStrike">
+        <a:defRPr sz="1400" b="0" i="0" u="none" strike="noStrike" cap="none">
           <a:solidFill>
             <a:srgbClr val="000000"/>
           </a:solidFill>
@@ -11568,7 +11917,7 @@
       </a:lvl9pPr>
     </p:bodyStyle>
     <p:otherStyle>
-      <a:defPPr lvl="0" marR="0" rtl="0" algn="l">
+      <a:defPPr marR="0" lvl="0" algn="l" rtl="0">
         <a:lnSpc>
           <a:spcPct val="100000"/>
         </a:lnSpc>
@@ -11579,7 +11928,7 @@
           <a:spcPts val="0"/>
         </a:spcAft>
       </a:defPPr>
-      <a:lvl1pPr lvl="0" marR="0" rtl="0" algn="l">
+      <a:lvl1pPr marR="0" lvl="0" algn="l" rtl="0">
         <a:lnSpc>
           <a:spcPct val="100000"/>
         </a:lnSpc>
@@ -11593,7 +11942,7 @@
           <a:srgbClr val="000000"/>
         </a:buClr>
         <a:buFont typeface="Arial"/>
-        <a:defRPr b="0" i="0" sz="1400" u="none" cap="none" strike="noStrike">
+        <a:defRPr sz="1400" b="0" i="0" u="none" strike="noStrike" cap="none">
           <a:solidFill>
             <a:srgbClr val="000000"/>
           </a:solidFill>
@@ -11603,7 +11952,7 @@
           <a:sym typeface="Arial"/>
         </a:defRPr>
       </a:lvl1pPr>
-      <a:lvl2pPr lvl="1" marR="0" rtl="0" algn="l">
+      <a:lvl2pPr marR="0" lvl="1" algn="l" rtl="0">
         <a:lnSpc>
           <a:spcPct val="100000"/>
         </a:lnSpc>
@@ -11617,7 +11966,7 @@
           <a:srgbClr val="000000"/>
         </a:buClr>
         <a:buFont typeface="Arial"/>
-        <a:defRPr b="0" i="0" sz="1400" u="none" cap="none" strike="noStrike">
+        <a:defRPr sz="1400" b="0" i="0" u="none" strike="noStrike" cap="none">
           <a:solidFill>
             <a:srgbClr val="000000"/>
           </a:solidFill>
@@ -11627,7 +11976,7 @@
           <a:sym typeface="Arial"/>
         </a:defRPr>
       </a:lvl2pPr>
-      <a:lvl3pPr lvl="2" marR="0" rtl="0" algn="l">
+      <a:lvl3pPr marR="0" lvl="2" algn="l" rtl="0">
         <a:lnSpc>
           <a:spcPct val="100000"/>
         </a:lnSpc>
@@ -11641,7 +11990,7 @@
           <a:srgbClr val="000000"/>
         </a:buClr>
         <a:buFont typeface="Arial"/>
-        <a:defRPr b="0" i="0" sz="1400" u="none" cap="none" strike="noStrike">
+        <a:defRPr sz="1400" b="0" i="0" u="none" strike="noStrike" cap="none">
           <a:solidFill>
             <a:srgbClr val="000000"/>
           </a:solidFill>
@@ -11651,7 +12000,7 @@
           <a:sym typeface="Arial"/>
         </a:defRPr>
       </a:lvl3pPr>
-      <a:lvl4pPr lvl="3" marR="0" rtl="0" algn="l">
+      <a:lvl4pPr marR="0" lvl="3" algn="l" rtl="0">
         <a:lnSpc>
           <a:spcPct val="100000"/>
         </a:lnSpc>
@@ -11665,7 +12014,7 @@
           <a:srgbClr val="000000"/>
         </a:buClr>
         <a:buFont typeface="Arial"/>
-        <a:defRPr b="0" i="0" sz="1400" u="none" cap="none" strike="noStrike">
+        <a:defRPr sz="1400" b="0" i="0" u="none" strike="noStrike" cap="none">
           <a:solidFill>
             <a:srgbClr val="000000"/>
           </a:solidFill>
@@ -11675,7 +12024,7 @@
           <a:sym typeface="Arial"/>
         </a:defRPr>
       </a:lvl4pPr>
-      <a:lvl5pPr lvl="4" marR="0" rtl="0" algn="l">
+      <a:lvl5pPr marR="0" lvl="4" algn="l" rtl="0">
         <a:lnSpc>
           <a:spcPct val="100000"/>
         </a:lnSpc>
@@ -11689,7 +12038,7 @@
           <a:srgbClr val="000000"/>
         </a:buClr>
         <a:buFont typeface="Arial"/>
-        <a:defRPr b="0" i="0" sz="1400" u="none" cap="none" strike="noStrike">
+        <a:defRPr sz="1400" b="0" i="0" u="none" strike="noStrike" cap="none">
           <a:solidFill>
             <a:srgbClr val="000000"/>
           </a:solidFill>
@@ -11699,7 +12048,7 @@
           <a:sym typeface="Arial"/>
         </a:defRPr>
       </a:lvl5pPr>
-      <a:lvl6pPr lvl="5" marR="0" rtl="0" algn="l">
+      <a:lvl6pPr marR="0" lvl="5" algn="l" rtl="0">
         <a:lnSpc>
           <a:spcPct val="100000"/>
         </a:lnSpc>
@@ -11713,7 +12062,7 @@
           <a:srgbClr val="000000"/>
         </a:buClr>
         <a:buFont typeface="Arial"/>
-        <a:defRPr b="0" i="0" sz="1400" u="none" cap="none" strike="noStrike">
+        <a:defRPr sz="1400" b="0" i="0" u="none" strike="noStrike" cap="none">
           <a:solidFill>
             <a:srgbClr val="000000"/>
           </a:solidFill>
@@ -11723,7 +12072,7 @@
           <a:sym typeface="Arial"/>
         </a:defRPr>
       </a:lvl6pPr>
-      <a:lvl7pPr lvl="6" marR="0" rtl="0" algn="l">
+      <a:lvl7pPr marR="0" lvl="6" algn="l" rtl="0">
         <a:lnSpc>
           <a:spcPct val="100000"/>
         </a:lnSpc>
@@ -11737,7 +12086,7 @@
           <a:srgbClr val="000000"/>
         </a:buClr>
         <a:buFont typeface="Arial"/>
-        <a:defRPr b="0" i="0" sz="1400" u="none" cap="none" strike="noStrike">
+        <a:defRPr sz="1400" b="0" i="0" u="none" strike="noStrike" cap="none">
           <a:solidFill>
             <a:srgbClr val="000000"/>
           </a:solidFill>
@@ -11747,7 +12096,7 @@
           <a:sym typeface="Arial"/>
         </a:defRPr>
       </a:lvl7pPr>
-      <a:lvl8pPr lvl="7" marR="0" rtl="0" algn="l">
+      <a:lvl8pPr marR="0" lvl="7" algn="l" rtl="0">
         <a:lnSpc>
           <a:spcPct val="100000"/>
         </a:lnSpc>
@@ -11761,7 +12110,7 @@
           <a:srgbClr val="000000"/>
         </a:buClr>
         <a:buFont typeface="Arial"/>
-        <a:defRPr b="0" i="0" sz="1400" u="none" cap="none" strike="noStrike">
+        <a:defRPr sz="1400" b="0" i="0" u="none" strike="noStrike" cap="none">
           <a:solidFill>
             <a:srgbClr val="000000"/>
           </a:solidFill>
@@ -11771,7 +12120,7 @@
           <a:sym typeface="Arial"/>
         </a:defRPr>
       </a:lvl8pPr>
-      <a:lvl9pPr lvl="8" marR="0" rtl="0" algn="l">
+      <a:lvl9pPr marR="0" lvl="8" algn="l" rtl="0">
         <a:lnSpc>
           <a:spcPct val="100000"/>
         </a:lnSpc>
@@ -11785,7 +12134,7 @@
           <a:srgbClr val="000000"/>
         </a:buClr>
         <a:buFont typeface="Arial"/>
-        <a:defRPr b="0" i="0" sz="1400" u="none" cap="none" strike="noStrike">
+        <a:defRPr sz="1400" b="0" i="0" u="none" strike="noStrike" cap="none">
           <a:solidFill>
             <a:srgbClr val="000000"/>
           </a:solidFill>
@@ -11801,11 +12150,11 @@
 </file>
 
 <file path=ppt/slides/slide1.xml><?xml version="1.0" encoding="utf-8"?>
-<p:sld xmlns:a="http://schemas.openxmlformats.org/drawingml/2006/main" xmlns:r="http://schemas.openxmlformats.org/officeDocument/2006/relationships" xmlns:mc="http://schemas.openxmlformats.org/markup-compatibility/2006" xmlns:mv="urn:schemas-microsoft-com:mac:vml" xmlns:p="http://schemas.openxmlformats.org/presentationml/2006/main" xmlns:c="http://schemas.openxmlformats.org/drawingml/2006/chart" xmlns:dgm="http://schemas.openxmlformats.org/drawingml/2006/diagram" xmlns:o="urn:schemas-microsoft-com:office:office" xmlns:v="urn:schemas-microsoft-com:vml" xmlns:pvml="urn:schemas-microsoft-com:office:powerpoint" xmlns:com="http://schemas.openxmlformats.org/drawingml/2006/compatibility" xmlns:p14="http://schemas.microsoft.com/office/powerpoint/2010/main" xmlns:p15="http://schemas.microsoft.com/office/powerpoint/2012/main" xmlns:ahyp="http://schemas.microsoft.com/office/drawing/2018/hyperlinkcolor">
+<p:sld xmlns:a="http://schemas.openxmlformats.org/drawingml/2006/main" xmlns:r="http://schemas.openxmlformats.org/officeDocument/2006/relationships" xmlns:p="http://schemas.openxmlformats.org/presentationml/2006/main">
   <p:cSld>
     <p:spTree>
       <p:nvGrpSpPr>
-        <p:cNvPr id="83" name="Shape 83"/>
+        <p:cNvPr id="1" name="Shape 83"/>
         <p:cNvGrpSpPr/>
         <p:nvPr/>
       </p:nvGrpSpPr>
@@ -11820,7 +12169,9 @@
       <p:sp>
         <p:nvSpPr>
           <p:cNvPr id="84" name="Google Shape;84;p1"/>
-          <p:cNvSpPr txBox="1"/>
+          <p:cNvSpPr txBox="1">
+            <a:spLocks noGrp="1"/>
+          </p:cNvSpPr>
           <p:nvPr>
             <p:ph type="ctrTitle"/>
           </p:nvPr>
@@ -11839,12 +12190,12 @@
           </a:ln>
         </p:spPr>
         <p:txBody>
-          <a:bodyPr anchorCtr="0" anchor="ctr" bIns="45700" lIns="91425" spcFirstLastPara="1" rIns="91425" wrap="square" tIns="45700">
+          <a:bodyPr spcFirstLastPara="1" wrap="square" lIns="91425" tIns="45700" rIns="91425" bIns="45700" anchor="ctr" anchorCtr="0">
             <a:normAutofit/>
           </a:bodyPr>
           <a:lstStyle/>
           <a:p>
-            <a:pPr indent="0" lvl="0" marL="0" rtl="0" algn="ctr">
+            <a:pPr marL="0" lvl="0" indent="0" algn="ctr" rtl="0">
               <a:spcBef>
                 <a:spcPts val="0"/>
               </a:spcBef>
@@ -11859,26 +12210,28 @@
               <a:buNone/>
             </a:pPr>
             <a:r>
-              <a:rPr lang="en-US"/>
-              <a:t>Proposed Governance Changes, </a:t>
+              <a:rPr lang="en-US" dirty="0"/>
+              <a:t>Proposed Governance Changes: </a:t>
             </a:r>
             <a:br>
-              <a:rPr lang="en-US"/>
+              <a:rPr lang="en-US" dirty="0"/>
             </a:br>
             <a:r>
-              <a:rPr lang="en-US"/>
-              <a:t>a review</a:t>
-            </a:r>
-            <a:endParaRPr/>
+              <a:rPr lang="en-US" dirty="0"/>
+              <a:t>A review</a:t>
+            </a:r>
+            <a:endParaRPr dirty="0"/>
           </a:p>
         </p:txBody>
       </p:sp>
       <p:sp>
         <p:nvSpPr>
           <p:cNvPr id="85" name="Google Shape;85;p1"/>
-          <p:cNvSpPr txBox="1"/>
+          <p:cNvSpPr txBox="1">
+            <a:spLocks noGrp="1"/>
+          </p:cNvSpPr>
           <p:nvPr>
-            <p:ph idx="1" type="subTitle"/>
+            <p:ph type="subTitle" idx="1"/>
           </p:nvPr>
         </p:nvSpPr>
         <p:spPr>
@@ -11895,12 +12248,12 @@
           </a:ln>
         </p:spPr>
         <p:txBody>
-          <a:bodyPr anchorCtr="0" anchor="t" bIns="45700" lIns="91425" spcFirstLastPara="1" rIns="91425" wrap="square" tIns="45700">
-            <a:normAutofit/>
+          <a:bodyPr spcFirstLastPara="1" wrap="square" lIns="91425" tIns="45700" rIns="91425" bIns="45700" anchor="t" anchorCtr="0">
+            <a:normAutofit fontScale="92500" lnSpcReduction="10000"/>
           </a:bodyPr>
           <a:lstStyle/>
           <a:p>
-            <a:pPr indent="0" lvl="0" marL="0" rtl="0" algn="ctr">
+            <a:pPr marL="0" lvl="0" indent="0" algn="ctr" rtl="0">
               <a:spcBef>
                 <a:spcPts val="0"/>
               </a:spcBef>
@@ -11914,26 +12267,65 @@
               <a:buNone/>
             </a:pPr>
             <a:br>
-              <a:rPr lang="en-US">
+              <a:rPr lang="en-US" dirty="0">
                 <a:solidFill>
                   <a:srgbClr val="888888"/>
                 </a:solidFill>
               </a:rPr>
             </a:br>
             <a:br>
+              <a:rPr lang="en-US" dirty="0">
+                <a:solidFill>
+                  <a:srgbClr val="888888"/>
+                </a:solidFill>
+              </a:rPr>
+            </a:br>
+            <a:r>
+              <a:rPr lang="en-US" dirty="0">
+                <a:solidFill>
+                  <a:srgbClr val="888888"/>
+                </a:solidFill>
+              </a:rPr>
+              <a:t>John </a:t>
+            </a:r>
+            <a:r>
+              <a:rPr lang="en-US" dirty="0" err="1">
+                <a:solidFill>
+                  <a:srgbClr val="888888"/>
+                </a:solidFill>
+              </a:rPr>
+              <a:t>Verzani</a:t>
+            </a:r>
+            <a:r>
               <a:rPr lang="en-US">
                 <a:solidFill>
                   <a:srgbClr val="888888"/>
                 </a:solidFill>
               </a:rPr>
-            </a:br>
+              <a:t> </a:t>
+            </a:r>
+          </a:p>
+          <a:p>
+            <a:pPr marL="0" lvl="0" indent="0" algn="ctr" rtl="0">
+              <a:spcBef>
+                <a:spcPts val="0"/>
+              </a:spcBef>
+              <a:spcAft>
+                <a:spcPts val="0"/>
+              </a:spcAft>
+              <a:buClr>
+                <a:srgbClr val="888888"/>
+              </a:buClr>
+              <a:buSzPts val="3200"/>
+              <a:buNone/>
+            </a:pPr>
             <a:r>
               <a:rPr lang="en-US">
                 <a:solidFill>
                   <a:srgbClr val="888888"/>
                 </a:solidFill>
               </a:rPr>
-              <a:t>John Verzani, Chair College Council</a:t>
+              <a:t>Chair, College Council</a:t>
             </a:r>
             <a:endParaRPr/>
           </a:p>
@@ -11942,9 +12334,11 @@
       <p:sp>
         <p:nvSpPr>
           <p:cNvPr id="86" name="Google Shape;86;p1"/>
-          <p:cNvSpPr txBox="1"/>
+          <p:cNvSpPr txBox="1">
+            <a:spLocks noGrp="1"/>
+          </p:cNvSpPr>
           <p:nvPr>
-            <p:ph idx="10" type="dt"/>
+            <p:ph type="dt" idx="10"/>
           </p:nvPr>
         </p:nvSpPr>
         <p:spPr>
@@ -11961,12 +12355,12 @@
           </a:ln>
         </p:spPr>
         <p:txBody>
-          <a:bodyPr anchorCtr="0" anchor="ctr" bIns="45700" lIns="91425" spcFirstLastPara="1" rIns="91425" wrap="square" tIns="45700">
+          <a:bodyPr spcFirstLastPara="1" wrap="square" lIns="91425" tIns="45700" rIns="91425" bIns="45700" anchor="ctr" anchorCtr="0">
             <a:noAutofit/>
           </a:bodyPr>
           <a:lstStyle/>
           <a:p>
-            <a:pPr indent="0" lvl="0" marL="0" rtl="0" algn="l">
+            <a:pPr marL="0" lvl="0" indent="0" algn="l" rtl="0">
               <a:spcBef>
                 <a:spcPts val="0"/>
               </a:spcBef>
@@ -11997,11 +12391,11 @@
 </file>
 
 <file path=ppt/slides/slide10.xml><?xml version="1.0" encoding="utf-8"?>
-<p:sld xmlns:a="http://schemas.openxmlformats.org/drawingml/2006/main" xmlns:r="http://schemas.openxmlformats.org/officeDocument/2006/relationships" xmlns:mc="http://schemas.openxmlformats.org/markup-compatibility/2006" xmlns:mv="urn:schemas-microsoft-com:mac:vml" xmlns:p="http://schemas.openxmlformats.org/presentationml/2006/main" xmlns:c="http://schemas.openxmlformats.org/drawingml/2006/chart" xmlns:dgm="http://schemas.openxmlformats.org/drawingml/2006/diagram" xmlns:o="urn:schemas-microsoft-com:office:office" xmlns:v="urn:schemas-microsoft-com:vml" xmlns:pvml="urn:schemas-microsoft-com:office:powerpoint" xmlns:com="http://schemas.openxmlformats.org/drawingml/2006/compatibility" xmlns:p14="http://schemas.microsoft.com/office/powerpoint/2010/main" xmlns:p15="http://schemas.microsoft.com/office/powerpoint/2012/main" xmlns:ahyp="http://schemas.microsoft.com/office/drawing/2018/hyperlinkcolor">
+<p:sld xmlns:a="http://schemas.openxmlformats.org/drawingml/2006/main" xmlns:r="http://schemas.openxmlformats.org/officeDocument/2006/relationships" xmlns:p="http://schemas.openxmlformats.org/presentationml/2006/main">
   <p:cSld>
     <p:spTree>
       <p:nvGrpSpPr>
-        <p:cNvPr id="138" name="Shape 138"/>
+        <p:cNvPr id="1" name="Shape 138"/>
         <p:cNvGrpSpPr/>
         <p:nvPr/>
       </p:nvGrpSpPr>
@@ -12016,7 +12410,9 @@
       <p:sp>
         <p:nvSpPr>
           <p:cNvPr id="139" name="Google Shape;139;p10"/>
-          <p:cNvSpPr txBox="1"/>
+          <p:cNvSpPr txBox="1">
+            <a:spLocks noGrp="1"/>
+          </p:cNvSpPr>
           <p:nvPr>
             <p:ph type="title"/>
           </p:nvPr>
@@ -12035,12 +12431,12 @@
           </a:ln>
         </p:spPr>
         <p:txBody>
-          <a:bodyPr anchorCtr="0" anchor="ctr" bIns="45700" lIns="91425" spcFirstLastPara="1" rIns="91425" wrap="square" tIns="45700">
+          <a:bodyPr spcFirstLastPara="1" wrap="square" lIns="91425" tIns="45700" rIns="91425" bIns="45700" anchor="ctr" anchorCtr="0">
             <a:normAutofit/>
           </a:bodyPr>
           <a:lstStyle/>
           <a:p>
-            <a:pPr indent="0" lvl="0" marL="0" rtl="0" algn="ctr">
+            <a:pPr marL="0" lvl="0" indent="0" algn="ctr" rtl="0">
               <a:spcBef>
                 <a:spcPts val="0"/>
               </a:spcBef>
@@ -12065,9 +12461,11 @@
       <p:sp>
         <p:nvSpPr>
           <p:cNvPr id="140" name="Google Shape;140;p10"/>
-          <p:cNvSpPr txBox="1"/>
+          <p:cNvSpPr txBox="1">
+            <a:spLocks noGrp="1"/>
+          </p:cNvSpPr>
           <p:nvPr>
-            <p:ph idx="1" type="body"/>
+            <p:ph type="body" idx="1"/>
           </p:nvPr>
         </p:nvSpPr>
         <p:spPr>
@@ -12084,12 +12482,12 @@
           </a:ln>
         </p:spPr>
         <p:txBody>
-          <a:bodyPr anchorCtr="0" anchor="t" bIns="45700" lIns="91425" spcFirstLastPara="1" rIns="91425" wrap="square" tIns="45700">
+          <a:bodyPr spcFirstLastPara="1" wrap="square" lIns="91425" tIns="45700" rIns="91425" bIns="45700" anchor="t" anchorCtr="0">
             <a:normAutofit/>
           </a:bodyPr>
           <a:lstStyle/>
           <a:p>
-            <a:pPr indent="0" lvl="0" marL="0" rtl="0" algn="l">
+            <a:pPr marL="0" lvl="0" indent="0" algn="l" rtl="0">
               <a:spcBef>
                 <a:spcPts val="0"/>
               </a:spcBef>
@@ -12109,7 +12507,7 @@
             <a:endParaRPr/>
           </a:p>
           <a:p>
-            <a:pPr indent="-285750" lvl="1" marL="742950" rtl="0" algn="l">
+            <a:pPr marL="742950" lvl="1" indent="-285750" algn="l" rtl="0">
               <a:spcBef>
                 <a:spcPts val="360"/>
               </a:spcBef>
@@ -12129,7 +12527,7 @@
             <a:endParaRPr/>
           </a:p>
           <a:p>
-            <a:pPr indent="-285750" lvl="1" marL="742950" rtl="0" algn="l">
+            <a:pPr marL="742950" lvl="1" indent="-285750" algn="l" rtl="0">
               <a:spcBef>
                 <a:spcPts val="360"/>
               </a:spcBef>
@@ -12149,7 +12547,7 @@
             <a:endParaRPr/>
           </a:p>
           <a:p>
-            <a:pPr indent="-285750" lvl="1" marL="742950" rtl="0" algn="l">
+            <a:pPr marL="742950" lvl="1" indent="-285750" algn="l" rtl="0">
               <a:spcBef>
                 <a:spcPts val="360"/>
               </a:spcBef>
@@ -12179,11 +12577,11 @@
 </file>
 
 <file path=ppt/slides/slide11.xml><?xml version="1.0" encoding="utf-8"?>
-<p:sld xmlns:a="http://schemas.openxmlformats.org/drawingml/2006/main" xmlns:r="http://schemas.openxmlformats.org/officeDocument/2006/relationships" xmlns:mc="http://schemas.openxmlformats.org/markup-compatibility/2006" xmlns:mv="urn:schemas-microsoft-com:mac:vml" xmlns:p="http://schemas.openxmlformats.org/presentationml/2006/main" xmlns:c="http://schemas.openxmlformats.org/drawingml/2006/chart" xmlns:dgm="http://schemas.openxmlformats.org/drawingml/2006/diagram" xmlns:o="urn:schemas-microsoft-com:office:office" xmlns:v="urn:schemas-microsoft-com:vml" xmlns:pvml="urn:schemas-microsoft-com:office:powerpoint" xmlns:com="http://schemas.openxmlformats.org/drawingml/2006/compatibility" xmlns:p14="http://schemas.microsoft.com/office/powerpoint/2010/main" xmlns:p15="http://schemas.microsoft.com/office/powerpoint/2012/main" xmlns:ahyp="http://schemas.microsoft.com/office/drawing/2018/hyperlinkcolor">
+<p:sld xmlns:a="http://schemas.openxmlformats.org/drawingml/2006/main" xmlns:r="http://schemas.openxmlformats.org/officeDocument/2006/relationships" xmlns:p="http://schemas.openxmlformats.org/presentationml/2006/main">
   <p:cSld>
     <p:spTree>
       <p:nvGrpSpPr>
-        <p:cNvPr id="144" name="Shape 144"/>
+        <p:cNvPr id="1" name="Shape 144"/>
         <p:cNvGrpSpPr/>
         <p:nvPr/>
       </p:nvGrpSpPr>
@@ -12198,7 +12596,9 @@
       <p:sp>
         <p:nvSpPr>
           <p:cNvPr id="145" name="Google Shape;145;p11"/>
-          <p:cNvSpPr txBox="1"/>
+          <p:cNvSpPr txBox="1">
+            <a:spLocks noGrp="1"/>
+          </p:cNvSpPr>
           <p:nvPr>
             <p:ph type="title"/>
           </p:nvPr>
@@ -12217,12 +12617,12 @@
           </a:ln>
         </p:spPr>
         <p:txBody>
-          <a:bodyPr anchorCtr="0" anchor="ctr" bIns="45700" lIns="91425" spcFirstLastPara="1" rIns="91425" wrap="square" tIns="45700">
+          <a:bodyPr spcFirstLastPara="1" wrap="square" lIns="91425" tIns="45700" rIns="91425" bIns="45700" anchor="ctr" anchorCtr="0">
             <a:normAutofit/>
           </a:bodyPr>
           <a:lstStyle/>
           <a:p>
-            <a:pPr indent="0" lvl="0" marL="0" rtl="0" algn="ctr">
+            <a:pPr marL="0" lvl="0" indent="0" algn="ctr" rtl="0">
               <a:spcBef>
                 <a:spcPts val="0"/>
               </a:spcBef>
@@ -12247,9 +12647,11 @@
       <p:sp>
         <p:nvSpPr>
           <p:cNvPr id="146" name="Google Shape;146;p11"/>
-          <p:cNvSpPr txBox="1"/>
+          <p:cNvSpPr txBox="1">
+            <a:spLocks noGrp="1"/>
+          </p:cNvSpPr>
           <p:nvPr>
-            <p:ph idx="1" type="body"/>
+            <p:ph type="body" idx="1"/>
           </p:nvPr>
         </p:nvSpPr>
         <p:spPr>
@@ -12266,12 +12668,12 @@
           </a:ln>
         </p:spPr>
         <p:txBody>
-          <a:bodyPr anchorCtr="0" anchor="t" bIns="45700" lIns="91425" spcFirstLastPara="1" rIns="91425" wrap="square" tIns="45700">
+          <a:bodyPr spcFirstLastPara="1" wrap="square" lIns="91425" tIns="45700" rIns="91425" bIns="45700" anchor="t" anchorCtr="0">
             <a:normAutofit/>
           </a:bodyPr>
           <a:lstStyle/>
           <a:p>
-            <a:pPr indent="0" lvl="0" marL="1270000" rtl="0" algn="l">
+            <a:pPr marL="1270000" lvl="0" indent="0" algn="l" rtl="0">
               <a:spcBef>
                 <a:spcPts val="0"/>
               </a:spcBef>
@@ -12285,11 +12687,11 @@
               <a:buNone/>
             </a:pPr>
             <a:r>
-              <a:rPr lang="en-US" sz="2000"/>
+              <a:rPr lang="en-US" sz="2000" dirty="0"/>
               <a:t>The faculty has primary responsibility for such fundamental areas as curriculum, subject matter and methods of instruction, research, faculty status, and those aspects of student life which relate to the educational process. (AAUP </a:t>
             </a:r>
             <a:r>
-              <a:rPr lang="en-US" sz="2000" u="sng">
+              <a:rPr lang="en-US" sz="2000" u="sng" dirty="0">
                 <a:solidFill>
                   <a:schemeClr val="hlink"/>
                 </a:solidFill>
@@ -12298,13 +12700,28 @@
               <a:t>Statement on Government of Colleges and Universities</a:t>
             </a:r>
             <a:r>
-              <a:rPr lang="en-US" sz="2000"/>
+              <a:rPr lang="en-US" sz="2000" dirty="0"/>
               <a:t> )</a:t>
             </a:r>
-            <a:endParaRPr/>
           </a:p>
           <a:p>
-            <a:pPr indent="-285750" lvl="1" marL="742950" rtl="0" algn="l">
+            <a:pPr marL="1270000" lvl="0" indent="0" algn="l" rtl="0">
+              <a:spcBef>
+                <a:spcPts val="0"/>
+              </a:spcBef>
+              <a:spcAft>
+                <a:spcPts val="0"/>
+              </a:spcAft>
+              <a:buClr>
+                <a:schemeClr val="dk1"/>
+              </a:buClr>
+              <a:buSzPts val="2000"/>
+              <a:buNone/>
+            </a:pPr>
+            <a:endParaRPr dirty="0"/>
+          </a:p>
+          <a:p>
+            <a:pPr marL="742950" lvl="1" indent="-285750" algn="l" rtl="0">
               <a:spcBef>
                 <a:spcPts val="360"/>
               </a:spcBef>
@@ -12318,13 +12735,13 @@
               <a:buChar char="–"/>
             </a:pPr>
             <a:r>
-              <a:rPr lang="en-US" sz="1800"/>
+              <a:rPr lang="en-US" sz="1800" dirty="0"/>
               <a:t>Administrative Chairs replace elected chairs</a:t>
             </a:r>
-            <a:endParaRPr/>
+            <a:endParaRPr dirty="0"/>
           </a:p>
           <a:p>
-            <a:pPr indent="-285750" lvl="1" marL="742950" rtl="0" algn="l">
+            <a:pPr marL="742950" lvl="1" indent="-285750" algn="l" rtl="0">
               <a:spcBef>
                 <a:spcPts val="360"/>
               </a:spcBef>
@@ -12338,13 +12755,13 @@
               <a:buChar char="–"/>
             </a:pPr>
             <a:r>
-              <a:rPr lang="en-US" sz="1800"/>
+              <a:rPr lang="en-US" sz="1800" dirty="0"/>
               <a:t>Replaces the careful balancing of faculty from Division/Schools</a:t>
             </a:r>
-            <a:endParaRPr/>
+            <a:endParaRPr dirty="0"/>
           </a:p>
           <a:p>
-            <a:pPr indent="-285750" lvl="1" marL="742950" rtl="0" algn="l">
+            <a:pPr marL="742950" lvl="1" indent="-285750" algn="l" rtl="0">
               <a:spcBef>
                 <a:spcPts val="360"/>
               </a:spcBef>
@@ -12358,13 +12775,29 @@
               <a:buChar char="–"/>
             </a:pPr>
             <a:r>
-              <a:rPr lang="en-US" sz="1800"/>
-              <a:t>The Academic Freedom Committee is currently selected by the Faculty Senate Executive Committee; the proposed new committee would be selected by the Deans.</a:t>
-            </a:r>
-            <a:endParaRPr/>
+              <a:rPr lang="en-US" sz="1800" dirty="0"/>
+              <a:t>The Academic Freedom Committee is currently </a:t>
+            </a:r>
+            <a:r>
+              <a:rPr lang="en-US" sz="1800" b="1" dirty="0"/>
+              <a:t>selected</a:t>
+            </a:r>
+            <a:r>
+              <a:rPr lang="en-US" sz="1800" dirty="0"/>
+              <a:t> by the Faculty Senate Executive Committee; the proposed new committee would be </a:t>
+            </a:r>
+            <a:r>
+              <a:rPr lang="en-US" sz="1800" b="1" dirty="0"/>
+              <a:t>selected</a:t>
+            </a:r>
+            <a:r>
+              <a:rPr lang="en-US" sz="1800" dirty="0"/>
+              <a:t> by the Deans.</a:t>
+            </a:r>
+            <a:endParaRPr dirty="0"/>
           </a:p>
           <a:p>
-            <a:pPr indent="-285750" lvl="1" marL="742950" rtl="0" algn="l">
+            <a:pPr marL="742950" lvl="1" indent="-285750" algn="l" rtl="0">
               <a:spcBef>
                 <a:spcPts val="360"/>
               </a:spcBef>
@@ -12378,10 +12811,18 @@
               <a:buChar char="–"/>
             </a:pPr>
             <a:r>
-              <a:rPr lang="en-US" sz="1800"/>
-              <a:t>Faculty Personnel Policy Committee is abolished</a:t>
-            </a:r>
-            <a:endParaRPr/>
+              <a:rPr lang="en-US" sz="1800" b="1" dirty="0"/>
+              <a:t>Faculty Personnel Policy Committee</a:t>
+            </a:r>
+            <a:r>
+              <a:rPr lang="en-US" sz="1800" dirty="0"/>
+              <a:t> is </a:t>
+            </a:r>
+            <a:r>
+              <a:rPr lang="en-US" sz="1800" b="1" dirty="0"/>
+              <a:t>abolished</a:t>
+            </a:r>
+            <a:endParaRPr b="1" dirty="0"/>
           </a:p>
         </p:txBody>
       </p:sp>
@@ -12394,11 +12835,11 @@
 </file>
 
 <file path=ppt/slides/slide12.xml><?xml version="1.0" encoding="utf-8"?>
-<p:sld xmlns:a="http://schemas.openxmlformats.org/drawingml/2006/main" xmlns:r="http://schemas.openxmlformats.org/officeDocument/2006/relationships" xmlns:mc="http://schemas.openxmlformats.org/markup-compatibility/2006" xmlns:mv="urn:schemas-microsoft-com:mac:vml" xmlns:p="http://schemas.openxmlformats.org/presentationml/2006/main" xmlns:c="http://schemas.openxmlformats.org/drawingml/2006/chart" xmlns:dgm="http://schemas.openxmlformats.org/drawingml/2006/diagram" xmlns:o="urn:schemas-microsoft-com:office:office" xmlns:v="urn:schemas-microsoft-com:vml" xmlns:pvml="urn:schemas-microsoft-com:office:powerpoint" xmlns:com="http://schemas.openxmlformats.org/drawingml/2006/compatibility" xmlns:p14="http://schemas.microsoft.com/office/powerpoint/2010/main" xmlns:p15="http://schemas.microsoft.com/office/powerpoint/2012/main" xmlns:ahyp="http://schemas.microsoft.com/office/drawing/2018/hyperlinkcolor">
+<p:sld xmlns:a="http://schemas.openxmlformats.org/drawingml/2006/main" xmlns:r="http://schemas.openxmlformats.org/officeDocument/2006/relationships" xmlns:p="http://schemas.openxmlformats.org/presentationml/2006/main">
   <p:cSld>
     <p:spTree>
       <p:nvGrpSpPr>
-        <p:cNvPr id="150" name="Shape 150"/>
+        <p:cNvPr id="1" name="Shape 150"/>
         <p:cNvGrpSpPr/>
         <p:nvPr/>
       </p:nvGrpSpPr>
@@ -12413,7 +12854,9 @@
       <p:sp>
         <p:nvSpPr>
           <p:cNvPr id="151" name="Google Shape;151;p12"/>
-          <p:cNvSpPr txBox="1"/>
+          <p:cNvSpPr txBox="1">
+            <a:spLocks noGrp="1"/>
+          </p:cNvSpPr>
           <p:nvPr>
             <p:ph type="title"/>
           </p:nvPr>
@@ -12432,12 +12875,12 @@
           </a:ln>
         </p:spPr>
         <p:txBody>
-          <a:bodyPr anchorCtr="0" anchor="ctr" bIns="45700" lIns="91425" spcFirstLastPara="1" rIns="91425" wrap="square" tIns="45700">
+          <a:bodyPr spcFirstLastPara="1" wrap="square" lIns="91425" tIns="45700" rIns="91425" bIns="45700" anchor="ctr" anchorCtr="0">
             <a:normAutofit/>
           </a:bodyPr>
           <a:lstStyle/>
           <a:p>
-            <a:pPr indent="0" lvl="0" marL="0" rtl="0" algn="ctr">
+            <a:pPr marL="0" lvl="0" indent="0" algn="ctr" rtl="0">
               <a:spcBef>
                 <a:spcPts val="0"/>
               </a:spcBef>
@@ -12462,9 +12905,11 @@
       <p:sp>
         <p:nvSpPr>
           <p:cNvPr id="152" name="Google Shape;152;p12"/>
-          <p:cNvSpPr txBox="1"/>
+          <p:cNvSpPr txBox="1">
+            <a:spLocks noGrp="1"/>
+          </p:cNvSpPr>
           <p:nvPr>
-            <p:ph idx="1" type="body"/>
+            <p:ph type="body" idx="1"/>
           </p:nvPr>
         </p:nvSpPr>
         <p:spPr>
@@ -12481,12 +12926,12 @@
           </a:ln>
         </p:spPr>
         <p:txBody>
-          <a:bodyPr anchorCtr="0" anchor="t" bIns="45700" lIns="91425" spcFirstLastPara="1" rIns="91425" wrap="square" tIns="45700">
+          <a:bodyPr spcFirstLastPara="1" wrap="square" lIns="91425" tIns="45700" rIns="91425" bIns="45700" anchor="t" anchorCtr="0">
             <a:normAutofit/>
           </a:bodyPr>
           <a:lstStyle/>
           <a:p>
-            <a:pPr indent="-285750" lvl="1" marL="742950" rtl="0" algn="l">
+            <a:pPr marL="742950" lvl="1" indent="-285750" algn="l" rtl="0">
               <a:spcBef>
                 <a:spcPts val="0"/>
               </a:spcBef>
@@ -12500,13 +12945,25 @@
               <a:buChar char="–"/>
             </a:pPr>
             <a:r>
-              <a:rPr lang="en-US" sz="1800"/>
-              <a:t>The AREC committee with its oversight duties is abolished</a:t>
-            </a:r>
-            <a:endParaRPr/>
+              <a:rPr lang="en-US" sz="1800" dirty="0"/>
+              <a:t>The </a:t>
+            </a:r>
+            <a:r>
+              <a:rPr lang="en-US" sz="1800" b="1" dirty="0"/>
+              <a:t>AREC committee </a:t>
+            </a:r>
+            <a:r>
+              <a:rPr lang="en-US" sz="1800" dirty="0"/>
+              <a:t>with its oversight duties is </a:t>
+            </a:r>
+            <a:r>
+              <a:rPr lang="en-US" sz="1800" b="1" dirty="0"/>
+              <a:t>abolished</a:t>
+            </a:r>
+            <a:endParaRPr b="1" dirty="0"/>
           </a:p>
           <a:p>
-            <a:pPr indent="-285750" lvl="1" marL="742950" rtl="0" algn="l">
+            <a:pPr marL="742950" lvl="1" indent="-285750" algn="l" rtl="0">
               <a:spcBef>
                 <a:spcPts val="360"/>
               </a:spcBef>
@@ -12520,13 +12977,25 @@
               <a:buChar char="–"/>
             </a:pPr>
             <a:r>
-              <a:rPr lang="en-US" sz="1800"/>
-              <a:t>The committee on organization is removed</a:t>
-            </a:r>
-            <a:endParaRPr/>
+              <a:rPr lang="en-US" sz="1800" dirty="0"/>
+              <a:t>The </a:t>
+            </a:r>
+            <a:r>
+              <a:rPr lang="en-US" sz="1800" b="1" dirty="0"/>
+              <a:t>Committee on organization </a:t>
+            </a:r>
+            <a:r>
+              <a:rPr lang="en-US" sz="1800" dirty="0"/>
+              <a:t>is </a:t>
+            </a:r>
+            <a:r>
+              <a:rPr lang="en-US" sz="1800" b="1" dirty="0"/>
+              <a:t>abolished</a:t>
+            </a:r>
+            <a:endParaRPr b="1" dirty="0"/>
           </a:p>
           <a:p>
-            <a:pPr indent="-285750" lvl="1" marL="742950" rtl="0" algn="l">
+            <a:pPr marL="742950" lvl="1" indent="-285750" algn="l" rtl="0">
               <a:spcBef>
                 <a:spcPts val="360"/>
               </a:spcBef>
@@ -12540,14 +13009,30 @@
               <a:buChar char="–"/>
             </a:pPr>
             <a:r>
-              <a:rPr lang="en-US"/>
+              <a:rPr lang="en-US" dirty="0"/>
               <a:t>T</a:t>
             </a:r>
             <a:r>
-              <a:rPr lang="en-US" sz="1800"/>
-              <a:t>he Bylaws committee is removed. Though the referendum process is similar in wording, the Student voice on any change is proposed to be 2/71 instead of 8/74; the PT faculty voice is removed; the HEO/CLT voice is diminished</a:t>
-            </a:r>
-            <a:endParaRPr/>
+              <a:rPr lang="en-US" sz="1800" dirty="0"/>
+              <a:t>he </a:t>
+            </a:r>
+            <a:r>
+              <a:rPr lang="en-US" sz="1800" b="1" dirty="0"/>
+              <a:t>Bylaws committee</a:t>
+            </a:r>
+            <a:r>
+              <a:rPr lang="en-US" sz="1800" dirty="0"/>
+              <a:t> is </a:t>
+            </a:r>
+            <a:r>
+              <a:rPr lang="en-US" sz="1800" b="1" dirty="0"/>
+              <a:t>abolished</a:t>
+            </a:r>
+            <a:r>
+              <a:rPr lang="en-US" sz="1800" dirty="0"/>
+              <a:t>. Though the referendum process is similar in wording, the Student voice on any change is proposed to be 2/71 instead of 8/74; the PT faculty voice is removed; the HEO/CLT voice is diminished</a:t>
+            </a:r>
+            <a:endParaRPr dirty="0"/>
           </a:p>
         </p:txBody>
       </p:sp>
@@ -12560,11 +13045,11 @@
 </file>
 
 <file path=ppt/slides/slide13.xml><?xml version="1.0" encoding="utf-8"?>
-<p:sld xmlns:a="http://schemas.openxmlformats.org/drawingml/2006/main" xmlns:r="http://schemas.openxmlformats.org/officeDocument/2006/relationships" xmlns:mc="http://schemas.openxmlformats.org/markup-compatibility/2006" xmlns:mv="urn:schemas-microsoft-com:mac:vml" xmlns:p="http://schemas.openxmlformats.org/presentationml/2006/main" xmlns:c="http://schemas.openxmlformats.org/drawingml/2006/chart" xmlns:dgm="http://schemas.openxmlformats.org/drawingml/2006/diagram" xmlns:o="urn:schemas-microsoft-com:office:office" xmlns:v="urn:schemas-microsoft-com:vml" xmlns:pvml="urn:schemas-microsoft-com:office:powerpoint" xmlns:com="http://schemas.openxmlformats.org/drawingml/2006/compatibility" xmlns:p14="http://schemas.microsoft.com/office/powerpoint/2010/main" xmlns:p15="http://schemas.microsoft.com/office/powerpoint/2012/main" xmlns:ahyp="http://schemas.microsoft.com/office/drawing/2018/hyperlinkcolor">
+<p:sld xmlns:a="http://schemas.openxmlformats.org/drawingml/2006/main" xmlns:r="http://schemas.openxmlformats.org/officeDocument/2006/relationships" xmlns:p="http://schemas.openxmlformats.org/presentationml/2006/main">
   <p:cSld>
     <p:spTree>
       <p:nvGrpSpPr>
-        <p:cNvPr id="156" name="Shape 156"/>
+        <p:cNvPr id="1" name="Shape 156"/>
         <p:cNvGrpSpPr/>
         <p:nvPr/>
       </p:nvGrpSpPr>
@@ -12579,7 +13064,9 @@
       <p:sp>
         <p:nvSpPr>
           <p:cNvPr id="157" name="Google Shape;157;p13"/>
-          <p:cNvSpPr txBox="1"/>
+          <p:cNvSpPr txBox="1">
+            <a:spLocks noGrp="1"/>
+          </p:cNvSpPr>
           <p:nvPr>
             <p:ph type="title"/>
           </p:nvPr>
@@ -12598,12 +13085,12 @@
           </a:ln>
         </p:spPr>
         <p:txBody>
-          <a:bodyPr anchorCtr="0" anchor="ctr" bIns="45700" lIns="91425" spcFirstLastPara="1" rIns="91425" wrap="square" tIns="45700">
+          <a:bodyPr spcFirstLastPara="1" wrap="square" lIns="91425" tIns="45700" rIns="91425" bIns="45700" anchor="ctr" anchorCtr="0">
             <a:normAutofit/>
           </a:bodyPr>
           <a:lstStyle/>
           <a:p>
-            <a:pPr indent="0" lvl="0" marL="0" rtl="0" algn="ctr">
+            <a:pPr marL="0" lvl="0" indent="0" algn="ctr" rtl="0">
               <a:spcBef>
                 <a:spcPts val="0"/>
               </a:spcBef>
@@ -12628,9 +13115,11 @@
       <p:sp>
         <p:nvSpPr>
           <p:cNvPr id="158" name="Google Shape;158;p13"/>
-          <p:cNvSpPr txBox="1"/>
+          <p:cNvSpPr txBox="1">
+            <a:spLocks noGrp="1"/>
+          </p:cNvSpPr>
           <p:nvPr>
-            <p:ph idx="1" type="body"/>
+            <p:ph type="body" idx="1"/>
           </p:nvPr>
         </p:nvSpPr>
         <p:spPr>
@@ -12647,12 +13136,12 @@
           </a:ln>
         </p:spPr>
         <p:txBody>
-          <a:bodyPr anchorCtr="0" anchor="t" bIns="45700" lIns="91425" spcFirstLastPara="1" rIns="91425" wrap="square" tIns="45700">
+          <a:bodyPr spcFirstLastPara="1" wrap="square" lIns="91425" tIns="45700" rIns="91425" bIns="45700" anchor="t" anchorCtr="0">
             <a:normAutofit fontScale="92500" lnSpcReduction="20000"/>
           </a:bodyPr>
           <a:lstStyle/>
           <a:p>
-            <a:pPr indent="-285750" lvl="1" marL="742950" rtl="0" algn="l">
+            <a:pPr marL="742950" lvl="1" indent="-285750" algn="l" rtl="0">
               <a:spcBef>
                 <a:spcPts val="0"/>
               </a:spcBef>
@@ -12666,13 +13155,13 @@
               <a:buChar char="–"/>
             </a:pPr>
             <a:r>
-              <a:rPr lang="en-US"/>
+              <a:rPr lang="en-US" dirty="0"/>
               <a:t>The membership of the executive committee of the CSI College Senate is deliberately vague. All members may be appointed by the President, as written.</a:t>
             </a:r>
-            <a:endParaRPr/>
+            <a:endParaRPr dirty="0"/>
           </a:p>
           <a:p>
-            <a:pPr indent="-285750" lvl="1" marL="742950" rtl="0" algn="l">
+            <a:pPr marL="742950" lvl="1" indent="-285750" algn="l" rtl="0">
               <a:spcBef>
                 <a:spcPts val="333"/>
               </a:spcBef>
@@ -12686,21 +13175,21 @@
               <a:buChar char="–"/>
             </a:pPr>
             <a:r>
-              <a:rPr lang="en-US"/>
+              <a:rPr lang="en-US" dirty="0"/>
               <a:t>The non-chair faculty membership of the CSI College Senate could </a:t>
             </a:r>
             <a:r>
-              <a:rPr i="1" lang="en-US"/>
+              <a:rPr lang="en-US" i="1" dirty="0"/>
               <a:t>possibly</a:t>
             </a:r>
             <a:r>
-              <a:rPr lang="en-US"/>
+              <a:rPr lang="en-US" dirty="0"/>
               <a:t> be appointed, as no mention of an election is given.</a:t>
             </a:r>
-            <a:endParaRPr/>
+            <a:endParaRPr dirty="0"/>
           </a:p>
           <a:p>
-            <a:pPr indent="-285750" lvl="1" marL="742950" rtl="0" algn="l">
+            <a:pPr marL="742950" lvl="1" indent="-285750" algn="l" rtl="0">
               <a:spcBef>
                 <a:spcPts val="333"/>
               </a:spcBef>
@@ -12714,13 +13203,13 @@
               <a:buChar char="–"/>
             </a:pPr>
             <a:r>
-              <a:rPr lang="en-US"/>
+              <a:rPr lang="en-US" dirty="0"/>
               <a:t>The HEOs on the CSI College Senate are not elected, nor necessarily members of the Steering Committee.</a:t>
             </a:r>
-            <a:endParaRPr/>
+            <a:endParaRPr dirty="0"/>
           </a:p>
           <a:p>
-            <a:pPr indent="-285750" lvl="1" marL="742950" rtl="0" algn="l">
+            <a:pPr marL="742950" lvl="1" indent="-285750" algn="l" rtl="0">
               <a:spcBef>
                 <a:spcPts val="333"/>
               </a:spcBef>
@@ -12734,13 +13223,13 @@
               <a:buChar char="–"/>
             </a:pPr>
             <a:r>
-              <a:rPr lang="en-US"/>
+              <a:rPr lang="en-US" dirty="0"/>
               <a:t>The administrative portion of the votes on the CSI College Senate can grow significantly in proportion; all other bodies have a fixed size.</a:t>
             </a:r>
-            <a:endParaRPr/>
+            <a:endParaRPr dirty="0"/>
           </a:p>
           <a:p>
-            <a:pPr indent="-285750" lvl="1" marL="742950" rtl="0" algn="l">
+            <a:pPr marL="742950" lvl="1" indent="-285750" algn="l" rtl="0">
               <a:spcBef>
                 <a:spcPts val="333"/>
               </a:spcBef>
@@ -12754,21 +13243,21 @@
               <a:buChar char="–"/>
             </a:pPr>
             <a:r>
-              <a:rPr lang="en-US"/>
+              <a:rPr lang="en-US" dirty="0"/>
               <a:t>The Divisional/School Personnel and Budget Committees are not specified; the chairs – which play a significant role in the P&amp;B – may presumably be </a:t>
             </a:r>
             <a:r>
-              <a:rPr i="1" lang="en-US"/>
+              <a:rPr lang="en-US" i="1" dirty="0"/>
               <a:t>appointed</a:t>
             </a:r>
             <a:r>
-              <a:rPr lang="en-US"/>
+              <a:rPr lang="en-US" dirty="0"/>
               <a:t>.</a:t>
             </a:r>
-            <a:endParaRPr/>
+            <a:endParaRPr dirty="0"/>
           </a:p>
           <a:p>
-            <a:pPr indent="-285750" lvl="1" marL="742950" rtl="0" algn="l">
+            <a:pPr marL="742950" lvl="1" indent="-285750" algn="l" rtl="0">
               <a:spcBef>
                 <a:spcPts val="333"/>
               </a:spcBef>
@@ -12782,13 +13271,13 @@
               <a:buChar char="–"/>
             </a:pPr>
             <a:r>
-              <a:rPr lang="en-US"/>
+              <a:rPr lang="en-US" dirty="0"/>
               <a:t>The Departmental Appointments Committees are abolished and their duties not assigned.</a:t>
             </a:r>
-            <a:endParaRPr/>
+            <a:endParaRPr dirty="0"/>
           </a:p>
           <a:p>
-            <a:pPr indent="-285750" lvl="1" marL="742950" rtl="0" algn="l">
+            <a:pPr marL="742950" lvl="1" indent="-285750" algn="l" rtl="0">
               <a:spcBef>
                 <a:spcPts val="333"/>
               </a:spcBef>
@@ -12802,13 +13291,13 @@
               <a:buChar char="–"/>
             </a:pPr>
             <a:r>
-              <a:rPr lang="en-US"/>
+              <a:rPr lang="en-US" dirty="0"/>
               <a:t>The Division/School representatives are elected by members from all the voting faculty.</a:t>
             </a:r>
-            <a:endParaRPr/>
+            <a:endParaRPr dirty="0"/>
           </a:p>
           <a:p>
-            <a:pPr indent="-285750" lvl="1" marL="742950" rtl="0" algn="l">
+            <a:pPr marL="742950" lvl="1" indent="-285750" algn="l" rtl="0">
               <a:spcBef>
                 <a:spcPts val="333"/>
               </a:spcBef>
@@ -12822,13 +13311,13 @@
               <a:buChar char="–"/>
             </a:pPr>
             <a:r>
-              <a:rPr lang="en-US"/>
+              <a:rPr lang="en-US" dirty="0"/>
               <a:t>The allocation of faculty voice in all committees does not reflect the size of the body they represent.</a:t>
             </a:r>
-            <a:endParaRPr/>
+            <a:endParaRPr dirty="0"/>
           </a:p>
           <a:p>
-            <a:pPr indent="-285750" lvl="1" marL="742950" rtl="0" algn="l">
+            <a:pPr marL="742950" lvl="1" indent="-285750" algn="l" rtl="0">
               <a:spcBef>
                 <a:spcPts val="333"/>
               </a:spcBef>
@@ -12842,26 +13331,45 @@
               <a:buChar char="–"/>
             </a:pPr>
             <a:r>
-              <a:rPr lang="en-US"/>
+              <a:rPr lang="en-US" dirty="0"/>
               <a:t>Where faculty have </a:t>
             </a:r>
             <a:r>
-              <a:rPr i="1" lang="en-US"/>
+              <a:rPr lang="en-US" i="1" dirty="0"/>
               <a:t>primary</a:t>
             </a:r>
             <a:r>
-              <a:rPr lang="en-US"/>
+              <a:rPr lang="en-US" dirty="0"/>
               <a:t> responsibility for matters of status, the proposed P&amp;B has only 5/15 votes as faculty. And as mentioned these may possibly be </a:t>
             </a:r>
             <a:r>
-              <a:rPr i="1" lang="en-US"/>
+              <a:rPr lang="en-US" i="1" dirty="0"/>
               <a:t>appointed</a:t>
             </a:r>
             <a:r>
-              <a:rPr lang="en-US"/>
+              <a:rPr lang="en-US" dirty="0"/>
               <a:t>.</a:t>
             </a:r>
-            <a:endParaRPr/>
+          </a:p>
+          <a:p>
+            <a:pPr marL="742950" lvl="1" indent="-285750" algn="l" rtl="0">
+              <a:spcBef>
+                <a:spcPts val="333"/>
+              </a:spcBef>
+              <a:spcAft>
+                <a:spcPts val="0"/>
+              </a:spcAft>
+              <a:buClr>
+                <a:schemeClr val="dk1"/>
+              </a:buClr>
+              <a:buSzPct val="100000"/>
+              <a:buChar char="–"/>
+            </a:pPr>
+            <a:r>
+              <a:rPr lang="en-US" b="1" dirty="0"/>
+              <a:t>...</a:t>
+            </a:r>
+            <a:endParaRPr b="1" dirty="0"/>
           </a:p>
         </p:txBody>
       </p:sp>
@@ -12873,12 +13381,114 @@
 </p:sld>
 </file>
 
-<file path=ppt/slides/slide2.xml><?xml version="1.0" encoding="utf-8"?>
-<p:sld xmlns:a="http://schemas.openxmlformats.org/drawingml/2006/main" xmlns:r="http://schemas.openxmlformats.org/officeDocument/2006/relationships" xmlns:mc="http://schemas.openxmlformats.org/markup-compatibility/2006" xmlns:mv="urn:schemas-microsoft-com:mac:vml" xmlns:p="http://schemas.openxmlformats.org/presentationml/2006/main" xmlns:c="http://schemas.openxmlformats.org/drawingml/2006/chart" xmlns:dgm="http://schemas.openxmlformats.org/drawingml/2006/diagram" xmlns:o="urn:schemas-microsoft-com:office:office" xmlns:v="urn:schemas-microsoft-com:vml" xmlns:pvml="urn:schemas-microsoft-com:office:powerpoint" xmlns:com="http://schemas.openxmlformats.org/drawingml/2006/compatibility" xmlns:p14="http://schemas.microsoft.com/office/powerpoint/2010/main" xmlns:p15="http://schemas.microsoft.com/office/powerpoint/2012/main" xmlns:ahyp="http://schemas.microsoft.com/office/drawing/2018/hyperlinkcolor">
+<file path=ppt/slides/slide14.xml><?xml version="1.0" encoding="utf-8"?>
+<p:sld xmlns:a="http://schemas.openxmlformats.org/drawingml/2006/main" xmlns:r="http://schemas.openxmlformats.org/officeDocument/2006/relationships" xmlns:p="http://schemas.openxmlformats.org/presentationml/2006/main">
   <p:cSld>
     <p:spTree>
       <p:nvGrpSpPr>
-        <p:cNvPr id="90" name="Shape 90"/>
+        <p:cNvPr id="1" name=""/>
+        <p:cNvGrpSpPr/>
+        <p:nvPr/>
+      </p:nvGrpSpPr>
+      <p:grpSpPr>
+        <a:xfrm>
+          <a:off x="0" y="0"/>
+          <a:ext cx="0" cy="0"/>
+          <a:chOff x="0" y="0"/>
+          <a:chExt cx="0" cy="0"/>
+        </a:xfrm>
+      </p:grpSpPr>
+      <p:sp>
+        <p:nvSpPr>
+          <p:cNvPr id="2" name="Title 1">
+            <a:extLst>
+              <a:ext uri="{FF2B5EF4-FFF2-40B4-BE49-F238E27FC236}">
+                <a16:creationId xmlns:a16="http://schemas.microsoft.com/office/drawing/2014/main" id="{5F4871C3-6B33-7247-8854-339E6185C5AF}"/>
+              </a:ext>
+            </a:extLst>
+          </p:cNvPr>
+          <p:cNvSpPr>
+            <a:spLocks noGrp="1"/>
+          </p:cNvSpPr>
+          <p:nvPr>
+            <p:ph type="title"/>
+          </p:nvPr>
+        </p:nvSpPr>
+        <p:spPr/>
+        <p:txBody>
+          <a:bodyPr/>
+          <a:lstStyle/>
+          <a:p>
+            <a:r>
+              <a:rPr lang="en-US" dirty="0"/>
+              <a:t>Please participate</a:t>
+            </a:r>
+          </a:p>
+        </p:txBody>
+      </p:sp>
+      <p:sp>
+        <p:nvSpPr>
+          <p:cNvPr id="3" name="Text Placeholder 2">
+            <a:extLst>
+              <a:ext uri="{FF2B5EF4-FFF2-40B4-BE49-F238E27FC236}">
+                <a16:creationId xmlns:a16="http://schemas.microsoft.com/office/drawing/2014/main" id="{2B8FED71-54FA-324C-86D7-82C60583A551}"/>
+              </a:ext>
+            </a:extLst>
+          </p:cNvPr>
+          <p:cNvSpPr>
+            <a:spLocks noGrp="1"/>
+          </p:cNvSpPr>
+          <p:nvPr>
+            <p:ph type="body" idx="1"/>
+          </p:nvPr>
+        </p:nvSpPr>
+        <p:spPr/>
+        <p:txBody>
+          <a:bodyPr/>
+          <a:lstStyle/>
+          <a:p>
+            <a:r>
+              <a:rPr lang="en-US" dirty="0"/>
+              <a:t>The President has arranged for commentary to be held through “TEAMS.” The link in the 3/2 email initiates membership in the group.</a:t>
+            </a:r>
+          </a:p>
+          <a:p>
+            <a:r>
+              <a:rPr lang="en-US" dirty="0"/>
+              <a:t>Unlike past uses of community bulletin board, there is apparently no means to post anonymous commentary. The fear of retaliation is always present when interacting with a College President. If you have such a concern, I have offered to post comments sent to me (</a:t>
+            </a:r>
+            <a:r>
+              <a:rPr lang="en-US" dirty="0">
+                <a:hlinkClick r:id="rId2"/>
+              </a:rPr>
+              <a:t>jverzani@gmail.com</a:t>
+            </a:r>
+            <a:r>
+              <a:rPr lang="en-US" dirty="0"/>
+              <a:t>) to the TEAMS site.</a:t>
+            </a:r>
+          </a:p>
+        </p:txBody>
+      </p:sp>
+    </p:spTree>
+    <p:extLst>
+      <p:ext uri="{BB962C8B-B14F-4D97-AF65-F5344CB8AC3E}">
+        <p14:creationId xmlns:p14="http://schemas.microsoft.com/office/powerpoint/2010/main" val="2089510356"/>
+      </p:ext>
+    </p:extLst>
+  </p:cSld>
+  <p:clrMapOvr>
+    <a:masterClrMapping/>
+  </p:clrMapOvr>
+</p:sld>
+</file>
+
+<file path=ppt/slides/slide2.xml><?xml version="1.0" encoding="utf-8"?>
+<p:sld xmlns:a="http://schemas.openxmlformats.org/drawingml/2006/main" xmlns:r="http://schemas.openxmlformats.org/officeDocument/2006/relationships" xmlns:p="http://schemas.openxmlformats.org/presentationml/2006/main">
+  <p:cSld>
+    <p:spTree>
+      <p:nvGrpSpPr>
+        <p:cNvPr id="1" name="Shape 90"/>
         <p:cNvGrpSpPr/>
         <p:nvPr/>
       </p:nvGrpSpPr>
@@ -12893,7 +13503,9 @@
       <p:sp>
         <p:nvSpPr>
           <p:cNvPr id="91" name="Google Shape;91;p2"/>
-          <p:cNvSpPr txBox="1"/>
+          <p:cNvSpPr txBox="1">
+            <a:spLocks noGrp="1"/>
+          </p:cNvSpPr>
           <p:nvPr>
             <p:ph type="title"/>
           </p:nvPr>
@@ -12912,12 +13524,12 @@
           </a:ln>
         </p:spPr>
         <p:txBody>
-          <a:bodyPr anchorCtr="0" anchor="ctr" bIns="45700" lIns="91425" spcFirstLastPara="1" rIns="91425" wrap="square" tIns="45700">
+          <a:bodyPr spcFirstLastPara="1" wrap="square" lIns="91425" tIns="45700" rIns="91425" bIns="45700" anchor="ctr" anchorCtr="0">
             <a:normAutofit/>
           </a:bodyPr>
           <a:lstStyle/>
           <a:p>
-            <a:pPr indent="0" lvl="0" marL="0" rtl="0" algn="ctr">
+            <a:pPr marL="0" lvl="0" indent="0" algn="ctr" rtl="0">
               <a:spcBef>
                 <a:spcPts val="0"/>
               </a:spcBef>
@@ -12932,19 +13544,21 @@
               <a:buNone/>
             </a:pPr>
             <a:r>
-              <a:rPr lang="en-US" sz="3200"/>
+              <a:rPr lang="en-US" sz="3200" dirty="0"/>
               <a:t>At a glance</a:t>
             </a:r>
-            <a:endParaRPr/>
+            <a:endParaRPr dirty="0"/>
           </a:p>
         </p:txBody>
       </p:sp>
       <p:sp>
         <p:nvSpPr>
           <p:cNvPr id="92" name="Google Shape;92;p2"/>
-          <p:cNvSpPr txBox="1"/>
+          <p:cNvSpPr txBox="1">
+            <a:spLocks noGrp="1"/>
+          </p:cNvSpPr>
           <p:nvPr>
-            <p:ph idx="1" type="body"/>
+            <p:ph type="body" idx="1"/>
           </p:nvPr>
         </p:nvSpPr>
         <p:spPr>
@@ -12961,12 +13575,12 @@
           </a:ln>
         </p:spPr>
         <p:txBody>
-          <a:bodyPr anchorCtr="0" anchor="t" bIns="45700" lIns="91425" spcFirstLastPara="1" rIns="91425" wrap="square" tIns="45700">
+          <a:bodyPr spcFirstLastPara="1" wrap="square" lIns="91425" tIns="45700" rIns="91425" bIns="45700" anchor="t" anchorCtr="0">
             <a:normAutofit/>
           </a:bodyPr>
           <a:lstStyle/>
           <a:p>
-            <a:pPr indent="0" lvl="0" marL="0" rtl="0" algn="l">
+            <a:pPr marL="0" lvl="0" indent="0" algn="l" rtl="0">
               <a:spcBef>
                 <a:spcPts val="0"/>
               </a:spcBef>
@@ -12980,13 +13594,63 @@
               <a:buNone/>
             </a:pPr>
             <a:r>
-              <a:rPr lang="en-US" sz="2400"/>
-              <a:t>The proposed wholesale replacement has many deviations from our current practice as to make a summary difficult. But let us try.</a:t>
-            </a:r>
-            <a:endParaRPr/>
+              <a:rPr lang="en-US" sz="2400" dirty="0"/>
+              <a:t>The proposed wholesale replacement has many deviations from our current practice as to make a summary difficult. </a:t>
+            </a:r>
           </a:p>
           <a:p>
-            <a:pPr indent="0" lvl="0" marL="0" rtl="0" algn="l">
+            <a:pPr marL="0" lvl="0" indent="0" algn="l" rtl="0">
+              <a:spcBef>
+                <a:spcPts val="0"/>
+              </a:spcBef>
+              <a:spcAft>
+                <a:spcPts val="0"/>
+              </a:spcAft>
+              <a:buClr>
+                <a:schemeClr val="dk1"/>
+              </a:buClr>
+              <a:buSzPts val="2400"/>
+              <a:buNone/>
+            </a:pPr>
+            <a:endParaRPr lang="en-US" dirty="0"/>
+          </a:p>
+          <a:p>
+            <a:pPr marL="0" lvl="0" indent="0" algn="l" rtl="0">
+              <a:spcBef>
+                <a:spcPts val="0"/>
+              </a:spcBef>
+              <a:spcAft>
+                <a:spcPts val="0"/>
+              </a:spcAft>
+              <a:buClr>
+                <a:schemeClr val="dk1"/>
+              </a:buClr>
+              <a:buSzPts val="2400"/>
+              <a:buNone/>
+            </a:pPr>
+            <a:r>
+              <a:rPr lang="en-US" sz="2400" dirty="0"/>
+              <a:t>I have summarized them here as best we can for a 10-minute discussion.</a:t>
+            </a:r>
+          </a:p>
+          <a:p>
+            <a:pPr marL="0" lvl="0" indent="0" algn="l" rtl="0">
+              <a:spcBef>
+                <a:spcPts val="0"/>
+              </a:spcBef>
+              <a:spcAft>
+                <a:spcPts val="0"/>
+              </a:spcAft>
+              <a:buClr>
+                <a:schemeClr val="dk1"/>
+              </a:buClr>
+              <a:buSzPts val="2400"/>
+              <a:buNone/>
+            </a:pPr>
+            <a:endParaRPr dirty="0"/>
+          </a:p>
+          <a:p>
+            <a:pPr marL="0" lvl="0" indent="0" algn="l" rtl="0">
               <a:spcBef>
                 <a:spcPts val="480"/>
               </a:spcBef>
@@ -13000,11 +13664,11 @@
               <a:buNone/>
             </a:pPr>
             <a:r>
-              <a:rPr lang="en-US" sz="2400"/>
+              <a:rPr lang="en-US" sz="2400" dirty="0"/>
               <a:t>There are 3 supplemental documents for a more thorough break down at </a:t>
             </a:r>
             <a:r>
-              <a:rPr lang="en-US" u="sng">
+              <a:rPr lang="en-US" u="sng" dirty="0">
                 <a:solidFill>
                   <a:schemeClr val="hlink"/>
                 </a:solidFill>
@@ -13012,7 +13676,7 @@
               </a:rPr>
               <a:t>https://csi-covid19.github.io/CCFS/Mar-SpecialMeeting/</a:t>
             </a:r>
-            <a:endParaRPr/>
+            <a:endParaRPr dirty="0"/>
           </a:p>
         </p:txBody>
       </p:sp>
@@ -13025,11 +13689,11 @@
 </file>
 
 <file path=ppt/slides/slide3.xml><?xml version="1.0" encoding="utf-8"?>
-<p:sld xmlns:a="http://schemas.openxmlformats.org/drawingml/2006/main" xmlns:r="http://schemas.openxmlformats.org/officeDocument/2006/relationships" xmlns:mc="http://schemas.openxmlformats.org/markup-compatibility/2006" xmlns:mv="urn:schemas-microsoft-com:mac:vml" xmlns:p="http://schemas.openxmlformats.org/presentationml/2006/main" xmlns:c="http://schemas.openxmlformats.org/drawingml/2006/chart" xmlns:dgm="http://schemas.openxmlformats.org/drawingml/2006/diagram" xmlns:o="urn:schemas-microsoft-com:office:office" xmlns:v="urn:schemas-microsoft-com:vml" xmlns:pvml="urn:schemas-microsoft-com:office:powerpoint" xmlns:com="http://schemas.openxmlformats.org/drawingml/2006/compatibility" xmlns:p14="http://schemas.microsoft.com/office/powerpoint/2010/main" xmlns:p15="http://schemas.microsoft.com/office/powerpoint/2012/main" xmlns:ahyp="http://schemas.microsoft.com/office/drawing/2018/hyperlinkcolor">
+<p:sld xmlns:a="http://schemas.openxmlformats.org/drawingml/2006/main" xmlns:r="http://schemas.openxmlformats.org/officeDocument/2006/relationships" xmlns:p="http://schemas.openxmlformats.org/presentationml/2006/main">
   <p:cSld>
     <p:spTree>
       <p:nvGrpSpPr>
-        <p:cNvPr id="96" name="Shape 96"/>
+        <p:cNvPr id="1" name="Shape 96"/>
         <p:cNvGrpSpPr/>
         <p:nvPr/>
       </p:nvGrpSpPr>
@@ -13044,7 +13708,9 @@
       <p:sp>
         <p:nvSpPr>
           <p:cNvPr id="97" name="Google Shape;97;p3"/>
-          <p:cNvSpPr txBox="1"/>
+          <p:cNvSpPr txBox="1">
+            <a:spLocks noGrp="1"/>
+          </p:cNvSpPr>
           <p:nvPr>
             <p:ph type="title"/>
           </p:nvPr>
@@ -13063,12 +13729,12 @@
           </a:ln>
         </p:spPr>
         <p:txBody>
-          <a:bodyPr anchorCtr="0" anchor="ctr" bIns="45700" lIns="91425" spcFirstLastPara="1" rIns="91425" wrap="square" tIns="45700">
+          <a:bodyPr spcFirstLastPara="1" wrap="square" lIns="91425" tIns="45700" rIns="91425" bIns="45700" anchor="ctr" anchorCtr="0">
             <a:normAutofit/>
           </a:bodyPr>
           <a:lstStyle/>
           <a:p>
-            <a:pPr indent="0" lvl="0" marL="0" rtl="0" algn="ctr">
+            <a:pPr marL="0" lvl="0" indent="0" algn="ctr" rtl="0">
               <a:spcBef>
                 <a:spcPts val="0"/>
               </a:spcBef>
@@ -13093,9 +13759,11 @@
       <p:sp>
         <p:nvSpPr>
           <p:cNvPr id="98" name="Google Shape;98;p3"/>
-          <p:cNvSpPr txBox="1"/>
+          <p:cNvSpPr txBox="1">
+            <a:spLocks noGrp="1"/>
+          </p:cNvSpPr>
           <p:nvPr>
-            <p:ph idx="1" type="body"/>
+            <p:ph type="body" idx="1"/>
           </p:nvPr>
         </p:nvSpPr>
         <p:spPr>
@@ -13112,12 +13780,12 @@
           </a:ln>
         </p:spPr>
         <p:txBody>
-          <a:bodyPr anchorCtr="0" anchor="t" bIns="45700" lIns="91425" spcFirstLastPara="1" rIns="91425" wrap="square" tIns="45700">
-            <a:normAutofit/>
+          <a:bodyPr spcFirstLastPara="1" wrap="square" lIns="91425" tIns="45700" rIns="91425" bIns="45700" anchor="t" anchorCtr="0">
+            <a:normAutofit lnSpcReduction="10000"/>
           </a:bodyPr>
           <a:lstStyle/>
           <a:p>
-            <a:pPr indent="0" lvl="0" marL="0" rtl="0" algn="l">
+            <a:pPr marL="0" lvl="0" indent="0" algn="l" rtl="0">
               <a:spcBef>
                 <a:spcPts val="0"/>
               </a:spcBef>
@@ -13131,15 +13799,14 @@
               <a:buNone/>
             </a:pPr>
             <a:r>
-              <a:rPr lang="en-US" sz="2400"/>
+              <a:rPr lang="en-US" sz="2400" dirty="0"/>
               <a:t>Quoting from a 2009 letter then Provost Fritz sent to then By laws Committee Chair Sandi Cooper:</a:t>
             </a:r>
-            <a:endParaRPr/>
           </a:p>
           <a:p>
-            <a:pPr indent="0" lvl="0" marL="0" rtl="0" algn="l">
-              <a:spcBef>
-                <a:spcPts val="480"/>
+            <a:pPr marL="0" lvl="0" indent="0" algn="l" rtl="0">
+              <a:spcBef>
+                <a:spcPts val="0"/>
               </a:spcBef>
               <a:spcAft>
                 <a:spcPts val="0"/>
@@ -13150,55 +13817,115 @@
               <a:buSzPts val="2400"/>
               <a:buNone/>
             </a:pPr>
-            <a:r>
-              <a:rPr lang="en-US" sz="2400"/>
-              <a:t>“Language in a governance plan takes on charged meaning and even small, seemingly inconsequential changes, can have profound implications.”</a:t>
-            </a:r>
-            <a:endParaRPr/>
+            <a:endParaRPr dirty="0"/>
           </a:p>
           <a:p>
-            <a:pPr indent="0" lvl="0" marL="0" rtl="0" algn="l">
+            <a:pPr marL="457200" lvl="1" indent="0">
               <a:spcBef>
                 <a:spcPts val="480"/>
               </a:spcBef>
-              <a:spcAft>
-                <a:spcPts val="0"/>
-              </a:spcAft>
-              <a:buClr>
-                <a:schemeClr val="dk1"/>
-              </a:buClr>
               <a:buSzPts val="2400"/>
               <a:buNone/>
             </a:pPr>
             <a:r>
-              <a:rPr lang="en-US" sz="2400"/>
-              <a:t>Here we can agree. This </a:t>
-            </a:r>
-            <a:r>
-              <a:rPr lang="en-US" sz="2400"/>
-              <a:t>sem</a:t>
-            </a:r>
-            <a:r>
-              <a:rPr lang="en-US"/>
-              <a:t>es</a:t>
-            </a:r>
-            <a:r>
-              <a:rPr lang="en-US" sz="2400"/>
-              <a:t>ter,</a:t>
-            </a:r>
-            <a:r>
-              <a:rPr lang="en-US" sz="2400"/>
-              <a:t> as Bylaws Committee Chair, I had hoped to talk about a governance referendum, as at the end of last year President Fritz gave his approval to go ahead with </a:t>
-            </a:r>
-            <a:r>
-              <a:rPr i="1" lang="en-US"/>
-              <a:t>modest</a:t>
-            </a:r>
-            <a:r>
-              <a:rPr lang="en-US" sz="2400"/>
-              <a:t> amendments to the current plan to address 3 issues that had arisen. His deliberation of the modest amendments took one year.</a:t>
-            </a:r>
-            <a:endParaRPr/>
+              <a:rPr lang="en-US" sz="2000" dirty="0"/>
+              <a:t>“Language in a governance plan takes on charged meaning and even small, seemingly inconsequential changes, can have profound implications.”</a:t>
+            </a:r>
+            <a:endParaRPr sz="2000" dirty="0"/>
+          </a:p>
+          <a:p>
+            <a:pPr marL="0" lvl="0" indent="0" algn="l" rtl="0">
+              <a:spcBef>
+                <a:spcPts val="480"/>
+              </a:spcBef>
+              <a:spcAft>
+                <a:spcPts val="0"/>
+              </a:spcAft>
+              <a:buClr>
+                <a:schemeClr val="dk1"/>
+              </a:buClr>
+              <a:buSzPts val="2400"/>
+              <a:buNone/>
+            </a:pPr>
+            <a:endParaRPr lang="en-US" sz="2400" dirty="0"/>
+          </a:p>
+          <a:p>
+            <a:pPr marL="0" lvl="0" indent="0" algn="l" rtl="0">
+              <a:spcBef>
+                <a:spcPts val="480"/>
+              </a:spcBef>
+              <a:spcAft>
+                <a:spcPts val="0"/>
+              </a:spcAft>
+              <a:buClr>
+                <a:schemeClr val="dk1"/>
+              </a:buClr>
+              <a:buSzPts val="2400"/>
+              <a:buNone/>
+            </a:pPr>
+            <a:r>
+              <a:rPr lang="en-US" sz="2400" dirty="0"/>
+              <a:t>Here we can agree. </a:t>
+            </a:r>
+          </a:p>
+          <a:p>
+            <a:pPr marL="0" lvl="0" indent="0" algn="l" rtl="0">
+              <a:spcBef>
+                <a:spcPts val="480"/>
+              </a:spcBef>
+              <a:spcAft>
+                <a:spcPts val="0"/>
+              </a:spcAft>
+              <a:buClr>
+                <a:schemeClr val="dk1"/>
+              </a:buClr>
+              <a:buSzPts val="2400"/>
+              <a:buNone/>
+            </a:pPr>
+            <a:endParaRPr lang="en-US" sz="2400" dirty="0"/>
+          </a:p>
+          <a:p>
+            <a:pPr marL="0" lvl="0" indent="0" algn="l" rtl="0">
+              <a:spcBef>
+                <a:spcPts val="480"/>
+              </a:spcBef>
+              <a:spcAft>
+                <a:spcPts val="0"/>
+              </a:spcAft>
+              <a:buClr>
+                <a:schemeClr val="dk1"/>
+              </a:buClr>
+              <a:buSzPts val="2400"/>
+              <a:buNone/>
+            </a:pPr>
+            <a:r>
+              <a:rPr lang="en-US" sz="2400" dirty="0"/>
+              <a:t>The president took 12 months to </a:t>
+            </a:r>
+            <a:r>
+              <a:rPr lang="en-US" sz="2400" b="1" dirty="0"/>
+              <a:t>review</a:t>
+            </a:r>
+            <a:r>
+              <a:rPr lang="en-US" sz="2400" dirty="0"/>
+              <a:t> and </a:t>
+            </a:r>
+            <a:r>
+              <a:rPr lang="en-US" sz="2400" b="1" dirty="0"/>
+              <a:t>approve</a:t>
+            </a:r>
+            <a:r>
+              <a:rPr lang="en-US" sz="2400" dirty="0"/>
+              <a:t> (just this Winter) a short </a:t>
+            </a:r>
+            <a:r>
+              <a:rPr lang="en-US" dirty="0"/>
+              <a:t>collection of modest </a:t>
+            </a:r>
+            <a:r>
+              <a:rPr lang="en-US" sz="2400" dirty="0"/>
+              <a:t>proposed amendments to the governance plan the Bylaws committee had worked for year or so.</a:t>
+            </a:r>
           </a:p>
         </p:txBody>
       </p:sp>
@@ -13211,11 +13938,11 @@
 </file>
 
 <file path=ppt/slides/slide4.xml><?xml version="1.0" encoding="utf-8"?>
-<p:sld xmlns:a="http://schemas.openxmlformats.org/drawingml/2006/main" xmlns:r="http://schemas.openxmlformats.org/officeDocument/2006/relationships" xmlns:mc="http://schemas.openxmlformats.org/markup-compatibility/2006" xmlns:mv="urn:schemas-microsoft-com:mac:vml" xmlns:p="http://schemas.openxmlformats.org/presentationml/2006/main" xmlns:c="http://schemas.openxmlformats.org/drawingml/2006/chart" xmlns:dgm="http://schemas.openxmlformats.org/drawingml/2006/diagram" xmlns:o="urn:schemas-microsoft-com:office:office" xmlns:v="urn:schemas-microsoft-com:vml" xmlns:pvml="urn:schemas-microsoft-com:office:powerpoint" xmlns:com="http://schemas.openxmlformats.org/drawingml/2006/compatibility" xmlns:p14="http://schemas.microsoft.com/office/powerpoint/2010/main" xmlns:p15="http://schemas.microsoft.com/office/powerpoint/2012/main" xmlns:ahyp="http://schemas.microsoft.com/office/drawing/2018/hyperlinkcolor">
+<p:sld xmlns:a="http://schemas.openxmlformats.org/drawingml/2006/main" xmlns:r="http://schemas.openxmlformats.org/officeDocument/2006/relationships" xmlns:p="http://schemas.openxmlformats.org/presentationml/2006/main">
   <p:cSld>
     <p:spTree>
       <p:nvGrpSpPr>
-        <p:cNvPr id="102" name="Shape 102"/>
+        <p:cNvPr id="1" name="Shape 102"/>
         <p:cNvGrpSpPr/>
         <p:nvPr/>
       </p:nvGrpSpPr>
@@ -13230,7 +13957,9 @@
       <p:sp>
         <p:nvSpPr>
           <p:cNvPr id="103" name="Google Shape;103;p4"/>
-          <p:cNvSpPr txBox="1"/>
+          <p:cNvSpPr txBox="1">
+            <a:spLocks noGrp="1"/>
+          </p:cNvSpPr>
           <p:nvPr>
             <p:ph type="title"/>
           </p:nvPr>
@@ -13249,12 +13978,12 @@
           </a:ln>
         </p:spPr>
         <p:txBody>
-          <a:bodyPr anchorCtr="0" anchor="ctr" bIns="45700" lIns="91425" spcFirstLastPara="1" rIns="91425" wrap="square" tIns="45700">
+          <a:bodyPr spcFirstLastPara="1" wrap="square" lIns="91425" tIns="45700" rIns="91425" bIns="45700" anchor="ctr" anchorCtr="0">
             <a:normAutofit/>
           </a:bodyPr>
           <a:lstStyle/>
           <a:p>
-            <a:pPr indent="0" lvl="0" marL="0" rtl="0" algn="ctr">
+            <a:pPr marL="0" lvl="0" indent="0" algn="ctr" rtl="0">
               <a:spcBef>
                 <a:spcPts val="0"/>
               </a:spcBef>
@@ -13279,9 +14008,11 @@
       <p:sp>
         <p:nvSpPr>
           <p:cNvPr id="104" name="Google Shape;104;p4"/>
-          <p:cNvSpPr txBox="1"/>
+          <p:cNvSpPr txBox="1">
+            <a:spLocks noGrp="1"/>
+          </p:cNvSpPr>
           <p:nvPr>
-            <p:ph idx="1" type="body"/>
+            <p:ph type="body" idx="1"/>
           </p:nvPr>
         </p:nvSpPr>
         <p:spPr>
@@ -13298,12 +14029,12 @@
           </a:ln>
         </p:spPr>
         <p:txBody>
-          <a:bodyPr anchorCtr="0" anchor="t" bIns="45700" lIns="91425" spcFirstLastPara="1" rIns="91425" wrap="square" tIns="45700">
+          <a:bodyPr spcFirstLastPara="1" wrap="square" lIns="91425" tIns="45700" rIns="91425" bIns="45700" anchor="t" anchorCtr="0">
             <a:normAutofit/>
           </a:bodyPr>
           <a:lstStyle/>
           <a:p>
-            <a:pPr indent="0" lvl="0" marL="0" rtl="0" algn="l">
+            <a:pPr marL="0" lvl="0" indent="0" algn="l" rtl="0">
               <a:spcBef>
                 <a:spcPts val="0"/>
               </a:spcBef>
@@ -13317,13 +14048,13 @@
               <a:buNone/>
             </a:pPr>
             <a:r>
-              <a:rPr lang="en-US" sz="2400"/>
-              <a:t>The College Council and Faculty Senate would be replaced with a CSI College Senate, which plays both roles. The committee structure is completely revamped</a:t>
-            </a:r>
-            <a:endParaRPr/>
+              <a:rPr lang="en-US" sz="2400" dirty="0"/>
+              <a:t>The College Council and Faculty Senate would be replaced with a CSI College Senate, which plays both roles, though primarily that of the College Council. The committee structure is completely revamped</a:t>
+            </a:r>
+            <a:endParaRPr dirty="0"/>
           </a:p>
           <a:p>
-            <a:pPr indent="-285750" lvl="1" marL="742950" rtl="0" algn="l">
+            <a:pPr marL="742950" lvl="1" indent="-285750" algn="l" rtl="0">
               <a:spcBef>
                 <a:spcPts val="360"/>
               </a:spcBef>
@@ -13337,13 +14068,13 @@
               <a:buChar char="–"/>
             </a:pPr>
             <a:r>
-              <a:rPr lang="en-US" sz="1800"/>
+              <a:rPr lang="en-US" sz="1800" dirty="0"/>
               <a:t>The CSI College Senate would have no elected leadership; the president would be its chair</a:t>
             </a:r>
-            <a:endParaRPr/>
+            <a:endParaRPr dirty="0"/>
           </a:p>
           <a:p>
-            <a:pPr indent="-285750" lvl="1" marL="742950" rtl="0" algn="l">
+            <a:pPr marL="742950" lvl="1" indent="-285750" algn="l" rtl="0">
               <a:spcBef>
                 <a:spcPts val="360"/>
               </a:spcBef>
@@ -13357,13 +14088,13 @@
               <a:buChar char="–"/>
             </a:pPr>
             <a:r>
-              <a:rPr lang="en-US" sz="1800"/>
-              <a:t>The standing committees are all chaired by either the President, the Provost, or a designee. There are no elected chairs</a:t>
-            </a:r>
-            <a:endParaRPr/>
+              <a:rPr lang="en-US" sz="1800" dirty="0"/>
+              <a:t>The standing committees are all chaired by either the President, the Provost, or a designee. There are no elected chairs.</a:t>
+            </a:r>
+            <a:endParaRPr dirty="0"/>
           </a:p>
           <a:p>
-            <a:pPr indent="-285750" lvl="1" marL="742950" rtl="0" algn="l">
+            <a:pPr marL="742950" lvl="1" indent="-285750" algn="l" rtl="0">
               <a:spcBef>
                 <a:spcPts val="360"/>
               </a:spcBef>
@@ -13377,13 +14108,13 @@
               <a:buChar char="–"/>
             </a:pPr>
             <a:r>
-              <a:rPr lang="en-US" sz="1800"/>
+              <a:rPr lang="en-US" sz="1800" dirty="0"/>
               <a:t>The entire cabinet becomes a member of the Senate, save the Chief of Staff</a:t>
             </a:r>
-            <a:endParaRPr/>
+            <a:endParaRPr dirty="0"/>
           </a:p>
           <a:p>
-            <a:pPr indent="-285750" lvl="1" marL="742950" rtl="0" algn="l">
+            <a:pPr marL="742950" lvl="1" indent="-285750" algn="l" rtl="0">
               <a:spcBef>
                 <a:spcPts val="360"/>
               </a:spcBef>
@@ -13397,38 +14128,46 @@
               <a:buChar char="–"/>
             </a:pPr>
             <a:r>
-              <a:rPr lang="en-US" sz="1800"/>
+              <a:rPr lang="en-US" sz="1800" dirty="0"/>
               <a:t>The executive committees of the College Council and Faculty Senate are elected by the bodies; the executive committee of College Senate is composed of </a:t>
             </a:r>
             <a:r>
-              <a:rPr lang="en-US"/>
+              <a:rPr lang="en-US" dirty="0"/>
               <a:t>t</a:t>
             </a:r>
             <a:r>
-              <a:rPr lang="en-US" sz="1800"/>
+              <a:rPr lang="en-US" sz="1800" dirty="0"/>
               <a:t>he President, Provost, Chief of Staff, </a:t>
             </a:r>
             <a:r>
-              <a:rPr b="1" lang="en-US"/>
-              <a:t>possibly appointed (not elected)</a:t>
-            </a:r>
-            <a:r>
-              <a:rPr lang="en-US" sz="1800"/>
+              <a:rPr lang="en-US" b="1" dirty="0"/>
+              <a:t>possibly appointed (“taken” not “elected”)</a:t>
+            </a:r>
+            <a:r>
+              <a:rPr lang="en-US" sz="1800" dirty="0"/>
               <a:t> faculty members (</a:t>
             </a:r>
             <a:r>
-              <a:rPr b="1" lang="en-US"/>
-              <a:t>though technically these could be deans</a:t>
-            </a:r>
-            <a:r>
-              <a:rPr lang="en-US" sz="1800"/>
+              <a:rPr lang="en-US" sz="1800" b="1" dirty="0"/>
+              <a:t>though</a:t>
+            </a:r>
+            <a:r>
+              <a:rPr lang="en-US" sz="1800" dirty="0"/>
+              <a:t> </a:t>
+            </a:r>
+            <a:r>
+              <a:rPr lang="en-US" b="1" dirty="0"/>
+              <a:t>as written, these could be deans</a:t>
+            </a:r>
+            <a:r>
+              <a:rPr lang="en-US" sz="1800" dirty="0"/>
               <a:t>), and one HEO </a:t>
             </a:r>
             <a:r>
-              <a:rPr b="1" lang="en-US"/>
-              <a:t>possibly appointed (not elected)</a:t>
-            </a:r>
-            <a:endParaRPr/>
+              <a:rPr lang="en-US" b="1" dirty="0"/>
+              <a:t>(again “taken” not “elected”)</a:t>
+            </a:r>
+            <a:endParaRPr dirty="0"/>
           </a:p>
         </p:txBody>
       </p:sp>
@@ -13441,11 +14180,11 @@
 </file>
 
 <file path=ppt/slides/slide5.xml><?xml version="1.0" encoding="utf-8"?>
-<p:sld xmlns:a="http://schemas.openxmlformats.org/drawingml/2006/main" xmlns:r="http://schemas.openxmlformats.org/officeDocument/2006/relationships" xmlns:mc="http://schemas.openxmlformats.org/markup-compatibility/2006" xmlns:mv="urn:schemas-microsoft-com:mac:vml" xmlns:p="http://schemas.openxmlformats.org/presentationml/2006/main" xmlns:c="http://schemas.openxmlformats.org/drawingml/2006/chart" xmlns:dgm="http://schemas.openxmlformats.org/drawingml/2006/diagram" xmlns:o="urn:schemas-microsoft-com:office:office" xmlns:v="urn:schemas-microsoft-com:vml" xmlns:pvml="urn:schemas-microsoft-com:office:powerpoint" xmlns:com="http://schemas.openxmlformats.org/drawingml/2006/compatibility" xmlns:p14="http://schemas.microsoft.com/office/powerpoint/2010/main" xmlns:p15="http://schemas.microsoft.com/office/powerpoint/2012/main" xmlns:ahyp="http://schemas.microsoft.com/office/drawing/2018/hyperlinkcolor">
+<p:sld xmlns:a="http://schemas.openxmlformats.org/drawingml/2006/main" xmlns:r="http://schemas.openxmlformats.org/officeDocument/2006/relationships" xmlns:p="http://schemas.openxmlformats.org/presentationml/2006/main">
   <p:cSld>
     <p:spTree>
       <p:nvGrpSpPr>
-        <p:cNvPr id="108" name="Shape 108"/>
+        <p:cNvPr id="1" name="Shape 108"/>
         <p:cNvGrpSpPr/>
         <p:nvPr/>
       </p:nvGrpSpPr>
@@ -13460,7 +14199,9 @@
       <p:sp>
         <p:nvSpPr>
           <p:cNvPr id="109" name="Google Shape;109;p5"/>
-          <p:cNvSpPr txBox="1"/>
+          <p:cNvSpPr txBox="1">
+            <a:spLocks noGrp="1"/>
+          </p:cNvSpPr>
           <p:nvPr>
             <p:ph type="title"/>
           </p:nvPr>
@@ -13479,12 +14220,12 @@
           </a:ln>
         </p:spPr>
         <p:txBody>
-          <a:bodyPr anchorCtr="0" anchor="ctr" bIns="45700" lIns="91425" spcFirstLastPara="1" rIns="91425" wrap="square" tIns="45700">
+          <a:bodyPr spcFirstLastPara="1" wrap="square" lIns="91425" tIns="45700" rIns="91425" bIns="45700" anchor="ctr" anchorCtr="0">
             <a:normAutofit/>
           </a:bodyPr>
           <a:lstStyle/>
           <a:p>
-            <a:pPr indent="0" lvl="0" marL="0" rtl="0" algn="ctr">
+            <a:pPr marL="0" lvl="0" indent="0" algn="ctr" rtl="0">
               <a:spcBef>
                 <a:spcPts val="0"/>
               </a:spcBef>
@@ -13509,9 +14250,11 @@
       <p:sp>
         <p:nvSpPr>
           <p:cNvPr id="110" name="Google Shape;110;p5"/>
-          <p:cNvSpPr txBox="1"/>
+          <p:cNvSpPr txBox="1">
+            <a:spLocks noGrp="1"/>
+          </p:cNvSpPr>
           <p:nvPr>
-            <p:ph idx="1" type="body"/>
+            <p:ph type="body" idx="1"/>
           </p:nvPr>
         </p:nvSpPr>
         <p:spPr>
@@ -13528,12 +14271,12 @@
           </a:ln>
         </p:spPr>
         <p:txBody>
-          <a:bodyPr anchorCtr="0" anchor="t" bIns="45700" lIns="91425" spcFirstLastPara="1" rIns="91425" wrap="square" tIns="45700">
+          <a:bodyPr spcFirstLastPara="1" wrap="square" lIns="91425" tIns="45700" rIns="91425" bIns="45700" anchor="t" anchorCtr="0">
             <a:normAutofit/>
           </a:bodyPr>
           <a:lstStyle/>
           <a:p>
-            <a:pPr indent="-285750" lvl="1" marL="742950" rtl="0" algn="l">
+            <a:pPr marL="742950" lvl="1" indent="-285750" algn="l" rtl="0">
               <a:spcBef>
                 <a:spcPts val="0"/>
               </a:spcBef>
@@ -13547,13 +14290,29 @@
               <a:buChar char="–"/>
             </a:pPr>
             <a:r>
-              <a:rPr lang="en-US" sz="1800"/>
-              <a:t>The elected College Council Executive Committee, which meets monthly with the President and Provost, for consultative meetings is abolished.</a:t>
-            </a:r>
-            <a:endParaRPr/>
+              <a:rPr lang="en-US" sz="1800" dirty="0"/>
+              <a:t>The elected </a:t>
+            </a:r>
+            <a:r>
+              <a:rPr lang="en-US" sz="1800" b="1" dirty="0"/>
+              <a:t>College Council Executive Committee</a:t>
+            </a:r>
+            <a:r>
+              <a:rPr lang="en-US" sz="1800" dirty="0"/>
+              <a:t>, which meets monthly with the President and Provost, for consultative meetings is </a:t>
+            </a:r>
+            <a:r>
+              <a:rPr lang="en-US" sz="1800" b="1" dirty="0"/>
+              <a:t>abolished</a:t>
+            </a:r>
+            <a:r>
+              <a:rPr lang="en-US" sz="1800" dirty="0"/>
+              <a:t>.</a:t>
+            </a:r>
+            <a:endParaRPr dirty="0"/>
           </a:p>
           <a:p>
-            <a:pPr indent="-285750" lvl="1" marL="742950" rtl="0" algn="l">
+            <a:pPr marL="742950" lvl="1" indent="-285750" algn="l" rtl="0">
               <a:spcBef>
                 <a:spcPts val="360"/>
               </a:spcBef>
@@ -13567,13 +14326,29 @@
               <a:buChar char="–"/>
             </a:pPr>
             <a:r>
-              <a:rPr lang="en-US" sz="1800"/>
-              <a:t>The elected Faculty Senate Executive Committee, which meets monthly with the Provost and Academic Deans for consultative meetings, is abolished.</a:t>
-            </a:r>
-            <a:endParaRPr/>
+              <a:rPr lang="en-US" sz="1800" dirty="0"/>
+              <a:t>The elected </a:t>
+            </a:r>
+            <a:r>
+              <a:rPr lang="en-US" sz="1800" b="1" dirty="0"/>
+              <a:t>Faculty Senate Executive Committee</a:t>
+            </a:r>
+            <a:r>
+              <a:rPr lang="en-US" sz="1800" dirty="0"/>
+              <a:t>, which meets monthly with the Provost and Academic Deans for consultative meetings, is </a:t>
+            </a:r>
+            <a:r>
+              <a:rPr lang="en-US" sz="1800" b="1" dirty="0"/>
+              <a:t>abolished</a:t>
+            </a:r>
+            <a:r>
+              <a:rPr lang="en-US" sz="1800" dirty="0"/>
+              <a:t>.</a:t>
+            </a:r>
+            <a:endParaRPr dirty="0"/>
           </a:p>
           <a:p>
-            <a:pPr indent="-285750" lvl="1" marL="742950" rtl="0" algn="l">
+            <a:pPr marL="742950" lvl="1" indent="-285750" algn="l" rtl="0">
               <a:spcBef>
                 <a:spcPts val="360"/>
               </a:spcBef>
@@ -13587,13 +14362,33 @@
               <a:buChar char="–"/>
             </a:pPr>
             <a:r>
-              <a:rPr lang="en-US" sz="1800"/>
-              <a:t>The IPC, which offers elected faculty a change for meaningful participation with the President and other cabinet members is abolished</a:t>
-            </a:r>
-            <a:endParaRPr/>
+              <a:rPr lang="en-US" sz="1800" dirty="0"/>
+              <a:t>The </a:t>
+            </a:r>
+            <a:r>
+              <a:rPr lang="en-US" sz="1800" b="1" dirty="0"/>
+              <a:t>Institutional Planning Committee</a:t>
+            </a:r>
+            <a:r>
+              <a:rPr lang="en-US" sz="1800" dirty="0"/>
+              <a:t>, which offers elected faculty a chance for meaningful participation with the President and other cabinet members about the direction and mission </a:t>
+            </a:r>
+            <a:r>
+              <a:rPr lang="en-US" dirty="0"/>
+              <a:t>of the college </a:t>
+            </a:r>
+            <a:r>
+              <a:rPr lang="en-US" sz="1800" dirty="0"/>
+              <a:t>is </a:t>
+            </a:r>
+            <a:r>
+              <a:rPr lang="en-US" sz="1800" b="1" dirty="0"/>
+              <a:t>abolished</a:t>
+            </a:r>
+            <a:endParaRPr b="1" dirty="0"/>
           </a:p>
           <a:p>
-            <a:pPr indent="-285750" lvl="1" marL="742950" rtl="0" algn="l">
+            <a:pPr marL="742950" lvl="1" indent="-285750" algn="l" rtl="0">
               <a:spcBef>
                 <a:spcPts val="360"/>
               </a:spcBef>
@@ -13607,10 +14402,22 @@
               <a:buChar char="–"/>
             </a:pPr>
             <a:r>
-              <a:rPr lang="en-US" sz="1800"/>
-              <a:t>The College Council Budget Committee is abolished</a:t>
-            </a:r>
-            <a:endParaRPr/>
+              <a:rPr lang="en-US" sz="1800" dirty="0"/>
+              <a:t>The </a:t>
+            </a:r>
+            <a:r>
+              <a:rPr lang="en-US" sz="1800" b="1" dirty="0"/>
+              <a:t>College Council Budget Committee</a:t>
+            </a:r>
+            <a:r>
+              <a:rPr lang="en-US" sz="1800" dirty="0"/>
+              <a:t> is </a:t>
+            </a:r>
+            <a:r>
+              <a:rPr lang="en-US" sz="1800" b="1" dirty="0"/>
+              <a:t>abolished</a:t>
+            </a:r>
+            <a:endParaRPr b="1" dirty="0"/>
           </a:p>
         </p:txBody>
       </p:sp>
@@ -13623,11 +14430,11 @@
 </file>
 
 <file path=ppt/slides/slide6.xml><?xml version="1.0" encoding="utf-8"?>
-<p:sld xmlns:a="http://schemas.openxmlformats.org/drawingml/2006/main" xmlns:r="http://schemas.openxmlformats.org/officeDocument/2006/relationships" xmlns:mc="http://schemas.openxmlformats.org/markup-compatibility/2006" xmlns:mv="urn:schemas-microsoft-com:mac:vml" xmlns:p="http://schemas.openxmlformats.org/presentationml/2006/main" xmlns:c="http://schemas.openxmlformats.org/drawingml/2006/chart" xmlns:dgm="http://schemas.openxmlformats.org/drawingml/2006/diagram" xmlns:o="urn:schemas-microsoft-com:office:office" xmlns:v="urn:schemas-microsoft-com:vml" xmlns:pvml="urn:schemas-microsoft-com:office:powerpoint" xmlns:com="http://schemas.openxmlformats.org/drawingml/2006/compatibility" xmlns:p14="http://schemas.microsoft.com/office/powerpoint/2010/main" xmlns:p15="http://schemas.microsoft.com/office/powerpoint/2012/main" xmlns:ahyp="http://schemas.microsoft.com/office/drawing/2018/hyperlinkcolor">
+<p:sld xmlns:a="http://schemas.openxmlformats.org/drawingml/2006/main" xmlns:r="http://schemas.openxmlformats.org/officeDocument/2006/relationships" xmlns:p="http://schemas.openxmlformats.org/presentationml/2006/main">
   <p:cSld>
     <p:spTree>
       <p:nvGrpSpPr>
-        <p:cNvPr id="114" name="Shape 114"/>
+        <p:cNvPr id="1" name="Shape 114"/>
         <p:cNvGrpSpPr/>
         <p:nvPr/>
       </p:nvGrpSpPr>
@@ -13642,7 +14449,9 @@
       <p:sp>
         <p:nvSpPr>
           <p:cNvPr id="115" name="Google Shape;115;p6"/>
-          <p:cNvSpPr txBox="1"/>
+          <p:cNvSpPr txBox="1">
+            <a:spLocks noGrp="1"/>
+          </p:cNvSpPr>
           <p:nvPr>
             <p:ph type="title"/>
           </p:nvPr>
@@ -13661,12 +14470,12 @@
           </a:ln>
         </p:spPr>
         <p:txBody>
-          <a:bodyPr anchorCtr="0" anchor="ctr" bIns="45700" lIns="91425" spcFirstLastPara="1" rIns="91425" wrap="square" tIns="45700">
+          <a:bodyPr spcFirstLastPara="1" wrap="square" lIns="91425" tIns="45700" rIns="91425" bIns="45700" anchor="ctr" anchorCtr="0">
             <a:normAutofit/>
           </a:bodyPr>
           <a:lstStyle/>
           <a:p>
-            <a:pPr indent="0" lvl="0" marL="0" rtl="0" algn="ctr">
+            <a:pPr marL="0" lvl="0" indent="0" algn="ctr" rtl="0">
               <a:spcBef>
                 <a:spcPts val="0"/>
               </a:spcBef>
@@ -13691,9 +14500,11 @@
       <p:sp>
         <p:nvSpPr>
           <p:cNvPr id="116" name="Google Shape;116;p6"/>
-          <p:cNvSpPr txBox="1"/>
+          <p:cNvSpPr txBox="1">
+            <a:spLocks noGrp="1"/>
+          </p:cNvSpPr>
           <p:nvPr>
-            <p:ph idx="1" type="body"/>
+            <p:ph type="body" idx="1"/>
           </p:nvPr>
         </p:nvSpPr>
         <p:spPr>
@@ -13710,12 +14521,12 @@
           </a:ln>
         </p:spPr>
         <p:txBody>
-          <a:bodyPr anchorCtr="0" anchor="t" bIns="45700" lIns="91425" spcFirstLastPara="1" rIns="91425" wrap="square" tIns="45700">
+          <a:bodyPr spcFirstLastPara="1" wrap="square" lIns="91425" tIns="45700" rIns="91425" bIns="45700" anchor="t" anchorCtr="0">
             <a:normAutofit/>
           </a:bodyPr>
           <a:lstStyle/>
           <a:p>
-            <a:pPr indent="-285750" lvl="1" marL="742950" rtl="0" algn="l">
+            <a:pPr marL="742950" lvl="1" indent="-285750" algn="l" rtl="0">
               <a:spcBef>
                 <a:spcPts val="0"/>
               </a:spcBef>
@@ -13729,13 +14540,17 @@
               <a:buChar char="–"/>
             </a:pPr>
             <a:r>
-              <a:rPr lang="en-US" sz="1800"/>
-              <a:t>The current P&amp;B voting members consisting of the 25 chairs is replaced with a committee with just 5 faculty; 2 students; 5 deans; the CFO, Provost and President.</a:t>
-            </a:r>
-            <a:endParaRPr/>
+              <a:rPr lang="en-US" sz="1800" dirty="0"/>
+              <a:t>The current College P&amp;B voting members consisting of the 25 chairs is replaced with a committee with just 5 faculty; 2 students; 5 deans; the CFO, Provost and President. </a:t>
+            </a:r>
+            <a:r>
+              <a:rPr lang="en-US" sz="1800" b="1" dirty="0"/>
+              <a:t>Faculty voice is limited to only 5 of 15 votes</a:t>
+            </a:r>
+            <a:endParaRPr b="1" dirty="0"/>
           </a:p>
           <a:p>
-            <a:pPr indent="-285750" lvl="1" marL="742950" rtl="0" algn="l">
+            <a:pPr marL="742950" lvl="1" indent="-285750" algn="l" rtl="0">
               <a:spcBef>
                 <a:spcPts val="360"/>
               </a:spcBef>
@@ -13749,18 +14564,14 @@
               <a:buChar char="–"/>
             </a:pPr>
             <a:r>
-              <a:rPr lang="en-US" sz="1800"/>
+              <a:rPr lang="en-US" sz="1800" dirty="0"/>
               <a:t>Divisional/School P&amp;Bs are proposed </a:t>
             </a:r>
             <a:r>
-              <a:rPr b="1" lang="en-US"/>
-              <a:t>b</a:t>
-            </a:r>
-            <a:r>
-              <a:rPr b="1" lang="en-US"/>
-              <a:t>ut their composition is not defined, including who is the chair</a:t>
-            </a:r>
-            <a:endParaRPr/>
+              <a:rPr lang="en-US" b="1" dirty="0"/>
+              <a:t>but their composition is not defined, including who is the chair</a:t>
+            </a:r>
+            <a:endParaRPr dirty="0"/>
           </a:p>
         </p:txBody>
       </p:sp>
@@ -13773,11 +14584,11 @@
 </file>
 
 <file path=ppt/slides/slide7.xml><?xml version="1.0" encoding="utf-8"?>
-<p:sld xmlns:a="http://schemas.openxmlformats.org/drawingml/2006/main" xmlns:r="http://schemas.openxmlformats.org/officeDocument/2006/relationships" xmlns:mc="http://schemas.openxmlformats.org/markup-compatibility/2006" xmlns:mv="urn:schemas-microsoft-com:mac:vml" xmlns:p="http://schemas.openxmlformats.org/presentationml/2006/main" xmlns:c="http://schemas.openxmlformats.org/drawingml/2006/chart" xmlns:dgm="http://schemas.openxmlformats.org/drawingml/2006/diagram" xmlns:o="urn:schemas-microsoft-com:office:office" xmlns:v="urn:schemas-microsoft-com:vml" xmlns:pvml="urn:schemas-microsoft-com:office:powerpoint" xmlns:com="http://schemas.openxmlformats.org/drawingml/2006/compatibility" xmlns:p14="http://schemas.microsoft.com/office/powerpoint/2010/main" xmlns:p15="http://schemas.microsoft.com/office/powerpoint/2012/main" xmlns:ahyp="http://schemas.microsoft.com/office/drawing/2018/hyperlinkcolor">
+<p:sld xmlns:a="http://schemas.openxmlformats.org/drawingml/2006/main" xmlns:r="http://schemas.openxmlformats.org/officeDocument/2006/relationships" xmlns:p="http://schemas.openxmlformats.org/presentationml/2006/main">
   <p:cSld>
     <p:spTree>
       <p:nvGrpSpPr>
-        <p:cNvPr id="120" name="Shape 120"/>
+        <p:cNvPr id="1" name="Shape 120"/>
         <p:cNvGrpSpPr/>
         <p:nvPr/>
       </p:nvGrpSpPr>
@@ -13792,7 +14603,9 @@
       <p:sp>
         <p:nvSpPr>
           <p:cNvPr id="121" name="Google Shape;121;p7"/>
-          <p:cNvSpPr txBox="1"/>
+          <p:cNvSpPr txBox="1">
+            <a:spLocks noGrp="1"/>
+          </p:cNvSpPr>
           <p:nvPr>
             <p:ph type="title"/>
           </p:nvPr>
@@ -13811,12 +14624,12 @@
           </a:ln>
         </p:spPr>
         <p:txBody>
-          <a:bodyPr anchorCtr="0" anchor="ctr" bIns="45700" lIns="91425" spcFirstLastPara="1" rIns="91425" wrap="square" tIns="45700">
+          <a:bodyPr spcFirstLastPara="1" wrap="square" lIns="91425" tIns="45700" rIns="91425" bIns="45700" anchor="ctr" anchorCtr="0">
             <a:normAutofit/>
           </a:bodyPr>
           <a:lstStyle/>
           <a:p>
-            <a:pPr indent="0" lvl="0" marL="0" rtl="0" algn="ctr">
+            <a:pPr marL="0" lvl="0" indent="0" algn="ctr" rtl="0">
               <a:spcBef>
                 <a:spcPts val="0"/>
               </a:spcBef>
@@ -13841,9 +14654,11 @@
       <p:sp>
         <p:nvSpPr>
           <p:cNvPr id="122" name="Google Shape;122;p7"/>
-          <p:cNvSpPr txBox="1"/>
+          <p:cNvSpPr txBox="1">
+            <a:spLocks noGrp="1"/>
+          </p:cNvSpPr>
           <p:nvPr>
-            <p:ph idx="1" type="body"/>
+            <p:ph type="body" idx="1"/>
           </p:nvPr>
         </p:nvSpPr>
         <p:spPr>
@@ -13860,12 +14675,12 @@
           </a:ln>
         </p:spPr>
         <p:txBody>
-          <a:bodyPr anchorCtr="0" anchor="t" bIns="45700" lIns="91425" spcFirstLastPara="1" rIns="91425" wrap="square" tIns="45700">
+          <a:bodyPr spcFirstLastPara="1" wrap="square" lIns="91425" tIns="45700" rIns="91425" bIns="45700" anchor="t" anchorCtr="0">
             <a:normAutofit/>
           </a:bodyPr>
           <a:lstStyle/>
           <a:p>
-            <a:pPr indent="-285750" lvl="1" marL="742950" rtl="0" algn="l">
+            <a:pPr marL="742950" lvl="1" indent="-285750" algn="l" rtl="0">
               <a:spcBef>
                 <a:spcPts val="0"/>
               </a:spcBef>
@@ -13885,7 +14700,7 @@
             <a:endParaRPr/>
           </a:p>
           <a:p>
-            <a:pPr indent="-285750" lvl="1" marL="742950" rtl="0" algn="l">
+            <a:pPr marL="742950" lvl="1" indent="-285750" algn="l" rtl="0">
               <a:spcBef>
                 <a:spcPts val="360"/>
               </a:spcBef>
@@ -13903,7 +14718,7 @@
               <a:t>Unlike the Faculty Senate where “Decisions… are forwarded to the Executive Committee of the Faculty Senate for review … and </a:t>
             </a:r>
             <a:r>
-              <a:rPr b="1" lang="en-US"/>
+              <a:rPr lang="en-US" b="1"/>
               <a:t>action</a:t>
             </a:r>
             <a:r>
@@ -13919,7 +14734,7 @@
               <a:t>” proposals are “forwarded to the College Senate for </a:t>
             </a:r>
             <a:r>
-              <a:rPr b="1" lang="en-US"/>
+              <a:rPr lang="en-US" b="1"/>
               <a:t>review</a:t>
             </a:r>
             <a:r>
@@ -13939,11 +14754,11 @@
 </file>
 
 <file path=ppt/slides/slide8.xml><?xml version="1.0" encoding="utf-8"?>
-<p:sld xmlns:a="http://schemas.openxmlformats.org/drawingml/2006/main" xmlns:r="http://schemas.openxmlformats.org/officeDocument/2006/relationships" xmlns:mc="http://schemas.openxmlformats.org/markup-compatibility/2006" xmlns:mv="urn:schemas-microsoft-com:mac:vml" xmlns:p="http://schemas.openxmlformats.org/presentationml/2006/main" xmlns:c="http://schemas.openxmlformats.org/drawingml/2006/chart" xmlns:dgm="http://schemas.openxmlformats.org/drawingml/2006/diagram" xmlns:o="urn:schemas-microsoft-com:office:office" xmlns:v="urn:schemas-microsoft-com:vml" xmlns:pvml="urn:schemas-microsoft-com:office:powerpoint" xmlns:com="http://schemas.openxmlformats.org/drawingml/2006/compatibility" xmlns:p14="http://schemas.microsoft.com/office/powerpoint/2010/main" xmlns:p15="http://schemas.microsoft.com/office/powerpoint/2012/main" xmlns:ahyp="http://schemas.microsoft.com/office/drawing/2018/hyperlinkcolor">
+<p:sld xmlns:a="http://schemas.openxmlformats.org/drawingml/2006/main" xmlns:r="http://schemas.openxmlformats.org/officeDocument/2006/relationships" xmlns:p="http://schemas.openxmlformats.org/presentationml/2006/main">
   <p:cSld>
     <p:spTree>
       <p:nvGrpSpPr>
-        <p:cNvPr id="126" name="Shape 126"/>
+        <p:cNvPr id="1" name="Shape 126"/>
         <p:cNvGrpSpPr/>
         <p:nvPr/>
       </p:nvGrpSpPr>
@@ -13958,7 +14773,9 @@
       <p:sp>
         <p:nvSpPr>
           <p:cNvPr id="127" name="Google Shape;127;p8"/>
-          <p:cNvSpPr txBox="1"/>
+          <p:cNvSpPr txBox="1">
+            <a:spLocks noGrp="1"/>
+          </p:cNvSpPr>
           <p:nvPr>
             <p:ph type="title"/>
           </p:nvPr>
@@ -13977,12 +14794,12 @@
           </a:ln>
         </p:spPr>
         <p:txBody>
-          <a:bodyPr anchorCtr="0" anchor="ctr" bIns="45700" lIns="91425" spcFirstLastPara="1" rIns="91425" wrap="square" tIns="45700">
+          <a:bodyPr spcFirstLastPara="1" wrap="square" lIns="91425" tIns="45700" rIns="91425" bIns="45700" anchor="ctr" anchorCtr="0">
             <a:normAutofit/>
           </a:bodyPr>
           <a:lstStyle/>
           <a:p>
-            <a:pPr indent="0" lvl="0" marL="0" rtl="0" algn="ctr">
+            <a:pPr marL="0" lvl="0" indent="0" algn="ctr" rtl="0">
               <a:spcBef>
                 <a:spcPts val="0"/>
               </a:spcBef>
@@ -13997,19 +14814,21 @@
               <a:buNone/>
             </a:pPr>
             <a:r>
-              <a:rPr lang="en-US" sz="3200"/>
-              <a:t>General education changes</a:t>
-            </a:r>
-            <a:endParaRPr/>
+              <a:rPr lang="en-US" sz="3200" dirty="0"/>
+              <a:t>General Education changes</a:t>
+            </a:r>
+            <a:endParaRPr dirty="0"/>
           </a:p>
         </p:txBody>
       </p:sp>
       <p:sp>
         <p:nvSpPr>
           <p:cNvPr id="128" name="Google Shape;128;p8"/>
-          <p:cNvSpPr txBox="1"/>
+          <p:cNvSpPr txBox="1">
+            <a:spLocks noGrp="1"/>
+          </p:cNvSpPr>
           <p:nvPr>
-            <p:ph idx="1" type="body"/>
+            <p:ph type="body" idx="1"/>
           </p:nvPr>
         </p:nvSpPr>
         <p:spPr>
@@ -14026,12 +14845,12 @@
           </a:ln>
         </p:spPr>
         <p:txBody>
-          <a:bodyPr anchorCtr="0" anchor="t" bIns="45700" lIns="91425" spcFirstLastPara="1" rIns="91425" wrap="square" tIns="45700">
+          <a:bodyPr spcFirstLastPara="1" wrap="square" lIns="91425" tIns="45700" rIns="91425" bIns="45700" anchor="t" anchorCtr="0">
             <a:normAutofit/>
           </a:bodyPr>
           <a:lstStyle/>
           <a:p>
-            <a:pPr indent="-285750" lvl="1" marL="742950" rtl="0" algn="l">
+            <a:pPr marL="742950" lvl="1" indent="-285750" algn="l" rtl="0">
               <a:spcBef>
                 <a:spcPts val="0"/>
               </a:spcBef>
@@ -14045,13 +14864,29 @@
               <a:buChar char="–"/>
             </a:pPr>
             <a:r>
-              <a:rPr lang="en-US" sz="1800"/>
-              <a:t>The General Education Committee with 25 potential faculty members is abolished.</a:t>
-            </a:r>
-            <a:endParaRPr/>
+              <a:rPr lang="en-US" sz="1800" dirty="0"/>
+              <a:t>The </a:t>
+            </a:r>
+            <a:r>
+              <a:rPr lang="en-US" sz="1800" b="1" dirty="0"/>
+              <a:t>General Education Committee </a:t>
+            </a:r>
+            <a:r>
+              <a:rPr lang="en-US" sz="1800" dirty="0"/>
+              <a:t>with 25 potential faculty members is </a:t>
+            </a:r>
+            <a:r>
+              <a:rPr lang="en-US" sz="1800" b="1" dirty="0"/>
+              <a:t>abolished</a:t>
+            </a:r>
+            <a:r>
+              <a:rPr lang="en-US" sz="1800" dirty="0"/>
+              <a:t>.</a:t>
+            </a:r>
+            <a:endParaRPr dirty="0"/>
           </a:p>
           <a:p>
-            <a:pPr indent="-285750" lvl="1" marL="742950" rtl="0" algn="l">
+            <a:pPr marL="742950" lvl="1" indent="-285750" algn="l" rtl="0">
               <a:spcBef>
                 <a:spcPts val="360"/>
               </a:spcBef>
@@ -14065,21 +14900,21 @@
               <a:buChar char="–"/>
             </a:pPr>
             <a:r>
-              <a:rPr lang="en-US" sz="1800"/>
-              <a:t>The proposed “Curriculum and Articulation” committee with “Two faculty member [sic] elected from each division/school” (</a:t>
-            </a:r>
-            <a:r>
-              <a:rPr i="1" lang="en-US"/>
+              <a:rPr lang="en-US" sz="1800" dirty="0"/>
+              <a:t>The proposed “Curriculum and Articulation” committee consists of “Two faculty member [sic] elected from each division/school” (</a:t>
+            </a:r>
+            <a:r>
+              <a:rPr lang="en-US" i="1" dirty="0"/>
               <a:t>elected by the entire faculty, as written</a:t>
             </a:r>
             <a:r>
-              <a:rPr lang="en-US" sz="1800"/>
+              <a:rPr lang="en-US" sz="1800" dirty="0"/>
               <a:t>); an associate provost, the academic deans, the registrar, two students, and the provost, as chair.</a:t>
             </a:r>
-            <a:endParaRPr/>
+            <a:endParaRPr dirty="0"/>
           </a:p>
           <a:p>
-            <a:pPr indent="-285750" lvl="1" marL="742950" rtl="0" algn="l">
+            <a:pPr marL="742950" lvl="1" indent="-285750" algn="l" rtl="0">
               <a:spcBef>
                 <a:spcPts val="360"/>
               </a:spcBef>
@@ -14093,10 +14928,14 @@
               <a:buChar char="–"/>
             </a:pPr>
             <a:r>
-              <a:rPr lang="en-US" sz="1800"/>
-              <a:t>Review isn’t expected: “Recommendations are forwarded to the College Senate and submitted to the President for approval.”</a:t>
-            </a:r>
-            <a:endParaRPr/>
+              <a:rPr lang="en-US" sz="1800" b="1" dirty="0"/>
+              <a:t>Review isn’t expected</a:t>
+            </a:r>
+            <a:r>
+              <a:rPr lang="en-US" sz="1800" dirty="0"/>
+              <a:t>: “Recommendations are forwarded to the College Senate and submitted to the President for approval.”</a:t>
+            </a:r>
+            <a:endParaRPr dirty="0"/>
           </a:p>
         </p:txBody>
       </p:sp>
@@ -14109,11 +14948,11 @@
 </file>
 
 <file path=ppt/slides/slide9.xml><?xml version="1.0" encoding="utf-8"?>
-<p:sld xmlns:a="http://schemas.openxmlformats.org/drawingml/2006/main" xmlns:r="http://schemas.openxmlformats.org/officeDocument/2006/relationships" xmlns:mc="http://schemas.openxmlformats.org/markup-compatibility/2006" xmlns:mv="urn:schemas-microsoft-com:mac:vml" xmlns:p="http://schemas.openxmlformats.org/presentationml/2006/main" xmlns:c="http://schemas.openxmlformats.org/drawingml/2006/chart" xmlns:dgm="http://schemas.openxmlformats.org/drawingml/2006/diagram" xmlns:o="urn:schemas-microsoft-com:office:office" xmlns:v="urn:schemas-microsoft-com:vml" xmlns:pvml="urn:schemas-microsoft-com:office:powerpoint" xmlns:com="http://schemas.openxmlformats.org/drawingml/2006/compatibility" xmlns:p14="http://schemas.microsoft.com/office/powerpoint/2010/main" xmlns:p15="http://schemas.microsoft.com/office/powerpoint/2012/main" xmlns:ahyp="http://schemas.microsoft.com/office/drawing/2018/hyperlinkcolor">
+<p:sld xmlns:a="http://schemas.openxmlformats.org/drawingml/2006/main" xmlns:r="http://schemas.openxmlformats.org/officeDocument/2006/relationships" xmlns:p="http://schemas.openxmlformats.org/presentationml/2006/main">
   <p:cSld>
     <p:spTree>
       <p:nvGrpSpPr>
-        <p:cNvPr id="132" name="Shape 132"/>
+        <p:cNvPr id="1" name="Shape 132"/>
         <p:cNvGrpSpPr/>
         <p:nvPr/>
       </p:nvGrpSpPr>
@@ -14128,7 +14967,9 @@
       <p:sp>
         <p:nvSpPr>
           <p:cNvPr id="133" name="Google Shape;133;p9"/>
-          <p:cNvSpPr txBox="1"/>
+          <p:cNvSpPr txBox="1">
+            <a:spLocks noGrp="1"/>
+          </p:cNvSpPr>
           <p:nvPr>
             <p:ph type="title"/>
           </p:nvPr>
@@ -14147,12 +14988,12 @@
           </a:ln>
         </p:spPr>
         <p:txBody>
-          <a:bodyPr anchorCtr="0" anchor="ctr" bIns="45700" lIns="91425" spcFirstLastPara="1" rIns="91425" wrap="square" tIns="45700">
+          <a:bodyPr spcFirstLastPara="1" wrap="square" lIns="91425" tIns="45700" rIns="91425" bIns="45700" anchor="ctr" anchorCtr="0">
             <a:normAutofit/>
           </a:bodyPr>
           <a:lstStyle/>
           <a:p>
-            <a:pPr indent="0" lvl="0" marL="0" rtl="0" algn="ctr">
+            <a:pPr marL="0" lvl="0" indent="0" algn="ctr" rtl="0">
               <a:spcBef>
                 <a:spcPts val="0"/>
               </a:spcBef>
@@ -14177,9 +15018,11 @@
       <p:sp>
         <p:nvSpPr>
           <p:cNvPr id="134" name="Google Shape;134;p9"/>
-          <p:cNvSpPr txBox="1"/>
+          <p:cNvSpPr txBox="1">
+            <a:spLocks noGrp="1"/>
+          </p:cNvSpPr>
           <p:nvPr>
-            <p:ph idx="1" type="body"/>
+            <p:ph type="body" idx="1"/>
           </p:nvPr>
         </p:nvSpPr>
         <p:spPr>
@@ -14196,12 +15039,12 @@
           </a:ln>
         </p:spPr>
         <p:txBody>
-          <a:bodyPr anchorCtr="0" anchor="t" bIns="45700" lIns="91425" spcFirstLastPara="1" rIns="91425" wrap="square" tIns="45700">
-            <a:normAutofit lnSpcReduction="20000"/>
+          <a:bodyPr spcFirstLastPara="1" wrap="square" lIns="91425" tIns="45700" rIns="91425" bIns="45700" anchor="t" anchorCtr="0">
+            <a:normAutofit fontScale="92500" lnSpcReduction="10000"/>
           </a:bodyPr>
           <a:lstStyle/>
           <a:p>
-            <a:pPr indent="-294322" lvl="1" marL="742950" rtl="0" algn="l">
+            <a:pPr marL="742950" lvl="1" indent="-294322" algn="l" rtl="0">
               <a:spcBef>
                 <a:spcPts val="0"/>
               </a:spcBef>
@@ -14215,13 +15058,29 @@
               <a:buChar char="–"/>
             </a:pPr>
             <a:r>
-              <a:rPr lang="en-US"/>
-              <a:t>The Faculty senate has numerous subcommittees; this proposal has numerous standing committees. The reporting nature is not the same:</a:t>
-            </a:r>
-            <a:endParaRPr/>
+              <a:rPr lang="en-US" dirty="0"/>
+              <a:t>The Faculty senate has numerous </a:t>
+            </a:r>
+            <a:r>
+              <a:rPr lang="en-US" b="1" dirty="0"/>
+              <a:t>subcommittees</a:t>
+            </a:r>
+            <a:r>
+              <a:rPr lang="en-US" dirty="0"/>
+              <a:t>; this proposal has numerous </a:t>
+            </a:r>
+            <a:r>
+              <a:rPr lang="en-US" b="1" dirty="0"/>
+              <a:t>standing committee</a:t>
+            </a:r>
+            <a:r>
+              <a:rPr lang="en-US" dirty="0"/>
+              <a:t>s. The reporting nature is not the same:</a:t>
+            </a:r>
+            <a:endParaRPr dirty="0"/>
           </a:p>
           <a:p>
-            <a:pPr indent="0" lvl="0" marL="0" rtl="0" algn="l">
+            <a:pPr marL="0" lvl="0" indent="0" algn="l" rtl="0">
               <a:spcBef>
                 <a:spcPts val="444"/>
               </a:spcBef>
@@ -14235,13 +15094,13 @@
               <a:buNone/>
             </a:pPr>
             <a:r>
-              <a:rPr lang="en-US"/>
+              <a:rPr lang="en-US" dirty="0"/>
               <a:t>Currently:</a:t>
             </a:r>
-            <a:endParaRPr/>
+            <a:endParaRPr dirty="0"/>
           </a:p>
           <a:p>
-            <a:pPr indent="0" lvl="0" marL="1270000" rtl="0" algn="l">
+            <a:pPr marL="1270000" lvl="0" indent="0" algn="l" rtl="0">
               <a:spcBef>
                 <a:spcPts val="370"/>
               </a:spcBef>
@@ -14255,13 +15114,21 @@
               <a:buNone/>
             </a:pPr>
             <a:r>
-              <a:rPr lang="en-US" sz="2000"/>
-              <a:t>None of the Faculty Senate committees are policy-making bodies, and all recommendations made by such committees are subject to review for further action in accordance with the Governance Plan, except that decisions related to individual students are final.</a:t>
-            </a:r>
-            <a:endParaRPr/>
+              <a:rPr lang="en-US" sz="2000" dirty="0"/>
+              <a:t>None of the Faculty Senate committees are policy-making bodies, and all </a:t>
+            </a:r>
+            <a:r>
+              <a:rPr lang="en-US" sz="2000" b="1" dirty="0"/>
+              <a:t>recommendations made by such committees are subject to review for further action</a:t>
+            </a:r>
+            <a:r>
+              <a:rPr lang="en-US" sz="2000" dirty="0"/>
+              <a:t> in accordance with the Governance Plan, except that decisions related to individual students are final.</a:t>
+            </a:r>
+            <a:endParaRPr dirty="0"/>
           </a:p>
           <a:p>
-            <a:pPr indent="0" lvl="0" marL="0" rtl="0" algn="l">
+            <a:pPr marL="0" lvl="0" indent="0" algn="l" rtl="0">
               <a:spcBef>
                 <a:spcPts val="444"/>
               </a:spcBef>
@@ -14275,13 +15142,13 @@
               <a:buNone/>
             </a:pPr>
             <a:r>
-              <a:rPr lang="en-US"/>
+              <a:rPr lang="en-US" dirty="0"/>
               <a:t>Proposed</a:t>
             </a:r>
-            <a:endParaRPr/>
+            <a:endParaRPr dirty="0"/>
           </a:p>
           <a:p>
-            <a:pPr indent="-294322" lvl="1" marL="742950" rtl="0" algn="l">
+            <a:pPr marL="742950" lvl="1" indent="-294322" algn="l" rtl="0">
               <a:spcBef>
                 <a:spcPts val="333"/>
               </a:spcBef>
@@ -14295,13 +15162,13 @@
               <a:buChar char="–"/>
             </a:pPr>
             <a:r>
-              <a:rPr lang="en-US"/>
+              <a:rPr lang="en-US" dirty="0"/>
               <a:t>Admissions – “Decisions of the committee may be appealed to the Provost.”</a:t>
             </a:r>
-            <a:endParaRPr/>
+            <a:endParaRPr dirty="0"/>
           </a:p>
           <a:p>
-            <a:pPr indent="-294322" lvl="1" marL="742950" rtl="0" algn="l">
+            <a:pPr marL="742950" lvl="1" indent="-294322" algn="l" rtl="0">
               <a:spcBef>
                 <a:spcPts val="333"/>
               </a:spcBef>
@@ -14315,13 +15182,13 @@
               <a:buChar char="–"/>
             </a:pPr>
             <a:r>
-              <a:rPr lang="en-US"/>
+              <a:rPr lang="en-US" dirty="0"/>
               <a:t>Assessment and Institutional Effectiveness – (no reporting given)</a:t>
             </a:r>
-            <a:endParaRPr/>
+            <a:endParaRPr dirty="0"/>
           </a:p>
           <a:p>
-            <a:pPr indent="-294322" lvl="1" marL="742950" rtl="0" algn="l">
+            <a:pPr marL="742950" lvl="1" indent="-294322" algn="l" rtl="0">
               <a:spcBef>
                 <a:spcPts val="333"/>
               </a:spcBef>
@@ -14335,13 +15202,13 @@
               <a:buChar char="–"/>
             </a:pPr>
             <a:r>
-              <a:rPr lang="en-US"/>
+              <a:rPr lang="en-US" dirty="0"/>
               <a:t>Research – “Makes recommendations to the provost.”</a:t>
             </a:r>
-            <a:endParaRPr/>
+            <a:endParaRPr dirty="0"/>
           </a:p>
           <a:p>
-            <a:pPr indent="-294322" lvl="1" marL="742950" rtl="0" algn="l">
+            <a:pPr marL="742950" lvl="1" indent="-294322" algn="l" rtl="0">
               <a:spcBef>
                 <a:spcPts val="333"/>
               </a:spcBef>
@@ -14355,21 +15222,21 @@
               <a:buChar char="–"/>
             </a:pPr>
             <a:r>
-              <a:rPr lang="en-US"/>
+              <a:rPr lang="en-US" dirty="0"/>
               <a:t>Student Affairs – “</a:t>
             </a:r>
             <a:r>
-              <a:rPr b="1" lang="en-US"/>
+              <a:rPr lang="en-US" b="1" dirty="0"/>
               <a:t>Reports</a:t>
             </a:r>
             <a:r>
-              <a:rPr lang="en-US"/>
+              <a:rPr lang="en-US" dirty="0"/>
               <a:t> will be made to College Senate. Recommendations may be appealed to the President.”</a:t>
             </a:r>
-            <a:endParaRPr/>
+            <a:endParaRPr dirty="0"/>
           </a:p>
           <a:p>
-            <a:pPr indent="-294322" lvl="1" marL="742950" rtl="0" algn="l">
+            <a:pPr marL="742950" lvl="1" indent="-294322" algn="l" rtl="0">
               <a:spcBef>
                 <a:spcPts val="333"/>
               </a:spcBef>
@@ -14383,13 +15250,13 @@
               <a:buChar char="–"/>
             </a:pPr>
             <a:r>
-              <a:rPr lang="en-US"/>
+              <a:rPr lang="en-US" dirty="0"/>
               <a:t>Student Evaluation of Courses and Teaching – ditto</a:t>
             </a:r>
-            <a:endParaRPr/>
+            <a:endParaRPr dirty="0"/>
           </a:p>
           <a:p>
-            <a:pPr indent="-294322" lvl="1" marL="742950" rtl="0" algn="l">
+            <a:pPr marL="742950" lvl="1" indent="-294322" algn="l" rtl="0">
               <a:spcBef>
                 <a:spcPts val="333"/>
               </a:spcBef>
@@ -14403,10 +15270,10 @@
               <a:buChar char="–"/>
             </a:pPr>
             <a:r>
-              <a:rPr lang="en-US"/>
+              <a:rPr lang="en-US" dirty="0"/>
               <a:t>Technology – ditto</a:t>
             </a:r>
-            <a:endParaRPr/>
+            <a:endParaRPr dirty="0"/>
           </a:p>
         </p:txBody>
       </p:sp>
@@ -14419,7 +15286,7 @@
 </file>
 
 <file path=ppt/theme/theme1.xml><?xml version="1.0" encoding="utf-8"?>
-<a:theme xmlns:a="http://schemas.openxmlformats.org/drawingml/2006/main" xmlns:r="http://schemas.openxmlformats.org/officeDocument/2006/relationships" name="Office Theme">
+<a:theme xmlns:a="http://schemas.openxmlformats.org/drawingml/2006/main" name="Office Theme">
   <a:themeElements>
     <a:clrScheme name="Office">
       <a:dk1>
@@ -14694,11 +15561,13 @@
       </a:bgFillStyleLst>
     </a:fmtScheme>
   </a:themeElements>
+  <a:objectDefaults/>
+  <a:extraClrSchemeLst/>
 </a:theme>
 </file>
 
 <file path=ppt/theme/theme2.xml><?xml version="1.0" encoding="utf-8"?>
-<a:theme xmlns:a="http://schemas.openxmlformats.org/drawingml/2006/main" xmlns:r="http://schemas.openxmlformats.org/officeDocument/2006/relationships">
+<a:theme xmlns:a="http://schemas.openxmlformats.org/drawingml/2006/main">
   <a:themeElements>
     <a:clrScheme name="Default">
       <a:dk1>
@@ -14973,5 +15842,7 @@
       </a:bgFillStyleLst>
     </a:fmtScheme>
   </a:themeElements>
+  <a:objectDefaults/>
+  <a:extraClrSchemeLst/>
 </a:theme>
 </file>